--- a/stock_price/CrypotHackaton.pptx
+++ b/stock_price/CrypotHackaton.pptx
@@ -4,6 +4,9 @@
   <p:sldMasterIdLst>
     <p:sldMasterId id="2147483648" r:id="rId1"/>
   </p:sldMasterIdLst>
+  <p:notesMasterIdLst>
+    <p:notesMasterId r:id="rId31"/>
+  </p:notesMasterIdLst>
   <p:sldIdLst>
     <p:sldId id="256" r:id="rId2"/>
     <p:sldId id="272" r:id="rId3"/>
@@ -16,17 +19,24 @@
     <p:sldId id="262" r:id="rId10"/>
     <p:sldId id="264" r:id="rId11"/>
     <p:sldId id="265" r:id="rId12"/>
-    <p:sldId id="270" r:id="rId13"/>
-    <p:sldId id="269" r:id="rId14"/>
-    <p:sldId id="271" r:id="rId15"/>
-    <p:sldId id="273" r:id="rId16"/>
-    <p:sldId id="274" r:id="rId17"/>
-    <p:sldId id="267" r:id="rId18"/>
-    <p:sldId id="275" r:id="rId19"/>
-    <p:sldId id="276" r:id="rId20"/>
-    <p:sldId id="277" r:id="rId21"/>
-    <p:sldId id="278" r:id="rId22"/>
-    <p:sldId id="268" r:id="rId23"/>
+    <p:sldId id="283" r:id="rId13"/>
+    <p:sldId id="287" r:id="rId14"/>
+    <p:sldId id="285" r:id="rId15"/>
+    <p:sldId id="284" r:id="rId16"/>
+    <p:sldId id="280" r:id="rId17"/>
+    <p:sldId id="279" r:id="rId18"/>
+    <p:sldId id="282" r:id="rId19"/>
+    <p:sldId id="273" r:id="rId20"/>
+    <p:sldId id="270" r:id="rId21"/>
+    <p:sldId id="269" r:id="rId22"/>
+    <p:sldId id="281" r:id="rId23"/>
+    <p:sldId id="271" r:id="rId24"/>
+    <p:sldId id="274" r:id="rId25"/>
+    <p:sldId id="267" r:id="rId26"/>
+    <p:sldId id="275" r:id="rId27"/>
+    <p:sldId id="276" r:id="rId28"/>
+    <p:sldId id="277" r:id="rId29"/>
+    <p:sldId id="278" r:id="rId30"/>
   </p:sldIdLst>
   <p:sldSz cx="12192000" cy="6858000"/>
   <p:notesSz cx="6858000" cy="9144000"/>
@@ -133,6 +143,356 @@
 </p:presentation>
 </file>
 
+<file path=ppt/notesMasters/notesMaster1.xml><?xml version="1.0" encoding="utf-8"?>
+<p:notesMaster xmlns:a="http://schemas.openxmlformats.org/drawingml/2006/main" xmlns:r="http://schemas.openxmlformats.org/officeDocument/2006/relationships" xmlns:p="http://schemas.openxmlformats.org/presentationml/2006/main">
+  <p:cSld>
+    <p:bg>
+      <p:bgRef idx="1001">
+        <a:schemeClr val="bg1"/>
+      </p:bgRef>
+    </p:bg>
+    <p:spTree>
+      <p:nvGrpSpPr>
+        <p:cNvPr id="1" name=""/>
+        <p:cNvGrpSpPr/>
+        <p:nvPr/>
+      </p:nvGrpSpPr>
+      <p:grpSpPr>
+        <a:xfrm>
+          <a:off x="0" y="0"/>
+          <a:ext cx="0" cy="0"/>
+          <a:chOff x="0" y="0"/>
+          <a:chExt cx="0" cy="0"/>
+        </a:xfrm>
+      </p:grpSpPr>
+      <p:sp>
+        <p:nvSpPr>
+          <p:cNvPr id="2" name="Header Placeholder 1"/>
+          <p:cNvSpPr>
+            <a:spLocks noGrp="1"/>
+          </p:cNvSpPr>
+          <p:nvPr>
+            <p:ph type="hdr" sz="quarter"/>
+          </p:nvPr>
+        </p:nvSpPr>
+        <p:spPr>
+          <a:xfrm>
+            <a:off x="0" y="0"/>
+            <a:ext cx="2971800" cy="458788"/>
+          </a:xfrm>
+          <a:prstGeom prst="rect">
+            <a:avLst/>
+          </a:prstGeom>
+        </p:spPr>
+        <p:txBody>
+          <a:bodyPr vert="horz" lIns="91440" tIns="45720" rIns="91440" bIns="45720" rtlCol="0"/>
+          <a:lstStyle>
+            <a:lvl1pPr algn="l">
+              <a:defRPr sz="1200"/>
+            </a:lvl1pPr>
+          </a:lstStyle>
+          <a:p>
+            <a:endParaRPr lang="en-US"/>
+          </a:p>
+        </p:txBody>
+      </p:sp>
+      <p:sp>
+        <p:nvSpPr>
+          <p:cNvPr id="3" name="Date Placeholder 2"/>
+          <p:cNvSpPr>
+            <a:spLocks noGrp="1"/>
+          </p:cNvSpPr>
+          <p:nvPr>
+            <p:ph type="dt" idx="1"/>
+          </p:nvPr>
+        </p:nvSpPr>
+        <p:spPr>
+          <a:xfrm>
+            <a:off x="3884613" y="0"/>
+            <a:ext cx="2971800" cy="458788"/>
+          </a:xfrm>
+          <a:prstGeom prst="rect">
+            <a:avLst/>
+          </a:prstGeom>
+        </p:spPr>
+        <p:txBody>
+          <a:bodyPr vert="horz" lIns="91440" tIns="45720" rIns="91440" bIns="45720" rtlCol="0"/>
+          <a:lstStyle>
+            <a:lvl1pPr algn="r">
+              <a:defRPr sz="1200"/>
+            </a:lvl1pPr>
+          </a:lstStyle>
+          <a:p>
+            <a:fld id="{347C6FE8-316F-2447-A5BF-1D76745FC404}" type="datetimeFigureOut">
+              <a:rPr lang="en-US" smtClean="0"/>
+              <a:t>8/24/18</a:t>
+            </a:fld>
+            <a:endParaRPr lang="en-US"/>
+          </a:p>
+        </p:txBody>
+      </p:sp>
+      <p:sp>
+        <p:nvSpPr>
+          <p:cNvPr id="4" name="Slide Image Placeholder 3"/>
+          <p:cNvSpPr>
+            <a:spLocks noGrp="1" noRot="1" noChangeAspect="1"/>
+          </p:cNvSpPr>
+          <p:nvPr>
+            <p:ph type="sldImg" idx="2"/>
+          </p:nvPr>
+        </p:nvSpPr>
+        <p:spPr>
+          <a:xfrm>
+            <a:off x="685800" y="1143000"/>
+            <a:ext cx="5486400" cy="3086100"/>
+          </a:xfrm>
+          <a:prstGeom prst="rect">
+            <a:avLst/>
+          </a:prstGeom>
+          <a:noFill/>
+          <a:ln w="12700">
+            <a:solidFill>
+              <a:prstClr val="black"/>
+            </a:solidFill>
+          </a:ln>
+        </p:spPr>
+        <p:txBody>
+          <a:bodyPr vert="horz" lIns="91440" tIns="45720" rIns="91440" bIns="45720" rtlCol="0" anchor="ctr"/>
+          <a:lstStyle/>
+          <a:p>
+            <a:endParaRPr lang="en-US"/>
+          </a:p>
+        </p:txBody>
+      </p:sp>
+      <p:sp>
+        <p:nvSpPr>
+          <p:cNvPr id="5" name="Notes Placeholder 4"/>
+          <p:cNvSpPr>
+            <a:spLocks noGrp="1"/>
+          </p:cNvSpPr>
+          <p:nvPr>
+            <p:ph type="body" sz="quarter" idx="3"/>
+          </p:nvPr>
+        </p:nvSpPr>
+        <p:spPr>
+          <a:xfrm>
+            <a:off x="685800" y="4400550"/>
+            <a:ext cx="5486400" cy="3600450"/>
+          </a:xfrm>
+          <a:prstGeom prst="rect">
+            <a:avLst/>
+          </a:prstGeom>
+        </p:spPr>
+        <p:txBody>
+          <a:bodyPr vert="horz" lIns="91440" tIns="45720" rIns="91440" bIns="45720" rtlCol="0"/>
+          <a:lstStyle/>
+          <a:p>
+            <a:pPr lvl="0"/>
+            <a:r>
+              <a:rPr lang="en-US" smtClean="0"/>
+              <a:t>Click to edit Master text styles</a:t>
+            </a:r>
+          </a:p>
+          <a:p>
+            <a:pPr lvl="1"/>
+            <a:r>
+              <a:rPr lang="en-US" smtClean="0"/>
+              <a:t>Second level</a:t>
+            </a:r>
+          </a:p>
+          <a:p>
+            <a:pPr lvl="2"/>
+            <a:r>
+              <a:rPr lang="en-US" smtClean="0"/>
+              <a:t>Third level</a:t>
+            </a:r>
+          </a:p>
+          <a:p>
+            <a:pPr lvl="3"/>
+            <a:r>
+              <a:rPr lang="en-US" smtClean="0"/>
+              <a:t>Fourth level</a:t>
+            </a:r>
+          </a:p>
+          <a:p>
+            <a:pPr lvl="4"/>
+            <a:r>
+              <a:rPr lang="en-US" smtClean="0"/>
+              <a:t>Fifth level</a:t>
+            </a:r>
+            <a:endParaRPr lang="en-US"/>
+          </a:p>
+        </p:txBody>
+      </p:sp>
+      <p:sp>
+        <p:nvSpPr>
+          <p:cNvPr id="6" name="Footer Placeholder 5"/>
+          <p:cNvSpPr>
+            <a:spLocks noGrp="1"/>
+          </p:cNvSpPr>
+          <p:nvPr>
+            <p:ph type="ftr" sz="quarter" idx="4"/>
+          </p:nvPr>
+        </p:nvSpPr>
+        <p:spPr>
+          <a:xfrm>
+            <a:off x="0" y="8685213"/>
+            <a:ext cx="2971800" cy="458787"/>
+          </a:xfrm>
+          <a:prstGeom prst="rect">
+            <a:avLst/>
+          </a:prstGeom>
+        </p:spPr>
+        <p:txBody>
+          <a:bodyPr vert="horz" lIns="91440" tIns="45720" rIns="91440" bIns="45720" rtlCol="0" anchor="b"/>
+          <a:lstStyle>
+            <a:lvl1pPr algn="l">
+              <a:defRPr sz="1200"/>
+            </a:lvl1pPr>
+          </a:lstStyle>
+          <a:p>
+            <a:endParaRPr lang="en-US"/>
+          </a:p>
+        </p:txBody>
+      </p:sp>
+      <p:sp>
+        <p:nvSpPr>
+          <p:cNvPr id="7" name="Slide Number Placeholder 6"/>
+          <p:cNvSpPr>
+            <a:spLocks noGrp="1"/>
+          </p:cNvSpPr>
+          <p:nvPr>
+            <p:ph type="sldNum" sz="quarter" idx="5"/>
+          </p:nvPr>
+        </p:nvSpPr>
+        <p:spPr>
+          <a:xfrm>
+            <a:off x="3884613" y="8685213"/>
+            <a:ext cx="2971800" cy="458787"/>
+          </a:xfrm>
+          <a:prstGeom prst="rect">
+            <a:avLst/>
+          </a:prstGeom>
+        </p:spPr>
+        <p:txBody>
+          <a:bodyPr vert="horz" lIns="91440" tIns="45720" rIns="91440" bIns="45720" rtlCol="0" anchor="b"/>
+          <a:lstStyle>
+            <a:lvl1pPr algn="r">
+              <a:defRPr sz="1200"/>
+            </a:lvl1pPr>
+          </a:lstStyle>
+          <a:p>
+            <a:fld id="{145DE7F1-5E70-084B-A9F5-837825CAFDAB}" type="slidenum">
+              <a:rPr lang="en-US" smtClean="0"/>
+              <a:t>‹#›</a:t>
+            </a:fld>
+            <a:endParaRPr lang="en-US"/>
+          </a:p>
+        </p:txBody>
+      </p:sp>
+    </p:spTree>
+    <p:extLst>
+      <p:ext uri="{BB962C8B-B14F-4D97-AF65-F5344CB8AC3E}">
+        <p14:creationId xmlns:p14="http://schemas.microsoft.com/office/powerpoint/2010/main" val="1863798130"/>
+      </p:ext>
+    </p:extLst>
+  </p:cSld>
+  <p:clrMap bg1="lt1" tx1="dk1" bg2="lt2" tx2="dk2" accent1="accent1" accent2="accent2" accent3="accent3" accent4="accent4" accent5="accent5" accent6="accent6" hlink="hlink" folHlink="folHlink"/>
+  <p:notesStyle>
+    <a:lvl1pPr marL="0" algn="l" defTabSz="914400" rtl="0" eaLnBrk="1" latinLnBrk="0" hangingPunct="1">
+      <a:defRPr sz="1200" kern="1200">
+        <a:solidFill>
+          <a:schemeClr val="tx1"/>
+        </a:solidFill>
+        <a:latin typeface="+mn-lt"/>
+        <a:ea typeface="+mn-ea"/>
+        <a:cs typeface="+mn-cs"/>
+      </a:defRPr>
+    </a:lvl1pPr>
+    <a:lvl2pPr marL="457200" algn="l" defTabSz="914400" rtl="0" eaLnBrk="1" latinLnBrk="0" hangingPunct="1">
+      <a:defRPr sz="1200" kern="1200">
+        <a:solidFill>
+          <a:schemeClr val="tx1"/>
+        </a:solidFill>
+        <a:latin typeface="+mn-lt"/>
+        <a:ea typeface="+mn-ea"/>
+        <a:cs typeface="+mn-cs"/>
+      </a:defRPr>
+    </a:lvl2pPr>
+    <a:lvl3pPr marL="914400" algn="l" defTabSz="914400" rtl="0" eaLnBrk="1" latinLnBrk="0" hangingPunct="1">
+      <a:defRPr sz="1200" kern="1200">
+        <a:solidFill>
+          <a:schemeClr val="tx1"/>
+        </a:solidFill>
+        <a:latin typeface="+mn-lt"/>
+        <a:ea typeface="+mn-ea"/>
+        <a:cs typeface="+mn-cs"/>
+      </a:defRPr>
+    </a:lvl3pPr>
+    <a:lvl4pPr marL="1371600" algn="l" defTabSz="914400" rtl="0" eaLnBrk="1" latinLnBrk="0" hangingPunct="1">
+      <a:defRPr sz="1200" kern="1200">
+        <a:solidFill>
+          <a:schemeClr val="tx1"/>
+        </a:solidFill>
+        <a:latin typeface="+mn-lt"/>
+        <a:ea typeface="+mn-ea"/>
+        <a:cs typeface="+mn-cs"/>
+      </a:defRPr>
+    </a:lvl4pPr>
+    <a:lvl5pPr marL="1828800" algn="l" defTabSz="914400" rtl="0" eaLnBrk="1" latinLnBrk="0" hangingPunct="1">
+      <a:defRPr sz="1200" kern="1200">
+        <a:solidFill>
+          <a:schemeClr val="tx1"/>
+        </a:solidFill>
+        <a:latin typeface="+mn-lt"/>
+        <a:ea typeface="+mn-ea"/>
+        <a:cs typeface="+mn-cs"/>
+      </a:defRPr>
+    </a:lvl5pPr>
+    <a:lvl6pPr marL="2286000" algn="l" defTabSz="914400" rtl="0" eaLnBrk="1" latinLnBrk="0" hangingPunct="1">
+      <a:defRPr sz="1200" kern="1200">
+        <a:solidFill>
+          <a:schemeClr val="tx1"/>
+        </a:solidFill>
+        <a:latin typeface="+mn-lt"/>
+        <a:ea typeface="+mn-ea"/>
+        <a:cs typeface="+mn-cs"/>
+      </a:defRPr>
+    </a:lvl6pPr>
+    <a:lvl7pPr marL="2743200" algn="l" defTabSz="914400" rtl="0" eaLnBrk="1" latinLnBrk="0" hangingPunct="1">
+      <a:defRPr sz="1200" kern="1200">
+        <a:solidFill>
+          <a:schemeClr val="tx1"/>
+        </a:solidFill>
+        <a:latin typeface="+mn-lt"/>
+        <a:ea typeface="+mn-ea"/>
+        <a:cs typeface="+mn-cs"/>
+      </a:defRPr>
+    </a:lvl7pPr>
+    <a:lvl8pPr marL="3200400" algn="l" defTabSz="914400" rtl="0" eaLnBrk="1" latinLnBrk="0" hangingPunct="1">
+      <a:defRPr sz="1200" kern="1200">
+        <a:solidFill>
+          <a:schemeClr val="tx1"/>
+        </a:solidFill>
+        <a:latin typeface="+mn-lt"/>
+        <a:ea typeface="+mn-ea"/>
+        <a:cs typeface="+mn-cs"/>
+      </a:defRPr>
+    </a:lvl8pPr>
+    <a:lvl9pPr marL="3657600" algn="l" defTabSz="914400" rtl="0" eaLnBrk="1" latinLnBrk="0" hangingPunct="1">
+      <a:defRPr sz="1200" kern="1200">
+        <a:solidFill>
+          <a:schemeClr val="tx1"/>
+        </a:solidFill>
+        <a:latin typeface="+mn-lt"/>
+        <a:ea typeface="+mn-ea"/>
+        <a:cs typeface="+mn-cs"/>
+      </a:defRPr>
+    </a:lvl9pPr>
+  </p:notesStyle>
+</p:notesMaster>
+</file>
+
 <file path=ppt/slideLayouts/slideLayout1.xml><?xml version="1.0" encoding="utf-8"?>
 <p:sldLayout xmlns:a="http://schemas.openxmlformats.org/drawingml/2006/main" xmlns:r="http://schemas.openxmlformats.org/officeDocument/2006/relationships" xmlns:p="http://schemas.openxmlformats.org/presentationml/2006/main" type="title" preserve="1">
   <p:cSld name="Title Slide">
@@ -363,7 +723,7 @@
             <a:fld id="{B61BEF0D-F0BB-DE4B-95CE-6DB70DBA9567}" type="datetimeFigureOut">
               <a:rPr lang="en-US" dirty="0"/>
               <a:pPr/>
-              <a:t>8/10/18</a:t>
+              <a:t>8/24/18</a:t>
             </a:fld>
             <a:endParaRPr lang="en-US" dirty="0"/>
           </a:p>
@@ -694,7 +1054,7 @@
             <a:fld id="{B61BEF0D-F0BB-DE4B-95CE-6DB70DBA9567}" type="datetimeFigureOut">
               <a:rPr lang="en-US" dirty="0"/>
               <a:pPr/>
-              <a:t>8/10/18</a:t>
+              <a:t>8/24/18</a:t>
             </a:fld>
             <a:endParaRPr lang="en-US" dirty="0"/>
           </a:p>
@@ -969,7 +1329,7 @@
             <a:fld id="{B61BEF0D-F0BB-DE4B-95CE-6DB70DBA9567}" type="datetimeFigureOut">
               <a:rPr lang="en-US" dirty="0"/>
               <a:pPr/>
-              <a:t>8/10/18</a:t>
+              <a:t>8/24/18</a:t>
             </a:fld>
             <a:endParaRPr lang="en-US" dirty="0"/>
           </a:p>
@@ -1534,7 +1894,7 @@
             <a:fld id="{B61BEF0D-F0BB-DE4B-95CE-6DB70DBA9567}" type="datetimeFigureOut">
               <a:rPr lang="en-US" dirty="0"/>
               <a:pPr/>
-              <a:t>8/10/18</a:t>
+              <a:t>8/24/18</a:t>
             </a:fld>
             <a:endParaRPr lang="en-US" dirty="0"/>
           </a:p>
@@ -1809,7 +2169,7 @@
             <a:fld id="{B61BEF0D-F0BB-DE4B-95CE-6DB70DBA9567}" type="datetimeFigureOut">
               <a:rPr lang="en-US" dirty="0"/>
               <a:pPr/>
-              <a:t>8/10/18</a:t>
+              <a:t>8/24/18</a:t>
             </a:fld>
             <a:endParaRPr lang="en-US" dirty="0"/>
           </a:p>
@@ -2368,7 +2728,7 @@
             <a:fld id="{B61BEF0D-F0BB-DE4B-95CE-6DB70DBA9567}" type="datetimeFigureOut">
               <a:rPr lang="en-US" dirty="0"/>
               <a:pPr/>
-              <a:t>8/10/18</a:t>
+              <a:t>8/24/18</a:t>
             </a:fld>
             <a:endParaRPr lang="en-US" dirty="0"/>
           </a:p>
@@ -2692,7 +3052,7 @@
             <a:fld id="{B61BEF0D-F0BB-DE4B-95CE-6DB70DBA9567}" type="datetimeFigureOut">
               <a:rPr lang="en-US" dirty="0"/>
               <a:pPr/>
-              <a:t>8/10/18</a:t>
+              <a:t>8/24/18</a:t>
             </a:fld>
             <a:endParaRPr lang="en-US" dirty="0"/>
           </a:p>
@@ -2866,7 +3226,7 @@
             <a:fld id="{B61BEF0D-F0BB-DE4B-95CE-6DB70DBA9567}" type="datetimeFigureOut">
               <a:rPr lang="en-US" dirty="0"/>
               <a:pPr/>
-              <a:t>8/10/18</a:t>
+              <a:t>8/24/18</a:t>
             </a:fld>
             <a:endParaRPr lang="en-US" dirty="0"/>
           </a:p>
@@ -3101,7 +3461,7 @@
             <a:fld id="{B61BEF0D-F0BB-DE4B-95CE-6DB70DBA9567}" type="datetimeFigureOut">
               <a:rPr lang="en-US" dirty="0"/>
               <a:pPr/>
-              <a:t>8/10/18</a:t>
+              <a:t>8/24/18</a:t>
             </a:fld>
             <a:endParaRPr lang="en-US" dirty="0"/>
           </a:p>
@@ -3298,7 +3658,7 @@
             <a:fld id="{B61BEF0D-F0BB-DE4B-95CE-6DB70DBA9567}" type="datetimeFigureOut">
               <a:rPr lang="en-US" dirty="0"/>
               <a:pPr/>
-              <a:t>8/10/18</a:t>
+              <a:t>8/24/18</a:t>
             </a:fld>
             <a:endParaRPr lang="en-US" dirty="0"/>
           </a:p>
@@ -3571,7 +3931,7 @@
             <a:fld id="{B61BEF0D-F0BB-DE4B-95CE-6DB70DBA9567}" type="datetimeFigureOut">
               <a:rPr lang="en-US" dirty="0"/>
               <a:pPr/>
-              <a:t>8/10/18</a:t>
+              <a:t>8/24/18</a:t>
             </a:fld>
             <a:endParaRPr lang="en-US" dirty="0"/>
           </a:p>
@@ -3834,7 +4194,7 @@
             <a:fld id="{B61BEF0D-F0BB-DE4B-95CE-6DB70DBA9567}" type="datetimeFigureOut">
               <a:rPr lang="en-US" dirty="0"/>
               <a:pPr/>
-              <a:t>8/10/18</a:t>
+              <a:t>8/24/18</a:t>
             </a:fld>
             <a:endParaRPr lang="en-US" dirty="0"/>
           </a:p>
@@ -4205,7 +4565,7 @@
             <a:fld id="{B61BEF0D-F0BB-DE4B-95CE-6DB70DBA9567}" type="datetimeFigureOut">
               <a:rPr lang="en-US" dirty="0"/>
               <a:pPr/>
-              <a:t>8/10/18</a:t>
+              <a:t>8/24/18</a:t>
             </a:fld>
             <a:endParaRPr lang="en-US" dirty="0"/>
           </a:p>
@@ -4350,7 +4710,7 @@
             <a:fld id="{B61BEF0D-F0BB-DE4B-95CE-6DB70DBA9567}" type="datetimeFigureOut">
               <a:rPr lang="en-US" dirty="0"/>
               <a:pPr/>
-              <a:t>8/10/18</a:t>
+              <a:t>8/24/18</a:t>
             </a:fld>
             <a:endParaRPr lang="en-US" dirty="0"/>
           </a:p>
@@ -4472,7 +4832,7 @@
             <a:fld id="{B61BEF0D-F0BB-DE4B-95CE-6DB70DBA9567}" type="datetimeFigureOut">
               <a:rPr lang="en-US" dirty="0"/>
               <a:pPr/>
-              <a:t>8/10/18</a:t>
+              <a:t>8/24/18</a:t>
             </a:fld>
             <a:endParaRPr lang="en-US" dirty="0"/>
           </a:p>
@@ -4754,7 +5114,7 @@
             <a:fld id="{B61BEF0D-F0BB-DE4B-95CE-6DB70DBA9567}" type="datetimeFigureOut">
               <a:rPr lang="en-US" dirty="0"/>
               <a:pPr/>
-              <a:t>8/10/18</a:t>
+              <a:t>8/24/18</a:t>
             </a:fld>
             <a:endParaRPr lang="en-US" dirty="0"/>
           </a:p>
@@ -5075,7 +5435,7 @@
             <a:fld id="{B61BEF0D-F0BB-DE4B-95CE-6DB70DBA9567}" type="datetimeFigureOut">
               <a:rPr lang="en-US" dirty="0"/>
               <a:pPr/>
-              <a:t>8/10/18</a:t>
+              <a:t>8/24/18</a:t>
             </a:fld>
             <a:endParaRPr lang="en-US" dirty="0"/>
           </a:p>
@@ -5286,7 +5646,7 @@
             <a:fld id="{B61BEF0D-F0BB-DE4B-95CE-6DB70DBA9567}" type="datetimeFigureOut">
               <a:rPr lang="en-US" dirty="0"/>
               <a:pPr/>
-              <a:t>8/10/18</a:t>
+              <a:t>8/24/18</a:t>
             </a:fld>
             <a:endParaRPr lang="en-US" dirty="0"/>
           </a:p>
@@ -5816,11 +6176,7 @@
             </a:r>
             <a:r>
               <a:rPr lang="en-US" dirty="0" smtClean="0"/>
-              <a:t> </a:t>
-            </a:r>
-            <a:r>
-              <a:rPr lang="en-US" dirty="0" smtClean="0"/>
-              <a:t>price prediction workshop</a:t>
+              <a:t> price prediction workshop</a:t>
             </a:r>
             <a:endParaRPr lang="en-US" dirty="0"/>
           </a:p>
@@ -5925,7 +6281,15 @@
             <a:pPr lvl="1"/>
             <a:r>
               <a:rPr lang="en-US" dirty="0" smtClean="0"/>
-              <a:t>This is a work shop so we want to focus on practical application of existing ML techniques</a:t>
+              <a:t>This is a </a:t>
+            </a:r>
+            <a:r>
+              <a:rPr lang="en-US" dirty="0" smtClean="0"/>
+              <a:t>workshop </a:t>
+            </a:r>
+            <a:r>
+              <a:rPr lang="en-US" dirty="0" smtClean="0"/>
+              <a:t>so we want to focus on practical application of existing ML techniques</a:t>
             </a:r>
           </a:p>
           <a:p>
@@ -5954,7 +6318,11 @@
             <a:pPr lvl="1"/>
             <a:r>
               <a:rPr lang="en-US" dirty="0" smtClean="0"/>
-              <a:t>Feel free to work in teams, I would suggest we use a scrum method to get the work done</a:t>
+              <a:t>Feel </a:t>
+            </a:r>
+            <a:r>
+              <a:rPr lang="en-US" dirty="0" smtClean="0"/>
+              <a:t>free to work in teams, I would suggest we use a scrum method to get the work done</a:t>
             </a:r>
           </a:p>
           <a:p>
@@ -6000,6 +6368,13 @@
   <p:clrMapOvr>
     <a:masterClrMapping/>
   </p:clrMapOvr>
+  <p:timing>
+    <p:tnLst>
+      <p:par>
+        <p:cTn id="1" dur="indefinite" restart="never" nodeType="tmRoot"/>
+      </p:par>
+    </p:tnLst>
+  </p:timing>
 </p:sld>
 </file>
 
@@ -6037,7 +6412,7 @@
           <a:p>
             <a:r>
               <a:rPr lang="en-US" dirty="0" smtClean="0"/>
-              <a:t>The basics of applied Machine learning</a:t>
+              <a:t>SOME basics of applied Machine learning</a:t>
             </a:r>
             <a:endParaRPr lang="en-US" dirty="0"/>
           </a:p>
@@ -6096,7 +6471,11 @@
             </a:r>
             <a:r>
               <a:rPr lang="en-US" dirty="0" smtClean="0"/>
-              <a:t> as its one of the most widely used systems, and is quite simple to learn and use</a:t>
+              <a:t> </a:t>
+            </a:r>
+            <a:r>
+              <a:rPr lang="en-US" dirty="0" smtClean="0"/>
+              <a:t>as its one of the most widely used systems, and is quite simple to learn and use</a:t>
             </a:r>
           </a:p>
           <a:p>
@@ -6110,6 +6489,29 @@
               <a:rPr lang="en-US" dirty="0" smtClean="0"/>
               <a:t>I would suggest you use synthetic data to train this model as it can be adjusted to explore bugs and design flaws in your model </a:t>
             </a:r>
+            <a:endParaRPr lang="en-US" dirty="0" smtClean="0"/>
+          </a:p>
+          <a:p>
+            <a:r>
+              <a:rPr lang="en-US" dirty="0" smtClean="0"/>
+              <a:t>The stock example for today is here</a:t>
+            </a:r>
+          </a:p>
+          <a:p>
+            <a:pPr lvl="1"/>
+            <a:r>
+              <a:rPr lang="en-US" dirty="0">
+                <a:hlinkClick r:id="rId2"/>
+              </a:rPr>
+              <a:t>https://</a:t>
+            </a:r>
+            <a:r>
+              <a:rPr lang="en-US" dirty="0" smtClean="0">
+                <a:hlinkClick r:id="rId2"/>
+              </a:rPr>
+              <a:t>github.com/ashleysmart/mlgym/blob/master/stock_price/Direct_SyntheticData.ipynb</a:t>
+            </a:r>
+            <a:endParaRPr lang="en-US" dirty="0" smtClean="0"/>
           </a:p>
         </p:txBody>
       </p:sp>
@@ -6123,6 +6525,13 @@
   <p:clrMapOvr>
     <a:masterClrMapping/>
   </p:clrMapOvr>
+  <p:timing>
+    <p:tnLst>
+      <p:par>
+        <p:cTn id="1" dur="indefinite" restart="never" nodeType="tmRoot"/>
+      </p:par>
+    </p:tnLst>
+  </p:timing>
 </p:sld>
 </file>
 
@@ -6150,57 +6559,315 @@
             <a:spLocks noGrp="1"/>
           </p:cNvSpPr>
           <p:nvPr>
-            <p:ph type="ctrTitle"/>
-          </p:nvPr>
-        </p:nvSpPr>
-        <p:spPr/>
+            <p:ph type="title"/>
+          </p:nvPr>
+        </p:nvSpPr>
+        <p:spPr>
+          <a:xfrm>
+            <a:off x="685801" y="609600"/>
+            <a:ext cx="10410567" cy="1456267"/>
+          </a:xfrm>
+        </p:spPr>
         <p:txBody>
           <a:bodyPr/>
           <a:lstStyle/>
           <a:p>
             <a:r>
               <a:rPr lang="en-US" dirty="0" smtClean="0"/>
-              <a:t>Now lets move to a Open discussion format</a:t>
-            </a:r>
-            <a:endParaRPr lang="en-US" dirty="0"/>
-          </a:p>
-        </p:txBody>
-      </p:sp>
-      <p:sp>
-        <p:nvSpPr>
-          <p:cNvPr id="3" name="Subtitle 2"/>
-          <p:cNvSpPr>
-            <a:spLocks noGrp="1"/>
-          </p:cNvSpPr>
-          <p:nvPr>
-            <p:ph type="subTitle" idx="1"/>
-          </p:nvPr>
-        </p:nvSpPr>
-        <p:spPr/>
-        <p:txBody>
-          <a:bodyPr/>
-          <a:lstStyle/>
-          <a:p>
-            <a:r>
-              <a:rPr lang="en-US" dirty="0" smtClean="0"/>
-              <a:t>  </a:t>
-            </a:r>
-          </a:p>
-          <a:p>
-            <a:endParaRPr lang="en-US" dirty="0"/>
-          </a:p>
-        </p:txBody>
-      </p:sp>
+              <a:t>A overview of a Direct price prediction model</a:t>
+            </a:r>
+            <a:endParaRPr lang="en-US" dirty="0"/>
+          </a:p>
+        </p:txBody>
+      </p:sp>
+      <p:sp>
+        <p:nvSpPr>
+          <p:cNvPr id="3" name="Trapezoid 2"/>
+          <p:cNvSpPr/>
+          <p:nvPr/>
+        </p:nvSpPr>
+        <p:spPr>
+          <a:xfrm rot="5400000">
+            <a:off x="4660588" y="2995333"/>
+            <a:ext cx="1720921" cy="1823663"/>
+          </a:xfrm>
+          <a:prstGeom prst="trapezoid">
+            <a:avLst/>
+          </a:prstGeom>
+        </p:spPr>
+        <p:style>
+          <a:lnRef idx="2">
+            <a:schemeClr val="accent1">
+              <a:shade val="50000"/>
+            </a:schemeClr>
+          </a:lnRef>
+          <a:fillRef idx="1">
+            <a:schemeClr val="accent1"/>
+          </a:fillRef>
+          <a:effectRef idx="0">
+            <a:schemeClr val="accent1"/>
+          </a:effectRef>
+          <a:fontRef idx="minor">
+            <a:schemeClr val="lt1"/>
+          </a:fontRef>
+        </p:style>
+        <p:txBody>
+          <a:bodyPr vert="vert270" rtlCol="0" anchor="ctr"/>
+          <a:lstStyle/>
+          <a:p>
+            <a:pPr algn="ctr"/>
+            <a:r>
+              <a:rPr lang="en-US" dirty="0" smtClean="0"/>
+              <a:t>Predict</a:t>
+            </a:r>
+            <a:br>
+              <a:rPr lang="en-US" dirty="0" smtClean="0"/>
+            </a:br>
+            <a:r>
+              <a:rPr lang="en-US" dirty="0" smtClean="0"/>
+              <a:t>given </a:t>
+            </a:r>
+          </a:p>
+          <a:p>
+            <a:pPr algn="ctr"/>
+            <a:r>
+              <a:rPr lang="en-US" dirty="0" smtClean="0"/>
+              <a:t>Data</a:t>
+            </a:r>
+            <a:endParaRPr lang="en-US" dirty="0"/>
+          </a:p>
+        </p:txBody>
+      </p:sp>
+      <p:sp>
+        <p:nvSpPr>
+          <p:cNvPr id="8" name="Oval 7"/>
+          <p:cNvSpPr/>
+          <p:nvPr/>
+        </p:nvSpPr>
+        <p:spPr>
+          <a:xfrm>
+            <a:off x="7443008" y="3701681"/>
+            <a:ext cx="441789" cy="410966"/>
+          </a:xfrm>
+          <a:prstGeom prst="ellipse">
+            <a:avLst/>
+          </a:prstGeom>
+        </p:spPr>
+        <p:style>
+          <a:lnRef idx="2">
+            <a:schemeClr val="accent1">
+              <a:shade val="50000"/>
+            </a:schemeClr>
+          </a:lnRef>
+          <a:fillRef idx="1">
+            <a:schemeClr val="accent1"/>
+          </a:fillRef>
+          <a:effectRef idx="0">
+            <a:schemeClr val="accent1"/>
+          </a:effectRef>
+          <a:fontRef idx="minor">
+            <a:schemeClr val="lt1"/>
+          </a:fontRef>
+        </p:style>
+        <p:txBody>
+          <a:bodyPr rtlCol="0" anchor="ctr"/>
+          <a:lstStyle/>
+          <a:p>
+            <a:pPr algn="ctr"/>
+            <a:r>
+              <a:rPr lang="en-US" dirty="0" smtClean="0">
+                <a:ln w="0"/>
+                <a:solidFill>
+                  <a:schemeClr val="tx1"/>
+                </a:solidFill>
+                <a:effectLst>
+                  <a:outerShdw blurRad="38100" dist="19050" dir="2700000" algn="tl" rotWithShape="0">
+                    <a:schemeClr val="dk1">
+                      <a:alpha val="40000"/>
+                    </a:schemeClr>
+                  </a:outerShdw>
+                </a:effectLst>
+              </a:rPr>
+              <a:t>Y</a:t>
+            </a:r>
+            <a:endParaRPr lang="en-US" dirty="0">
+              <a:ln w="0"/>
+              <a:solidFill>
+                <a:schemeClr val="tx1"/>
+              </a:solidFill>
+              <a:effectLst>
+                <a:outerShdw blurRad="38100" dist="19050" dir="2700000" algn="tl" rotWithShape="0">
+                  <a:schemeClr val="dk1">
+                    <a:alpha val="40000"/>
+                  </a:schemeClr>
+                </a:outerShdw>
+              </a:effectLst>
+            </a:endParaRPr>
+          </a:p>
+        </p:txBody>
+      </p:sp>
+      <p:sp>
+        <p:nvSpPr>
+          <p:cNvPr id="9" name="Oval 8"/>
+          <p:cNvSpPr/>
+          <p:nvPr/>
+        </p:nvSpPr>
+        <p:spPr>
+          <a:xfrm>
+            <a:off x="3025093" y="3255762"/>
+            <a:ext cx="573996" cy="1302804"/>
+          </a:xfrm>
+          <a:prstGeom prst="ellipse">
+            <a:avLst/>
+          </a:prstGeom>
+        </p:spPr>
+        <p:style>
+          <a:lnRef idx="2">
+            <a:schemeClr val="accent1">
+              <a:shade val="50000"/>
+            </a:schemeClr>
+          </a:lnRef>
+          <a:fillRef idx="1">
+            <a:schemeClr val="accent1"/>
+          </a:fillRef>
+          <a:effectRef idx="0">
+            <a:schemeClr val="accent1"/>
+          </a:effectRef>
+          <a:fontRef idx="minor">
+            <a:schemeClr val="lt1"/>
+          </a:fontRef>
+        </p:style>
+        <p:txBody>
+          <a:bodyPr vert="vert" rtlCol="0" anchor="ctr"/>
+          <a:lstStyle/>
+          <a:p>
+            <a:pPr algn="ctr"/>
+            <a:r>
+              <a:rPr lang="en-US" dirty="0" smtClean="0">
+                <a:ln w="0"/>
+                <a:solidFill>
+                  <a:schemeClr val="tx1"/>
+                </a:solidFill>
+                <a:effectLst>
+                  <a:outerShdw blurRad="38100" dist="19050" dir="2700000" algn="tl" rotWithShape="0">
+                    <a:schemeClr val="dk1">
+                      <a:alpha val="40000"/>
+                    </a:schemeClr>
+                  </a:outerShdw>
+                </a:effectLst>
+              </a:rPr>
+              <a:t>Data</a:t>
+            </a:r>
+            <a:endParaRPr lang="en-US" dirty="0">
+              <a:ln w="0"/>
+              <a:solidFill>
+                <a:schemeClr val="tx1"/>
+              </a:solidFill>
+              <a:effectLst>
+                <a:outerShdw blurRad="38100" dist="19050" dir="2700000" algn="tl" rotWithShape="0">
+                  <a:schemeClr val="dk1">
+                    <a:alpha val="40000"/>
+                  </a:schemeClr>
+                </a:outerShdw>
+              </a:effectLst>
+            </a:endParaRPr>
+          </a:p>
+        </p:txBody>
+      </p:sp>
+      <p:cxnSp>
+        <p:nvCxnSpPr>
+          <p:cNvPr id="11" name="Elbow Connector 10"/>
+          <p:cNvCxnSpPr>
+            <a:stCxn id="3" idx="0"/>
+            <a:endCxn id="8" idx="2"/>
+          </p:cNvCxnSpPr>
+          <p:nvPr/>
+        </p:nvCxnSpPr>
+        <p:spPr>
+          <a:xfrm flipV="1">
+            <a:off x="6432880" y="3907164"/>
+            <a:ext cx="1010128" cy="1"/>
+          </a:xfrm>
+          <a:prstGeom prst="bentConnector3">
+            <a:avLst>
+              <a:gd name="adj1" fmla="val 50000"/>
+            </a:avLst>
+          </a:prstGeom>
+          <a:ln>
+            <a:solidFill>
+              <a:schemeClr val="accent1"/>
+            </a:solidFill>
+            <a:tailEnd type="triangle"/>
+          </a:ln>
+        </p:spPr>
+        <p:style>
+          <a:lnRef idx="1">
+            <a:schemeClr val="accent1"/>
+          </a:lnRef>
+          <a:fillRef idx="0">
+            <a:schemeClr val="accent1"/>
+          </a:fillRef>
+          <a:effectRef idx="0">
+            <a:schemeClr val="accent1"/>
+          </a:effectRef>
+          <a:fontRef idx="minor">
+            <a:schemeClr val="tx1"/>
+          </a:fontRef>
+        </p:style>
+      </p:cxnSp>
+      <p:cxnSp>
+        <p:nvCxnSpPr>
+          <p:cNvPr id="24" name="Elbow Connector 23"/>
+          <p:cNvCxnSpPr>
+            <a:stCxn id="9" idx="6"/>
+            <a:endCxn id="3" idx="2"/>
+          </p:cNvCxnSpPr>
+          <p:nvPr/>
+        </p:nvCxnSpPr>
+        <p:spPr>
+          <a:xfrm>
+            <a:off x="3599089" y="3907164"/>
+            <a:ext cx="1010128" cy="1"/>
+          </a:xfrm>
+          <a:prstGeom prst="bentConnector3">
+            <a:avLst/>
+          </a:prstGeom>
+          <a:ln>
+            <a:tailEnd type="triangle"/>
+          </a:ln>
+        </p:spPr>
+        <p:style>
+          <a:lnRef idx="1">
+            <a:schemeClr val="accent1"/>
+          </a:lnRef>
+          <a:fillRef idx="0">
+            <a:schemeClr val="accent1"/>
+          </a:fillRef>
+          <a:effectRef idx="0">
+            <a:schemeClr val="accent1"/>
+          </a:effectRef>
+          <a:fontRef idx="minor">
+            <a:schemeClr val="tx1"/>
+          </a:fontRef>
+        </p:style>
+      </p:cxnSp>
     </p:spTree>
     <p:extLst>
       <p:ext uri="{BB962C8B-B14F-4D97-AF65-F5344CB8AC3E}">
-        <p14:creationId xmlns:p14="http://schemas.microsoft.com/office/powerpoint/2010/main" val="2064898430"/>
+        <p14:creationId xmlns:p14="http://schemas.microsoft.com/office/powerpoint/2010/main" val="1748195640"/>
       </p:ext>
     </p:extLst>
   </p:cSld>
   <p:clrMapOvr>
     <a:masterClrMapping/>
   </p:clrMapOvr>
+  <p:timing>
+    <p:tnLst>
+      <p:par>
+        <p:cTn id="1" dur="indefinite" restart="never" nodeType="tmRoot"/>
+      </p:par>
+    </p:tnLst>
+  </p:timing>
 </p:sld>
 </file>
 
@@ -6221,16 +6888,485 @@
           <a:chExt cx="0" cy="0"/>
         </a:xfrm>
       </p:grpSpPr>
+      <p:sp>
+        <p:nvSpPr>
+          <p:cNvPr id="2" name="Title 1"/>
+          <p:cNvSpPr>
+            <a:spLocks noGrp="1"/>
+          </p:cNvSpPr>
+          <p:nvPr>
+            <p:ph type="title"/>
+          </p:nvPr>
+        </p:nvSpPr>
+        <p:spPr>
+          <a:xfrm>
+            <a:off x="658533" y="741106"/>
+            <a:ext cx="10410567" cy="1456267"/>
+          </a:xfrm>
+        </p:spPr>
+        <p:txBody>
+          <a:bodyPr/>
+          <a:lstStyle/>
+          <a:p>
+            <a:r>
+              <a:rPr lang="en-US" dirty="0" smtClean="0"/>
+              <a:t>A overview of an </a:t>
+            </a:r>
+            <a:r>
+              <a:rPr lang="en-US" dirty="0" smtClean="0"/>
+              <a:t>LSTM price </a:t>
+            </a:r>
+            <a:r>
+              <a:rPr lang="en-US" dirty="0" smtClean="0"/>
+              <a:t>prediction model</a:t>
+            </a:r>
+            <a:endParaRPr lang="en-US" dirty="0"/>
+          </a:p>
+        </p:txBody>
+      </p:sp>
+      <p:sp>
+        <p:nvSpPr>
+          <p:cNvPr id="26" name="Oval 25"/>
+          <p:cNvSpPr/>
+          <p:nvPr/>
+        </p:nvSpPr>
+        <p:spPr>
+          <a:xfrm rot="16200000">
+            <a:off x="5550713" y="5035112"/>
+            <a:ext cx="573996" cy="582708"/>
+          </a:xfrm>
+          <a:prstGeom prst="ellipse">
+            <a:avLst/>
+          </a:prstGeom>
+        </p:spPr>
+        <p:style>
+          <a:lnRef idx="2">
+            <a:schemeClr val="accent1">
+              <a:shade val="50000"/>
+            </a:schemeClr>
+          </a:lnRef>
+          <a:fillRef idx="1">
+            <a:schemeClr val="accent1"/>
+          </a:fillRef>
+          <a:effectRef idx="0">
+            <a:schemeClr val="accent1"/>
+          </a:effectRef>
+          <a:fontRef idx="minor">
+            <a:schemeClr val="lt1"/>
+          </a:fontRef>
+        </p:style>
+        <p:txBody>
+          <a:bodyPr vert="vert" rtlCol="0" anchor="ctr"/>
+          <a:lstStyle/>
+          <a:p>
+            <a:pPr algn="ctr"/>
+            <a:r>
+              <a:rPr lang="en-US" dirty="0" smtClean="0">
+                <a:ln w="0"/>
+                <a:solidFill>
+                  <a:schemeClr val="tx1"/>
+                </a:solidFill>
+                <a:effectLst>
+                  <a:outerShdw blurRad="38100" dist="19050" dir="2700000" algn="tl" rotWithShape="0">
+                    <a:schemeClr val="dk1">
+                      <a:alpha val="40000"/>
+                    </a:schemeClr>
+                  </a:outerShdw>
+                </a:effectLst>
+              </a:rPr>
+              <a:t>d0</a:t>
+            </a:r>
+            <a:endParaRPr lang="en-US" dirty="0">
+              <a:ln w="0"/>
+              <a:solidFill>
+                <a:schemeClr val="tx1"/>
+              </a:solidFill>
+              <a:effectLst>
+                <a:outerShdw blurRad="38100" dist="19050" dir="2700000" algn="tl" rotWithShape="0">
+                  <a:schemeClr val="dk1">
+                    <a:alpha val="40000"/>
+                  </a:schemeClr>
+                </a:outerShdw>
+              </a:effectLst>
+            </a:endParaRPr>
+          </a:p>
+        </p:txBody>
+      </p:sp>
+      <p:cxnSp>
+        <p:nvCxnSpPr>
+          <p:cNvPr id="27" name="Straight Arrow Connector 26"/>
+          <p:cNvCxnSpPr/>
+          <p:nvPr/>
+        </p:nvCxnSpPr>
+        <p:spPr>
+          <a:xfrm flipV="1">
+            <a:off x="6129065" y="5322558"/>
+            <a:ext cx="421075" cy="3908"/>
+          </a:xfrm>
+          <a:prstGeom prst="straightConnector1">
+            <a:avLst/>
+          </a:prstGeom>
+          <a:ln>
+            <a:tailEnd type="triangle"/>
+          </a:ln>
+        </p:spPr>
+        <p:style>
+          <a:lnRef idx="1">
+            <a:schemeClr val="accent1"/>
+          </a:lnRef>
+          <a:fillRef idx="0">
+            <a:schemeClr val="accent1"/>
+          </a:fillRef>
+          <a:effectRef idx="0">
+            <a:schemeClr val="accent1"/>
+          </a:effectRef>
+          <a:fontRef idx="minor">
+            <a:schemeClr val="tx1"/>
+          </a:fontRef>
+        </p:style>
+      </p:cxnSp>
+      <p:cxnSp>
+        <p:nvCxnSpPr>
+          <p:cNvPr id="32" name="Straight Arrow Connector 31"/>
+          <p:cNvCxnSpPr>
+            <a:endCxn id="26" idx="0"/>
+          </p:cNvCxnSpPr>
+          <p:nvPr/>
+        </p:nvCxnSpPr>
+        <p:spPr>
+          <a:xfrm>
+            <a:off x="5125280" y="5326466"/>
+            <a:ext cx="421077" cy="0"/>
+          </a:xfrm>
+          <a:prstGeom prst="straightConnector1">
+            <a:avLst/>
+          </a:prstGeom>
+          <a:ln>
+            <a:tailEnd type="triangle"/>
+          </a:ln>
+        </p:spPr>
+        <p:style>
+          <a:lnRef idx="1">
+            <a:schemeClr val="accent1"/>
+          </a:lnRef>
+          <a:fillRef idx="0">
+            <a:schemeClr val="accent1"/>
+          </a:fillRef>
+          <a:effectRef idx="0">
+            <a:schemeClr val="accent1"/>
+          </a:effectRef>
+          <a:fontRef idx="minor">
+            <a:schemeClr val="tx1"/>
+          </a:fontRef>
+        </p:style>
+      </p:cxnSp>
+      <p:sp>
+        <p:nvSpPr>
+          <p:cNvPr id="42" name="Oval 41"/>
+          <p:cNvSpPr/>
+          <p:nvPr/>
+        </p:nvSpPr>
+        <p:spPr>
+          <a:xfrm rot="16200000">
+            <a:off x="5550713" y="2541538"/>
+            <a:ext cx="573996" cy="582708"/>
+          </a:xfrm>
+          <a:prstGeom prst="ellipse">
+            <a:avLst/>
+          </a:prstGeom>
+        </p:spPr>
+        <p:style>
+          <a:lnRef idx="2">
+            <a:schemeClr val="accent1">
+              <a:shade val="50000"/>
+            </a:schemeClr>
+          </a:lnRef>
+          <a:fillRef idx="1">
+            <a:schemeClr val="accent1"/>
+          </a:fillRef>
+          <a:effectRef idx="0">
+            <a:schemeClr val="accent1"/>
+          </a:effectRef>
+          <a:fontRef idx="minor">
+            <a:schemeClr val="lt1"/>
+          </a:fontRef>
+        </p:style>
+        <p:txBody>
+          <a:bodyPr vert="vert" rtlCol="0" anchor="ctr"/>
+          <a:lstStyle/>
+          <a:p>
+            <a:pPr algn="ctr"/>
+            <a:r>
+              <a:rPr lang="en-US" dirty="0" smtClean="0">
+                <a:ln w="0"/>
+                <a:solidFill>
+                  <a:schemeClr val="tx1"/>
+                </a:solidFill>
+                <a:effectLst>
+                  <a:outerShdw blurRad="38100" dist="19050" dir="2700000" algn="tl" rotWithShape="0">
+                    <a:schemeClr val="dk1">
+                      <a:alpha val="40000"/>
+                    </a:schemeClr>
+                  </a:outerShdw>
+                </a:effectLst>
+              </a:rPr>
+              <a:t>p0</a:t>
+            </a:r>
+            <a:endParaRPr lang="en-US" dirty="0">
+              <a:ln w="0"/>
+              <a:solidFill>
+                <a:schemeClr val="tx1"/>
+              </a:solidFill>
+              <a:effectLst>
+                <a:outerShdw blurRad="38100" dist="19050" dir="2700000" algn="tl" rotWithShape="0">
+                  <a:schemeClr val="dk1">
+                    <a:alpha val="40000"/>
+                  </a:schemeClr>
+                </a:outerShdw>
+              </a:effectLst>
+            </a:endParaRPr>
+          </a:p>
+        </p:txBody>
+      </p:sp>
+      <p:cxnSp>
+        <p:nvCxnSpPr>
+          <p:cNvPr id="43" name="Straight Arrow Connector 42"/>
+          <p:cNvCxnSpPr/>
+          <p:nvPr/>
+        </p:nvCxnSpPr>
+        <p:spPr>
+          <a:xfrm flipV="1">
+            <a:off x="6129065" y="2828984"/>
+            <a:ext cx="421075" cy="3908"/>
+          </a:xfrm>
+          <a:prstGeom prst="straightConnector1">
+            <a:avLst/>
+          </a:prstGeom>
+          <a:ln>
+            <a:tailEnd type="triangle"/>
+          </a:ln>
+        </p:spPr>
+        <p:style>
+          <a:lnRef idx="1">
+            <a:schemeClr val="accent1"/>
+          </a:lnRef>
+          <a:fillRef idx="0">
+            <a:schemeClr val="accent1"/>
+          </a:fillRef>
+          <a:effectRef idx="0">
+            <a:schemeClr val="accent1"/>
+          </a:effectRef>
+          <a:fontRef idx="minor">
+            <a:schemeClr val="tx1"/>
+          </a:fontRef>
+        </p:style>
+      </p:cxnSp>
+      <p:cxnSp>
+        <p:nvCxnSpPr>
+          <p:cNvPr id="46" name="Straight Arrow Connector 45"/>
+          <p:cNvCxnSpPr/>
+          <p:nvPr/>
+        </p:nvCxnSpPr>
+        <p:spPr>
+          <a:xfrm>
+            <a:off x="5125280" y="2832892"/>
+            <a:ext cx="421077" cy="0"/>
+          </a:xfrm>
+          <a:prstGeom prst="straightConnector1">
+            <a:avLst/>
+          </a:prstGeom>
+          <a:ln>
+            <a:tailEnd type="triangle"/>
+          </a:ln>
+        </p:spPr>
+        <p:style>
+          <a:lnRef idx="1">
+            <a:schemeClr val="accent1"/>
+          </a:lnRef>
+          <a:fillRef idx="0">
+            <a:schemeClr val="accent1"/>
+          </a:fillRef>
+          <a:effectRef idx="0">
+            <a:schemeClr val="accent1"/>
+          </a:effectRef>
+          <a:fontRef idx="minor">
+            <a:schemeClr val="tx1"/>
+          </a:fontRef>
+        </p:style>
+      </p:cxnSp>
+      <p:sp>
+        <p:nvSpPr>
+          <p:cNvPr id="47" name="Rectangle 46"/>
+          <p:cNvSpPr/>
+          <p:nvPr/>
+        </p:nvSpPr>
+        <p:spPr>
+          <a:xfrm>
+            <a:off x="5481496" y="3674245"/>
+            <a:ext cx="712429" cy="605985"/>
+          </a:xfrm>
+          <a:prstGeom prst="rect">
+            <a:avLst/>
+          </a:prstGeom>
+        </p:spPr>
+        <p:style>
+          <a:lnRef idx="2">
+            <a:schemeClr val="accent1">
+              <a:shade val="50000"/>
+            </a:schemeClr>
+          </a:lnRef>
+          <a:fillRef idx="1">
+            <a:schemeClr val="accent1"/>
+          </a:fillRef>
+          <a:effectRef idx="0">
+            <a:schemeClr val="accent1"/>
+          </a:effectRef>
+          <a:fontRef idx="minor">
+            <a:schemeClr val="lt1"/>
+          </a:fontRef>
+        </p:style>
+        <p:txBody>
+          <a:bodyPr rtlCol="0" anchor="ctr"/>
+          <a:lstStyle/>
+          <a:p>
+            <a:pPr algn="ctr"/>
+            <a:r>
+              <a:rPr lang="en-US" dirty="0" smtClean="0"/>
+              <a:t>LSTM</a:t>
+            </a:r>
+            <a:endParaRPr lang="en-US" dirty="0"/>
+          </a:p>
+        </p:txBody>
+      </p:sp>
+      <p:cxnSp>
+        <p:nvCxnSpPr>
+          <p:cNvPr id="54" name="Straight Arrow Connector 53"/>
+          <p:cNvCxnSpPr>
+            <a:stCxn id="26" idx="6"/>
+            <a:endCxn id="47" idx="2"/>
+          </p:cNvCxnSpPr>
+          <p:nvPr/>
+        </p:nvCxnSpPr>
+        <p:spPr>
+          <a:xfrm flipV="1">
+            <a:off x="5837711" y="4280230"/>
+            <a:ext cx="0" cy="759238"/>
+          </a:xfrm>
+          <a:prstGeom prst="straightConnector1">
+            <a:avLst/>
+          </a:prstGeom>
+          <a:ln>
+            <a:tailEnd type="triangle"/>
+          </a:ln>
+        </p:spPr>
+        <p:style>
+          <a:lnRef idx="1">
+            <a:schemeClr val="accent1"/>
+          </a:lnRef>
+          <a:fillRef idx="0">
+            <a:schemeClr val="accent1"/>
+          </a:fillRef>
+          <a:effectRef idx="0">
+            <a:schemeClr val="accent1"/>
+          </a:effectRef>
+          <a:fontRef idx="minor">
+            <a:schemeClr val="tx1"/>
+          </a:fontRef>
+        </p:style>
+      </p:cxnSp>
+      <p:cxnSp>
+        <p:nvCxnSpPr>
+          <p:cNvPr id="56" name="Straight Arrow Connector 55"/>
+          <p:cNvCxnSpPr>
+            <a:stCxn id="47" idx="0"/>
+            <a:endCxn id="42" idx="2"/>
+          </p:cNvCxnSpPr>
+          <p:nvPr/>
+        </p:nvCxnSpPr>
+        <p:spPr>
+          <a:xfrm flipV="1">
+            <a:off x="5837711" y="3119890"/>
+            <a:ext cx="0" cy="554355"/>
+          </a:xfrm>
+          <a:prstGeom prst="straightConnector1">
+            <a:avLst/>
+          </a:prstGeom>
+          <a:ln>
+            <a:tailEnd type="triangle"/>
+          </a:ln>
+        </p:spPr>
+        <p:style>
+          <a:lnRef idx="1">
+            <a:schemeClr val="accent1"/>
+          </a:lnRef>
+          <a:fillRef idx="0">
+            <a:schemeClr val="accent1"/>
+          </a:fillRef>
+          <a:effectRef idx="0">
+            <a:schemeClr val="accent1"/>
+          </a:effectRef>
+          <a:fontRef idx="minor">
+            <a:schemeClr val="tx1"/>
+          </a:fontRef>
+        </p:style>
+      </p:cxnSp>
+      <p:cxnSp>
+        <p:nvCxnSpPr>
+          <p:cNvPr id="58" name="Elbow Connector 57"/>
+          <p:cNvCxnSpPr>
+            <a:stCxn id="47" idx="3"/>
+            <a:endCxn id="47" idx="1"/>
+          </p:cNvCxnSpPr>
+          <p:nvPr/>
+        </p:nvCxnSpPr>
+        <p:spPr>
+          <a:xfrm flipH="1">
+            <a:off x="5481496" y="3977238"/>
+            <a:ext cx="712429" cy="12700"/>
+          </a:xfrm>
+          <a:prstGeom prst="bentConnector5">
+            <a:avLst>
+              <a:gd name="adj1" fmla="val -32087"/>
+              <a:gd name="adj2" fmla="val -3967173"/>
+              <a:gd name="adj3" fmla="val 132087"/>
+            </a:avLst>
+          </a:prstGeom>
+          <a:ln>
+            <a:tailEnd type="triangle"/>
+          </a:ln>
+        </p:spPr>
+        <p:style>
+          <a:lnRef idx="1">
+            <a:schemeClr val="accent1"/>
+          </a:lnRef>
+          <a:fillRef idx="0">
+            <a:schemeClr val="accent1"/>
+          </a:fillRef>
+          <a:effectRef idx="0">
+            <a:schemeClr val="accent1"/>
+          </a:effectRef>
+          <a:fontRef idx="minor">
+            <a:schemeClr val="tx1"/>
+          </a:fontRef>
+        </p:style>
+      </p:cxnSp>
     </p:spTree>
     <p:extLst>
       <p:ext uri="{BB962C8B-B14F-4D97-AF65-F5344CB8AC3E}">
-        <p14:creationId xmlns:p14="http://schemas.microsoft.com/office/powerpoint/2010/main" val="1651168696"/>
+        <p14:creationId xmlns:p14="http://schemas.microsoft.com/office/powerpoint/2010/main" val="1513429712"/>
       </p:ext>
     </p:extLst>
   </p:cSld>
   <p:clrMapOvr>
     <a:masterClrMapping/>
   </p:clrMapOvr>
+  <p:timing>
+    <p:tnLst>
+      <p:par>
+        <p:cTn id="1" dur="indefinite" restart="never" nodeType="tmRoot"/>
+      </p:par>
+    </p:tnLst>
+  </p:timing>
 </p:sld>
 </file>
 
@@ -6261,66 +7397,441 @@
             <p:ph type="title"/>
           </p:nvPr>
         </p:nvSpPr>
-        <p:spPr/>
+        <p:spPr>
+          <a:xfrm>
+            <a:off x="685801" y="609600"/>
+            <a:ext cx="10410567" cy="1456267"/>
+          </a:xfrm>
+        </p:spPr>
         <p:txBody>
           <a:bodyPr/>
           <a:lstStyle/>
           <a:p>
             <a:r>
               <a:rPr lang="en-US" dirty="0" smtClean="0"/>
-              <a:t>Zeroth discussion point	</a:t>
-            </a:r>
-            <a:endParaRPr lang="en-US" dirty="0"/>
-          </a:p>
-        </p:txBody>
-      </p:sp>
-      <p:sp>
-        <p:nvSpPr>
-          <p:cNvPr id="3" name="Content Placeholder 2"/>
-          <p:cNvSpPr>
-            <a:spLocks noGrp="1"/>
-          </p:cNvSpPr>
-          <p:nvPr>
-            <p:ph idx="1"/>
-          </p:nvPr>
-        </p:nvSpPr>
-        <p:spPr/>
-        <p:txBody>
-          <a:bodyPr/>
-          <a:lstStyle/>
-          <a:p>
-            <a:r>
-              <a:rPr lang="en-US" dirty="0" smtClean="0"/>
-              <a:t>Done outside the building while we wait for people to gather</a:t>
-            </a:r>
-          </a:p>
-          <a:p>
-            <a:pPr marL="285750" lvl="1"/>
-            <a:r>
-              <a:rPr lang="en-US" dirty="0" smtClean="0"/>
-              <a:t>Introductions</a:t>
-            </a:r>
-          </a:p>
-          <a:p>
-            <a:pPr marL="285750" lvl="1"/>
-            <a:r>
-              <a:rPr lang="en-US" dirty="0" smtClean="0"/>
-              <a:t>First </a:t>
-            </a:r>
+              <a:t>A overview of an </a:t>
+            </a:r>
+            <a:r>
+              <a:rPr lang="en-US" dirty="0" err="1" smtClean="0"/>
+              <a:t>autoencoder</a:t>
+            </a:r>
+            <a:r>
+              <a:rPr lang="en-US" dirty="0" smtClean="0"/>
+              <a:t> price prediction model</a:t>
+            </a:r>
+            <a:endParaRPr lang="en-US" dirty="0"/>
+          </a:p>
+        </p:txBody>
+      </p:sp>
+      <p:sp>
+        <p:nvSpPr>
+          <p:cNvPr id="3" name="Trapezoid 2"/>
+          <p:cNvSpPr/>
+          <p:nvPr/>
+        </p:nvSpPr>
+        <p:spPr>
+          <a:xfrm rot="5400000">
+            <a:off x="3706515" y="2969852"/>
+            <a:ext cx="1720921" cy="1823663"/>
+          </a:xfrm>
+          <a:prstGeom prst="trapezoid">
+            <a:avLst/>
+          </a:prstGeom>
+        </p:spPr>
+        <p:style>
+          <a:lnRef idx="2">
+            <a:schemeClr val="accent1">
+              <a:shade val="50000"/>
+            </a:schemeClr>
+          </a:lnRef>
+          <a:fillRef idx="1">
+            <a:schemeClr val="accent1"/>
+          </a:fillRef>
+          <a:effectRef idx="0">
+            <a:schemeClr val="accent1"/>
+          </a:effectRef>
+          <a:fontRef idx="minor">
+            <a:schemeClr val="lt1"/>
+          </a:fontRef>
+        </p:style>
+        <p:txBody>
+          <a:bodyPr vert="vert270" rtlCol="0" anchor="ctr"/>
+          <a:lstStyle/>
+          <a:p>
+            <a:pPr algn="ctr"/>
             <a:r>
               <a:rPr lang="en-US" dirty="0"/>
-              <a:t>off who has tried to build a model to predict prices</a:t>
-            </a:r>
-            <a:r>
-              <a:rPr lang="en-US" dirty="0" smtClean="0"/>
-              <a:t>?</a:t>
-            </a:r>
-          </a:p>
-          <a:p>
-            <a:pPr marL="285750" lvl="1"/>
-            <a:r>
-              <a:rPr lang="en-US" dirty="0" smtClean="0"/>
-              <a:t>What kind of models did they try and what worked out</a:t>
+              <a:t>Identify</a:t>
+            </a:r>
+            <a:br>
+              <a:rPr lang="en-US" dirty="0"/>
+            </a:br>
+            <a:r>
+              <a:rPr lang="en-US" dirty="0"/>
+              <a:t>Past</a:t>
+            </a:r>
+            <a:br>
+              <a:rPr lang="en-US" dirty="0"/>
+            </a:br>
+            <a:r>
+              <a:rPr lang="en-US" dirty="0"/>
+              <a:t>Trend</a:t>
+            </a:r>
+          </a:p>
+        </p:txBody>
+      </p:sp>
+      <p:sp>
+        <p:nvSpPr>
+          <p:cNvPr id="8" name="Oval 7"/>
+          <p:cNvSpPr/>
+          <p:nvPr/>
+        </p:nvSpPr>
+        <p:spPr>
+          <a:xfrm>
+            <a:off x="9161049" y="3312284"/>
+            <a:ext cx="441789" cy="1138800"/>
+          </a:xfrm>
+          <a:prstGeom prst="ellipse">
+            <a:avLst/>
+          </a:prstGeom>
+        </p:spPr>
+        <p:style>
+          <a:lnRef idx="2">
+            <a:schemeClr val="accent1">
+              <a:shade val="50000"/>
+            </a:schemeClr>
+          </a:lnRef>
+          <a:fillRef idx="1">
+            <a:schemeClr val="accent1"/>
+          </a:fillRef>
+          <a:effectRef idx="0">
+            <a:schemeClr val="accent1"/>
+          </a:effectRef>
+          <a:fontRef idx="minor">
+            <a:schemeClr val="lt1"/>
+          </a:fontRef>
+        </p:style>
+        <p:txBody>
+          <a:bodyPr vert="vert" rtlCol="0" anchor="ctr"/>
+          <a:lstStyle/>
+          <a:p>
+            <a:pPr algn="ctr"/>
+            <a:r>
+              <a:rPr lang="en-US" dirty="0" smtClean="0">
+                <a:ln w="0"/>
+                <a:solidFill>
+                  <a:schemeClr val="tx1"/>
+                </a:solidFill>
+                <a:effectLst>
+                  <a:outerShdw blurRad="38100" dist="19050" dir="2700000" algn="tl" rotWithShape="0">
+                    <a:schemeClr val="dk1">
+                      <a:alpha val="40000"/>
+                    </a:schemeClr>
+                  </a:outerShdw>
+                </a:effectLst>
+              </a:rPr>
+              <a:t>Y1,y2</a:t>
+            </a:r>
+            <a:r>
+              <a:rPr lang="mr-IN" dirty="0" smtClean="0">
+                <a:ln w="0"/>
+                <a:solidFill>
+                  <a:schemeClr val="tx1"/>
+                </a:solidFill>
+                <a:effectLst>
+                  <a:outerShdw blurRad="38100" dist="19050" dir="2700000" algn="tl" rotWithShape="0">
+                    <a:schemeClr val="dk1">
+                      <a:alpha val="40000"/>
+                    </a:schemeClr>
+                  </a:outerShdw>
+                </a:effectLst>
+              </a:rPr>
+              <a:t>…</a:t>
+            </a:r>
+            <a:endParaRPr lang="en-US" dirty="0">
+              <a:ln w="0"/>
+              <a:solidFill>
+                <a:schemeClr val="tx1"/>
+              </a:solidFill>
+              <a:effectLst>
+                <a:outerShdw blurRad="38100" dist="19050" dir="2700000" algn="tl" rotWithShape="0">
+                  <a:schemeClr val="dk1">
+                    <a:alpha val="40000"/>
+                  </a:schemeClr>
+                </a:outerShdw>
+              </a:effectLst>
+            </a:endParaRPr>
+          </a:p>
+        </p:txBody>
+      </p:sp>
+      <p:sp>
+        <p:nvSpPr>
+          <p:cNvPr id="9" name="Oval 8"/>
+          <p:cNvSpPr/>
+          <p:nvPr/>
+        </p:nvSpPr>
+        <p:spPr>
+          <a:xfrm>
+            <a:off x="2172477" y="3231047"/>
+            <a:ext cx="573996" cy="1302804"/>
+          </a:xfrm>
+          <a:prstGeom prst="ellipse">
+            <a:avLst/>
+          </a:prstGeom>
+        </p:spPr>
+        <p:style>
+          <a:lnRef idx="2">
+            <a:schemeClr val="accent1">
+              <a:shade val="50000"/>
+            </a:schemeClr>
+          </a:lnRef>
+          <a:fillRef idx="1">
+            <a:schemeClr val="accent1"/>
+          </a:fillRef>
+          <a:effectRef idx="0">
+            <a:schemeClr val="accent1"/>
+          </a:effectRef>
+          <a:fontRef idx="minor">
+            <a:schemeClr val="lt1"/>
+          </a:fontRef>
+        </p:style>
+        <p:txBody>
+          <a:bodyPr vert="vert" rtlCol="0" anchor="ctr"/>
+          <a:lstStyle/>
+          <a:p>
+            <a:pPr algn="ctr"/>
+            <a:r>
+              <a:rPr lang="en-US" dirty="0" smtClean="0">
+                <a:ln w="0"/>
+                <a:solidFill>
+                  <a:schemeClr val="tx1"/>
+                </a:solidFill>
+                <a:effectLst>
+                  <a:outerShdw blurRad="38100" dist="19050" dir="2700000" algn="tl" rotWithShape="0">
+                    <a:schemeClr val="dk1">
+                      <a:alpha val="40000"/>
+                    </a:schemeClr>
+                  </a:outerShdw>
+                </a:effectLst>
+              </a:rPr>
+              <a:t>Data</a:t>
+            </a:r>
+            <a:endParaRPr lang="en-US" dirty="0">
+              <a:ln w="0"/>
+              <a:solidFill>
+                <a:schemeClr val="tx1"/>
+              </a:solidFill>
+              <a:effectLst>
+                <a:outerShdw blurRad="38100" dist="19050" dir="2700000" algn="tl" rotWithShape="0">
+                  <a:schemeClr val="dk1">
+                    <a:alpha val="40000"/>
+                  </a:schemeClr>
+                </a:outerShdw>
+              </a:effectLst>
+            </a:endParaRPr>
+          </a:p>
+        </p:txBody>
+      </p:sp>
+      <p:cxnSp>
+        <p:nvCxnSpPr>
+          <p:cNvPr id="24" name="Elbow Connector 23"/>
+          <p:cNvCxnSpPr>
+            <a:stCxn id="9" idx="6"/>
+            <a:endCxn id="3" idx="2"/>
+          </p:cNvCxnSpPr>
+          <p:nvPr/>
+        </p:nvCxnSpPr>
+        <p:spPr>
+          <a:xfrm flipV="1">
+            <a:off x="2746473" y="3881684"/>
+            <a:ext cx="908671" cy="765"/>
+          </a:xfrm>
+          <a:prstGeom prst="bentConnector3">
+            <a:avLst/>
+          </a:prstGeom>
+          <a:ln>
+            <a:tailEnd type="triangle"/>
+          </a:ln>
+        </p:spPr>
+        <p:style>
+          <a:lnRef idx="1">
+            <a:schemeClr val="accent1"/>
+          </a:lnRef>
+          <a:fillRef idx="0">
+            <a:schemeClr val="accent1"/>
+          </a:fillRef>
+          <a:effectRef idx="0">
+            <a:schemeClr val="accent1"/>
+          </a:effectRef>
+          <a:fontRef idx="minor">
+            <a:schemeClr val="tx1"/>
+          </a:fontRef>
+        </p:style>
+      </p:cxnSp>
+      <p:sp>
+        <p:nvSpPr>
+          <p:cNvPr id="10" name="Trapezoid 9"/>
+          <p:cNvSpPr/>
+          <p:nvPr/>
+        </p:nvSpPr>
+        <p:spPr>
+          <a:xfrm rot="16200000">
+            <a:off x="6582237" y="2969853"/>
+            <a:ext cx="1516618" cy="1823663"/>
+          </a:xfrm>
+          <a:prstGeom prst="trapezoid">
+            <a:avLst/>
+          </a:prstGeom>
+        </p:spPr>
+        <p:style>
+          <a:lnRef idx="2">
+            <a:schemeClr val="accent1">
+              <a:shade val="50000"/>
+            </a:schemeClr>
+          </a:lnRef>
+          <a:fillRef idx="1">
+            <a:schemeClr val="accent1"/>
+          </a:fillRef>
+          <a:effectRef idx="0">
+            <a:schemeClr val="accent1"/>
+          </a:effectRef>
+          <a:fontRef idx="minor">
+            <a:schemeClr val="lt1"/>
+          </a:fontRef>
+        </p:style>
+        <p:txBody>
+          <a:bodyPr vert="vert" rtlCol="0" anchor="ctr">
+            <a:noAutofit/>
+          </a:bodyPr>
+          <a:lstStyle/>
+          <a:p>
+            <a:pPr algn="ctr"/>
+            <a:r>
+              <a:rPr lang="en-US" dirty="0" smtClean="0"/>
+              <a:t>Predict</a:t>
+            </a:r>
+            <a:br>
+              <a:rPr lang="en-US" dirty="0" smtClean="0"/>
+            </a:br>
+            <a:r>
+              <a:rPr lang="en-US" dirty="0" smtClean="0"/>
+              <a:t>given </a:t>
+            </a:r>
+          </a:p>
+          <a:p>
+            <a:pPr algn="ctr"/>
+            <a:r>
+              <a:rPr lang="en-US" dirty="0" smtClean="0"/>
+              <a:t>embedding</a:t>
+            </a:r>
+            <a:endParaRPr lang="en-US" dirty="0"/>
+          </a:p>
+        </p:txBody>
+      </p:sp>
+      <p:cxnSp>
+        <p:nvCxnSpPr>
+          <p:cNvPr id="5" name="Straight Arrow Connector 4"/>
+          <p:cNvCxnSpPr>
+            <a:stCxn id="3" idx="0"/>
+            <a:endCxn id="10" idx="0"/>
+          </p:cNvCxnSpPr>
+          <p:nvPr/>
+        </p:nvCxnSpPr>
+        <p:spPr>
+          <a:xfrm>
+            <a:off x="5478807" y="3881684"/>
+            <a:ext cx="949908" cy="1"/>
+          </a:xfrm>
+          <a:prstGeom prst="straightConnector1">
+            <a:avLst/>
+          </a:prstGeom>
+          <a:ln>
+            <a:tailEnd type="triangle"/>
+          </a:ln>
+        </p:spPr>
+        <p:style>
+          <a:lnRef idx="1">
+            <a:schemeClr val="accent1"/>
+          </a:lnRef>
+          <a:fillRef idx="0">
+            <a:schemeClr val="accent1"/>
+          </a:fillRef>
+          <a:effectRef idx="0">
+            <a:schemeClr val="accent1"/>
+          </a:effectRef>
+          <a:fontRef idx="minor">
+            <a:schemeClr val="tx1"/>
+          </a:fontRef>
+        </p:style>
+      </p:cxnSp>
+      <p:cxnSp>
+        <p:nvCxnSpPr>
+          <p:cNvPr id="14" name="Straight Arrow Connector 13"/>
+          <p:cNvCxnSpPr>
+            <a:stCxn id="10" idx="2"/>
+            <a:endCxn id="8" idx="2"/>
+          </p:cNvCxnSpPr>
+          <p:nvPr/>
+        </p:nvCxnSpPr>
+        <p:spPr>
+          <a:xfrm>
+            <a:off x="8252378" y="3881684"/>
+            <a:ext cx="908671" cy="0"/>
+          </a:xfrm>
+          <a:prstGeom prst="straightConnector1">
+            <a:avLst/>
+          </a:prstGeom>
+          <a:ln>
+            <a:tailEnd type="triangle"/>
+          </a:ln>
+        </p:spPr>
+        <p:style>
+          <a:lnRef idx="1">
+            <a:schemeClr val="accent1"/>
+          </a:lnRef>
+          <a:fillRef idx="0">
+            <a:schemeClr val="accent1"/>
+          </a:fillRef>
+          <a:effectRef idx="0">
+            <a:schemeClr val="accent1"/>
+          </a:effectRef>
+          <a:fontRef idx="minor">
+            <a:schemeClr val="tx1"/>
+          </a:fontRef>
+        </p:style>
+      </p:cxnSp>
+      <p:sp>
+        <p:nvSpPr>
+          <p:cNvPr id="25" name="Rectangle 24"/>
+          <p:cNvSpPr/>
+          <p:nvPr/>
+        </p:nvSpPr>
+        <p:spPr>
+          <a:xfrm>
+            <a:off x="5260547" y="3558517"/>
+            <a:ext cx="1408670" cy="646331"/>
+          </a:xfrm>
+          <a:prstGeom prst="rect">
+            <a:avLst/>
+          </a:prstGeom>
+        </p:spPr>
+        <p:txBody>
+          <a:bodyPr wrap="square">
+            <a:spAutoFit/>
+          </a:bodyPr>
+          <a:lstStyle/>
+          <a:p>
+            <a:pPr algn="ctr"/>
+            <a:r>
+              <a:rPr lang="en-US"/>
+              <a:t>Trend</a:t>
+            </a:r>
+            <a:br>
+              <a:rPr lang="en-US"/>
+            </a:br>
+            <a:r>
+              <a:rPr lang="en-US"/>
+              <a:t>embedding</a:t>
             </a:r>
             <a:endParaRPr lang="en-US" dirty="0"/>
           </a:p>
@@ -6329,13 +7840,20 @@
     </p:spTree>
     <p:extLst>
       <p:ext uri="{BB962C8B-B14F-4D97-AF65-F5344CB8AC3E}">
-        <p14:creationId xmlns:p14="http://schemas.microsoft.com/office/powerpoint/2010/main" val="183346381"/>
+        <p14:creationId xmlns:p14="http://schemas.microsoft.com/office/powerpoint/2010/main" val="1909500911"/>
       </p:ext>
     </p:extLst>
   </p:cSld>
   <p:clrMapOvr>
     <a:masterClrMapping/>
   </p:clrMapOvr>
+  <p:timing>
+    <p:tnLst>
+      <p:par>
+        <p:cTn id="1" dur="indefinite" restart="never" nodeType="tmRoot"/>
+      </p:par>
+    </p:tnLst>
+  </p:timing>
 </p:sld>
 </file>
 
@@ -6366,133 +7884,510 @@
             <p:ph type="title"/>
           </p:nvPr>
         </p:nvSpPr>
-        <p:spPr/>
+        <p:spPr>
+          <a:xfrm>
+            <a:off x="685801" y="609600"/>
+            <a:ext cx="10410567" cy="1456267"/>
+          </a:xfrm>
+        </p:spPr>
         <p:txBody>
           <a:bodyPr/>
           <a:lstStyle/>
           <a:p>
             <a:r>
               <a:rPr lang="en-US" dirty="0" smtClean="0"/>
-              <a:t>Datasets </a:t>
-            </a:r>
-            <a:endParaRPr lang="en-US" dirty="0"/>
-          </a:p>
-        </p:txBody>
-      </p:sp>
-      <p:sp>
-        <p:nvSpPr>
-          <p:cNvPr id="3" name="Content Placeholder 2"/>
-          <p:cNvSpPr>
-            <a:spLocks noGrp="1"/>
-          </p:cNvSpPr>
-          <p:nvPr>
-            <p:ph idx="1"/>
-          </p:nvPr>
-        </p:nvSpPr>
-        <p:spPr/>
-        <p:txBody>
-          <a:bodyPr/>
-          <a:lstStyle/>
-          <a:p>
-            <a:r>
-              <a:rPr lang="en-US" dirty="0" smtClean="0"/>
-              <a:t>NYSE FA data set: </a:t>
-            </a:r>
+              <a:t>A overview of a Trend price prediction model</a:t>
+            </a:r>
+            <a:endParaRPr lang="en-US" dirty="0"/>
+          </a:p>
+        </p:txBody>
+      </p:sp>
+      <p:sp>
+        <p:nvSpPr>
+          <p:cNvPr id="3" name="Trapezoid 2"/>
+          <p:cNvSpPr/>
+          <p:nvPr/>
+        </p:nvSpPr>
+        <p:spPr>
+          <a:xfrm rot="5400000">
+            <a:off x="6106328" y="2785268"/>
+            <a:ext cx="1720921" cy="1823663"/>
+          </a:xfrm>
+          <a:prstGeom prst="trapezoid">
+            <a:avLst/>
+          </a:prstGeom>
+        </p:spPr>
+        <p:style>
+          <a:lnRef idx="2">
+            <a:schemeClr val="accent1">
+              <a:shade val="50000"/>
+            </a:schemeClr>
+          </a:lnRef>
+          <a:fillRef idx="1">
+            <a:schemeClr val="accent1"/>
+          </a:fillRef>
+          <a:effectRef idx="0">
+            <a:schemeClr val="accent1"/>
+          </a:effectRef>
+          <a:fontRef idx="minor">
+            <a:schemeClr val="lt1"/>
+          </a:fontRef>
+        </p:style>
+        <p:txBody>
+          <a:bodyPr vert="vert270" rtlCol="0" anchor="ctr"/>
+          <a:lstStyle/>
+          <a:p>
+            <a:pPr algn="ctr"/>
+            <a:r>
+              <a:rPr lang="en-US" dirty="0" smtClean="0"/>
+              <a:t>Predict</a:t>
+            </a:r>
+            <a:br>
+              <a:rPr lang="en-US" dirty="0" smtClean="0"/>
+            </a:br>
+            <a:r>
+              <a:rPr lang="en-US" dirty="0" smtClean="0"/>
+              <a:t>given </a:t>
+            </a:r>
+          </a:p>
+          <a:p>
+            <a:pPr algn="ctr"/>
+            <a:r>
+              <a:rPr lang="en-US" dirty="0" smtClean="0"/>
+              <a:t>Trend</a:t>
+            </a:r>
+            <a:endParaRPr lang="en-US" dirty="0"/>
+          </a:p>
+        </p:txBody>
+      </p:sp>
+      <p:sp>
+        <p:nvSpPr>
+          <p:cNvPr id="6" name="Oval 5"/>
+          <p:cNvSpPr/>
+          <p:nvPr/>
+        </p:nvSpPr>
+        <p:spPr>
+          <a:xfrm>
+            <a:off x="4930354" y="3022059"/>
+            <a:ext cx="441789" cy="410966"/>
+          </a:xfrm>
+          <a:prstGeom prst="ellipse">
+            <a:avLst/>
+          </a:prstGeom>
+        </p:spPr>
+        <p:style>
+          <a:lnRef idx="2">
+            <a:schemeClr val="accent1">
+              <a:shade val="50000"/>
+            </a:schemeClr>
+          </a:lnRef>
+          <a:fillRef idx="1">
+            <a:schemeClr val="accent1"/>
+          </a:fillRef>
+          <a:effectRef idx="0">
+            <a:schemeClr val="accent1"/>
+          </a:effectRef>
+          <a:fontRef idx="minor">
+            <a:schemeClr val="lt1"/>
+          </a:fontRef>
+        </p:style>
+        <p:txBody>
+          <a:bodyPr rtlCol="0" anchor="ctr"/>
+          <a:lstStyle/>
+          <a:p>
+            <a:pPr algn="ctr"/>
             <a:r>
               <a:rPr lang="en-US" dirty="0">
-                <a:hlinkClick r:id="rId2"/>
+                <a:ln w="0"/>
+                <a:solidFill>
+                  <a:schemeClr val="tx1"/>
+                </a:solidFill>
+                <a:effectLst>
+                  <a:outerShdw blurRad="38100" dist="19050" dir="2700000" algn="tl" rotWithShape="0">
+                    <a:schemeClr val="dk1">
+                      <a:alpha val="40000"/>
+                    </a:schemeClr>
+                  </a:outerShdw>
+                </a:effectLst>
               </a:rPr>
-              <a:t>https://</a:t>
-            </a:r>
+              <a:t>X</a:t>
+            </a:r>
+          </a:p>
+        </p:txBody>
+      </p:sp>
+      <p:sp>
+        <p:nvSpPr>
+          <p:cNvPr id="7" name="Trapezoid 6"/>
+          <p:cNvSpPr/>
+          <p:nvPr/>
+        </p:nvSpPr>
+        <p:spPr>
+          <a:xfrm rot="5400000">
+            <a:off x="3435648" y="3658429"/>
+            <a:ext cx="1720921" cy="1823663"/>
+          </a:xfrm>
+          <a:prstGeom prst="trapezoid">
+            <a:avLst/>
+          </a:prstGeom>
+        </p:spPr>
+        <p:style>
+          <a:lnRef idx="2">
+            <a:schemeClr val="accent1">
+              <a:shade val="50000"/>
+            </a:schemeClr>
+          </a:lnRef>
+          <a:fillRef idx="1">
+            <a:schemeClr val="accent1"/>
+          </a:fillRef>
+          <a:effectRef idx="0">
+            <a:schemeClr val="accent1"/>
+          </a:effectRef>
+          <a:fontRef idx="minor">
+            <a:schemeClr val="lt1"/>
+          </a:fontRef>
+        </p:style>
+        <p:txBody>
+          <a:bodyPr vert="vert270" rtlCol="0" anchor="ctr"/>
+          <a:lstStyle/>
+          <a:p>
+            <a:pPr algn="ctr"/>
+            <a:r>
+              <a:rPr lang="en-US" dirty="0" smtClean="0"/>
+              <a:t>Identify</a:t>
+            </a:r>
+            <a:br>
+              <a:rPr lang="en-US" dirty="0" smtClean="0"/>
+            </a:br>
+            <a:r>
+              <a:rPr lang="en-US" dirty="0" smtClean="0"/>
+              <a:t>Past</a:t>
+            </a:r>
+            <a:br>
+              <a:rPr lang="en-US" dirty="0" smtClean="0"/>
+            </a:br>
+            <a:r>
+              <a:rPr lang="en-US" dirty="0" smtClean="0"/>
+              <a:t>Trend</a:t>
+            </a:r>
+            <a:endParaRPr lang="en-US" dirty="0"/>
+          </a:p>
+        </p:txBody>
+      </p:sp>
+      <p:sp>
+        <p:nvSpPr>
+          <p:cNvPr id="8" name="Oval 7"/>
+          <p:cNvSpPr/>
+          <p:nvPr/>
+        </p:nvSpPr>
+        <p:spPr>
+          <a:xfrm>
+            <a:off x="8888748" y="3491616"/>
+            <a:ext cx="441789" cy="410966"/>
+          </a:xfrm>
+          <a:prstGeom prst="ellipse">
+            <a:avLst/>
+          </a:prstGeom>
+        </p:spPr>
+        <p:style>
+          <a:lnRef idx="2">
+            <a:schemeClr val="accent1">
+              <a:shade val="50000"/>
+            </a:schemeClr>
+          </a:lnRef>
+          <a:fillRef idx="1">
+            <a:schemeClr val="accent1"/>
+          </a:fillRef>
+          <a:effectRef idx="0">
+            <a:schemeClr val="accent1"/>
+          </a:effectRef>
+          <a:fontRef idx="minor">
+            <a:schemeClr val="lt1"/>
+          </a:fontRef>
+        </p:style>
+        <p:txBody>
+          <a:bodyPr rtlCol="0" anchor="ctr"/>
+          <a:lstStyle/>
+          <a:p>
+            <a:pPr algn="ctr"/>
             <a:r>
               <a:rPr lang="en-US" dirty="0" smtClean="0">
-                <a:hlinkClick r:id="rId2"/>
+                <a:ln w="0"/>
+                <a:solidFill>
+                  <a:schemeClr val="tx1"/>
+                </a:solidFill>
+                <a:effectLst>
+                  <a:outerShdw blurRad="38100" dist="19050" dir="2700000" algn="tl" rotWithShape="0">
+                    <a:schemeClr val="dk1">
+                      <a:alpha val="40000"/>
+                    </a:schemeClr>
+                  </a:outerShdw>
+                </a:effectLst>
               </a:rPr>
-              <a:t>www.kaggle.com/dgawlik/nyse</a:t>
-            </a:r>
-            <a:endParaRPr lang="en-US" dirty="0" smtClean="0"/>
-          </a:p>
-          <a:p>
-            <a:r>
-              <a:rPr lang="en-US" dirty="0"/>
-              <a:t>Crypto data set: </a:t>
-            </a:r>
-            <a:r>
-              <a:rPr lang="en-US" dirty="0">
-                <a:hlinkClick r:id="rId3"/>
+              <a:t>Y</a:t>
+            </a:r>
+            <a:endParaRPr lang="en-US" dirty="0">
+              <a:ln w="0"/>
+              <a:solidFill>
+                <a:schemeClr val="tx1"/>
+              </a:solidFill>
+              <a:effectLst>
+                <a:outerShdw blurRad="38100" dist="19050" dir="2700000" algn="tl" rotWithShape="0">
+                  <a:schemeClr val="dk1">
+                    <a:alpha val="40000"/>
+                  </a:schemeClr>
+                </a:outerShdw>
+              </a:effectLst>
+            </a:endParaRPr>
+          </a:p>
+        </p:txBody>
+      </p:sp>
+      <p:sp>
+        <p:nvSpPr>
+          <p:cNvPr id="9" name="Oval 8"/>
+          <p:cNvSpPr/>
+          <p:nvPr/>
+        </p:nvSpPr>
+        <p:spPr>
+          <a:xfrm>
+            <a:off x="2376199" y="3918858"/>
+            <a:ext cx="573996" cy="1302804"/>
+          </a:xfrm>
+          <a:prstGeom prst="ellipse">
+            <a:avLst/>
+          </a:prstGeom>
+        </p:spPr>
+        <p:style>
+          <a:lnRef idx="2">
+            <a:schemeClr val="accent1">
+              <a:shade val="50000"/>
+            </a:schemeClr>
+          </a:lnRef>
+          <a:fillRef idx="1">
+            <a:schemeClr val="accent1"/>
+          </a:fillRef>
+          <a:effectRef idx="0">
+            <a:schemeClr val="accent1"/>
+          </a:effectRef>
+          <a:fontRef idx="minor">
+            <a:schemeClr val="lt1"/>
+          </a:fontRef>
+        </p:style>
+        <p:txBody>
+          <a:bodyPr vert="vert" rtlCol="0" anchor="ctr"/>
+          <a:lstStyle/>
+          <a:p>
+            <a:pPr algn="ctr"/>
+            <a:r>
+              <a:rPr lang="en-US" dirty="0" smtClean="0">
+                <a:ln w="0"/>
+                <a:solidFill>
+                  <a:schemeClr val="tx1"/>
+                </a:solidFill>
+                <a:effectLst>
+                  <a:outerShdw blurRad="38100" dist="19050" dir="2700000" algn="tl" rotWithShape="0">
+                    <a:schemeClr val="dk1">
+                      <a:alpha val="40000"/>
+                    </a:schemeClr>
+                  </a:outerShdw>
+                </a:effectLst>
               </a:rPr>
-              <a:t>https://</a:t>
-            </a:r>
-            <a:r>
-              <a:rPr lang="en-US" dirty="0" smtClean="0">
-                <a:hlinkClick r:id="rId3"/>
-              </a:rPr>
-              <a:t>www.kaggle.com/mczielinski/bitcoin-historical-data</a:t>
-            </a:r>
-            <a:endParaRPr lang="en-US" dirty="0" smtClean="0"/>
-          </a:p>
-          <a:p>
-            <a:r>
-              <a:rPr lang="en-US" dirty="0" smtClean="0"/>
-              <a:t>Synthetic data: </a:t>
-            </a:r>
-            <a:r>
-              <a:rPr lang="en-US" dirty="0" smtClean="0">
-                <a:hlinkClick r:id="rId4"/>
-              </a:rPr>
-              <a:t>https</a:t>
-            </a:r>
-            <a:r>
-              <a:rPr lang="en-US" dirty="0">
-                <a:hlinkClick r:id="rId4"/>
-              </a:rPr>
-              <a:t>://</a:t>
-            </a:r>
-            <a:r>
-              <a:rPr lang="en-US" dirty="0" smtClean="0">
-                <a:hlinkClick r:id="rId4"/>
-              </a:rPr>
-              <a:t>github.com/ashleysmart/mlgym/blob/master/stock_price/SyneticTradeData.ipynb</a:t>
-            </a:r>
-            <a:endParaRPr lang="en-US" dirty="0" smtClean="0"/>
-          </a:p>
-          <a:p>
-            <a:r>
-              <a:rPr lang="en-US" dirty="0" err="1" smtClean="0"/>
-              <a:t>Biance</a:t>
-            </a:r>
-            <a:r>
-              <a:rPr lang="en-US" dirty="0" smtClean="0"/>
-              <a:t> data (for crypto + with depth)</a:t>
-            </a:r>
-          </a:p>
-          <a:p>
-            <a:r>
-              <a:rPr lang="en-US" dirty="0">
-                <a:hlinkClick r:id="rId5"/>
-              </a:rPr>
-              <a:t>https://www.binance.com/?</a:t>
-            </a:r>
-            <a:r>
-              <a:rPr lang="en-US" dirty="0" smtClean="0">
-                <a:hlinkClick r:id="rId5"/>
-              </a:rPr>
-              <a:t>ref=10099792</a:t>
-            </a:r>
-            <a:r>
-              <a:rPr lang="en-US" dirty="0" smtClean="0"/>
-              <a:t> - but on idea how to get the data yet</a:t>
-            </a:r>
-            <a:r>
-              <a:rPr lang="mr-IN" smtClean="0"/>
-              <a:t>…</a:t>
-            </a:r>
-            <a:endParaRPr lang="en-US" dirty="0"/>
-          </a:p>
-          <a:p>
-            <a:endParaRPr lang="en-US" dirty="0" smtClean="0"/>
-          </a:p>
-          <a:p>
+              <a:t>Data</a:t>
+            </a:r>
+            <a:endParaRPr lang="en-US" dirty="0">
+              <a:ln w="0"/>
+              <a:solidFill>
+                <a:schemeClr val="tx1"/>
+              </a:solidFill>
+              <a:effectLst>
+                <a:outerShdw blurRad="38100" dist="19050" dir="2700000" algn="tl" rotWithShape="0">
+                  <a:schemeClr val="dk1">
+                    <a:alpha val="40000"/>
+                  </a:schemeClr>
+                </a:outerShdw>
+              </a:effectLst>
+            </a:endParaRPr>
+          </a:p>
+        </p:txBody>
+      </p:sp>
+      <p:cxnSp>
+        <p:nvCxnSpPr>
+          <p:cNvPr id="11" name="Elbow Connector 10"/>
+          <p:cNvCxnSpPr>
+            <a:stCxn id="3" idx="0"/>
+            <a:endCxn id="8" idx="2"/>
+          </p:cNvCxnSpPr>
+          <p:nvPr/>
+        </p:nvCxnSpPr>
+        <p:spPr>
+          <a:xfrm flipV="1">
+            <a:off x="7878620" y="3697099"/>
+            <a:ext cx="1010128" cy="1"/>
+          </a:xfrm>
+          <a:prstGeom prst="bentConnector3">
+            <a:avLst>
+              <a:gd name="adj1" fmla="val 50000"/>
+            </a:avLst>
+          </a:prstGeom>
+          <a:ln>
+            <a:solidFill>
+              <a:schemeClr val="accent1"/>
+            </a:solidFill>
+            <a:tailEnd type="triangle"/>
+          </a:ln>
+        </p:spPr>
+        <p:style>
+          <a:lnRef idx="1">
+            <a:schemeClr val="accent1"/>
+          </a:lnRef>
+          <a:fillRef idx="0">
+            <a:schemeClr val="accent1"/>
+          </a:fillRef>
+          <a:effectRef idx="0">
+            <a:schemeClr val="accent1"/>
+          </a:effectRef>
+          <a:fontRef idx="minor">
+            <a:schemeClr val="tx1"/>
+          </a:fontRef>
+        </p:style>
+      </p:cxnSp>
+      <p:cxnSp>
+        <p:nvCxnSpPr>
+          <p:cNvPr id="16" name="Straight Arrow Connector 15"/>
+          <p:cNvCxnSpPr/>
+          <p:nvPr/>
+        </p:nvCxnSpPr>
+        <p:spPr>
+          <a:xfrm flipV="1">
+            <a:off x="5254894" y="3237470"/>
+            <a:ext cx="800063" cy="12357"/>
+          </a:xfrm>
+          <a:prstGeom prst="straightConnector1">
+            <a:avLst/>
+          </a:prstGeom>
+          <a:ln>
+            <a:tailEnd type="triangle"/>
+          </a:ln>
+        </p:spPr>
+        <p:style>
+          <a:lnRef idx="1">
+            <a:schemeClr val="accent1"/>
+          </a:lnRef>
+          <a:fillRef idx="0">
+            <a:schemeClr val="accent1"/>
+          </a:fillRef>
+          <a:effectRef idx="0">
+            <a:schemeClr val="accent1"/>
+          </a:effectRef>
+          <a:fontRef idx="minor">
+            <a:schemeClr val="tx1"/>
+          </a:fontRef>
+        </p:style>
+      </p:cxnSp>
+      <p:cxnSp>
+        <p:nvCxnSpPr>
+          <p:cNvPr id="18" name="Elbow Connector 17"/>
+          <p:cNvCxnSpPr>
+            <a:stCxn id="7" idx="0"/>
+          </p:cNvCxnSpPr>
+          <p:nvPr/>
+        </p:nvCxnSpPr>
+        <p:spPr>
+          <a:xfrm flipV="1">
+            <a:off x="5207940" y="4139514"/>
+            <a:ext cx="847017" cy="430747"/>
+          </a:xfrm>
+          <a:prstGeom prst="bentConnector3">
+            <a:avLst/>
+          </a:prstGeom>
+          <a:ln>
+            <a:tailEnd type="triangle"/>
+          </a:ln>
+        </p:spPr>
+        <p:style>
+          <a:lnRef idx="1">
+            <a:schemeClr val="accent1"/>
+          </a:lnRef>
+          <a:fillRef idx="0">
+            <a:schemeClr val="accent1"/>
+          </a:fillRef>
+          <a:effectRef idx="0">
+            <a:schemeClr val="accent1"/>
+          </a:effectRef>
+          <a:fontRef idx="minor">
+            <a:schemeClr val="tx1"/>
+          </a:fontRef>
+        </p:style>
+      </p:cxnSp>
+      <p:cxnSp>
+        <p:nvCxnSpPr>
+          <p:cNvPr id="24" name="Elbow Connector 23"/>
+          <p:cNvCxnSpPr>
+            <a:stCxn id="9" idx="6"/>
+            <a:endCxn id="7" idx="2"/>
+          </p:cNvCxnSpPr>
+          <p:nvPr/>
+        </p:nvCxnSpPr>
+        <p:spPr>
+          <a:xfrm>
+            <a:off x="2950195" y="4570260"/>
+            <a:ext cx="434082" cy="1"/>
+          </a:xfrm>
+          <a:prstGeom prst="bentConnector3">
+            <a:avLst/>
+          </a:prstGeom>
+          <a:ln>
+            <a:tailEnd type="triangle"/>
+          </a:ln>
+        </p:spPr>
+        <p:style>
+          <a:lnRef idx="1">
+            <a:schemeClr val="accent1"/>
+          </a:lnRef>
+          <a:fillRef idx="0">
+            <a:schemeClr val="accent1"/>
+          </a:fillRef>
+          <a:effectRef idx="0">
+            <a:schemeClr val="accent1"/>
+          </a:effectRef>
+          <a:fontRef idx="minor">
+            <a:schemeClr val="tx1"/>
+          </a:fontRef>
+        </p:style>
+      </p:cxnSp>
+      <p:sp>
+        <p:nvSpPr>
+          <p:cNvPr id="37" name="TextBox 36"/>
+          <p:cNvSpPr txBox="1"/>
+          <p:nvPr/>
+        </p:nvSpPr>
+        <p:spPr>
+          <a:xfrm>
+            <a:off x="5017492" y="4188004"/>
+            <a:ext cx="1249060" cy="646331"/>
+          </a:xfrm>
+          <a:prstGeom prst="rect">
+            <a:avLst/>
+          </a:prstGeom>
+          <a:noFill/>
+        </p:spPr>
+        <p:txBody>
+          <a:bodyPr wrap="none" rtlCol="0">
+            <a:spAutoFit/>
+          </a:bodyPr>
+          <a:lstStyle/>
+          <a:p>
+            <a:pPr algn="ctr"/>
+            <a:r>
+              <a:rPr lang="en-US" dirty="0" smtClean="0"/>
+              <a:t>Trend</a:t>
+            </a:r>
+            <a:br>
+              <a:rPr lang="en-US" dirty="0" smtClean="0"/>
+            </a:br>
+            <a:r>
+              <a:rPr lang="en-US" dirty="0" smtClean="0"/>
+              <a:t>embedding</a:t>
+            </a:r>
             <a:endParaRPr lang="en-US" dirty="0"/>
           </a:p>
         </p:txBody>
@@ -6500,13 +8395,20 @@
     </p:spTree>
     <p:extLst>
       <p:ext uri="{BB962C8B-B14F-4D97-AF65-F5344CB8AC3E}">
-        <p14:creationId xmlns:p14="http://schemas.microsoft.com/office/powerpoint/2010/main" val="1838065380"/>
+        <p14:creationId xmlns:p14="http://schemas.microsoft.com/office/powerpoint/2010/main" val="401569235"/>
       </p:ext>
     </p:extLst>
   </p:cSld>
   <p:clrMapOvr>
     <a:masterClrMapping/>
   </p:clrMapOvr>
+  <p:timing>
+    <p:tnLst>
+      <p:par>
+        <p:cTn id="1" dur="indefinite" restart="never" nodeType="tmRoot"/>
+      </p:par>
+    </p:tnLst>
+  </p:timing>
 </p:sld>
 </file>
 
@@ -6529,6 +8431,46 @@
       </p:grpSpPr>
       <p:sp>
         <p:nvSpPr>
+          <p:cNvPr id="5" name="Rectangle 4"/>
+          <p:cNvSpPr/>
+          <p:nvPr/>
+        </p:nvSpPr>
+        <p:spPr>
+          <a:xfrm>
+            <a:off x="7072304" y="3170271"/>
+            <a:ext cx="2332234" cy="1720921"/>
+          </a:xfrm>
+          <a:prstGeom prst="rect">
+            <a:avLst/>
+          </a:prstGeom>
+        </p:spPr>
+        <p:style>
+          <a:lnRef idx="2">
+            <a:schemeClr val="accent1">
+              <a:shade val="50000"/>
+            </a:schemeClr>
+          </a:lnRef>
+          <a:fillRef idx="1">
+            <a:schemeClr val="accent1"/>
+          </a:fillRef>
+          <a:effectRef idx="0">
+            <a:schemeClr val="accent1"/>
+          </a:effectRef>
+          <a:fontRef idx="minor">
+            <a:schemeClr val="lt1"/>
+          </a:fontRef>
+        </p:style>
+        <p:txBody>
+          <a:bodyPr rtlCol="0" anchor="ctr"/>
+          <a:lstStyle/>
+          <a:p>
+            <a:pPr algn="ctr"/>
+            <a:endParaRPr lang="en-US"/>
+          </a:p>
+        </p:txBody>
+      </p:sp>
+      <p:sp>
+        <p:nvSpPr>
           <p:cNvPr id="2" name="Title 1"/>
           <p:cNvSpPr>
             <a:spLocks noGrp="1"/>
@@ -6537,114 +8479,818 @@
             <p:ph type="title"/>
           </p:nvPr>
         </p:nvSpPr>
-        <p:spPr/>
+        <p:spPr>
+          <a:xfrm>
+            <a:off x="685801" y="609600"/>
+            <a:ext cx="10410567" cy="1456267"/>
+          </a:xfrm>
+        </p:spPr>
         <p:txBody>
           <a:bodyPr/>
           <a:lstStyle/>
           <a:p>
             <a:r>
               <a:rPr lang="en-US" dirty="0" smtClean="0"/>
-              <a:t>General training materials </a:t>
-            </a:r>
-            <a:endParaRPr lang="en-US" dirty="0"/>
-          </a:p>
-        </p:txBody>
-      </p:sp>
-      <p:sp>
-        <p:nvSpPr>
-          <p:cNvPr id="3" name="Content Placeholder 2"/>
-          <p:cNvSpPr>
-            <a:spLocks noGrp="1"/>
-          </p:cNvSpPr>
-          <p:nvPr>
-            <p:ph idx="1"/>
-          </p:nvPr>
-        </p:nvSpPr>
-        <p:spPr/>
-        <p:txBody>
-          <a:bodyPr/>
-          <a:lstStyle/>
-          <a:p>
+              <a:t>A overview of a GMM for price prediction</a:t>
+            </a:r>
+            <a:endParaRPr lang="en-US" dirty="0"/>
+          </a:p>
+        </p:txBody>
+      </p:sp>
+      <p:sp>
+        <p:nvSpPr>
+          <p:cNvPr id="3" name="Trapezoid 2"/>
+          <p:cNvSpPr/>
+          <p:nvPr/>
+        </p:nvSpPr>
+        <p:spPr>
+          <a:xfrm rot="5400000">
+            <a:off x="4289884" y="3118900"/>
+            <a:ext cx="1720921" cy="1823663"/>
+          </a:xfrm>
+          <a:prstGeom prst="trapezoid">
+            <a:avLst/>
+          </a:prstGeom>
+        </p:spPr>
+        <p:style>
+          <a:lnRef idx="2">
+            <a:schemeClr val="accent1">
+              <a:shade val="50000"/>
+            </a:schemeClr>
+          </a:lnRef>
+          <a:fillRef idx="1">
+            <a:schemeClr val="accent1"/>
+          </a:fillRef>
+          <a:effectRef idx="0">
+            <a:schemeClr val="accent1"/>
+          </a:effectRef>
+          <a:fontRef idx="minor">
+            <a:schemeClr val="lt1"/>
+          </a:fontRef>
+        </p:style>
+        <p:txBody>
+          <a:bodyPr vert="vert270" rtlCol="0" anchor="ctr"/>
+          <a:lstStyle/>
+          <a:p>
+            <a:pPr algn="ctr"/>
+            <a:r>
+              <a:rPr lang="en-US" dirty="0" smtClean="0"/>
+              <a:t>GMM </a:t>
+            </a:r>
+          </a:p>
+          <a:p>
+            <a:pPr algn="ctr"/>
+            <a:r>
+              <a:rPr lang="en-US" dirty="0" err="1" smtClean="0"/>
+              <a:t>Params</a:t>
+            </a:r>
+            <a:endParaRPr lang="en-US" dirty="0"/>
+          </a:p>
+        </p:txBody>
+      </p:sp>
+      <p:pic>
+        <p:nvPicPr>
+          <p:cNvPr id="4" name="Picture 3"/>
+          <p:cNvPicPr>
+            <a:picLocks noChangeAspect="1"/>
+          </p:cNvPicPr>
+          <p:nvPr/>
+        </p:nvPicPr>
+        <p:blipFill>
+          <a:blip r:embed="rId2">
+            <a:extLst>
+              <a:ext uri="{28A0092B-C50C-407E-A947-70E740481C1C}">
+                <a14:useLocalDpi xmlns:a14="http://schemas.microsoft.com/office/drawing/2010/main" val="0"/>
+              </a:ext>
+            </a:extLst>
+          </a:blip>
+          <a:stretch>
+            <a:fillRect/>
+          </a:stretch>
+        </p:blipFill>
+        <p:spPr>
+          <a:xfrm>
+            <a:off x="7236507" y="3368049"/>
+            <a:ext cx="2003828" cy="1325367"/>
+          </a:xfrm>
+          <a:prstGeom prst="rect">
+            <a:avLst/>
+          </a:prstGeom>
+        </p:spPr>
+      </p:pic>
+      <p:sp>
+        <p:nvSpPr>
+          <p:cNvPr id="6" name="Oval 5"/>
+          <p:cNvSpPr/>
+          <p:nvPr/>
+        </p:nvSpPr>
+        <p:spPr>
+          <a:xfrm>
+            <a:off x="3113910" y="3355691"/>
+            <a:ext cx="441789" cy="410966"/>
+          </a:xfrm>
+          <a:prstGeom prst="ellipse">
+            <a:avLst/>
+          </a:prstGeom>
+        </p:spPr>
+        <p:style>
+          <a:lnRef idx="2">
+            <a:schemeClr val="accent1">
+              <a:shade val="50000"/>
+            </a:schemeClr>
+          </a:lnRef>
+          <a:fillRef idx="1">
+            <a:schemeClr val="accent1"/>
+          </a:fillRef>
+          <a:effectRef idx="0">
+            <a:schemeClr val="accent1"/>
+          </a:effectRef>
+          <a:fontRef idx="minor">
+            <a:schemeClr val="lt1"/>
+          </a:fontRef>
+        </p:style>
+        <p:txBody>
+          <a:bodyPr rtlCol="0" anchor="ctr"/>
+          <a:lstStyle/>
+          <a:p>
+            <a:pPr algn="ctr"/>
+            <a:r>
+              <a:rPr lang="en-US" dirty="0">
+                <a:ln w="0"/>
+                <a:solidFill>
+                  <a:schemeClr val="tx1"/>
+                </a:solidFill>
+                <a:effectLst>
+                  <a:outerShdw blurRad="38100" dist="19050" dir="2700000" algn="tl" rotWithShape="0">
+                    <a:schemeClr val="dk1">
+                      <a:alpha val="40000"/>
+                    </a:schemeClr>
+                  </a:outerShdw>
+                </a:effectLst>
+              </a:rPr>
+              <a:t>X</a:t>
+            </a:r>
+          </a:p>
+        </p:txBody>
+      </p:sp>
+      <p:sp>
+        <p:nvSpPr>
+          <p:cNvPr id="7" name="Trapezoid 6"/>
+          <p:cNvSpPr/>
+          <p:nvPr/>
+        </p:nvSpPr>
+        <p:spPr>
+          <a:xfrm rot="5400000">
+            <a:off x="1619204" y="3992061"/>
+            <a:ext cx="1720921" cy="1823663"/>
+          </a:xfrm>
+          <a:prstGeom prst="trapezoid">
+            <a:avLst/>
+          </a:prstGeom>
+        </p:spPr>
+        <p:style>
+          <a:lnRef idx="2">
+            <a:schemeClr val="accent1">
+              <a:shade val="50000"/>
+            </a:schemeClr>
+          </a:lnRef>
+          <a:fillRef idx="1">
+            <a:schemeClr val="accent1"/>
+          </a:fillRef>
+          <a:effectRef idx="0">
+            <a:schemeClr val="accent1"/>
+          </a:effectRef>
+          <a:fontRef idx="minor">
+            <a:schemeClr val="lt1"/>
+          </a:fontRef>
+        </p:style>
+        <p:txBody>
+          <a:bodyPr vert="vert270" rtlCol="0" anchor="ctr"/>
+          <a:lstStyle/>
+          <a:p>
+            <a:pPr algn="ctr"/>
+            <a:r>
+              <a:rPr lang="en-US" dirty="0" smtClean="0"/>
+              <a:t>Identify</a:t>
+            </a:r>
+            <a:br>
+              <a:rPr lang="en-US" dirty="0" smtClean="0"/>
+            </a:br>
+            <a:r>
+              <a:rPr lang="en-US" dirty="0" smtClean="0"/>
+              <a:t>Past</a:t>
+            </a:r>
+            <a:br>
+              <a:rPr lang="en-US" dirty="0" smtClean="0"/>
+            </a:br>
+            <a:r>
+              <a:rPr lang="en-US" dirty="0" smtClean="0"/>
+              <a:t>Trend</a:t>
+            </a:r>
+            <a:endParaRPr lang="en-US" dirty="0"/>
+          </a:p>
+        </p:txBody>
+      </p:sp>
+      <p:sp>
+        <p:nvSpPr>
+          <p:cNvPr id="8" name="Oval 7"/>
+          <p:cNvSpPr/>
+          <p:nvPr/>
+        </p:nvSpPr>
+        <p:spPr>
+          <a:xfrm>
+            <a:off x="8017526" y="2278987"/>
+            <a:ext cx="441789" cy="410966"/>
+          </a:xfrm>
+          <a:prstGeom prst="ellipse">
+            <a:avLst/>
+          </a:prstGeom>
+        </p:spPr>
+        <p:style>
+          <a:lnRef idx="2">
+            <a:schemeClr val="accent1">
+              <a:shade val="50000"/>
+            </a:schemeClr>
+          </a:lnRef>
+          <a:fillRef idx="1">
+            <a:schemeClr val="accent1"/>
+          </a:fillRef>
+          <a:effectRef idx="0">
+            <a:schemeClr val="accent1"/>
+          </a:effectRef>
+          <a:fontRef idx="minor">
+            <a:schemeClr val="lt1"/>
+          </a:fontRef>
+        </p:style>
+        <p:txBody>
+          <a:bodyPr rtlCol="0" anchor="ctr"/>
+          <a:lstStyle/>
+          <a:p>
+            <a:pPr algn="ctr"/>
+            <a:r>
+              <a:rPr lang="en-US" dirty="0" smtClean="0">
+                <a:ln w="0"/>
+                <a:solidFill>
+                  <a:schemeClr val="tx1"/>
+                </a:solidFill>
+                <a:effectLst>
+                  <a:outerShdw blurRad="38100" dist="19050" dir="2700000" algn="tl" rotWithShape="0">
+                    <a:schemeClr val="dk1">
+                      <a:alpha val="40000"/>
+                    </a:schemeClr>
+                  </a:outerShdw>
+                </a:effectLst>
+              </a:rPr>
+              <a:t>Y</a:t>
+            </a:r>
+            <a:endParaRPr lang="en-US" dirty="0">
+              <a:ln w="0"/>
+              <a:solidFill>
+                <a:schemeClr val="tx1"/>
+              </a:solidFill>
+              <a:effectLst>
+                <a:outerShdw blurRad="38100" dist="19050" dir="2700000" algn="tl" rotWithShape="0">
+                  <a:schemeClr val="dk1">
+                    <a:alpha val="40000"/>
+                  </a:schemeClr>
+                </a:outerShdw>
+              </a:effectLst>
+            </a:endParaRPr>
+          </a:p>
+        </p:txBody>
+      </p:sp>
+      <p:sp>
+        <p:nvSpPr>
+          <p:cNvPr id="9" name="Oval 8"/>
+          <p:cNvSpPr/>
+          <p:nvPr/>
+        </p:nvSpPr>
+        <p:spPr>
+          <a:xfrm>
+            <a:off x="559755" y="4252490"/>
+            <a:ext cx="573996" cy="1302804"/>
+          </a:xfrm>
+          <a:prstGeom prst="ellipse">
+            <a:avLst/>
+          </a:prstGeom>
+        </p:spPr>
+        <p:style>
+          <a:lnRef idx="2">
+            <a:schemeClr val="accent1">
+              <a:shade val="50000"/>
+            </a:schemeClr>
+          </a:lnRef>
+          <a:fillRef idx="1">
+            <a:schemeClr val="accent1"/>
+          </a:fillRef>
+          <a:effectRef idx="0">
+            <a:schemeClr val="accent1"/>
+          </a:effectRef>
+          <a:fontRef idx="minor">
+            <a:schemeClr val="lt1"/>
+          </a:fontRef>
+        </p:style>
+        <p:txBody>
+          <a:bodyPr vert="vert" rtlCol="0" anchor="ctr"/>
+          <a:lstStyle/>
+          <a:p>
+            <a:pPr algn="ctr"/>
+            <a:r>
+              <a:rPr lang="en-US" dirty="0" smtClean="0">
+                <a:ln w="0"/>
+                <a:solidFill>
+                  <a:schemeClr val="tx1"/>
+                </a:solidFill>
+                <a:effectLst>
+                  <a:outerShdw blurRad="38100" dist="19050" dir="2700000" algn="tl" rotWithShape="0">
+                    <a:schemeClr val="dk1">
+                      <a:alpha val="40000"/>
+                    </a:schemeClr>
+                  </a:outerShdw>
+                </a:effectLst>
+              </a:rPr>
+              <a:t>Data</a:t>
+            </a:r>
+            <a:endParaRPr lang="en-US" dirty="0">
+              <a:ln w="0"/>
+              <a:solidFill>
+                <a:schemeClr val="tx1"/>
+              </a:solidFill>
+              <a:effectLst>
+                <a:outerShdw blurRad="38100" dist="19050" dir="2700000" algn="tl" rotWithShape="0">
+                  <a:schemeClr val="dk1">
+                    <a:alpha val="40000"/>
+                  </a:schemeClr>
+                </a:outerShdw>
+              </a:effectLst>
+            </a:endParaRPr>
+          </a:p>
+        </p:txBody>
+      </p:sp>
+      <p:cxnSp>
+        <p:nvCxnSpPr>
+          <p:cNvPr id="11" name="Elbow Connector 10"/>
+          <p:cNvCxnSpPr>
+            <a:stCxn id="3" idx="0"/>
+            <a:endCxn id="5" idx="1"/>
+          </p:cNvCxnSpPr>
+          <p:nvPr/>
+        </p:nvCxnSpPr>
+        <p:spPr>
+          <a:xfrm>
+            <a:off x="6062176" y="4030732"/>
+            <a:ext cx="1010128" cy="12700"/>
+          </a:xfrm>
+          <a:prstGeom prst="bentConnector3">
+            <a:avLst>
+              <a:gd name="adj1" fmla="val 50000"/>
+            </a:avLst>
+          </a:prstGeom>
+          <a:ln>
+            <a:solidFill>
+              <a:schemeClr val="accent1"/>
+            </a:solidFill>
+            <a:tailEnd type="triangle"/>
+          </a:ln>
+        </p:spPr>
+        <p:style>
+          <a:lnRef idx="1">
+            <a:schemeClr val="accent1"/>
+          </a:lnRef>
+          <a:fillRef idx="0">
+            <a:schemeClr val="accent1"/>
+          </a:fillRef>
+          <a:effectRef idx="0">
+            <a:schemeClr val="accent1"/>
+          </a:effectRef>
+          <a:fontRef idx="minor">
+            <a:schemeClr val="tx1"/>
+          </a:fontRef>
+        </p:style>
+      </p:cxnSp>
+      <p:cxnSp>
+        <p:nvCxnSpPr>
+          <p:cNvPr id="16" name="Straight Arrow Connector 15"/>
+          <p:cNvCxnSpPr/>
+          <p:nvPr/>
+        </p:nvCxnSpPr>
+        <p:spPr>
+          <a:xfrm flipV="1">
+            <a:off x="3438450" y="3571102"/>
+            <a:ext cx="800063" cy="12357"/>
+          </a:xfrm>
+          <a:prstGeom prst="straightConnector1">
+            <a:avLst/>
+          </a:prstGeom>
+          <a:ln>
+            <a:tailEnd type="triangle"/>
+          </a:ln>
+        </p:spPr>
+        <p:style>
+          <a:lnRef idx="1">
+            <a:schemeClr val="accent1"/>
+          </a:lnRef>
+          <a:fillRef idx="0">
+            <a:schemeClr val="accent1"/>
+          </a:fillRef>
+          <a:effectRef idx="0">
+            <a:schemeClr val="accent1"/>
+          </a:effectRef>
+          <a:fontRef idx="minor">
+            <a:schemeClr val="tx1"/>
+          </a:fontRef>
+        </p:style>
+      </p:cxnSp>
+      <p:cxnSp>
+        <p:nvCxnSpPr>
+          <p:cNvPr id="18" name="Elbow Connector 17"/>
+          <p:cNvCxnSpPr>
+            <a:stCxn id="7" idx="0"/>
+          </p:cNvCxnSpPr>
+          <p:nvPr/>
+        </p:nvCxnSpPr>
+        <p:spPr>
+          <a:xfrm flipV="1">
+            <a:off x="3391496" y="4473146"/>
+            <a:ext cx="847017" cy="430747"/>
+          </a:xfrm>
+          <a:prstGeom prst="bentConnector3">
+            <a:avLst/>
+          </a:prstGeom>
+          <a:ln>
+            <a:tailEnd type="triangle"/>
+          </a:ln>
+        </p:spPr>
+        <p:style>
+          <a:lnRef idx="1">
+            <a:schemeClr val="accent1"/>
+          </a:lnRef>
+          <a:fillRef idx="0">
+            <a:schemeClr val="accent1"/>
+          </a:fillRef>
+          <a:effectRef idx="0">
+            <a:schemeClr val="accent1"/>
+          </a:effectRef>
+          <a:fontRef idx="minor">
+            <a:schemeClr val="tx1"/>
+          </a:fontRef>
+        </p:style>
+      </p:cxnSp>
+      <p:cxnSp>
+        <p:nvCxnSpPr>
+          <p:cNvPr id="21" name="Elbow Connector 20"/>
+          <p:cNvCxnSpPr/>
+          <p:nvPr/>
+        </p:nvCxnSpPr>
+        <p:spPr>
+          <a:xfrm>
+            <a:off x="6029221" y="4306702"/>
+            <a:ext cx="1010128" cy="12700"/>
+          </a:xfrm>
+          <a:prstGeom prst="bentConnector3">
+            <a:avLst>
+              <a:gd name="adj1" fmla="val 50000"/>
+            </a:avLst>
+          </a:prstGeom>
+          <a:ln>
+            <a:solidFill>
+              <a:schemeClr val="accent1"/>
+            </a:solidFill>
+            <a:tailEnd type="triangle"/>
+          </a:ln>
+        </p:spPr>
+        <p:style>
+          <a:lnRef idx="1">
+            <a:schemeClr val="accent1"/>
+          </a:lnRef>
+          <a:fillRef idx="0">
+            <a:schemeClr val="accent1"/>
+          </a:fillRef>
+          <a:effectRef idx="0">
+            <a:schemeClr val="accent1"/>
+          </a:effectRef>
+          <a:fontRef idx="minor">
+            <a:schemeClr val="tx1"/>
+          </a:fontRef>
+        </p:style>
+      </p:cxnSp>
+      <p:cxnSp>
+        <p:nvCxnSpPr>
+          <p:cNvPr id="22" name="Elbow Connector 21"/>
+          <p:cNvCxnSpPr/>
+          <p:nvPr/>
+        </p:nvCxnSpPr>
+        <p:spPr>
+          <a:xfrm>
+            <a:off x="6041581" y="3750642"/>
+            <a:ext cx="1010128" cy="12700"/>
+          </a:xfrm>
+          <a:prstGeom prst="bentConnector3">
+            <a:avLst>
+              <a:gd name="adj1" fmla="val 50000"/>
+            </a:avLst>
+          </a:prstGeom>
+          <a:ln>
+            <a:solidFill>
+              <a:schemeClr val="accent1"/>
+            </a:solidFill>
+            <a:tailEnd type="triangle"/>
+          </a:ln>
+        </p:spPr>
+        <p:style>
+          <a:lnRef idx="1">
+            <a:schemeClr val="accent1"/>
+          </a:lnRef>
+          <a:fillRef idx="0">
+            <a:schemeClr val="accent1"/>
+          </a:fillRef>
+          <a:effectRef idx="0">
+            <a:schemeClr val="accent1"/>
+          </a:effectRef>
+          <a:fontRef idx="minor">
+            <a:schemeClr val="tx1"/>
+          </a:fontRef>
+        </p:style>
+      </p:cxnSp>
+      <p:sp>
+        <p:nvSpPr>
+          <p:cNvPr id="19" name="TextBox 18"/>
+          <p:cNvSpPr txBox="1"/>
+          <p:nvPr/>
+        </p:nvSpPr>
+        <p:spPr>
+          <a:xfrm>
+            <a:off x="6152237" y="3561176"/>
+            <a:ext cx="850203" cy="923330"/>
+          </a:xfrm>
+          <a:prstGeom prst="rect">
+            <a:avLst/>
+          </a:prstGeom>
+          <a:noFill/>
+        </p:spPr>
+        <p:txBody>
+          <a:bodyPr wrap="square" rtlCol="0">
+            <a:spAutoFit/>
+          </a:bodyPr>
+          <a:lstStyle/>
+          <a:p>
+            <a:pPr algn="ctr"/>
             <a:r>
               <a:rPr lang="en-US" dirty="0"/>
-              <a:t>David </a:t>
-            </a:r>
+              <a:t>scale</a:t>
+            </a:r>
+            <a:br>
+              <a:rPr lang="en-US" dirty="0"/>
+            </a:br>
+            <a:r>
+              <a:rPr lang="en-US" dirty="0"/>
+              <a:t>mean</a:t>
+            </a:r>
+            <a:br>
+              <a:rPr lang="en-US" dirty="0"/>
+            </a:br>
             <a:r>
               <a:rPr lang="en-US" dirty="0" err="1" smtClean="0"/>
-              <a:t>Rosenbergs</a:t>
-            </a:r>
-            <a:r>
-              <a:rPr lang="en-US" dirty="0" smtClean="0"/>
-              <a:t> the mathematical discussion on ML</a:t>
-            </a:r>
-          </a:p>
-          <a:p>
-            <a:pPr lvl="1"/>
-            <a:r>
-              <a:rPr lang="en-US" dirty="0" smtClean="0"/>
-              <a:t>https</a:t>
-            </a:r>
-            <a:r>
-              <a:rPr lang="en-US" dirty="0"/>
-              <a:t>://</a:t>
-            </a:r>
-            <a:r>
-              <a:rPr lang="en-US" dirty="0" err="1"/>
-              <a:t>bloomberg.github.io</a:t>
-            </a:r>
-            <a:r>
-              <a:rPr lang="en-US" dirty="0"/>
-              <a:t>/</a:t>
-            </a:r>
-            <a:r>
-              <a:rPr lang="en-US" dirty="0" err="1"/>
-              <a:t>foml</a:t>
-            </a:r>
-            <a:r>
-              <a:rPr lang="en-US" dirty="0"/>
-              <a:t>/#lectures</a:t>
-            </a:r>
-          </a:p>
-          <a:p>
-            <a:r>
-              <a:rPr lang="en-US" dirty="0" smtClean="0"/>
-              <a:t>Andrew NGs learning </a:t>
-            </a:r>
-            <a:r>
-              <a:rPr lang="en-US" dirty="0"/>
-              <a:t>curve method </a:t>
-            </a:r>
-            <a:endParaRPr lang="en-US" dirty="0" smtClean="0"/>
-          </a:p>
-          <a:p>
-            <a:pPr lvl="1"/>
-            <a:r>
-              <a:rPr lang="en-US" dirty="0" smtClean="0"/>
-              <a:t>https</a:t>
-            </a:r>
-            <a:r>
-              <a:rPr lang="en-US" dirty="0"/>
-              <a:t>://</a:t>
-            </a:r>
-            <a:r>
-              <a:rPr lang="en-US" dirty="0" err="1"/>
-              <a:t>www.youtube.com</a:t>
-            </a:r>
-            <a:r>
-              <a:rPr lang="en-US" dirty="0"/>
-              <a:t>/</a:t>
-            </a:r>
-            <a:r>
-              <a:rPr lang="en-US" dirty="0" err="1"/>
-              <a:t>watch?v</a:t>
-            </a:r>
-            <a:r>
-              <a:rPr lang="en-US" dirty="0"/>
-              <a:t>=ISBGFY-</a:t>
-            </a:r>
-            <a:r>
-              <a:rPr lang="en-US" dirty="0" err="1"/>
-              <a:t>gBug</a:t>
+              <a:t>stddev</a:t>
+            </a:r>
+            <a:endParaRPr lang="en-US" dirty="0"/>
+          </a:p>
+        </p:txBody>
+      </p:sp>
+      <p:cxnSp>
+        <p:nvCxnSpPr>
+          <p:cNvPr id="24" name="Elbow Connector 23"/>
+          <p:cNvCxnSpPr>
+            <a:stCxn id="9" idx="6"/>
+            <a:endCxn id="7" idx="2"/>
+          </p:cNvCxnSpPr>
+          <p:nvPr/>
+        </p:nvCxnSpPr>
+        <p:spPr>
+          <a:xfrm>
+            <a:off x="1133751" y="4903892"/>
+            <a:ext cx="434082" cy="1"/>
+          </a:xfrm>
+          <a:prstGeom prst="bentConnector3">
+            <a:avLst/>
+          </a:prstGeom>
+          <a:ln>
+            <a:tailEnd type="triangle"/>
+          </a:ln>
+        </p:spPr>
+        <p:style>
+          <a:lnRef idx="1">
+            <a:schemeClr val="accent1"/>
+          </a:lnRef>
+          <a:fillRef idx="0">
+            <a:schemeClr val="accent1"/>
+          </a:fillRef>
+          <a:effectRef idx="0">
+            <a:schemeClr val="accent1"/>
+          </a:effectRef>
+          <a:fontRef idx="minor">
+            <a:schemeClr val="tx1"/>
+          </a:fontRef>
+        </p:style>
+      </p:cxnSp>
+      <p:cxnSp>
+        <p:nvCxnSpPr>
+          <p:cNvPr id="26" name="Straight Arrow Connector 25"/>
+          <p:cNvCxnSpPr>
+            <a:stCxn id="8" idx="4"/>
+            <a:endCxn id="5" idx="0"/>
+          </p:cNvCxnSpPr>
+          <p:nvPr/>
+        </p:nvCxnSpPr>
+        <p:spPr>
+          <a:xfrm>
+            <a:off x="8238421" y="2689953"/>
+            <a:ext cx="0" cy="480318"/>
+          </a:xfrm>
+          <a:prstGeom prst="straightConnector1">
+            <a:avLst/>
+          </a:prstGeom>
+          <a:ln>
+            <a:tailEnd type="triangle"/>
+          </a:ln>
+        </p:spPr>
+        <p:style>
+          <a:lnRef idx="1">
+            <a:schemeClr val="accent1"/>
+          </a:lnRef>
+          <a:fillRef idx="0">
+            <a:schemeClr val="accent1"/>
+          </a:fillRef>
+          <a:effectRef idx="0">
+            <a:schemeClr val="accent1"/>
+          </a:effectRef>
+          <a:fontRef idx="minor">
+            <a:schemeClr val="tx1"/>
+          </a:fontRef>
+        </p:style>
+      </p:cxnSp>
+      <p:sp>
+        <p:nvSpPr>
+          <p:cNvPr id="29" name="Oval 28"/>
+          <p:cNvSpPr/>
+          <p:nvPr/>
+        </p:nvSpPr>
+        <p:spPr>
+          <a:xfrm>
+            <a:off x="10654579" y="3817358"/>
+            <a:ext cx="441789" cy="410966"/>
+          </a:xfrm>
+          <a:prstGeom prst="ellipse">
+            <a:avLst/>
+          </a:prstGeom>
+        </p:spPr>
+        <p:style>
+          <a:lnRef idx="2">
+            <a:schemeClr val="accent1">
+              <a:shade val="50000"/>
+            </a:schemeClr>
+          </a:lnRef>
+          <a:fillRef idx="1">
+            <a:schemeClr val="accent1"/>
+          </a:fillRef>
+          <a:effectRef idx="0">
+            <a:schemeClr val="accent1"/>
+          </a:effectRef>
+          <a:fontRef idx="minor">
+            <a:schemeClr val="lt1"/>
+          </a:fontRef>
+        </p:style>
+        <p:txBody>
+          <a:bodyPr rtlCol="0" anchor="ctr"/>
+          <a:lstStyle/>
+          <a:p>
+            <a:pPr algn="ctr"/>
+            <a:r>
+              <a:rPr lang="en-US" dirty="0">
+                <a:ln w="0"/>
+                <a:solidFill>
+                  <a:schemeClr val="tx1"/>
+                </a:solidFill>
+                <a:effectLst>
+                  <a:outerShdw blurRad="38100" dist="19050" dir="2700000" algn="tl" rotWithShape="0">
+                    <a:schemeClr val="dk1">
+                      <a:alpha val="40000"/>
+                    </a:schemeClr>
+                  </a:outerShdw>
+                </a:effectLst>
+              </a:rPr>
+              <a:t>P</a:t>
+            </a:r>
+          </a:p>
+        </p:txBody>
+      </p:sp>
+      <p:cxnSp>
+        <p:nvCxnSpPr>
+          <p:cNvPr id="31" name="Straight Arrow Connector 30"/>
+          <p:cNvCxnSpPr>
+            <a:stCxn id="5" idx="3"/>
+            <a:endCxn id="29" idx="2"/>
+          </p:cNvCxnSpPr>
+          <p:nvPr/>
+        </p:nvCxnSpPr>
+        <p:spPr>
+          <a:xfrm flipV="1">
+            <a:off x="9404538" y="4022841"/>
+            <a:ext cx="1250041" cy="7891"/>
+          </a:xfrm>
+          <a:prstGeom prst="straightConnector1">
+            <a:avLst/>
+          </a:prstGeom>
+          <a:ln>
+            <a:tailEnd type="triangle"/>
+          </a:ln>
+        </p:spPr>
+        <p:style>
+          <a:lnRef idx="1">
+            <a:schemeClr val="accent1"/>
+          </a:lnRef>
+          <a:fillRef idx="0">
+            <a:schemeClr val="accent1"/>
+          </a:fillRef>
+          <a:effectRef idx="0">
+            <a:schemeClr val="accent1"/>
+          </a:effectRef>
+          <a:fontRef idx="minor">
+            <a:schemeClr val="tx1"/>
+          </a:fontRef>
+        </p:style>
+      </p:cxnSp>
+      <p:sp>
+        <p:nvSpPr>
+          <p:cNvPr id="32" name="TextBox 31"/>
+          <p:cNvSpPr txBox="1"/>
+          <p:nvPr/>
+        </p:nvSpPr>
+        <p:spPr>
+          <a:xfrm>
+            <a:off x="9419946" y="3829715"/>
+            <a:ext cx="1255472" cy="369332"/>
+          </a:xfrm>
+          <a:prstGeom prst="rect">
+            <a:avLst/>
+          </a:prstGeom>
+          <a:noFill/>
+        </p:spPr>
+        <p:txBody>
+          <a:bodyPr wrap="none" rtlCol="0">
+            <a:spAutoFit/>
+          </a:bodyPr>
+          <a:lstStyle/>
+          <a:p>
+            <a:r>
+              <a:rPr lang="en-US" dirty="0" smtClean="0"/>
+              <a:t>P(</a:t>
+            </a:r>
+            <a:r>
+              <a:rPr lang="en-US" dirty="0" err="1" smtClean="0"/>
+              <a:t>Y|X,data</a:t>
+            </a:r>
+            <a:r>
+              <a:rPr lang="en-US" dirty="0" smtClean="0"/>
+              <a:t>)</a:t>
+            </a:r>
+            <a:endParaRPr lang="en-US" dirty="0"/>
+          </a:p>
+        </p:txBody>
+      </p:sp>
+      <p:sp>
+        <p:nvSpPr>
+          <p:cNvPr id="37" name="TextBox 36"/>
+          <p:cNvSpPr txBox="1"/>
+          <p:nvPr/>
+        </p:nvSpPr>
+        <p:spPr>
+          <a:xfrm>
+            <a:off x="3201048" y="4521636"/>
+            <a:ext cx="1249060" cy="646331"/>
+          </a:xfrm>
+          <a:prstGeom prst="rect">
+            <a:avLst/>
+          </a:prstGeom>
+          <a:noFill/>
+        </p:spPr>
+        <p:txBody>
+          <a:bodyPr wrap="none" rtlCol="0">
+            <a:spAutoFit/>
+          </a:bodyPr>
+          <a:lstStyle/>
+          <a:p>
+            <a:pPr algn="ctr"/>
+            <a:r>
+              <a:rPr lang="en-US" dirty="0" smtClean="0"/>
+              <a:t>Trend</a:t>
+            </a:r>
+            <a:br>
+              <a:rPr lang="en-US" dirty="0" smtClean="0"/>
+            </a:br>
+            <a:r>
+              <a:rPr lang="en-US" dirty="0" smtClean="0"/>
+              <a:t>embedding</a:t>
             </a:r>
             <a:endParaRPr lang="en-US" dirty="0"/>
           </a:p>
@@ -6653,13 +9299,20 @@
     </p:spTree>
     <p:extLst>
       <p:ext uri="{BB962C8B-B14F-4D97-AF65-F5344CB8AC3E}">
-        <p14:creationId xmlns:p14="http://schemas.microsoft.com/office/powerpoint/2010/main" val="199861436"/>
+        <p14:creationId xmlns:p14="http://schemas.microsoft.com/office/powerpoint/2010/main" val="1435010514"/>
       </p:ext>
     </p:extLst>
   </p:cSld>
   <p:clrMapOvr>
     <a:masterClrMapping/>
   </p:clrMapOvr>
+  <p:timing>
+    <p:tnLst>
+      <p:par>
+        <p:cTn id="1" dur="indefinite" restart="never" nodeType="tmRoot"/>
+      </p:par>
+    </p:tnLst>
+  </p:timing>
 </p:sld>
 </file>
 
@@ -6696,8 +9349,12 @@
           <a:lstStyle/>
           <a:p>
             <a:r>
-              <a:rPr lang="en-US" dirty="0" smtClean="0"/>
-              <a:t>First Discussion Point </a:t>
+              <a:rPr lang="en-US" b="1" dirty="0" smtClean="0"/>
+              <a:t>Gaussian </a:t>
+            </a:r>
+            <a:r>
+              <a:rPr lang="en-US" dirty="0" smtClean="0"/>
+              <a:t>mixture models </a:t>
             </a:r>
             <a:r>
               <a:rPr lang="mr-IN" dirty="0" smtClean="0"/>
@@ -6705,127 +9362,89 @@
             </a:r>
             <a:r>
               <a:rPr lang="en-US" dirty="0" smtClean="0"/>
-              <a:t> Direct pricing model</a:t>
-            </a:r>
-            <a:endParaRPr lang="en-US" dirty="0"/>
-          </a:p>
-        </p:txBody>
-      </p:sp>
-      <p:sp>
-        <p:nvSpPr>
-          <p:cNvPr id="3" name="Content Placeholder 2"/>
-          <p:cNvSpPr>
-            <a:spLocks noGrp="1"/>
-          </p:cNvSpPr>
-          <p:nvPr>
-            <p:ph idx="1"/>
-          </p:nvPr>
-        </p:nvSpPr>
-        <p:spPr/>
-        <p:txBody>
-          <a:bodyPr/>
-          <a:lstStyle/>
-          <a:p>
-            <a:pPr lvl="1"/>
-            <a:r>
-              <a:rPr lang="en-US" dirty="0" smtClean="0"/>
-              <a:t>The real estate pricing model idea.</a:t>
-            </a:r>
-          </a:p>
-          <a:p>
-            <a:pPr lvl="2"/>
-            <a:r>
-              <a:rPr lang="en-US" dirty="0">
-                <a:hlinkClick r:id="rId2"/>
-              </a:rPr>
-              <a:t>https://</a:t>
-            </a:r>
-            <a:r>
-              <a:rPr lang="en-US" dirty="0" smtClean="0">
-                <a:hlinkClick r:id="rId2"/>
-              </a:rPr>
-              <a:t>www.youtube.com/watch?v=ISBGFY-gBug</a:t>
-            </a:r>
-            <a:endParaRPr lang="en-US" dirty="0" smtClean="0"/>
-          </a:p>
-          <a:p>
-            <a:pPr lvl="1"/>
-            <a:r>
-              <a:rPr lang="en-US" dirty="0" smtClean="0"/>
-              <a:t>What data do we need</a:t>
-            </a:r>
-          </a:p>
-          <a:p>
-            <a:pPr lvl="1"/>
-            <a:r>
-              <a:rPr lang="en-US" dirty="0" smtClean="0"/>
-              <a:t>How should be normalizing the data? And why?</a:t>
-            </a:r>
-          </a:p>
-          <a:p>
-            <a:pPr lvl="1"/>
-            <a:r>
-              <a:rPr lang="en-US" dirty="0" smtClean="0"/>
-              <a:t>How can we enhance the data? </a:t>
-            </a:r>
-          </a:p>
-          <a:p>
-            <a:pPr lvl="1"/>
-            <a:r>
-              <a:rPr lang="en-US" dirty="0"/>
-              <a:t>Given some fundamentals about the item can we improve things (can this work for </a:t>
-            </a:r>
-            <a:r>
-              <a:rPr lang="en-US" dirty="0" err="1"/>
-              <a:t>cryptos</a:t>
-            </a:r>
-            <a:r>
-              <a:rPr lang="en-US" dirty="0"/>
-              <a:t>?) </a:t>
-            </a:r>
-          </a:p>
-          <a:p>
-            <a:pPr lvl="1"/>
-            <a:r>
-              <a:rPr lang="en-US" dirty="0"/>
-              <a:t>A discussion of the nature of the market</a:t>
-            </a:r>
-          </a:p>
-          <a:p>
-            <a:pPr lvl="2"/>
-            <a:r>
-              <a:rPr lang="en-US" dirty="0"/>
-              <a:t>Market depth and books</a:t>
-            </a:r>
-          </a:p>
-          <a:p>
-            <a:pPr lvl="2"/>
-            <a:r>
-              <a:rPr lang="en-US" dirty="0">
-                <a:hlinkClick r:id="rId3"/>
-              </a:rPr>
-              <a:t>https://</a:t>
-            </a:r>
-            <a:r>
-              <a:rPr lang="en-US" dirty="0" smtClean="0">
-                <a:hlinkClick r:id="rId3"/>
-              </a:rPr>
-              <a:t>hackernoon.com/depth-chart-and-its-significance-in-trading-bdbfbbd23d33</a:t>
-            </a:r>
-            <a:endParaRPr lang="en-US" dirty="0" smtClean="0"/>
-          </a:p>
-        </p:txBody>
-      </p:sp>
+              <a:t> 1D slice</a:t>
+            </a:r>
+            <a:endParaRPr lang="en-US" dirty="0"/>
+          </a:p>
+        </p:txBody>
+      </p:sp>
+      <p:pic>
+        <p:nvPicPr>
+          <p:cNvPr id="3" name="Picture 2"/>
+          <p:cNvPicPr>
+            <a:picLocks noChangeAspect="1"/>
+          </p:cNvPicPr>
+          <p:nvPr/>
+        </p:nvPicPr>
+        <p:blipFill>
+          <a:blip r:embed="rId2">
+            <a:extLst>
+              <a:ext uri="{28A0092B-C50C-407E-A947-70E740481C1C}">
+                <a14:useLocalDpi xmlns:a14="http://schemas.microsoft.com/office/drawing/2010/main" val="0"/>
+              </a:ext>
+            </a:extLst>
+          </a:blip>
+          <a:stretch>
+            <a:fillRect/>
+          </a:stretch>
+        </p:blipFill>
+        <p:spPr>
+          <a:xfrm>
+            <a:off x="5543743" y="2065866"/>
+            <a:ext cx="6345454" cy="4196993"/>
+          </a:xfrm>
+          <a:prstGeom prst="rect">
+            <a:avLst/>
+          </a:prstGeom>
+        </p:spPr>
+      </p:pic>
+      <p:pic>
+        <p:nvPicPr>
+          <p:cNvPr id="4" name="Picture 3"/>
+          <p:cNvPicPr>
+            <a:picLocks noChangeAspect="1"/>
+          </p:cNvPicPr>
+          <p:nvPr/>
+        </p:nvPicPr>
+        <p:blipFill>
+          <a:blip r:embed="rId3">
+            <a:extLst>
+              <a:ext uri="{28A0092B-C50C-407E-A947-70E740481C1C}">
+                <a14:useLocalDpi xmlns:a14="http://schemas.microsoft.com/office/drawing/2010/main" val="0"/>
+              </a:ext>
+            </a:extLst>
+          </a:blip>
+          <a:stretch>
+            <a:fillRect/>
+          </a:stretch>
+        </p:blipFill>
+        <p:spPr>
+          <a:xfrm>
+            <a:off x="-57955" y="2065866"/>
+            <a:ext cx="6345454" cy="4196993"/>
+          </a:xfrm>
+          <a:prstGeom prst="rect">
+            <a:avLst/>
+          </a:prstGeom>
+        </p:spPr>
+      </p:pic>
     </p:spTree>
     <p:extLst>
       <p:ext uri="{BB962C8B-B14F-4D97-AF65-F5344CB8AC3E}">
-        <p14:creationId xmlns:p14="http://schemas.microsoft.com/office/powerpoint/2010/main" val="1965635678"/>
+        <p14:creationId xmlns:p14="http://schemas.microsoft.com/office/powerpoint/2010/main" val="565320903"/>
       </p:ext>
     </p:extLst>
   </p:cSld>
   <p:clrMapOvr>
     <a:masterClrMapping/>
   </p:clrMapOvr>
+  <p:timing>
+    <p:tnLst>
+      <p:par>
+        <p:cTn id="1" dur="indefinite" restart="never" nodeType="tmRoot"/>
+      </p:par>
+    </p:tnLst>
+  </p:timing>
 </p:sld>
 </file>
 
@@ -6846,130 +9465,53 @@
           <a:chExt cx="0" cy="0"/>
         </a:xfrm>
       </p:grpSpPr>
-      <p:sp>
-        <p:nvSpPr>
-          <p:cNvPr id="2" name="Title 1"/>
-          <p:cNvSpPr>
-            <a:spLocks noGrp="1"/>
-          </p:cNvSpPr>
-          <p:nvPr>
-            <p:ph type="title"/>
-          </p:nvPr>
-        </p:nvSpPr>
-        <p:spPr/>
-        <p:txBody>
-          <a:bodyPr/>
-          <a:lstStyle/>
-          <a:p>
-            <a:r>
-              <a:rPr lang="en-US" dirty="0" smtClean="0"/>
-              <a:t>First discussion point </a:t>
-            </a:r>
-            <a:r>
-              <a:rPr lang="mr-IN" dirty="0" smtClean="0"/>
-              <a:t>–</a:t>
-            </a:r>
-            <a:r>
-              <a:rPr lang="en-US" dirty="0" smtClean="0"/>
-              <a:t> supplement notes</a:t>
-            </a:r>
-            <a:endParaRPr lang="en-US" dirty="0"/>
-          </a:p>
-        </p:txBody>
-      </p:sp>
-      <p:sp>
-        <p:nvSpPr>
-          <p:cNvPr id="3" name="Content Placeholder 2"/>
-          <p:cNvSpPr>
-            <a:spLocks noGrp="1"/>
-          </p:cNvSpPr>
-          <p:nvPr>
-            <p:ph idx="1"/>
-          </p:nvPr>
-        </p:nvSpPr>
-        <p:spPr/>
-        <p:txBody>
-          <a:bodyPr/>
-          <a:lstStyle/>
-          <a:p>
-            <a:r>
-              <a:rPr lang="en-US" dirty="0"/>
-              <a:t>Models and </a:t>
-            </a:r>
-            <a:r>
-              <a:rPr lang="en-US" dirty="0" smtClean="0"/>
-              <a:t>blogs</a:t>
-            </a:r>
-            <a:endParaRPr lang="en-US" dirty="0" smtClean="0">
-              <a:hlinkClick r:id="rId2"/>
-            </a:endParaRPr>
-          </a:p>
-          <a:p>
-            <a:r>
-              <a:rPr lang="en-US" dirty="0" smtClean="0">
-                <a:hlinkClick r:id="rId2"/>
-              </a:rPr>
-              <a:t>https</a:t>
-            </a:r>
-            <a:r>
-              <a:rPr lang="en-US" dirty="0">
-                <a:hlinkClick r:id="rId2"/>
-              </a:rPr>
-              <a:t>://</a:t>
-            </a:r>
-            <a:r>
-              <a:rPr lang="en-US" dirty="0" smtClean="0">
-                <a:hlinkClick r:id="rId2"/>
-              </a:rPr>
-              <a:t>medium.com/mlreview/a-simple-deep-learning-model-for-stock-price-prediction-using-tensorflow-30505541d877</a:t>
-            </a:r>
-            <a:endParaRPr lang="en-US" dirty="0" smtClean="0"/>
-          </a:p>
-          <a:p>
-            <a:r>
-              <a:rPr lang="en-US" dirty="0">
-                <a:hlinkClick r:id="rId3"/>
-              </a:rPr>
-              <a:t>https://</a:t>
-            </a:r>
-            <a:r>
-              <a:rPr lang="en-US" dirty="0" smtClean="0">
-                <a:hlinkClick r:id="rId3"/>
-              </a:rPr>
-              <a:t>www.kaggle.com/pablocastilla/predict-stock-prices-with-lstm</a:t>
-            </a:r>
-            <a:endParaRPr lang="en-US" dirty="0" smtClean="0"/>
-          </a:p>
-          <a:p>
-            <a:r>
-              <a:rPr lang="en-US" dirty="0">
-                <a:hlinkClick r:id="rId4"/>
-              </a:rPr>
-              <a:t>https://medium.com/@</a:t>
-            </a:r>
-            <a:r>
-              <a:rPr lang="en-US" dirty="0" smtClean="0">
-                <a:hlinkClick r:id="rId4"/>
-              </a:rPr>
-              <a:t>huangkh19951228/predicting-cryptocurrency-price-with-tensorflow-and-keras-e1674b0dc58a</a:t>
-            </a:r>
-            <a:endParaRPr lang="en-US" dirty="0" smtClean="0"/>
-          </a:p>
-          <a:p>
-            <a:endParaRPr lang="en-US" dirty="0"/>
-          </a:p>
-        </p:txBody>
-      </p:sp>
+      <p:pic>
+        <p:nvPicPr>
+          <p:cNvPr id="3" name="Picture 2"/>
+          <p:cNvPicPr>
+            <a:picLocks noChangeAspect="1"/>
+          </p:cNvPicPr>
+          <p:nvPr/>
+        </p:nvPicPr>
+        <p:blipFill>
+          <a:blip r:embed="rId2">
+            <a:extLst>
+              <a:ext uri="{28A0092B-C50C-407E-A947-70E740481C1C}">
+                <a14:useLocalDpi xmlns:a14="http://schemas.microsoft.com/office/drawing/2010/main" val="0"/>
+              </a:ext>
+            </a:extLst>
+          </a:blip>
+          <a:stretch>
+            <a:fillRect/>
+          </a:stretch>
+        </p:blipFill>
+        <p:spPr>
+          <a:xfrm>
+            <a:off x="0" y="1192769"/>
+            <a:ext cx="11866538" cy="4404841"/>
+          </a:xfrm>
+          <a:prstGeom prst="rect">
+            <a:avLst/>
+          </a:prstGeom>
+        </p:spPr>
+      </p:pic>
     </p:spTree>
     <p:extLst>
       <p:ext uri="{BB962C8B-B14F-4D97-AF65-F5344CB8AC3E}">
-        <p14:creationId xmlns:p14="http://schemas.microsoft.com/office/powerpoint/2010/main" val="2127558958"/>
+        <p14:creationId xmlns:p14="http://schemas.microsoft.com/office/powerpoint/2010/main" val="1214551069"/>
       </p:ext>
     </p:extLst>
   </p:cSld>
   <p:clrMapOvr>
     <a:masterClrMapping/>
   </p:clrMapOvr>
+  <p:timing>
+    <p:tnLst>
+      <p:par>
+        <p:cTn id="1" dur="indefinite" restart="never" nodeType="tmRoot"/>
+      </p:par>
+    </p:tnLst>
+  </p:timing>
 </p:sld>
 </file>
 
@@ -7007,15 +9549,7 @@
           <a:p>
             <a:r>
               <a:rPr lang="en-US" dirty="0" smtClean="0"/>
-              <a:t>Second discussion point </a:t>
-            </a:r>
-            <a:r>
-              <a:rPr lang="mr-IN" dirty="0" smtClean="0"/>
-              <a:t>–</a:t>
-            </a:r>
-            <a:r>
-              <a:rPr lang="en-US" dirty="0" smtClean="0"/>
-              <a:t> mixture models </a:t>
+              <a:t>Datasets </a:t>
             </a:r>
             <a:endParaRPr lang="en-US" dirty="0"/>
           </a:p>
@@ -7034,150 +9568,164 @@
         <p:spPr/>
         <p:txBody>
           <a:bodyPr>
-            <a:normAutofit lnSpcReduction="10000"/>
+            <a:normAutofit/>
           </a:bodyPr>
           <a:lstStyle/>
           <a:p>
             <a:r>
-              <a:rPr lang="en-US" dirty="0"/>
-              <a:t>What </a:t>
-            </a:r>
-            <a:r>
-              <a:rPr lang="en-US" dirty="0" smtClean="0"/>
-              <a:t>where the </a:t>
-            </a:r>
-            <a:r>
-              <a:rPr lang="en-US" dirty="0"/>
-              <a:t>problems with approach of directly predicting the price?</a:t>
-            </a:r>
-          </a:p>
-          <a:p>
-            <a:r>
-              <a:rPr lang="en-US" dirty="0" smtClean="0"/>
-              <a:t>What happens when data is perturbed with random noise? </a:t>
-            </a:r>
-          </a:p>
-          <a:p>
-            <a:r>
-              <a:rPr lang="en-US" dirty="0" smtClean="0"/>
-              <a:t>Does </a:t>
-            </a:r>
-            <a:r>
-              <a:rPr lang="en-US" dirty="0"/>
-              <a:t>anyone think it was a good idea? Why</a:t>
-            </a:r>
-            <a:r>
-              <a:rPr lang="en-US" dirty="0" smtClean="0"/>
-              <a:t>?</a:t>
-            </a:r>
+              <a:rPr lang="en-US" dirty="0" smtClean="0"/>
+              <a:t>NYSE FA data set: </a:t>
+            </a:r>
+            <a:endParaRPr lang="en-US" dirty="0" smtClean="0"/>
           </a:p>
           <a:p>
             <a:pPr lvl="1"/>
             <a:r>
-              <a:rPr lang="en-US" dirty="0" smtClean="0"/>
-              <a:t>P(</a:t>
-            </a:r>
-            <a:r>
-              <a:rPr lang="en-US" dirty="0" err="1" smtClean="0"/>
-              <a:t>y|x</a:t>
-            </a:r>
-            <a:r>
-              <a:rPr lang="en-US" dirty="0" smtClean="0"/>
-              <a:t>) </a:t>
-            </a:r>
-            <a:r>
-              <a:rPr lang="mr-IN" dirty="0" smtClean="0"/>
-              <a:t>–</a:t>
-            </a:r>
-            <a:r>
-              <a:rPr lang="en-US" dirty="0" smtClean="0"/>
-              <a:t> predict instead the change that the price moves to a new value</a:t>
-            </a:r>
-            <a:endParaRPr lang="en-US" dirty="0"/>
-          </a:p>
-          <a:p>
-            <a:r>
-              <a:rPr lang="en-US" dirty="0"/>
-              <a:t>What is likely to happen once the simple model is build and trained?</a:t>
-            </a:r>
-          </a:p>
-          <a:p>
-            <a:r>
-              <a:rPr lang="en-US" dirty="0"/>
-              <a:t>Why does everyone think that would be the case?</a:t>
-            </a:r>
-          </a:p>
-          <a:p>
-            <a:r>
-              <a:rPr lang="en-US" dirty="0"/>
-              <a:t>Note the proof about the general result that MSE leads to </a:t>
-            </a:r>
-          </a:p>
-          <a:p>
-            <a:pPr lvl="1"/>
+              <a:rPr lang="en-US" dirty="0" smtClean="0">
+                <a:hlinkClick r:id="rId2"/>
+              </a:rPr>
+              <a:t>https</a:t>
+            </a:r>
             <a:r>
               <a:rPr lang="en-US" dirty="0">
                 <a:hlinkClick r:id="rId2"/>
               </a:rPr>
-              <a:t>https://youtu.be/rqJ8SrnmWu0</a:t>
-            </a:r>
+              <a:t>://</a:t>
+            </a:r>
+            <a:r>
+              <a:rPr lang="en-US" dirty="0" smtClean="0">
+                <a:hlinkClick r:id="rId2"/>
+              </a:rPr>
+              <a:t>www.kaggle.com/dgawlik/nyse</a:t>
+            </a:r>
+            <a:endParaRPr lang="en-US" dirty="0" smtClean="0"/>
+          </a:p>
+          <a:p>
             <a:r>
               <a:rPr lang="en-US" dirty="0"/>
-              <a:t>  </a:t>
-            </a:r>
-            <a:r>
-              <a:rPr lang="en-US" dirty="0" smtClean="0"/>
-              <a:t>20:30</a:t>
-            </a:r>
-          </a:p>
-          <a:p>
-            <a:r>
-              <a:rPr lang="en-US" dirty="0" smtClean="0"/>
-              <a:t>The Gaussian mixture model</a:t>
+              <a:t>Crypto data set</a:t>
+            </a:r>
+            <a:r>
+              <a:rPr lang="en-US" dirty="0" smtClean="0"/>
+              <a:t>:</a:t>
             </a:r>
           </a:p>
           <a:p>
             <a:pPr lvl="1"/>
             <a:r>
-              <a:rPr lang="en-US" dirty="0"/>
+              <a:rPr lang="en-US" dirty="0" smtClean="0"/>
+              <a:t> </a:t>
+            </a:r>
+            <a:r>
+              <a:rPr lang="en-US" dirty="0">
+                <a:hlinkClick r:id="rId3"/>
+              </a:rPr>
               <a:t>https://</a:t>
             </a:r>
             <a:r>
-              <a:rPr lang="en-US" dirty="0" err="1"/>
-              <a:t>github.com</a:t>
-            </a:r>
-            <a:r>
-              <a:rPr lang="en-US" dirty="0"/>
-              <a:t>/</a:t>
-            </a:r>
-            <a:r>
-              <a:rPr lang="en-US" dirty="0" err="1"/>
-              <a:t>ashleysmart</a:t>
-            </a:r>
-            <a:r>
-              <a:rPr lang="en-US" dirty="0"/>
-              <a:t>/</a:t>
-            </a:r>
-            <a:r>
-              <a:rPr lang="en-US" dirty="0" err="1"/>
-              <a:t>mlgym</a:t>
-            </a:r>
-            <a:r>
-              <a:rPr lang="en-US" dirty="0"/>
-              <a:t>/blob/master/</a:t>
-            </a:r>
-            <a:r>
-              <a:rPr lang="en-US" dirty="0" err="1"/>
-              <a:t>stock_price</a:t>
-            </a:r>
-            <a:r>
-              <a:rPr lang="en-US" dirty="0"/>
-              <a:t>/</a:t>
-            </a:r>
-            <a:r>
-              <a:rPr lang="en-US" dirty="0" err="1"/>
-              <a:t>GuassianMixture-SynthTrade.ipynb</a:t>
-            </a:r>
+              <a:rPr lang="en-US" dirty="0" smtClean="0">
+                <a:hlinkClick r:id="rId3"/>
+              </a:rPr>
+              <a:t>www.kaggle.com/mczielinski/bitcoin-historical-data</a:t>
+            </a:r>
+            <a:endParaRPr lang="en-US" dirty="0" smtClean="0"/>
+          </a:p>
+          <a:p>
+            <a:r>
+              <a:rPr lang="en-US" dirty="0" smtClean="0"/>
+              <a:t>Synthetic </a:t>
+            </a:r>
+            <a:r>
+              <a:rPr lang="en-US" dirty="0" smtClean="0"/>
+              <a:t>data:</a:t>
+            </a:r>
+          </a:p>
+          <a:p>
+            <a:pPr lvl="1"/>
+            <a:r>
+              <a:rPr lang="en-US" dirty="0" smtClean="0">
+                <a:hlinkClick r:id="rId4"/>
+              </a:rPr>
+              <a:t>https</a:t>
+            </a:r>
+            <a:r>
+              <a:rPr lang="en-US" dirty="0">
+                <a:hlinkClick r:id="rId4"/>
+              </a:rPr>
+              <a:t>://</a:t>
+            </a:r>
+            <a:r>
+              <a:rPr lang="en-US" dirty="0" smtClean="0">
+                <a:hlinkClick r:id="rId4"/>
+              </a:rPr>
+              <a:t>github.com/ashleysmart/mlgym/blob/master/stock_price/SyneticTradeData.ipynb</a:t>
+            </a:r>
+            <a:endParaRPr lang="en-US" dirty="0" smtClean="0"/>
+          </a:p>
+          <a:p>
+            <a:r>
+              <a:rPr lang="en-US" dirty="0" err="1" smtClean="0"/>
+              <a:t>Binance</a:t>
+            </a:r>
+            <a:r>
+              <a:rPr lang="en-US" dirty="0" smtClean="0"/>
+              <a:t> </a:t>
+            </a:r>
+          </a:p>
+          <a:p>
+            <a:pPr lvl="1"/>
+            <a:r>
+              <a:rPr lang="en-US" dirty="0" smtClean="0">
+                <a:hlinkClick r:id="rId5"/>
+              </a:rPr>
+              <a:t>https</a:t>
+            </a:r>
+            <a:r>
+              <a:rPr lang="en-US" dirty="0">
+                <a:hlinkClick r:id="rId5"/>
+              </a:rPr>
+              <a:t>://www.binance.com/?</a:t>
+            </a:r>
+            <a:r>
+              <a:rPr lang="en-US" dirty="0" smtClean="0">
+                <a:hlinkClick r:id="rId5"/>
+              </a:rPr>
+              <a:t>ref=10099792</a:t>
+            </a:r>
+            <a:r>
+              <a:rPr lang="en-US" dirty="0" smtClean="0"/>
+              <a:t> - but on idea how to get the data yet</a:t>
+            </a:r>
+            <a:r>
+              <a:rPr lang="mr-IN" dirty="0" smtClean="0"/>
+              <a:t>…</a:t>
+            </a:r>
+            <a:endParaRPr lang="en-US" dirty="0" smtClean="0"/>
+          </a:p>
+          <a:p>
+            <a:pPr lvl="1"/>
+            <a:r>
+              <a:rPr lang="en-US" dirty="0">
+                <a:hlinkClick r:id="rId6"/>
+              </a:rPr>
+              <a:t>https://medium.com/@</a:t>
+            </a:r>
+            <a:r>
+              <a:rPr lang="en-US" dirty="0" smtClean="0">
+                <a:hlinkClick r:id="rId6"/>
+              </a:rPr>
+              <a:t>samuelson78x/binance-get-historical-data-api-1bc8c758fa85</a:t>
+            </a:r>
+            <a:endParaRPr lang="en-US" dirty="0"/>
+          </a:p>
+          <a:p>
+            <a:pPr lvl="1"/>
+            <a:endParaRPr lang="en-US" dirty="0"/>
+          </a:p>
+          <a:p>
+            <a:endParaRPr lang="en-US" dirty="0" smtClean="0"/>
+          </a:p>
+          <a:p>
             <a:endParaRPr lang="en-US" dirty="0"/>
           </a:p>
         </p:txBody>
@@ -7185,13 +9733,20 @@
     </p:spTree>
     <p:extLst>
       <p:ext uri="{BB962C8B-B14F-4D97-AF65-F5344CB8AC3E}">
-        <p14:creationId xmlns:p14="http://schemas.microsoft.com/office/powerpoint/2010/main" val="1502107"/>
+        <p14:creationId xmlns:p14="http://schemas.microsoft.com/office/powerpoint/2010/main" val="1838065380"/>
       </p:ext>
     </p:extLst>
   </p:cSld>
   <p:clrMapOvr>
     <a:masterClrMapping/>
   </p:clrMapOvr>
+  <p:timing>
+    <p:tnLst>
+      <p:par>
+        <p:cTn id="1" dur="indefinite" restart="never" nodeType="tmRoot"/>
+      </p:par>
+    </p:tnLst>
+  </p:timing>
 </p:sld>
 </file>
 
@@ -7265,15 +9820,7 @@
           <a:p>
             <a:r>
               <a:rPr lang="en-US" dirty="0" smtClean="0"/>
-              <a:t>10:00am gather and </a:t>
-            </a:r>
-            <a:r>
-              <a:rPr lang="en-US" dirty="0" smtClean="0"/>
-              <a:t>networking </a:t>
-            </a:r>
-            <a:r>
-              <a:rPr lang="en-US" dirty="0" smtClean="0"/>
-              <a:t>at </a:t>
+              <a:t>10:00am gather and networking at </a:t>
             </a:r>
             <a:r>
               <a:rPr lang="en-US" dirty="0"/>
@@ -7353,13 +9900,8 @@
             </a:r>
             <a:r>
               <a:rPr lang="en-US" dirty="0" smtClean="0"/>
-              <a:t>discussion </a:t>
-            </a:r>
-            <a:r>
-              <a:rPr lang="en-US" dirty="0" smtClean="0"/>
-              <a:t>2 and demos</a:t>
-            </a:r>
-            <a:endParaRPr lang="en-US" dirty="0" smtClean="0"/>
+              <a:t>discussion 2 and demos</a:t>
+            </a:r>
           </a:p>
           <a:p>
             <a:r>
@@ -7378,21 +9920,13 @@
             </a:r>
             <a:r>
               <a:rPr lang="en-US" dirty="0" smtClean="0"/>
-              <a:t>3, demos </a:t>
-            </a:r>
-            <a:r>
-              <a:rPr lang="en-US" dirty="0" smtClean="0"/>
-              <a:t>and wrap up</a:t>
-            </a:r>
-          </a:p>
-          <a:p>
-            <a:r>
-              <a:rPr lang="en-US" dirty="0" smtClean="0"/>
-              <a:t>5:00pm </a:t>
-            </a:r>
-            <a:r>
-              <a:rPr lang="en-US" dirty="0" smtClean="0"/>
-              <a:t>finish + beer</a:t>
+              <a:t>3, demos and wrap up</a:t>
+            </a:r>
+          </a:p>
+          <a:p>
+            <a:r>
+              <a:rPr lang="en-US" dirty="0" smtClean="0"/>
+              <a:t>5:00pm finish + beer</a:t>
             </a:r>
             <a:endParaRPr lang="en-US" dirty="0"/>
           </a:p>
@@ -7435,7 +9969,7 @@
             <a:spLocks noGrp="1"/>
           </p:cNvSpPr>
           <p:nvPr>
-            <p:ph type="title"/>
+            <p:ph type="ctrTitle"/>
           </p:nvPr>
         </p:nvSpPr>
         <p:spPr/>
@@ -7445,28 +9979,20 @@
           <a:p>
             <a:r>
               <a:rPr lang="en-US" dirty="0" smtClean="0"/>
-              <a:t>Third Discussion point </a:t>
-            </a:r>
-            <a:r>
-              <a:rPr lang="mr-IN" dirty="0" smtClean="0"/>
-              <a:t>–</a:t>
-            </a:r>
-            <a:r>
-              <a:rPr lang="en-US" dirty="0" smtClean="0"/>
-              <a:t> wrap up</a:t>
-            </a:r>
-            <a:endParaRPr lang="en-US" dirty="0"/>
-          </a:p>
-        </p:txBody>
-      </p:sp>
-      <p:sp>
-        <p:nvSpPr>
-          <p:cNvPr id="3" name="Content Placeholder 2"/>
-          <p:cNvSpPr>
-            <a:spLocks noGrp="1"/>
-          </p:cNvSpPr>
-          <p:nvPr>
-            <p:ph idx="1"/>
+              <a:t>Now lets move to a Open discussion format</a:t>
+            </a:r>
+            <a:endParaRPr lang="en-US" dirty="0"/>
+          </a:p>
+        </p:txBody>
+      </p:sp>
+      <p:sp>
+        <p:nvSpPr>
+          <p:cNvPr id="3" name="Subtitle 2"/>
+          <p:cNvSpPr>
+            <a:spLocks noGrp="1"/>
+          </p:cNvSpPr>
+          <p:nvPr>
+            <p:ph type="subTitle" idx="1"/>
           </p:nvPr>
         </p:nvSpPr>
         <p:spPr/>
@@ -7476,32 +10002,10 @@
           <a:p>
             <a:r>
               <a:rPr lang="en-US" dirty="0" smtClean="0"/>
-              <a:t>What did everyone learn?</a:t>
-            </a:r>
-          </a:p>
-          <a:p>
-            <a:r>
-              <a:rPr lang="en-US" dirty="0" smtClean="0"/>
-              <a:t>What was the better parts of the workshop</a:t>
-            </a:r>
-          </a:p>
-          <a:p>
-            <a:r>
-              <a:rPr lang="en-US" dirty="0" smtClean="0"/>
-              <a:t>What needs improvement</a:t>
-            </a:r>
-          </a:p>
-          <a:p>
-            <a:r>
-              <a:rPr lang="en-US" dirty="0" smtClean="0"/>
-              <a:t>What models do we conclude produce the best results? </a:t>
-            </a:r>
-          </a:p>
-          <a:p>
-            <a:r>
-              <a:rPr lang="en-US" dirty="0" smtClean="0"/>
-              <a:t>What data methods seemed to work out the best for people?</a:t>
-            </a:r>
+              <a:t>  </a:t>
+            </a:r>
+          </a:p>
+          <a:p>
             <a:endParaRPr lang="en-US" dirty="0"/>
           </a:p>
         </p:txBody>
@@ -7509,13 +10013,20 @@
     </p:spTree>
     <p:extLst>
       <p:ext uri="{BB962C8B-B14F-4D97-AF65-F5344CB8AC3E}">
-        <p14:creationId xmlns:p14="http://schemas.microsoft.com/office/powerpoint/2010/main" val="1297604311"/>
+        <p14:creationId xmlns:p14="http://schemas.microsoft.com/office/powerpoint/2010/main" val="2064898430"/>
       </p:ext>
     </p:extLst>
   </p:cSld>
   <p:clrMapOvr>
     <a:masterClrMapping/>
   </p:clrMapOvr>
+  <p:timing>
+    <p:tnLst>
+      <p:par>
+        <p:cTn id="1" dur="indefinite" restart="never" nodeType="tmRoot"/>
+      </p:par>
+    </p:tnLst>
+  </p:timing>
 </p:sld>
 </file>
 
@@ -7536,143 +10047,23 @@
           <a:chExt cx="0" cy="0"/>
         </a:xfrm>
       </p:grpSpPr>
-      <p:sp>
-        <p:nvSpPr>
-          <p:cNvPr id="2" name="Title 1"/>
-          <p:cNvSpPr>
-            <a:spLocks noGrp="1"/>
-          </p:cNvSpPr>
-          <p:nvPr>
-            <p:ph type="title"/>
-          </p:nvPr>
-        </p:nvSpPr>
-        <p:spPr/>
-        <p:txBody>
-          <a:bodyPr/>
-          <a:lstStyle/>
-          <a:p>
-            <a:r>
-              <a:rPr lang="en-US" dirty="0" smtClean="0"/>
-              <a:t>Additional points of interest</a:t>
-            </a:r>
-            <a:endParaRPr lang="en-US" dirty="0"/>
-          </a:p>
-        </p:txBody>
-      </p:sp>
-      <p:sp>
-        <p:nvSpPr>
-          <p:cNvPr id="3" name="Content Placeholder 2"/>
-          <p:cNvSpPr>
-            <a:spLocks noGrp="1"/>
-          </p:cNvSpPr>
-          <p:nvPr>
-            <p:ph idx="1"/>
-          </p:nvPr>
-        </p:nvSpPr>
-        <p:spPr/>
-        <p:txBody>
-          <a:bodyPr>
-            <a:normAutofit fontScale="85000" lnSpcReduction="20000"/>
-          </a:bodyPr>
-          <a:lstStyle/>
-          <a:p>
-            <a:r>
-              <a:rPr lang="en-US" dirty="0" smtClean="0"/>
-              <a:t>Various topic ideas in case we have an advance group</a:t>
-            </a:r>
-          </a:p>
-          <a:p>
-            <a:r>
-              <a:rPr lang="en-US" dirty="0" smtClean="0"/>
-              <a:t>Market entry algorithms </a:t>
-            </a:r>
-          </a:p>
-          <a:p>
-            <a:pPr lvl="1"/>
-            <a:r>
-              <a:rPr lang="en-US" dirty="0" smtClean="0"/>
-              <a:t>The Problem of book depth</a:t>
-            </a:r>
-          </a:p>
-          <a:p>
-            <a:pPr lvl="1"/>
-            <a:r>
-              <a:rPr lang="en-US" dirty="0" smtClean="0"/>
-              <a:t>how to divide and buy/sell large orders without market side effects</a:t>
-            </a:r>
-          </a:p>
-          <a:p>
-            <a:r>
-              <a:rPr lang="en-US" dirty="0" smtClean="0"/>
-              <a:t>Trading bot wars </a:t>
-            </a:r>
-          </a:p>
-          <a:p>
-            <a:pPr lvl="1"/>
-            <a:r>
-              <a:rPr lang="en-US" dirty="0" smtClean="0"/>
-              <a:t>Assume we get enough agents written, what happens if we place them in a fictional </a:t>
-            </a:r>
-            <a:r>
-              <a:rPr lang="en-US" dirty="0" err="1" smtClean="0"/>
-              <a:t>competive</a:t>
-            </a:r>
-            <a:r>
-              <a:rPr lang="en-US" dirty="0" smtClean="0"/>
-              <a:t> trading system</a:t>
-            </a:r>
-          </a:p>
-          <a:p>
-            <a:pPr lvl="1"/>
-            <a:r>
-              <a:rPr lang="en-US" dirty="0" smtClean="0"/>
-              <a:t>what is the Predator prey cycle in this system?</a:t>
-            </a:r>
-          </a:p>
-          <a:p>
-            <a:pPr lvl="1"/>
-            <a:r>
-              <a:rPr lang="en-US" dirty="0" smtClean="0"/>
-              <a:t>Is online learning sufficient to bet the predator bots in this environment? </a:t>
-            </a:r>
-          </a:p>
-          <a:p>
-            <a:pPr lvl="1"/>
-            <a:r>
-              <a:rPr lang="en-US" dirty="0" smtClean="0"/>
-              <a:t>Would this be a trap where the biggest GPUs can learn the longest max/min move  (RRT* of course)  how can we find out.. Can we do it anyway? should we do it anyway?</a:t>
-            </a:r>
-          </a:p>
-          <a:p>
-            <a:r>
-              <a:rPr lang="en-US" dirty="0" smtClean="0"/>
-              <a:t>Moral questions of human free trading</a:t>
-            </a:r>
-          </a:p>
-          <a:p>
-            <a:pPr lvl="1"/>
-            <a:r>
-              <a:rPr lang="en-US" dirty="0" err="1" smtClean="0"/>
-              <a:t>Gah</a:t>
-            </a:r>
-            <a:r>
-              <a:rPr lang="en-US" dirty="0" smtClean="0"/>
-              <a:t>.. This would expand itself </a:t>
-            </a:r>
-            <a:endParaRPr lang="en-US" dirty="0"/>
-          </a:p>
-        </p:txBody>
-      </p:sp>
     </p:spTree>
     <p:extLst>
       <p:ext uri="{BB962C8B-B14F-4D97-AF65-F5344CB8AC3E}">
-        <p14:creationId xmlns:p14="http://schemas.microsoft.com/office/powerpoint/2010/main" val="1634569780"/>
+        <p14:creationId xmlns:p14="http://schemas.microsoft.com/office/powerpoint/2010/main" val="1651168696"/>
       </p:ext>
     </p:extLst>
   </p:cSld>
   <p:clrMapOvr>
     <a:masterClrMapping/>
   </p:clrMapOvr>
+  <p:timing>
+    <p:tnLst>
+      <p:par>
+        <p:cTn id="1" dur="indefinite" restart="never" nodeType="tmRoot"/>
+      </p:par>
+    </p:tnLst>
+  </p:timing>
 </p:sld>
 </file>
 
@@ -7693,156 +10084,1127 @@
           <a:chExt cx="0" cy="0"/>
         </a:xfrm>
       </p:grpSpPr>
-      <p:sp>
-        <p:nvSpPr>
-          <p:cNvPr id="2" name="Title 1"/>
-          <p:cNvSpPr>
-            <a:spLocks noGrp="1"/>
-          </p:cNvSpPr>
-          <p:nvPr>
-            <p:ph type="title"/>
-          </p:nvPr>
-        </p:nvSpPr>
-        <p:spPr/>
-        <p:txBody>
-          <a:bodyPr/>
-          <a:lstStyle/>
-          <a:p>
-            <a:r>
-              <a:rPr lang="en-US" dirty="0" smtClean="0"/>
-              <a:t>BGET notes</a:t>
-            </a:r>
-            <a:endParaRPr lang="en-US" dirty="0"/>
-          </a:p>
-        </p:txBody>
-      </p:sp>
-      <p:sp>
-        <p:nvSpPr>
-          <p:cNvPr id="3" name="Content Placeholder 2"/>
-          <p:cNvSpPr>
-            <a:spLocks noGrp="1"/>
-          </p:cNvSpPr>
-          <p:nvPr>
-            <p:ph idx="1"/>
-          </p:nvPr>
-        </p:nvSpPr>
-        <p:spPr/>
-        <p:txBody>
-          <a:bodyPr>
-            <a:normAutofit fontScale="92500"/>
-          </a:bodyPr>
-          <a:lstStyle/>
-          <a:p>
-            <a:r>
-              <a:rPr lang="en-US" dirty="0"/>
-              <a:t>Event name: </a:t>
-            </a:r>
-            <a:r>
-              <a:rPr lang="en-US" dirty="0" err="1"/>
-              <a:t>Crypo</a:t>
-            </a:r>
-            <a:r>
-              <a:rPr lang="en-US" dirty="0"/>
-              <a:t> currency </a:t>
-            </a:r>
-            <a:r>
-              <a:rPr lang="en-US" dirty="0" err="1"/>
-              <a:t>hackaton</a:t>
-            </a:r>
-            <a:endParaRPr lang="en-US" dirty="0"/>
-          </a:p>
-          <a:p>
-            <a:r>
-              <a:rPr lang="en-US" dirty="0"/>
-              <a:t>Proposed topics/agenda : 10am welcome at 1st floor, 10:30 enter building and welcome talk, 11:00 initial round talk discussion on price prediction models, 12:00 initial </a:t>
-            </a:r>
-            <a:r>
-              <a:rPr lang="en-US" dirty="0" err="1"/>
-              <a:t>hackaton</a:t>
-            </a:r>
-            <a:r>
-              <a:rPr lang="en-US" dirty="0"/>
-              <a:t> session 1pm lunch, 2pm round table discussion2, 2:30 </a:t>
-            </a:r>
-            <a:r>
-              <a:rPr lang="en-US" dirty="0" err="1"/>
-              <a:t>hackaton</a:t>
-            </a:r>
-            <a:r>
-              <a:rPr lang="en-US" dirty="0"/>
-              <a:t> session2, 5pm finish</a:t>
-            </a:r>
-          </a:p>
-          <a:p>
-            <a:r>
-              <a:rPr lang="en-US" dirty="0"/>
-              <a:t>Justification: Promotion of Bloomberg to </a:t>
-            </a:r>
-            <a:r>
-              <a:rPr lang="en-US" dirty="0" err="1"/>
-              <a:t>tokyo</a:t>
-            </a:r>
-            <a:r>
-              <a:rPr lang="en-US" dirty="0"/>
-              <a:t> Machine learning community and recruitment </a:t>
-            </a:r>
-            <a:r>
-              <a:rPr lang="en-US" dirty="0" err="1"/>
-              <a:t>adverstiment</a:t>
-            </a:r>
-            <a:endParaRPr lang="en-US" dirty="0"/>
-          </a:p>
-          <a:p>
-            <a:r>
-              <a:rPr lang="en-US" dirty="0"/>
-              <a:t>Requestor: me</a:t>
-            </a:r>
-          </a:p>
-          <a:p>
-            <a:r>
-              <a:rPr lang="en-US" dirty="0"/>
-              <a:t>Requesting group: ??</a:t>
-            </a:r>
-          </a:p>
-          <a:p>
-            <a:r>
-              <a:rPr lang="en-US" dirty="0"/>
-              <a:t>dates: 09/01/2018</a:t>
-            </a:r>
-          </a:p>
-          <a:p>
-            <a:r>
-              <a:rPr lang="en-US" dirty="0"/>
-              <a:t>Exact dates: </a:t>
-            </a:r>
-            <a:r>
-              <a:rPr lang="en-US" dirty="0" smtClean="0"/>
-              <a:t>yes</a:t>
-            </a:r>
-          </a:p>
-          <a:p>
-            <a:r>
-              <a:rPr lang="en-US" dirty="0" err="1" smtClean="0"/>
-              <a:t>Ppl</a:t>
-            </a:r>
-            <a:r>
-              <a:rPr lang="en-US" dirty="0" smtClean="0"/>
-              <a:t>: 30</a:t>
-            </a:r>
-            <a:endParaRPr lang="en-US" dirty="0"/>
-          </a:p>
-        </p:txBody>
-      </p:sp>
     </p:spTree>
     <p:extLst>
       <p:ext uri="{BB962C8B-B14F-4D97-AF65-F5344CB8AC3E}">
-        <p14:creationId xmlns:p14="http://schemas.microsoft.com/office/powerpoint/2010/main" val="46352130"/>
+        <p14:creationId xmlns:p14="http://schemas.microsoft.com/office/powerpoint/2010/main" val="1658695768"/>
       </p:ext>
     </p:extLst>
   </p:cSld>
   <p:clrMapOvr>
     <a:masterClrMapping/>
   </p:clrMapOvr>
+  <p:timing>
+    <p:tnLst>
+      <p:par>
+        <p:cTn id="1" dur="indefinite" restart="never" nodeType="tmRoot"/>
+      </p:par>
+    </p:tnLst>
+  </p:timing>
+</p:sld>
+</file>
+
+<file path=ppt/slides/slide23.xml><?xml version="1.0" encoding="utf-8"?>
+<p:sld xmlns:a="http://schemas.openxmlformats.org/drawingml/2006/main" xmlns:r="http://schemas.openxmlformats.org/officeDocument/2006/relationships" xmlns:p="http://schemas.openxmlformats.org/presentationml/2006/main">
+  <p:cSld>
+    <p:spTree>
+      <p:nvGrpSpPr>
+        <p:cNvPr id="1" name=""/>
+        <p:cNvGrpSpPr/>
+        <p:nvPr/>
+      </p:nvGrpSpPr>
+      <p:grpSpPr>
+        <a:xfrm>
+          <a:off x="0" y="0"/>
+          <a:ext cx="0" cy="0"/>
+          <a:chOff x="0" y="0"/>
+          <a:chExt cx="0" cy="0"/>
+        </a:xfrm>
+      </p:grpSpPr>
+      <p:sp>
+        <p:nvSpPr>
+          <p:cNvPr id="2" name="Title 1"/>
+          <p:cNvSpPr>
+            <a:spLocks noGrp="1"/>
+          </p:cNvSpPr>
+          <p:nvPr>
+            <p:ph type="title"/>
+          </p:nvPr>
+        </p:nvSpPr>
+        <p:spPr/>
+        <p:txBody>
+          <a:bodyPr/>
+          <a:lstStyle/>
+          <a:p>
+            <a:r>
+              <a:rPr lang="en-US" dirty="0" smtClean="0"/>
+              <a:t>Zeroth discussion point	</a:t>
+            </a:r>
+            <a:endParaRPr lang="en-US" dirty="0"/>
+          </a:p>
+        </p:txBody>
+      </p:sp>
+      <p:sp>
+        <p:nvSpPr>
+          <p:cNvPr id="3" name="Content Placeholder 2"/>
+          <p:cNvSpPr>
+            <a:spLocks noGrp="1"/>
+          </p:cNvSpPr>
+          <p:nvPr>
+            <p:ph idx="1"/>
+          </p:nvPr>
+        </p:nvSpPr>
+        <p:spPr/>
+        <p:txBody>
+          <a:bodyPr/>
+          <a:lstStyle/>
+          <a:p>
+            <a:r>
+              <a:rPr lang="en-US" dirty="0" smtClean="0"/>
+              <a:t>Done outside the building while we wait for people to gather</a:t>
+            </a:r>
+          </a:p>
+          <a:p>
+            <a:pPr marL="285750" lvl="1"/>
+            <a:r>
+              <a:rPr lang="en-US" dirty="0" smtClean="0"/>
+              <a:t>Introductions</a:t>
+            </a:r>
+          </a:p>
+          <a:p>
+            <a:pPr marL="285750" lvl="1"/>
+            <a:r>
+              <a:rPr lang="en-US" dirty="0" smtClean="0"/>
+              <a:t>First </a:t>
+            </a:r>
+            <a:r>
+              <a:rPr lang="en-US" dirty="0"/>
+              <a:t>off who has tried to build a model to predict prices</a:t>
+            </a:r>
+            <a:r>
+              <a:rPr lang="en-US" dirty="0" smtClean="0"/>
+              <a:t>?</a:t>
+            </a:r>
+          </a:p>
+          <a:p>
+            <a:pPr marL="285750" lvl="1"/>
+            <a:r>
+              <a:rPr lang="en-US" dirty="0" smtClean="0"/>
+              <a:t>What kind of models did they try and what worked out</a:t>
+            </a:r>
+            <a:endParaRPr lang="en-US" dirty="0"/>
+          </a:p>
+        </p:txBody>
+      </p:sp>
+    </p:spTree>
+    <p:extLst>
+      <p:ext uri="{BB962C8B-B14F-4D97-AF65-F5344CB8AC3E}">
+        <p14:creationId xmlns:p14="http://schemas.microsoft.com/office/powerpoint/2010/main" val="183346381"/>
+      </p:ext>
+    </p:extLst>
+  </p:cSld>
+  <p:clrMapOvr>
+    <a:masterClrMapping/>
+  </p:clrMapOvr>
+  <p:timing>
+    <p:tnLst>
+      <p:par>
+        <p:cTn id="1" dur="indefinite" restart="never" nodeType="tmRoot"/>
+      </p:par>
+    </p:tnLst>
+  </p:timing>
+</p:sld>
+</file>
+
+<file path=ppt/slides/slide24.xml><?xml version="1.0" encoding="utf-8"?>
+<p:sld xmlns:a="http://schemas.openxmlformats.org/drawingml/2006/main" xmlns:r="http://schemas.openxmlformats.org/officeDocument/2006/relationships" xmlns:p="http://schemas.openxmlformats.org/presentationml/2006/main">
+  <p:cSld>
+    <p:spTree>
+      <p:nvGrpSpPr>
+        <p:cNvPr id="1" name=""/>
+        <p:cNvGrpSpPr/>
+        <p:nvPr/>
+      </p:nvGrpSpPr>
+      <p:grpSpPr>
+        <a:xfrm>
+          <a:off x="0" y="0"/>
+          <a:ext cx="0" cy="0"/>
+          <a:chOff x="0" y="0"/>
+          <a:chExt cx="0" cy="0"/>
+        </a:xfrm>
+      </p:grpSpPr>
+      <p:sp>
+        <p:nvSpPr>
+          <p:cNvPr id="2" name="Title 1"/>
+          <p:cNvSpPr>
+            <a:spLocks noGrp="1"/>
+          </p:cNvSpPr>
+          <p:nvPr>
+            <p:ph type="title"/>
+          </p:nvPr>
+        </p:nvSpPr>
+        <p:spPr/>
+        <p:txBody>
+          <a:bodyPr/>
+          <a:lstStyle/>
+          <a:p>
+            <a:r>
+              <a:rPr lang="en-US" dirty="0" smtClean="0"/>
+              <a:t>General training materials </a:t>
+            </a:r>
+            <a:endParaRPr lang="en-US" dirty="0"/>
+          </a:p>
+        </p:txBody>
+      </p:sp>
+      <p:sp>
+        <p:nvSpPr>
+          <p:cNvPr id="3" name="Content Placeholder 2"/>
+          <p:cNvSpPr>
+            <a:spLocks noGrp="1"/>
+          </p:cNvSpPr>
+          <p:nvPr>
+            <p:ph idx="1"/>
+          </p:nvPr>
+        </p:nvSpPr>
+        <p:spPr/>
+        <p:txBody>
+          <a:bodyPr/>
+          <a:lstStyle/>
+          <a:p>
+            <a:r>
+              <a:rPr lang="en-US" dirty="0"/>
+              <a:t>David </a:t>
+            </a:r>
+            <a:r>
+              <a:rPr lang="en-US" dirty="0" err="1" smtClean="0"/>
+              <a:t>Rosenbergs</a:t>
+            </a:r>
+            <a:r>
+              <a:rPr lang="en-US" dirty="0" smtClean="0"/>
+              <a:t> the mathematical discussion on ML</a:t>
+            </a:r>
+          </a:p>
+          <a:p>
+            <a:pPr lvl="1"/>
+            <a:r>
+              <a:rPr lang="en-US" dirty="0" smtClean="0"/>
+              <a:t>https</a:t>
+            </a:r>
+            <a:r>
+              <a:rPr lang="en-US" dirty="0"/>
+              <a:t>://</a:t>
+            </a:r>
+            <a:r>
+              <a:rPr lang="en-US" dirty="0" err="1"/>
+              <a:t>bloomberg.github.io</a:t>
+            </a:r>
+            <a:r>
+              <a:rPr lang="en-US" dirty="0"/>
+              <a:t>/</a:t>
+            </a:r>
+            <a:r>
+              <a:rPr lang="en-US" dirty="0" err="1"/>
+              <a:t>foml</a:t>
+            </a:r>
+            <a:r>
+              <a:rPr lang="en-US" dirty="0"/>
+              <a:t>/#lectures</a:t>
+            </a:r>
+          </a:p>
+          <a:p>
+            <a:r>
+              <a:rPr lang="en-US" dirty="0" smtClean="0"/>
+              <a:t>Andrew NGs learning </a:t>
+            </a:r>
+            <a:r>
+              <a:rPr lang="en-US" dirty="0"/>
+              <a:t>curve method </a:t>
+            </a:r>
+            <a:endParaRPr lang="en-US" dirty="0" smtClean="0"/>
+          </a:p>
+          <a:p>
+            <a:pPr lvl="1"/>
+            <a:r>
+              <a:rPr lang="en-US" dirty="0" smtClean="0"/>
+              <a:t>https</a:t>
+            </a:r>
+            <a:r>
+              <a:rPr lang="en-US" dirty="0"/>
+              <a:t>://</a:t>
+            </a:r>
+            <a:r>
+              <a:rPr lang="en-US" dirty="0" err="1"/>
+              <a:t>www.youtube.com</a:t>
+            </a:r>
+            <a:r>
+              <a:rPr lang="en-US" dirty="0"/>
+              <a:t>/</a:t>
+            </a:r>
+            <a:r>
+              <a:rPr lang="en-US" dirty="0" err="1"/>
+              <a:t>watch?v</a:t>
+            </a:r>
+            <a:r>
+              <a:rPr lang="en-US" dirty="0"/>
+              <a:t>=ISBGFY-</a:t>
+            </a:r>
+            <a:r>
+              <a:rPr lang="en-US" dirty="0" err="1"/>
+              <a:t>gBug</a:t>
+            </a:r>
+            <a:endParaRPr lang="en-US" dirty="0"/>
+          </a:p>
+        </p:txBody>
+      </p:sp>
+    </p:spTree>
+    <p:extLst>
+      <p:ext uri="{BB962C8B-B14F-4D97-AF65-F5344CB8AC3E}">
+        <p14:creationId xmlns:p14="http://schemas.microsoft.com/office/powerpoint/2010/main" val="199861436"/>
+      </p:ext>
+    </p:extLst>
+  </p:cSld>
+  <p:clrMapOvr>
+    <a:masterClrMapping/>
+  </p:clrMapOvr>
+  <p:timing>
+    <p:tnLst>
+      <p:par>
+        <p:cTn id="1" dur="indefinite" restart="never" nodeType="tmRoot"/>
+      </p:par>
+    </p:tnLst>
+  </p:timing>
+</p:sld>
+</file>
+
+<file path=ppt/slides/slide25.xml><?xml version="1.0" encoding="utf-8"?>
+<p:sld xmlns:a="http://schemas.openxmlformats.org/drawingml/2006/main" xmlns:r="http://schemas.openxmlformats.org/officeDocument/2006/relationships" xmlns:p="http://schemas.openxmlformats.org/presentationml/2006/main">
+  <p:cSld>
+    <p:spTree>
+      <p:nvGrpSpPr>
+        <p:cNvPr id="1" name=""/>
+        <p:cNvGrpSpPr/>
+        <p:nvPr/>
+      </p:nvGrpSpPr>
+      <p:grpSpPr>
+        <a:xfrm>
+          <a:off x="0" y="0"/>
+          <a:ext cx="0" cy="0"/>
+          <a:chOff x="0" y="0"/>
+          <a:chExt cx="0" cy="0"/>
+        </a:xfrm>
+      </p:grpSpPr>
+      <p:sp>
+        <p:nvSpPr>
+          <p:cNvPr id="2" name="Title 1"/>
+          <p:cNvSpPr>
+            <a:spLocks noGrp="1"/>
+          </p:cNvSpPr>
+          <p:nvPr>
+            <p:ph type="title"/>
+          </p:nvPr>
+        </p:nvSpPr>
+        <p:spPr/>
+        <p:txBody>
+          <a:bodyPr/>
+          <a:lstStyle/>
+          <a:p>
+            <a:r>
+              <a:rPr lang="en-US" dirty="0" smtClean="0"/>
+              <a:t>First Discussion Point </a:t>
+            </a:r>
+            <a:r>
+              <a:rPr lang="mr-IN" dirty="0" smtClean="0"/>
+              <a:t>–</a:t>
+            </a:r>
+            <a:r>
+              <a:rPr lang="en-US" dirty="0" smtClean="0"/>
+              <a:t> Direct pricing model</a:t>
+            </a:r>
+            <a:endParaRPr lang="en-US" dirty="0"/>
+          </a:p>
+        </p:txBody>
+      </p:sp>
+      <p:sp>
+        <p:nvSpPr>
+          <p:cNvPr id="3" name="Content Placeholder 2"/>
+          <p:cNvSpPr>
+            <a:spLocks noGrp="1"/>
+          </p:cNvSpPr>
+          <p:nvPr>
+            <p:ph idx="1"/>
+          </p:nvPr>
+        </p:nvSpPr>
+        <p:spPr/>
+        <p:txBody>
+          <a:bodyPr/>
+          <a:lstStyle/>
+          <a:p>
+            <a:pPr lvl="1"/>
+            <a:r>
+              <a:rPr lang="en-US" dirty="0" smtClean="0"/>
+              <a:t>The real estate pricing model idea.</a:t>
+            </a:r>
+          </a:p>
+          <a:p>
+            <a:pPr lvl="2"/>
+            <a:r>
+              <a:rPr lang="en-US" dirty="0">
+                <a:hlinkClick r:id="rId2"/>
+              </a:rPr>
+              <a:t>https://</a:t>
+            </a:r>
+            <a:r>
+              <a:rPr lang="en-US" dirty="0" smtClean="0">
+                <a:hlinkClick r:id="rId2"/>
+              </a:rPr>
+              <a:t>www.youtube.com/watch?v=ISBGFY-gBug</a:t>
+            </a:r>
+            <a:endParaRPr lang="en-US" dirty="0" smtClean="0"/>
+          </a:p>
+          <a:p>
+            <a:pPr lvl="1"/>
+            <a:r>
+              <a:rPr lang="en-US" dirty="0" smtClean="0"/>
+              <a:t>What data do we need</a:t>
+            </a:r>
+          </a:p>
+          <a:p>
+            <a:pPr lvl="1"/>
+            <a:r>
+              <a:rPr lang="en-US" dirty="0" smtClean="0"/>
+              <a:t>How should be normalizing the data? And why?</a:t>
+            </a:r>
+          </a:p>
+          <a:p>
+            <a:pPr lvl="1"/>
+            <a:r>
+              <a:rPr lang="en-US" dirty="0" smtClean="0"/>
+              <a:t>How can we enhance the data? </a:t>
+            </a:r>
+          </a:p>
+          <a:p>
+            <a:pPr lvl="1"/>
+            <a:r>
+              <a:rPr lang="en-US" dirty="0"/>
+              <a:t>Given some fundamentals about the item can we improve things (can this work for </a:t>
+            </a:r>
+            <a:r>
+              <a:rPr lang="en-US" dirty="0" err="1"/>
+              <a:t>cryptos</a:t>
+            </a:r>
+            <a:r>
+              <a:rPr lang="en-US" dirty="0"/>
+              <a:t>?) </a:t>
+            </a:r>
+          </a:p>
+          <a:p>
+            <a:pPr lvl="1"/>
+            <a:r>
+              <a:rPr lang="en-US" dirty="0"/>
+              <a:t>A discussion of the nature of the market</a:t>
+            </a:r>
+          </a:p>
+          <a:p>
+            <a:pPr lvl="2"/>
+            <a:r>
+              <a:rPr lang="en-US" dirty="0"/>
+              <a:t>Market depth and books</a:t>
+            </a:r>
+          </a:p>
+          <a:p>
+            <a:pPr lvl="2"/>
+            <a:r>
+              <a:rPr lang="en-US" dirty="0">
+                <a:hlinkClick r:id="rId3"/>
+              </a:rPr>
+              <a:t>https://</a:t>
+            </a:r>
+            <a:r>
+              <a:rPr lang="en-US" dirty="0" smtClean="0">
+                <a:hlinkClick r:id="rId3"/>
+              </a:rPr>
+              <a:t>hackernoon.com/depth-chart-and-its-significance-in-trading-bdbfbbd23d33</a:t>
+            </a:r>
+            <a:endParaRPr lang="en-US" dirty="0" smtClean="0"/>
+          </a:p>
+        </p:txBody>
+      </p:sp>
+    </p:spTree>
+    <p:extLst>
+      <p:ext uri="{BB962C8B-B14F-4D97-AF65-F5344CB8AC3E}">
+        <p14:creationId xmlns:p14="http://schemas.microsoft.com/office/powerpoint/2010/main" val="1965635678"/>
+      </p:ext>
+    </p:extLst>
+  </p:cSld>
+  <p:clrMapOvr>
+    <a:masterClrMapping/>
+  </p:clrMapOvr>
+  <p:timing>
+    <p:tnLst>
+      <p:par>
+        <p:cTn id="1" dur="indefinite" restart="never" nodeType="tmRoot"/>
+      </p:par>
+    </p:tnLst>
+  </p:timing>
+</p:sld>
+</file>
+
+<file path=ppt/slides/slide26.xml><?xml version="1.0" encoding="utf-8"?>
+<p:sld xmlns:a="http://schemas.openxmlformats.org/drawingml/2006/main" xmlns:r="http://schemas.openxmlformats.org/officeDocument/2006/relationships" xmlns:p="http://schemas.openxmlformats.org/presentationml/2006/main">
+  <p:cSld>
+    <p:spTree>
+      <p:nvGrpSpPr>
+        <p:cNvPr id="1" name=""/>
+        <p:cNvGrpSpPr/>
+        <p:nvPr/>
+      </p:nvGrpSpPr>
+      <p:grpSpPr>
+        <a:xfrm>
+          <a:off x="0" y="0"/>
+          <a:ext cx="0" cy="0"/>
+          <a:chOff x="0" y="0"/>
+          <a:chExt cx="0" cy="0"/>
+        </a:xfrm>
+      </p:grpSpPr>
+      <p:sp>
+        <p:nvSpPr>
+          <p:cNvPr id="2" name="Title 1"/>
+          <p:cNvSpPr>
+            <a:spLocks noGrp="1"/>
+          </p:cNvSpPr>
+          <p:nvPr>
+            <p:ph type="title"/>
+          </p:nvPr>
+        </p:nvSpPr>
+        <p:spPr/>
+        <p:txBody>
+          <a:bodyPr/>
+          <a:lstStyle/>
+          <a:p>
+            <a:r>
+              <a:rPr lang="en-US" dirty="0" smtClean="0"/>
+              <a:t>First discussion point </a:t>
+            </a:r>
+            <a:r>
+              <a:rPr lang="mr-IN" dirty="0" smtClean="0"/>
+              <a:t>–</a:t>
+            </a:r>
+            <a:r>
+              <a:rPr lang="en-US" dirty="0" smtClean="0"/>
+              <a:t> supplement notes</a:t>
+            </a:r>
+            <a:endParaRPr lang="en-US" dirty="0"/>
+          </a:p>
+        </p:txBody>
+      </p:sp>
+      <p:sp>
+        <p:nvSpPr>
+          <p:cNvPr id="3" name="Content Placeholder 2"/>
+          <p:cNvSpPr>
+            <a:spLocks noGrp="1"/>
+          </p:cNvSpPr>
+          <p:nvPr>
+            <p:ph idx="1"/>
+          </p:nvPr>
+        </p:nvSpPr>
+        <p:spPr/>
+        <p:txBody>
+          <a:bodyPr/>
+          <a:lstStyle/>
+          <a:p>
+            <a:r>
+              <a:rPr lang="en-US" dirty="0"/>
+              <a:t>Models and </a:t>
+            </a:r>
+            <a:r>
+              <a:rPr lang="en-US" dirty="0" smtClean="0"/>
+              <a:t>blogs</a:t>
+            </a:r>
+            <a:endParaRPr lang="en-US" dirty="0" smtClean="0">
+              <a:hlinkClick r:id="rId2"/>
+            </a:endParaRPr>
+          </a:p>
+          <a:p>
+            <a:r>
+              <a:rPr lang="en-US" dirty="0" smtClean="0">
+                <a:hlinkClick r:id="rId2"/>
+              </a:rPr>
+              <a:t>https</a:t>
+            </a:r>
+            <a:r>
+              <a:rPr lang="en-US" dirty="0">
+                <a:hlinkClick r:id="rId2"/>
+              </a:rPr>
+              <a:t>://</a:t>
+            </a:r>
+            <a:r>
+              <a:rPr lang="en-US" dirty="0" smtClean="0">
+                <a:hlinkClick r:id="rId2"/>
+              </a:rPr>
+              <a:t>medium.com/mlreview/a-simple-deep-learning-model-for-stock-price-prediction-using-tensorflow-30505541d877</a:t>
+            </a:r>
+            <a:endParaRPr lang="en-US" dirty="0" smtClean="0"/>
+          </a:p>
+          <a:p>
+            <a:r>
+              <a:rPr lang="en-US" dirty="0">
+                <a:hlinkClick r:id="rId3"/>
+              </a:rPr>
+              <a:t>https://</a:t>
+            </a:r>
+            <a:r>
+              <a:rPr lang="en-US" dirty="0" smtClean="0">
+                <a:hlinkClick r:id="rId3"/>
+              </a:rPr>
+              <a:t>www.kaggle.com/pablocastilla/predict-stock-prices-with-lstm</a:t>
+            </a:r>
+            <a:endParaRPr lang="en-US" dirty="0" smtClean="0"/>
+          </a:p>
+          <a:p>
+            <a:r>
+              <a:rPr lang="en-US" dirty="0">
+                <a:hlinkClick r:id="rId4"/>
+              </a:rPr>
+              <a:t>https://medium.com/@</a:t>
+            </a:r>
+            <a:r>
+              <a:rPr lang="en-US" dirty="0" smtClean="0">
+                <a:hlinkClick r:id="rId4"/>
+              </a:rPr>
+              <a:t>huangkh19951228/predicting-cryptocurrency-price-with-tensorflow-and-keras-e1674b0dc58a</a:t>
+            </a:r>
+            <a:endParaRPr lang="en-US" dirty="0" smtClean="0"/>
+          </a:p>
+          <a:p>
+            <a:endParaRPr lang="en-US" dirty="0"/>
+          </a:p>
+        </p:txBody>
+      </p:sp>
+    </p:spTree>
+    <p:extLst>
+      <p:ext uri="{BB962C8B-B14F-4D97-AF65-F5344CB8AC3E}">
+        <p14:creationId xmlns:p14="http://schemas.microsoft.com/office/powerpoint/2010/main" val="2127558958"/>
+      </p:ext>
+    </p:extLst>
+  </p:cSld>
+  <p:clrMapOvr>
+    <a:masterClrMapping/>
+  </p:clrMapOvr>
+  <p:timing>
+    <p:tnLst>
+      <p:par>
+        <p:cTn id="1" dur="indefinite" restart="never" nodeType="tmRoot"/>
+      </p:par>
+    </p:tnLst>
+  </p:timing>
+</p:sld>
+</file>
+
+<file path=ppt/slides/slide27.xml><?xml version="1.0" encoding="utf-8"?>
+<p:sld xmlns:a="http://schemas.openxmlformats.org/drawingml/2006/main" xmlns:r="http://schemas.openxmlformats.org/officeDocument/2006/relationships" xmlns:p="http://schemas.openxmlformats.org/presentationml/2006/main">
+  <p:cSld>
+    <p:spTree>
+      <p:nvGrpSpPr>
+        <p:cNvPr id="1" name=""/>
+        <p:cNvGrpSpPr/>
+        <p:nvPr/>
+      </p:nvGrpSpPr>
+      <p:grpSpPr>
+        <a:xfrm>
+          <a:off x="0" y="0"/>
+          <a:ext cx="0" cy="0"/>
+          <a:chOff x="0" y="0"/>
+          <a:chExt cx="0" cy="0"/>
+        </a:xfrm>
+      </p:grpSpPr>
+      <p:sp>
+        <p:nvSpPr>
+          <p:cNvPr id="2" name="Title 1"/>
+          <p:cNvSpPr>
+            <a:spLocks noGrp="1"/>
+          </p:cNvSpPr>
+          <p:nvPr>
+            <p:ph type="title"/>
+          </p:nvPr>
+        </p:nvSpPr>
+        <p:spPr/>
+        <p:txBody>
+          <a:bodyPr/>
+          <a:lstStyle/>
+          <a:p>
+            <a:r>
+              <a:rPr lang="en-US" dirty="0" smtClean="0"/>
+              <a:t>Second discussion point </a:t>
+            </a:r>
+            <a:r>
+              <a:rPr lang="mr-IN" dirty="0" smtClean="0"/>
+              <a:t>–</a:t>
+            </a:r>
+            <a:r>
+              <a:rPr lang="en-US" dirty="0" smtClean="0"/>
+              <a:t> mixture models </a:t>
+            </a:r>
+            <a:endParaRPr lang="en-US" dirty="0"/>
+          </a:p>
+        </p:txBody>
+      </p:sp>
+      <p:sp>
+        <p:nvSpPr>
+          <p:cNvPr id="3" name="Content Placeholder 2"/>
+          <p:cNvSpPr>
+            <a:spLocks noGrp="1"/>
+          </p:cNvSpPr>
+          <p:nvPr>
+            <p:ph idx="1"/>
+          </p:nvPr>
+        </p:nvSpPr>
+        <p:spPr/>
+        <p:txBody>
+          <a:bodyPr>
+            <a:normAutofit lnSpcReduction="10000"/>
+          </a:bodyPr>
+          <a:lstStyle/>
+          <a:p>
+            <a:r>
+              <a:rPr lang="en-US" dirty="0"/>
+              <a:t>What </a:t>
+            </a:r>
+            <a:r>
+              <a:rPr lang="en-US" dirty="0" smtClean="0"/>
+              <a:t>where the </a:t>
+            </a:r>
+            <a:r>
+              <a:rPr lang="en-US" dirty="0"/>
+              <a:t>problems with approach of directly predicting the price?</a:t>
+            </a:r>
+          </a:p>
+          <a:p>
+            <a:r>
+              <a:rPr lang="en-US" dirty="0" smtClean="0"/>
+              <a:t>What happens when data is perturbed with random noise? </a:t>
+            </a:r>
+          </a:p>
+          <a:p>
+            <a:r>
+              <a:rPr lang="en-US" dirty="0" smtClean="0"/>
+              <a:t>Does </a:t>
+            </a:r>
+            <a:r>
+              <a:rPr lang="en-US" dirty="0"/>
+              <a:t>anyone think it was a good idea? Why</a:t>
+            </a:r>
+            <a:r>
+              <a:rPr lang="en-US" dirty="0" smtClean="0"/>
+              <a:t>?</a:t>
+            </a:r>
+          </a:p>
+          <a:p>
+            <a:pPr lvl="1"/>
+            <a:r>
+              <a:rPr lang="en-US" dirty="0" smtClean="0"/>
+              <a:t>P(</a:t>
+            </a:r>
+            <a:r>
+              <a:rPr lang="en-US" dirty="0" err="1" smtClean="0"/>
+              <a:t>y|x</a:t>
+            </a:r>
+            <a:r>
+              <a:rPr lang="en-US" dirty="0" smtClean="0"/>
+              <a:t>) </a:t>
+            </a:r>
+            <a:r>
+              <a:rPr lang="mr-IN" dirty="0" smtClean="0"/>
+              <a:t>–</a:t>
+            </a:r>
+            <a:r>
+              <a:rPr lang="en-US" dirty="0" smtClean="0"/>
+              <a:t> predict instead the change that the price moves to a new value</a:t>
+            </a:r>
+            <a:endParaRPr lang="en-US" dirty="0"/>
+          </a:p>
+          <a:p>
+            <a:r>
+              <a:rPr lang="en-US" dirty="0"/>
+              <a:t>What is likely to happen once the simple model is build and trained?</a:t>
+            </a:r>
+          </a:p>
+          <a:p>
+            <a:r>
+              <a:rPr lang="en-US" dirty="0"/>
+              <a:t>Why does everyone think that would be the case?</a:t>
+            </a:r>
+          </a:p>
+          <a:p>
+            <a:r>
+              <a:rPr lang="en-US" dirty="0"/>
+              <a:t>Note the proof about the general result that MSE leads to </a:t>
+            </a:r>
+          </a:p>
+          <a:p>
+            <a:pPr lvl="1"/>
+            <a:r>
+              <a:rPr lang="en-US" dirty="0">
+                <a:hlinkClick r:id="rId2"/>
+              </a:rPr>
+              <a:t>https://youtu.be/rqJ8SrnmWu0</a:t>
+            </a:r>
+            <a:r>
+              <a:rPr lang="en-US" dirty="0"/>
+              <a:t>  </a:t>
+            </a:r>
+            <a:r>
+              <a:rPr lang="en-US" dirty="0" smtClean="0"/>
+              <a:t>20:30</a:t>
+            </a:r>
+          </a:p>
+          <a:p>
+            <a:r>
+              <a:rPr lang="en-US" dirty="0" smtClean="0"/>
+              <a:t>The Gaussian mixture model</a:t>
+            </a:r>
+          </a:p>
+          <a:p>
+            <a:pPr lvl="1"/>
+            <a:r>
+              <a:rPr lang="en-US" dirty="0"/>
+              <a:t>https://</a:t>
+            </a:r>
+            <a:r>
+              <a:rPr lang="en-US" dirty="0" err="1"/>
+              <a:t>github.com</a:t>
+            </a:r>
+            <a:r>
+              <a:rPr lang="en-US" dirty="0"/>
+              <a:t>/</a:t>
+            </a:r>
+            <a:r>
+              <a:rPr lang="en-US" dirty="0" err="1"/>
+              <a:t>ashleysmart</a:t>
+            </a:r>
+            <a:r>
+              <a:rPr lang="en-US" dirty="0"/>
+              <a:t>/</a:t>
+            </a:r>
+            <a:r>
+              <a:rPr lang="en-US" dirty="0" err="1"/>
+              <a:t>mlgym</a:t>
+            </a:r>
+            <a:r>
+              <a:rPr lang="en-US" dirty="0"/>
+              <a:t>/blob/master/</a:t>
+            </a:r>
+            <a:r>
+              <a:rPr lang="en-US" dirty="0" err="1"/>
+              <a:t>stock_price</a:t>
+            </a:r>
+            <a:r>
+              <a:rPr lang="en-US" dirty="0"/>
+              <a:t>/</a:t>
+            </a:r>
+            <a:r>
+              <a:rPr lang="en-US" dirty="0" err="1"/>
+              <a:t>GuassianMixture-SynthTrade.ipynb</a:t>
+            </a:r>
+            <a:endParaRPr lang="en-US" dirty="0"/>
+          </a:p>
+        </p:txBody>
+      </p:sp>
+    </p:spTree>
+    <p:extLst>
+      <p:ext uri="{BB962C8B-B14F-4D97-AF65-F5344CB8AC3E}">
+        <p14:creationId xmlns:p14="http://schemas.microsoft.com/office/powerpoint/2010/main" val="1502107"/>
+      </p:ext>
+    </p:extLst>
+  </p:cSld>
+  <p:clrMapOvr>
+    <a:masterClrMapping/>
+  </p:clrMapOvr>
+  <p:timing>
+    <p:tnLst>
+      <p:par>
+        <p:cTn id="1" dur="indefinite" restart="never" nodeType="tmRoot"/>
+      </p:par>
+    </p:tnLst>
+  </p:timing>
+</p:sld>
+</file>
+
+<file path=ppt/slides/slide28.xml><?xml version="1.0" encoding="utf-8"?>
+<p:sld xmlns:a="http://schemas.openxmlformats.org/drawingml/2006/main" xmlns:r="http://schemas.openxmlformats.org/officeDocument/2006/relationships" xmlns:p="http://schemas.openxmlformats.org/presentationml/2006/main">
+  <p:cSld>
+    <p:spTree>
+      <p:nvGrpSpPr>
+        <p:cNvPr id="1" name=""/>
+        <p:cNvGrpSpPr/>
+        <p:nvPr/>
+      </p:nvGrpSpPr>
+      <p:grpSpPr>
+        <a:xfrm>
+          <a:off x="0" y="0"/>
+          <a:ext cx="0" cy="0"/>
+          <a:chOff x="0" y="0"/>
+          <a:chExt cx="0" cy="0"/>
+        </a:xfrm>
+      </p:grpSpPr>
+      <p:sp>
+        <p:nvSpPr>
+          <p:cNvPr id="2" name="Title 1"/>
+          <p:cNvSpPr>
+            <a:spLocks noGrp="1"/>
+          </p:cNvSpPr>
+          <p:nvPr>
+            <p:ph type="title"/>
+          </p:nvPr>
+        </p:nvSpPr>
+        <p:spPr/>
+        <p:txBody>
+          <a:bodyPr/>
+          <a:lstStyle/>
+          <a:p>
+            <a:r>
+              <a:rPr lang="en-US" dirty="0" smtClean="0"/>
+              <a:t>Third Discussion point </a:t>
+            </a:r>
+            <a:r>
+              <a:rPr lang="mr-IN" dirty="0" smtClean="0"/>
+              <a:t>–</a:t>
+            </a:r>
+            <a:r>
+              <a:rPr lang="en-US" dirty="0" smtClean="0"/>
+              <a:t> wrap up</a:t>
+            </a:r>
+            <a:endParaRPr lang="en-US" dirty="0"/>
+          </a:p>
+        </p:txBody>
+      </p:sp>
+      <p:sp>
+        <p:nvSpPr>
+          <p:cNvPr id="3" name="Content Placeholder 2"/>
+          <p:cNvSpPr>
+            <a:spLocks noGrp="1"/>
+          </p:cNvSpPr>
+          <p:nvPr>
+            <p:ph idx="1"/>
+          </p:nvPr>
+        </p:nvSpPr>
+        <p:spPr/>
+        <p:txBody>
+          <a:bodyPr/>
+          <a:lstStyle/>
+          <a:p>
+            <a:r>
+              <a:rPr lang="en-US" dirty="0" smtClean="0"/>
+              <a:t>What did everyone learn?</a:t>
+            </a:r>
+          </a:p>
+          <a:p>
+            <a:r>
+              <a:rPr lang="en-US" dirty="0" smtClean="0"/>
+              <a:t>What was the better parts of the workshop</a:t>
+            </a:r>
+          </a:p>
+          <a:p>
+            <a:r>
+              <a:rPr lang="en-US" dirty="0" smtClean="0"/>
+              <a:t>What needs improvement</a:t>
+            </a:r>
+          </a:p>
+          <a:p>
+            <a:r>
+              <a:rPr lang="en-US" dirty="0" smtClean="0"/>
+              <a:t>What models do we conclude produce the best results? </a:t>
+            </a:r>
+          </a:p>
+          <a:p>
+            <a:r>
+              <a:rPr lang="en-US" dirty="0" smtClean="0"/>
+              <a:t>What data methods seemed to work out the best for people?</a:t>
+            </a:r>
+            <a:endParaRPr lang="en-US" dirty="0"/>
+          </a:p>
+        </p:txBody>
+      </p:sp>
+    </p:spTree>
+    <p:extLst>
+      <p:ext uri="{BB962C8B-B14F-4D97-AF65-F5344CB8AC3E}">
+        <p14:creationId xmlns:p14="http://schemas.microsoft.com/office/powerpoint/2010/main" val="1297604311"/>
+      </p:ext>
+    </p:extLst>
+  </p:cSld>
+  <p:clrMapOvr>
+    <a:masterClrMapping/>
+  </p:clrMapOvr>
+  <p:timing>
+    <p:tnLst>
+      <p:par>
+        <p:cTn id="1" dur="indefinite" restart="never" nodeType="tmRoot"/>
+      </p:par>
+    </p:tnLst>
+  </p:timing>
+</p:sld>
+</file>
+
+<file path=ppt/slides/slide29.xml><?xml version="1.0" encoding="utf-8"?>
+<p:sld xmlns:a="http://schemas.openxmlformats.org/drawingml/2006/main" xmlns:r="http://schemas.openxmlformats.org/officeDocument/2006/relationships" xmlns:p="http://schemas.openxmlformats.org/presentationml/2006/main">
+  <p:cSld>
+    <p:spTree>
+      <p:nvGrpSpPr>
+        <p:cNvPr id="1" name=""/>
+        <p:cNvGrpSpPr/>
+        <p:nvPr/>
+      </p:nvGrpSpPr>
+      <p:grpSpPr>
+        <a:xfrm>
+          <a:off x="0" y="0"/>
+          <a:ext cx="0" cy="0"/>
+          <a:chOff x="0" y="0"/>
+          <a:chExt cx="0" cy="0"/>
+        </a:xfrm>
+      </p:grpSpPr>
+      <p:sp>
+        <p:nvSpPr>
+          <p:cNvPr id="2" name="Title 1"/>
+          <p:cNvSpPr>
+            <a:spLocks noGrp="1"/>
+          </p:cNvSpPr>
+          <p:nvPr>
+            <p:ph type="title"/>
+          </p:nvPr>
+        </p:nvSpPr>
+        <p:spPr/>
+        <p:txBody>
+          <a:bodyPr/>
+          <a:lstStyle/>
+          <a:p>
+            <a:r>
+              <a:rPr lang="en-US" dirty="0" smtClean="0"/>
+              <a:t>Additional points of interest</a:t>
+            </a:r>
+            <a:endParaRPr lang="en-US" dirty="0"/>
+          </a:p>
+        </p:txBody>
+      </p:sp>
+      <p:sp>
+        <p:nvSpPr>
+          <p:cNvPr id="3" name="Content Placeholder 2"/>
+          <p:cNvSpPr>
+            <a:spLocks noGrp="1"/>
+          </p:cNvSpPr>
+          <p:nvPr>
+            <p:ph idx="1"/>
+          </p:nvPr>
+        </p:nvSpPr>
+        <p:spPr/>
+        <p:txBody>
+          <a:bodyPr>
+            <a:normAutofit fontScale="85000" lnSpcReduction="20000"/>
+          </a:bodyPr>
+          <a:lstStyle/>
+          <a:p>
+            <a:r>
+              <a:rPr lang="en-US" dirty="0" smtClean="0"/>
+              <a:t>Various topic ideas in case we have an advance group</a:t>
+            </a:r>
+          </a:p>
+          <a:p>
+            <a:r>
+              <a:rPr lang="en-US" dirty="0" smtClean="0"/>
+              <a:t>Market entry algorithms </a:t>
+            </a:r>
+          </a:p>
+          <a:p>
+            <a:pPr lvl="1"/>
+            <a:r>
+              <a:rPr lang="en-US" dirty="0" smtClean="0"/>
+              <a:t>The Problem of book depth</a:t>
+            </a:r>
+          </a:p>
+          <a:p>
+            <a:pPr lvl="1"/>
+            <a:r>
+              <a:rPr lang="en-US" dirty="0" smtClean="0"/>
+              <a:t>how to divide and buy/sell large orders without market side effects</a:t>
+            </a:r>
+          </a:p>
+          <a:p>
+            <a:r>
+              <a:rPr lang="en-US" dirty="0" smtClean="0"/>
+              <a:t>Trading bot wars </a:t>
+            </a:r>
+          </a:p>
+          <a:p>
+            <a:pPr lvl="1"/>
+            <a:r>
+              <a:rPr lang="en-US" dirty="0" smtClean="0"/>
+              <a:t>Assume we get enough agents written, what happens if we place them in a fictional </a:t>
+            </a:r>
+            <a:r>
+              <a:rPr lang="en-US" dirty="0" err="1" smtClean="0"/>
+              <a:t>competive</a:t>
+            </a:r>
+            <a:r>
+              <a:rPr lang="en-US" dirty="0" smtClean="0"/>
+              <a:t> trading system</a:t>
+            </a:r>
+          </a:p>
+          <a:p>
+            <a:pPr lvl="1"/>
+            <a:r>
+              <a:rPr lang="en-US" dirty="0" smtClean="0"/>
+              <a:t>what is the Predator prey cycle in this system?</a:t>
+            </a:r>
+          </a:p>
+          <a:p>
+            <a:pPr lvl="1"/>
+            <a:r>
+              <a:rPr lang="en-US" dirty="0" smtClean="0"/>
+              <a:t>Is online learning sufficient to bet the predator bots in this environment? </a:t>
+            </a:r>
+          </a:p>
+          <a:p>
+            <a:pPr lvl="1"/>
+            <a:r>
+              <a:rPr lang="en-US" dirty="0" smtClean="0"/>
+              <a:t>Would this be a trap where the biggest GPUs can learn the longest max/min move  (RRT* of course)  how can we find out.. Can we do it anyway? should we do it anyway?</a:t>
+            </a:r>
+          </a:p>
+          <a:p>
+            <a:r>
+              <a:rPr lang="en-US" dirty="0" smtClean="0"/>
+              <a:t>Moral questions of human free trading</a:t>
+            </a:r>
+          </a:p>
+          <a:p>
+            <a:pPr lvl="1"/>
+            <a:r>
+              <a:rPr lang="en-US" dirty="0" err="1" smtClean="0"/>
+              <a:t>Gah</a:t>
+            </a:r>
+            <a:r>
+              <a:rPr lang="en-US" dirty="0" smtClean="0"/>
+              <a:t>.. This would expand itself </a:t>
+            </a:r>
+            <a:endParaRPr lang="en-US" dirty="0"/>
+          </a:p>
+        </p:txBody>
+      </p:sp>
+    </p:spTree>
+    <p:extLst>
+      <p:ext uri="{BB962C8B-B14F-4D97-AF65-F5344CB8AC3E}">
+        <p14:creationId xmlns:p14="http://schemas.microsoft.com/office/powerpoint/2010/main" val="1634569780"/>
+      </p:ext>
+    </p:extLst>
+  </p:cSld>
+  <p:clrMapOvr>
+    <a:masterClrMapping/>
+  </p:clrMapOvr>
+  <p:timing>
+    <p:tnLst>
+      <p:par>
+        <p:cTn id="1" dur="indefinite" restart="never" nodeType="tmRoot"/>
+      </p:par>
+    </p:tnLst>
+  </p:timing>
 </p:sld>
 </file>
 
@@ -7880,7 +11242,7 @@
           <a:p>
             <a:r>
               <a:rPr lang="en-US" dirty="0" smtClean="0"/>
-              <a:t>Welcome and BASICS</a:t>
+              <a:t>Welcome</a:t>
             </a:r>
             <a:endParaRPr lang="en-US" dirty="0"/>
           </a:p>
@@ -7899,7 +11261,7 @@
         <p:spPr/>
         <p:txBody>
           <a:bodyPr>
-            <a:normAutofit lnSpcReduction="10000"/>
+            <a:normAutofit fontScale="85000" lnSpcReduction="20000"/>
           </a:bodyPr>
           <a:lstStyle/>
           <a:p>
@@ -7946,9 +11308,60 @@
           <a:p>
             <a:pPr lvl="1"/>
             <a:r>
-              <a:rPr lang="en-US" dirty="0" smtClean="0"/>
-              <a:t>TODO</a:t>
-            </a:r>
+              <a:rPr lang="en-US" dirty="0" err="1"/>
+              <a:t>m</a:t>
+            </a:r>
+            <a:r>
+              <a:rPr lang="en-US" dirty="0" err="1" smtClean="0"/>
+              <a:t>achinelearningtokyo.slack.com</a:t>
+            </a:r>
+            <a:endParaRPr lang="en-US" dirty="0" smtClean="0"/>
+          </a:p>
+          <a:p>
+            <a:r>
+              <a:rPr lang="en-US" dirty="0" smtClean="0"/>
+              <a:t>Resources for today</a:t>
+            </a:r>
+          </a:p>
+          <a:p>
+            <a:pPr lvl="1"/>
+            <a:r>
+              <a:rPr lang="en-US" dirty="0"/>
+              <a:t>https://</a:t>
+            </a:r>
+            <a:r>
+              <a:rPr lang="en-US" dirty="0" err="1"/>
+              <a:t>github.com</a:t>
+            </a:r>
+            <a:r>
+              <a:rPr lang="en-US" dirty="0"/>
+              <a:t>/</a:t>
+            </a:r>
+            <a:r>
+              <a:rPr lang="en-US" dirty="0" err="1"/>
+              <a:t>ashleysmart</a:t>
+            </a:r>
+            <a:r>
+              <a:rPr lang="en-US" dirty="0"/>
+              <a:t>/</a:t>
+            </a:r>
+            <a:r>
+              <a:rPr lang="en-US" dirty="0" err="1"/>
+              <a:t>mlgym</a:t>
+            </a:r>
+            <a:r>
+              <a:rPr lang="en-US" dirty="0"/>
+              <a:t>/blob/master/</a:t>
+            </a:r>
+            <a:r>
+              <a:rPr lang="en-US" dirty="0" err="1"/>
+              <a:t>stock_price</a:t>
+            </a:r>
+            <a:r>
+              <a:rPr lang="en-US" dirty="0"/>
+              <a:t>/</a:t>
+            </a:r>
+            <a:endParaRPr lang="en-US" dirty="0" smtClean="0"/>
           </a:p>
           <a:p>
             <a:r>
@@ -8012,7 +11425,6 @@
               <a:rPr lang="en-US" dirty="0" smtClean="0"/>
               <a:t> </a:t>
             </a:r>
-            <a:endParaRPr lang="en-US" dirty="0" smtClean="0"/>
           </a:p>
         </p:txBody>
       </p:sp>
@@ -8095,7 +11507,11 @@
             <a:pPr lvl="1"/>
             <a:r>
               <a:rPr lang="en-US" dirty="0" smtClean="0"/>
-              <a:t>There are security cameras everywhere and the badge lets security know the range of your access</a:t>
+              <a:t>Be aware there </a:t>
+            </a:r>
+            <a:r>
+              <a:rPr lang="en-US" dirty="0" smtClean="0"/>
+              <a:t>are security cameras everywhere and the badge lets security know the range of your access</a:t>
             </a:r>
           </a:p>
           <a:p>
@@ -8125,15 +11541,7 @@
             <a:pPr lvl="1"/>
             <a:r>
               <a:rPr lang="en-US" dirty="0" smtClean="0"/>
-              <a:t>We do not </a:t>
-            </a:r>
-            <a:r>
-              <a:rPr lang="en-US" dirty="0" smtClean="0"/>
-              <a:t>have </a:t>
-            </a:r>
-            <a:r>
-              <a:rPr lang="en-US" dirty="0" smtClean="0"/>
-              <a:t>access to the pantry this round so please limit eating and drinking the food from that area, There is a table of items behind us and pizza will be provided for lunch. If you have any requests let we know</a:t>
+              <a:t>We do not have access to the pantry this round so please limit eating and drinking the food from that area, There is a table of items behind us and pizza will be provided for lunch. If you have any requests let we know</a:t>
             </a:r>
           </a:p>
           <a:p>
@@ -8141,7 +11549,6 @@
               <a:rPr lang="en-US" dirty="0" smtClean="0"/>
               <a:t>Toilets</a:t>
             </a:r>
-            <a:endParaRPr lang="en-US" dirty="0" smtClean="0"/>
           </a:p>
           <a:p>
             <a:pPr lvl="1"/>
@@ -8201,27 +11608,13 @@
               <a:rPr lang="en-US" dirty="0" smtClean="0"/>
               <a:t>Please avoid leading the guests out of the allowed ranges, </a:t>
             </a:r>
-            <a:endParaRPr lang="en-US" dirty="0" smtClean="0"/>
           </a:p>
           <a:p>
             <a:pPr lvl="1"/>
             <a:r>
               <a:rPr lang="en-US" dirty="0" smtClean="0"/>
-              <a:t>Please </a:t>
-            </a:r>
-            <a:r>
-              <a:rPr lang="en-US" dirty="0" smtClean="0"/>
-              <a:t>offer </a:t>
-            </a:r>
-            <a:r>
-              <a:rPr lang="en-US" dirty="0" smtClean="0"/>
-              <a:t>any assistance if you see they need </a:t>
-            </a:r>
-            <a:r>
-              <a:rPr lang="en-US" dirty="0" smtClean="0"/>
-              <a:t>some or wander into the out of bounds areas </a:t>
-            </a:r>
-            <a:endParaRPr lang="en-US" dirty="0" smtClean="0"/>
+              <a:t>Please offer any assistance if you see they need some or wander into the out of bounds areas </a:t>
+            </a:r>
           </a:p>
         </p:txBody>
       </p:sp>
@@ -8327,7 +11720,15 @@
             </a:r>
             <a:r>
               <a:rPr lang="en-US" dirty="0" smtClean="0"/>
-              <a:t> related internal information </a:t>
+              <a:t> </a:t>
+            </a:r>
+            <a:r>
+              <a:rPr lang="en-US" dirty="0" smtClean="0"/>
+              <a:t>internal </a:t>
+            </a:r>
+            <a:r>
+              <a:rPr lang="en-US" dirty="0" smtClean="0"/>
+              <a:t>information </a:t>
             </a:r>
           </a:p>
           <a:p>
@@ -8472,21 +11873,11 @@
           <a:p>
             <a:r>
               <a:rPr lang="en-US" dirty="0" smtClean="0"/>
-              <a:t>Head count</a:t>
-            </a:r>
-          </a:p>
-          <a:p>
-            <a:r>
-              <a:rPr lang="en-US" dirty="0" smtClean="0"/>
-              <a:t>The security staff are all trained first aiders, if anything </a:t>
-            </a:r>
-            <a:r>
-              <a:rPr lang="en-US" dirty="0" smtClean="0"/>
-              <a:t>medical problem occurs </a:t>
-            </a:r>
-            <a:r>
-              <a:rPr lang="en-US" dirty="0" smtClean="0"/>
-              <a:t>report it to them immediately </a:t>
+              <a:t>The </a:t>
+            </a:r>
+            <a:r>
+              <a:rPr lang="en-US" dirty="0" smtClean="0"/>
+              <a:t>security staff are all trained first aiders, if anything medical problem occurs report it to them immediately </a:t>
             </a:r>
           </a:p>
           <a:p>
@@ -8521,7 +11912,11 @@
             </a:r>
             <a:r>
               <a:rPr lang="en-US" dirty="0" smtClean="0"/>
-              <a:t>close and then proceed to get the security staff</a:t>
+              <a:t>closer </a:t>
+            </a:r>
+            <a:r>
+              <a:rPr lang="en-US" dirty="0" smtClean="0"/>
+              <a:t>and then proceed to get the security staff</a:t>
             </a:r>
           </a:p>
           <a:p>
@@ -8535,11 +11930,7 @@
             <a:pPr lvl="1"/>
             <a:r>
               <a:rPr lang="en-US" dirty="0" smtClean="0"/>
-              <a:t>Emergency </a:t>
-            </a:r>
-            <a:r>
-              <a:rPr lang="en-US" dirty="0" smtClean="0"/>
-              <a:t>exits are in the halls that lead to the toilets</a:t>
+              <a:t>Emergency exits are in the halls that lead to the toilets</a:t>
             </a:r>
           </a:p>
           <a:p>
@@ -8550,7 +11941,15 @@
             </a:r>
             <a:r>
               <a:rPr lang="en-US" dirty="0"/>
-              <a:t>follow the promotes of the </a:t>
+              <a:t>follow the </a:t>
+            </a:r>
+            <a:r>
+              <a:rPr lang="en-US" dirty="0" smtClean="0"/>
+              <a:t>prompts </a:t>
+            </a:r>
+            <a:r>
+              <a:rPr lang="en-US" dirty="0"/>
+              <a:t>of the </a:t>
             </a:r>
             <a:r>
               <a:rPr lang="en-US" dirty="0" smtClean="0"/>
@@ -8565,15 +11964,7 @@
             <a:pPr lvl="1"/>
             <a:r>
               <a:rPr lang="en-US" dirty="0" smtClean="0"/>
-              <a:t>The </a:t>
-            </a:r>
-            <a:r>
-              <a:rPr lang="en-US" dirty="0" smtClean="0"/>
-              <a:t>elevators and fire doors can lock down automatically, if you find yourself locked into an area move to the emergency exits or locate the intercom to call the security to your </a:t>
-            </a:r>
-            <a:r>
-              <a:rPr lang="en-US" dirty="0" smtClean="0"/>
-              <a:t>location</a:t>
+              <a:t>The elevators and fire doors can lock down automatically, if you find yourself locked into an area move to the emergency exits or locate the intercom to call the security to your location</a:t>
             </a:r>
           </a:p>
         </p:txBody>
@@ -8643,22 +12034,24 @@
         </p:nvSpPr>
         <p:spPr/>
         <p:txBody>
-          <a:bodyPr/>
-          <a:lstStyle/>
-          <a:p>
-            <a:r>
-              <a:rPr lang="en-US" dirty="0" smtClean="0"/>
-              <a:t>TODO picture of </a:t>
-            </a:r>
-            <a:r>
-              <a:rPr lang="en-US" dirty="0" smtClean="0"/>
-              <a:t>recruitment </a:t>
-            </a:r>
-            <a:r>
-              <a:rPr lang="en-US" dirty="0" smtClean="0"/>
-              <a:t>shirt</a:t>
-            </a:r>
-            <a:endParaRPr lang="en-US" dirty="0"/>
+          <a:bodyPr>
+            <a:normAutofit/>
+          </a:bodyPr>
+          <a:lstStyle/>
+          <a:p>
+            <a:r>
+              <a:rPr lang="en-US" sz="2800" dirty="0"/>
+              <a:t>https://</a:t>
+            </a:r>
+            <a:r>
+              <a:rPr lang="en-US" sz="2800" dirty="0" err="1"/>
+              <a:t>www.bloomberg.com</a:t>
+            </a:r>
+            <a:r>
+              <a:rPr lang="en-US" sz="2800" dirty="0"/>
+              <a:t>/careers/</a:t>
+            </a:r>
+            <a:endParaRPr lang="en-US" sz="2800" dirty="0"/>
           </a:p>
         </p:txBody>
       </p:sp>
@@ -8732,23 +12125,7 @@
           <a:p>
             <a:r>
               <a:rPr lang="en-US" dirty="0" smtClean="0"/>
-              <a:t>Bloomberg, the organizers or other attendees of this event are not responsible for any trading losses you </a:t>
-            </a:r>
-            <a:r>
-              <a:rPr lang="en-US" dirty="0" smtClean="0"/>
-              <a:t>incur </a:t>
-            </a:r>
-            <a:r>
-              <a:rPr lang="en-US" dirty="0" smtClean="0"/>
-              <a:t>if you take the </a:t>
-            </a:r>
-            <a:r>
-              <a:rPr lang="en-US" dirty="0" smtClean="0"/>
-              <a:t>models build </a:t>
-            </a:r>
-            <a:r>
-              <a:rPr lang="en-US" dirty="0" smtClean="0"/>
-              <a:t>or </a:t>
+              <a:t>Bloomberg, the organizers or other attendees of this event are not responsible for any trading losses you incur if you take the models build or </a:t>
             </a:r>
             <a:r>
               <a:rPr lang="en-US" dirty="0"/>
@@ -8756,19 +12133,7 @@
             </a:r>
             <a:r>
               <a:rPr lang="en-US" dirty="0" smtClean="0"/>
-              <a:t>nformation </a:t>
-            </a:r>
-            <a:r>
-              <a:rPr lang="en-US" dirty="0" smtClean="0"/>
-              <a:t>discussed here </a:t>
-            </a:r>
-            <a:r>
-              <a:rPr lang="en-US" dirty="0" smtClean="0"/>
-              <a:t>and </a:t>
-            </a:r>
-            <a:r>
-              <a:rPr lang="en-US" dirty="0" smtClean="0"/>
-              <a:t>apply it in a real market</a:t>
+              <a:t>nformation discussed here and apply it in a real market</a:t>
             </a:r>
             <a:endParaRPr lang="en-US" dirty="0"/>
           </a:p>
@@ -8860,6 +12225,13 @@
   <p:clrMapOvr>
     <a:masterClrMapping/>
   </p:clrMapOvr>
+  <p:timing>
+    <p:tnLst>
+      <p:par>
+        <p:cTn id="1" dur="indefinite" restart="never" nodeType="tmRoot"/>
+      </p:par>
+    </p:tnLst>
+  </p:timing>
 </p:sld>
 </file>
 
@@ -9110,4 +12482,265 @@
     </a:ext>
   </a:extLst>
 </a:theme>
+</file>
+
+<file path=ppt/theme/theme2.xml><?xml version="1.0" encoding="utf-8"?>
+<a:theme xmlns:a="http://schemas.openxmlformats.org/drawingml/2006/main" name="Office Theme">
+  <a:themeElements>
+    <a:clrScheme name="Office">
+      <a:dk1>
+        <a:sysClr val="windowText" lastClr="000000"/>
+      </a:dk1>
+      <a:lt1>
+        <a:sysClr val="window" lastClr="FFFFFF"/>
+      </a:lt1>
+      <a:dk2>
+        <a:srgbClr val="44546A"/>
+      </a:dk2>
+      <a:lt2>
+        <a:srgbClr val="E7E6E6"/>
+      </a:lt2>
+      <a:accent1>
+        <a:srgbClr val="4472C4"/>
+      </a:accent1>
+      <a:accent2>
+        <a:srgbClr val="ED7D31"/>
+      </a:accent2>
+      <a:accent3>
+        <a:srgbClr val="A5A5A5"/>
+      </a:accent3>
+      <a:accent4>
+        <a:srgbClr val="FFC000"/>
+      </a:accent4>
+      <a:accent5>
+        <a:srgbClr val="5B9BD5"/>
+      </a:accent5>
+      <a:accent6>
+        <a:srgbClr val="70AD47"/>
+      </a:accent6>
+      <a:hlink>
+        <a:srgbClr val="0563C1"/>
+      </a:hlink>
+      <a:folHlink>
+        <a:srgbClr val="954F72"/>
+      </a:folHlink>
+    </a:clrScheme>
+    <a:fontScheme name="Office">
+      <a:majorFont>
+        <a:latin typeface="Calibri Light" panose="020F0302020204030204"/>
+        <a:ea typeface=""/>
+        <a:cs typeface=""/>
+        <a:font script="Jpan" typeface="Yu Gothic Light"/>
+        <a:font script="Hang" typeface="맑은 고딕"/>
+        <a:font script="Hans" typeface="DengXian Light"/>
+        <a:font script="Hant" typeface="新細明體"/>
+        <a:font script="Arab" typeface="Times New Roman"/>
+        <a:font script="Hebr" typeface="Times New Roman"/>
+        <a:font script="Thai" typeface="Angsana New"/>
+        <a:font script="Ethi" typeface="Nyala"/>
+        <a:font script="Beng" typeface="Vrinda"/>
+        <a:font script="Gujr" typeface="Shruti"/>
+        <a:font script="Khmr" typeface="MoolBoran"/>
+        <a:font script="Knda" typeface="Tunga"/>
+        <a:font script="Guru" typeface="Raavi"/>
+        <a:font script="Cans" typeface="Euphemia"/>
+        <a:font script="Cher" typeface="Plantagenet Cherokee"/>
+        <a:font script="Yiii" typeface="Microsoft Yi Baiti"/>
+        <a:font script="Tibt" typeface="Microsoft Himalaya"/>
+        <a:font script="Thaa" typeface="MV Boli"/>
+        <a:font script="Deva" typeface="Mangal"/>
+        <a:font script="Telu" typeface="Gautami"/>
+        <a:font script="Taml" typeface="Latha"/>
+        <a:font script="Syrc" typeface="Estrangelo Edessa"/>
+        <a:font script="Orya" typeface="Kalinga"/>
+        <a:font script="Mlym" typeface="Kartika"/>
+        <a:font script="Laoo" typeface="DokChampa"/>
+        <a:font script="Sinh" typeface="Iskoola Pota"/>
+        <a:font script="Mong" typeface="Mongolian Baiti"/>
+        <a:font script="Viet" typeface="Times New Roman"/>
+        <a:font script="Uigh" typeface="Microsoft Uighur"/>
+        <a:font script="Geor" typeface="Sylfaen"/>
+      </a:majorFont>
+      <a:minorFont>
+        <a:latin typeface="Calibri" panose="020F0502020204030204"/>
+        <a:ea typeface=""/>
+        <a:cs typeface=""/>
+        <a:font script="Jpan" typeface="Yu Gothic"/>
+        <a:font script="Hang" typeface="맑은 고딕"/>
+        <a:font script="Hans" typeface="DengXian"/>
+        <a:font script="Hant" typeface="新細明體"/>
+        <a:font script="Arab" typeface="Arial"/>
+        <a:font script="Hebr" typeface="Arial"/>
+        <a:font script="Thai" typeface="Cordia New"/>
+        <a:font script="Ethi" typeface="Nyala"/>
+        <a:font script="Beng" typeface="Vrinda"/>
+        <a:font script="Gujr" typeface="Shruti"/>
+        <a:font script="Khmr" typeface="DaunPenh"/>
+        <a:font script="Knda" typeface="Tunga"/>
+        <a:font script="Guru" typeface="Raavi"/>
+        <a:font script="Cans" typeface="Euphemia"/>
+        <a:font script="Cher" typeface="Plantagenet Cherokee"/>
+        <a:font script="Yiii" typeface="Microsoft Yi Baiti"/>
+        <a:font script="Tibt" typeface="Microsoft Himalaya"/>
+        <a:font script="Thaa" typeface="MV Boli"/>
+        <a:font script="Deva" typeface="Mangal"/>
+        <a:font script="Telu" typeface="Gautami"/>
+        <a:font script="Taml" typeface="Latha"/>
+        <a:font script="Syrc" typeface="Estrangelo Edessa"/>
+        <a:font script="Orya" typeface="Kalinga"/>
+        <a:font script="Mlym" typeface="Kartika"/>
+        <a:font script="Laoo" typeface="DokChampa"/>
+        <a:font script="Sinh" typeface="Iskoola Pota"/>
+        <a:font script="Mong" typeface="Mongolian Baiti"/>
+        <a:font script="Viet" typeface="Arial"/>
+        <a:font script="Uigh" typeface="Microsoft Uighur"/>
+        <a:font script="Geor" typeface="Sylfaen"/>
+      </a:minorFont>
+    </a:fontScheme>
+    <a:fmtScheme name="Office">
+      <a:fillStyleLst>
+        <a:solidFill>
+          <a:schemeClr val="phClr"/>
+        </a:solidFill>
+        <a:gradFill rotWithShape="1">
+          <a:gsLst>
+            <a:gs pos="0">
+              <a:schemeClr val="phClr">
+                <a:lumMod val="110000"/>
+                <a:satMod val="105000"/>
+                <a:tint val="67000"/>
+              </a:schemeClr>
+            </a:gs>
+            <a:gs pos="50000">
+              <a:schemeClr val="phClr">
+                <a:lumMod val="105000"/>
+                <a:satMod val="103000"/>
+                <a:tint val="73000"/>
+              </a:schemeClr>
+            </a:gs>
+            <a:gs pos="100000">
+              <a:schemeClr val="phClr">
+                <a:lumMod val="105000"/>
+                <a:satMod val="109000"/>
+                <a:tint val="81000"/>
+              </a:schemeClr>
+            </a:gs>
+          </a:gsLst>
+          <a:lin ang="5400000" scaled="0"/>
+        </a:gradFill>
+        <a:gradFill rotWithShape="1">
+          <a:gsLst>
+            <a:gs pos="0">
+              <a:schemeClr val="phClr">
+                <a:satMod val="103000"/>
+                <a:lumMod val="102000"/>
+                <a:tint val="94000"/>
+              </a:schemeClr>
+            </a:gs>
+            <a:gs pos="50000">
+              <a:schemeClr val="phClr">
+                <a:satMod val="110000"/>
+                <a:lumMod val="100000"/>
+                <a:shade val="100000"/>
+              </a:schemeClr>
+            </a:gs>
+            <a:gs pos="100000">
+              <a:schemeClr val="phClr">
+                <a:lumMod val="99000"/>
+                <a:satMod val="120000"/>
+                <a:shade val="78000"/>
+              </a:schemeClr>
+            </a:gs>
+          </a:gsLst>
+          <a:lin ang="5400000" scaled="0"/>
+        </a:gradFill>
+      </a:fillStyleLst>
+      <a:lnStyleLst>
+        <a:ln w="6350" cap="flat" cmpd="sng" algn="ctr">
+          <a:solidFill>
+            <a:schemeClr val="phClr"/>
+          </a:solidFill>
+          <a:prstDash val="solid"/>
+          <a:miter lim="800000"/>
+        </a:ln>
+        <a:ln w="12700" cap="flat" cmpd="sng" algn="ctr">
+          <a:solidFill>
+            <a:schemeClr val="phClr"/>
+          </a:solidFill>
+          <a:prstDash val="solid"/>
+          <a:miter lim="800000"/>
+        </a:ln>
+        <a:ln w="19050" cap="flat" cmpd="sng" algn="ctr">
+          <a:solidFill>
+            <a:schemeClr val="phClr"/>
+          </a:solidFill>
+          <a:prstDash val="solid"/>
+          <a:miter lim="800000"/>
+        </a:ln>
+      </a:lnStyleLst>
+      <a:effectStyleLst>
+        <a:effectStyle>
+          <a:effectLst/>
+        </a:effectStyle>
+        <a:effectStyle>
+          <a:effectLst/>
+        </a:effectStyle>
+        <a:effectStyle>
+          <a:effectLst>
+            <a:outerShdw blurRad="57150" dist="19050" dir="5400000" algn="ctr" rotWithShape="0">
+              <a:srgbClr val="000000">
+                <a:alpha val="63000"/>
+              </a:srgbClr>
+            </a:outerShdw>
+          </a:effectLst>
+        </a:effectStyle>
+      </a:effectStyleLst>
+      <a:bgFillStyleLst>
+        <a:solidFill>
+          <a:schemeClr val="phClr"/>
+        </a:solidFill>
+        <a:solidFill>
+          <a:schemeClr val="phClr">
+            <a:tint val="95000"/>
+            <a:satMod val="170000"/>
+          </a:schemeClr>
+        </a:solidFill>
+        <a:gradFill rotWithShape="1">
+          <a:gsLst>
+            <a:gs pos="0">
+              <a:schemeClr val="phClr">
+                <a:tint val="93000"/>
+                <a:satMod val="150000"/>
+                <a:shade val="98000"/>
+                <a:lumMod val="102000"/>
+              </a:schemeClr>
+            </a:gs>
+            <a:gs pos="50000">
+              <a:schemeClr val="phClr">
+                <a:tint val="98000"/>
+                <a:satMod val="130000"/>
+                <a:shade val="90000"/>
+                <a:lumMod val="103000"/>
+              </a:schemeClr>
+            </a:gs>
+            <a:gs pos="100000">
+              <a:schemeClr val="phClr">
+                <a:shade val="63000"/>
+                <a:satMod val="120000"/>
+              </a:schemeClr>
+            </a:gs>
+          </a:gsLst>
+          <a:lin ang="5400000" scaled="0"/>
+        </a:gradFill>
+      </a:bgFillStyleLst>
+    </a:fmtScheme>
+  </a:themeElements>
+  <a:objectDefaults/>
+  <a:extraClrSchemeLst/>
+  <a:extLst>
+    <a:ext uri="{05A4C25C-085E-4340-85A3-A5531E510DB2}">
+      <thm15:themeFamily xmlns:thm15="http://schemas.microsoft.com/office/thememl/2012/main" name="Office Theme" id="{62F939B6-93AF-4DB8-9C6B-D6C7DFDC589F}" vid="{4A3C46E8-61CC-4603-A589-7422A47A8E4A}"/>
+    </a:ext>
+  </a:extLst>
+</a:theme>
 </file>
--- a/stock_price/CrypotHackaton.pptx
+++ b/stock_price/CrypotHackaton.pptx
@@ -1,42 +1,44 @@
 
 <file path=ppt/presentation.xml><?xml version="1.0" encoding="utf-8"?>
-<p:presentation xmlns:a="http://schemas.openxmlformats.org/drawingml/2006/main" xmlns:r="http://schemas.openxmlformats.org/officeDocument/2006/relationships" xmlns:p="http://schemas.openxmlformats.org/presentationml/2006/main" saveSubsetFonts="1" autoCompressPictures="0">
+<p:presentation xmlns:a="http://schemas.openxmlformats.org/drawingml/2006/main" xmlns:r="http://schemas.openxmlformats.org/officeDocument/2006/relationships" xmlns:p="http://schemas.openxmlformats.org/presentationml/2006/main" showSpecialPlsOnTitleSld="0" saveSubsetFonts="1" autoCompressPictures="0">
   <p:sldMasterIdLst>
     <p:sldMasterId id="2147483648" r:id="rId1"/>
+    <p:sldMasterId id="2147483670" r:id="rId2"/>
   </p:sldMasterIdLst>
   <p:notesMasterIdLst>
-    <p:notesMasterId r:id="rId31"/>
+    <p:notesMasterId r:id="rId33"/>
   </p:notesMasterIdLst>
   <p:sldIdLst>
-    <p:sldId id="256" r:id="rId2"/>
-    <p:sldId id="272" r:id="rId3"/>
-    <p:sldId id="257" r:id="rId4"/>
-    <p:sldId id="260" r:id="rId5"/>
-    <p:sldId id="259" r:id="rId6"/>
-    <p:sldId id="261" r:id="rId7"/>
-    <p:sldId id="263" r:id="rId8"/>
-    <p:sldId id="266" r:id="rId9"/>
-    <p:sldId id="262" r:id="rId10"/>
-    <p:sldId id="264" r:id="rId11"/>
-    <p:sldId id="265" r:id="rId12"/>
-    <p:sldId id="283" r:id="rId13"/>
-    <p:sldId id="287" r:id="rId14"/>
-    <p:sldId id="285" r:id="rId15"/>
-    <p:sldId id="284" r:id="rId16"/>
-    <p:sldId id="280" r:id="rId17"/>
-    <p:sldId id="279" r:id="rId18"/>
-    <p:sldId id="282" r:id="rId19"/>
-    <p:sldId id="273" r:id="rId20"/>
-    <p:sldId id="270" r:id="rId21"/>
-    <p:sldId id="269" r:id="rId22"/>
-    <p:sldId id="281" r:id="rId23"/>
-    <p:sldId id="271" r:id="rId24"/>
-    <p:sldId id="274" r:id="rId25"/>
-    <p:sldId id="267" r:id="rId26"/>
-    <p:sldId id="275" r:id="rId27"/>
-    <p:sldId id="276" r:id="rId28"/>
-    <p:sldId id="277" r:id="rId29"/>
-    <p:sldId id="278" r:id="rId30"/>
+    <p:sldId id="256" r:id="rId3"/>
+    <p:sldId id="272" r:id="rId4"/>
+    <p:sldId id="257" r:id="rId5"/>
+    <p:sldId id="260" r:id="rId6"/>
+    <p:sldId id="259" r:id="rId7"/>
+    <p:sldId id="261" r:id="rId8"/>
+    <p:sldId id="263" r:id="rId9"/>
+    <p:sldId id="266" r:id="rId10"/>
+    <p:sldId id="262" r:id="rId11"/>
+    <p:sldId id="264" r:id="rId12"/>
+    <p:sldId id="265" r:id="rId13"/>
+    <p:sldId id="283" r:id="rId14"/>
+    <p:sldId id="287" r:id="rId15"/>
+    <p:sldId id="285" r:id="rId16"/>
+    <p:sldId id="284" r:id="rId17"/>
+    <p:sldId id="280" r:id="rId18"/>
+    <p:sldId id="279" r:id="rId19"/>
+    <p:sldId id="282" r:id="rId20"/>
+    <p:sldId id="273" r:id="rId21"/>
+    <p:sldId id="288" r:id="rId22"/>
+    <p:sldId id="270" r:id="rId23"/>
+    <p:sldId id="269" r:id="rId24"/>
+    <p:sldId id="281" r:id="rId25"/>
+    <p:sldId id="271" r:id="rId26"/>
+    <p:sldId id="267" r:id="rId27"/>
+    <p:sldId id="275" r:id="rId28"/>
+    <p:sldId id="276" r:id="rId29"/>
+    <p:sldId id="277" r:id="rId30"/>
+    <p:sldId id="278" r:id="rId31"/>
+    <p:sldId id="274" r:id="rId32"/>
   </p:sldIdLst>
   <p:sldSz cx="12192000" cy="6858000"/>
   <p:notesSz cx="6858000" cy="9144000"/>
@@ -225,7 +227,7 @@
           <a:p>
             <a:fld id="{347C6FE8-316F-2447-A5BF-1D76745FC404}" type="datetimeFigureOut">
               <a:rPr lang="en-US" smtClean="0"/>
-              <a:t>8/24/18</a:t>
+              <a:t>8/30/18</a:t>
             </a:fld>
             <a:endParaRPr lang="en-US"/>
           </a:p>
@@ -493,6 +495,258 @@
 </p:notesMaster>
 </file>
 
+<file path=ppt/notesSlides/notesSlide1.xml><?xml version="1.0" encoding="utf-8"?>
+<p:notes xmlns:a="http://schemas.openxmlformats.org/drawingml/2006/main" xmlns:r="http://schemas.openxmlformats.org/officeDocument/2006/relationships" xmlns:p="http://schemas.openxmlformats.org/presentationml/2006/main">
+  <p:cSld>
+    <p:spTree>
+      <p:nvGrpSpPr>
+        <p:cNvPr id="1" name=""/>
+        <p:cNvGrpSpPr/>
+        <p:nvPr/>
+      </p:nvGrpSpPr>
+      <p:grpSpPr>
+        <a:xfrm>
+          <a:off x="0" y="0"/>
+          <a:ext cx="0" cy="0"/>
+          <a:chOff x="0" y="0"/>
+          <a:chExt cx="0" cy="0"/>
+        </a:xfrm>
+      </p:grpSpPr>
+      <p:sp>
+        <p:nvSpPr>
+          <p:cNvPr id="2" name="Slide Image Placeholder 1"/>
+          <p:cNvSpPr>
+            <a:spLocks noGrp="1" noRot="1" noChangeAspect="1"/>
+          </p:cNvSpPr>
+          <p:nvPr>
+            <p:ph type="sldImg"/>
+          </p:nvPr>
+        </p:nvSpPr>
+        <p:spPr/>
+      </p:sp>
+      <p:sp>
+        <p:nvSpPr>
+          <p:cNvPr id="3" name="Notes Placeholder 2"/>
+          <p:cNvSpPr>
+            <a:spLocks noGrp="1"/>
+          </p:cNvSpPr>
+          <p:nvPr>
+            <p:ph type="body" idx="1"/>
+          </p:nvPr>
+        </p:nvSpPr>
+        <p:spPr/>
+        <p:txBody>
+          <a:bodyPr/>
+          <a:lstStyle/>
+          <a:p>
+            <a:endParaRPr lang="en-US"/>
+          </a:p>
+        </p:txBody>
+      </p:sp>
+      <p:sp>
+        <p:nvSpPr>
+          <p:cNvPr id="4" name="Slide Number Placeholder 3"/>
+          <p:cNvSpPr>
+            <a:spLocks noGrp="1"/>
+          </p:cNvSpPr>
+          <p:nvPr>
+            <p:ph type="sldNum" sz="quarter" idx="10"/>
+          </p:nvPr>
+        </p:nvSpPr>
+        <p:spPr/>
+        <p:txBody>
+          <a:bodyPr/>
+          <a:lstStyle/>
+          <a:p>
+            <a:fld id="{145DE7F1-5E70-084B-A9F5-837825CAFDAB}" type="slidenum">
+              <a:rPr lang="en-US" smtClean="0"/>
+              <a:t>1</a:t>
+            </a:fld>
+            <a:endParaRPr lang="en-US"/>
+          </a:p>
+        </p:txBody>
+      </p:sp>
+    </p:spTree>
+    <p:extLst>
+      <p:ext uri="{BB962C8B-B14F-4D97-AF65-F5344CB8AC3E}">
+        <p14:creationId xmlns:p14="http://schemas.microsoft.com/office/powerpoint/2010/main" val="799386005"/>
+      </p:ext>
+    </p:extLst>
+  </p:cSld>
+  <p:clrMapOvr>
+    <a:masterClrMapping/>
+  </p:clrMapOvr>
+</p:notes>
+</file>
+
+<file path=ppt/notesSlides/notesSlide2.xml><?xml version="1.0" encoding="utf-8"?>
+<p:notes xmlns:a="http://schemas.openxmlformats.org/drawingml/2006/main" xmlns:r="http://schemas.openxmlformats.org/officeDocument/2006/relationships" xmlns:p="http://schemas.openxmlformats.org/presentationml/2006/main">
+  <p:cSld>
+    <p:spTree>
+      <p:nvGrpSpPr>
+        <p:cNvPr id="1" name=""/>
+        <p:cNvGrpSpPr/>
+        <p:nvPr/>
+      </p:nvGrpSpPr>
+      <p:grpSpPr>
+        <a:xfrm>
+          <a:off x="0" y="0"/>
+          <a:ext cx="0" cy="0"/>
+          <a:chOff x="0" y="0"/>
+          <a:chExt cx="0" cy="0"/>
+        </a:xfrm>
+      </p:grpSpPr>
+      <p:sp>
+        <p:nvSpPr>
+          <p:cNvPr id="2" name="Slide Image Placeholder 1"/>
+          <p:cNvSpPr>
+            <a:spLocks noGrp="1" noRot="1" noChangeAspect="1"/>
+          </p:cNvSpPr>
+          <p:nvPr>
+            <p:ph type="sldImg"/>
+          </p:nvPr>
+        </p:nvSpPr>
+        <p:spPr/>
+      </p:sp>
+      <p:sp>
+        <p:nvSpPr>
+          <p:cNvPr id="3" name="Notes Placeholder 2"/>
+          <p:cNvSpPr>
+            <a:spLocks noGrp="1"/>
+          </p:cNvSpPr>
+          <p:nvPr>
+            <p:ph type="body" idx="1"/>
+          </p:nvPr>
+        </p:nvSpPr>
+        <p:spPr/>
+        <p:txBody>
+          <a:bodyPr/>
+          <a:lstStyle/>
+          <a:p>
+            <a:endParaRPr lang="en-US"/>
+          </a:p>
+        </p:txBody>
+      </p:sp>
+      <p:sp>
+        <p:nvSpPr>
+          <p:cNvPr id="4" name="Slide Number Placeholder 3"/>
+          <p:cNvSpPr>
+            <a:spLocks noGrp="1"/>
+          </p:cNvSpPr>
+          <p:nvPr>
+            <p:ph type="sldNum" sz="quarter" idx="10"/>
+          </p:nvPr>
+        </p:nvSpPr>
+        <p:spPr/>
+        <p:txBody>
+          <a:bodyPr/>
+          <a:lstStyle/>
+          <a:p>
+            <a:fld id="{145DE7F1-5E70-084B-A9F5-837825CAFDAB}" type="slidenum">
+              <a:rPr lang="en-US" smtClean="0"/>
+              <a:t>2</a:t>
+            </a:fld>
+            <a:endParaRPr lang="en-US"/>
+          </a:p>
+        </p:txBody>
+      </p:sp>
+    </p:spTree>
+    <p:extLst>
+      <p:ext uri="{BB962C8B-B14F-4D97-AF65-F5344CB8AC3E}">
+        <p14:creationId xmlns:p14="http://schemas.microsoft.com/office/powerpoint/2010/main" val="2130371186"/>
+      </p:ext>
+    </p:extLst>
+  </p:cSld>
+  <p:clrMapOvr>
+    <a:masterClrMapping/>
+  </p:clrMapOvr>
+</p:notes>
+</file>
+
+<file path=ppt/notesSlides/notesSlide3.xml><?xml version="1.0" encoding="utf-8"?>
+<p:notes xmlns:a="http://schemas.openxmlformats.org/drawingml/2006/main" xmlns:r="http://schemas.openxmlformats.org/officeDocument/2006/relationships" xmlns:p="http://schemas.openxmlformats.org/presentationml/2006/main">
+  <p:cSld>
+    <p:spTree>
+      <p:nvGrpSpPr>
+        <p:cNvPr id="1" name=""/>
+        <p:cNvGrpSpPr/>
+        <p:nvPr/>
+      </p:nvGrpSpPr>
+      <p:grpSpPr>
+        <a:xfrm>
+          <a:off x="0" y="0"/>
+          <a:ext cx="0" cy="0"/>
+          <a:chOff x="0" y="0"/>
+          <a:chExt cx="0" cy="0"/>
+        </a:xfrm>
+      </p:grpSpPr>
+      <p:sp>
+        <p:nvSpPr>
+          <p:cNvPr id="2" name="Slide Image Placeholder 1"/>
+          <p:cNvSpPr>
+            <a:spLocks noGrp="1" noRot="1" noChangeAspect="1"/>
+          </p:cNvSpPr>
+          <p:nvPr>
+            <p:ph type="sldImg"/>
+          </p:nvPr>
+        </p:nvSpPr>
+        <p:spPr/>
+      </p:sp>
+      <p:sp>
+        <p:nvSpPr>
+          <p:cNvPr id="3" name="Notes Placeholder 2"/>
+          <p:cNvSpPr>
+            <a:spLocks noGrp="1"/>
+          </p:cNvSpPr>
+          <p:nvPr>
+            <p:ph type="body" idx="1"/>
+          </p:nvPr>
+        </p:nvSpPr>
+        <p:spPr/>
+        <p:txBody>
+          <a:bodyPr/>
+          <a:lstStyle/>
+          <a:p>
+            <a:endParaRPr lang="en-US"/>
+          </a:p>
+        </p:txBody>
+      </p:sp>
+      <p:sp>
+        <p:nvSpPr>
+          <p:cNvPr id="4" name="Slide Number Placeholder 3"/>
+          <p:cNvSpPr>
+            <a:spLocks noGrp="1"/>
+          </p:cNvSpPr>
+          <p:nvPr>
+            <p:ph type="sldNum" sz="quarter" idx="10"/>
+          </p:nvPr>
+        </p:nvSpPr>
+        <p:spPr/>
+        <p:txBody>
+          <a:bodyPr/>
+          <a:lstStyle/>
+          <a:p>
+            <a:fld id="{145DE7F1-5E70-084B-A9F5-837825CAFDAB}" type="slidenum">
+              <a:rPr lang="en-US" smtClean="0"/>
+              <a:t>3</a:t>
+            </a:fld>
+            <a:endParaRPr lang="en-US"/>
+          </a:p>
+        </p:txBody>
+      </p:sp>
+    </p:spTree>
+    <p:extLst>
+      <p:ext uri="{BB962C8B-B14F-4D97-AF65-F5344CB8AC3E}">
+        <p14:creationId xmlns:p14="http://schemas.microsoft.com/office/powerpoint/2010/main" val="1073278639"/>
+      </p:ext>
+    </p:extLst>
+  </p:cSld>
+  <p:clrMapOvr>
+    <a:masterClrMapping/>
+  </p:clrMapOvr>
+</p:notes>
+</file>
+
 <file path=ppt/slideLayouts/slideLayout1.xml><?xml version="1.0" encoding="utf-8"?>
 <p:sldLayout xmlns:a="http://schemas.openxmlformats.org/drawingml/2006/main" xmlns:r="http://schemas.openxmlformats.org/officeDocument/2006/relationships" xmlns:p="http://schemas.openxmlformats.org/presentationml/2006/main" type="title" preserve="1">
   <p:cSld name="Title Slide">
@@ -702,35 +956,6 @@
       </p:sp>
       <p:sp>
         <p:nvSpPr>
-          <p:cNvPr id="4" name="Date Placeholder 3"/>
-          <p:cNvSpPr>
-            <a:spLocks noGrp="1"/>
-          </p:cNvSpPr>
-          <p:nvPr>
-            <p:ph type="dt" sz="half" idx="10"/>
-          </p:nvPr>
-        </p:nvSpPr>
-        <p:spPr>
-          <a:xfrm>
-            <a:off x="8932558" y="5870575"/>
-            <a:ext cx="1600200" cy="377825"/>
-          </a:xfrm>
-        </p:spPr>
-        <p:txBody>
-          <a:bodyPr/>
-          <a:lstStyle/>
-          <a:p>
-            <a:fld id="{B61BEF0D-F0BB-DE4B-95CE-6DB70DBA9567}" type="datetimeFigureOut">
-              <a:rPr lang="en-US" dirty="0"/>
-              <a:pPr/>
-              <a:t>8/24/18</a:t>
-            </a:fld>
-            <a:endParaRPr lang="en-US" dirty="0"/>
-          </a:p>
-        </p:txBody>
-      </p:sp>
-      <p:sp>
-        <p:nvSpPr>
           <p:cNvPr id="5" name="Footer Placeholder 4"/>
           <p:cNvSpPr>
             <a:spLocks noGrp="1"/>
@@ -742,12 +967,19 @@
         <p:spPr>
           <a:xfrm>
             <a:off x="3962399" y="5870575"/>
-            <a:ext cx="4893958" cy="377825"/>
-          </a:xfrm>
+            <a:ext cx="7197726" cy="377825"/>
+          </a:xfrm>
+          <a:prstGeom prst="rect">
+            <a:avLst/>
+          </a:prstGeom>
         </p:spPr>
         <p:txBody>
           <a:bodyPr/>
-          <a:lstStyle/>
+          <a:lstStyle>
+            <a:lvl1pPr>
+              <a:defRPr sz="1400"/>
+            </a:lvl1pPr>
+          </a:lstStyle>
           <a:p>
             <a:endParaRPr lang="en-US" dirty="0"/>
           </a:p>
@@ -765,7 +997,7 @@
         </p:nvSpPr>
         <p:spPr>
           <a:xfrm>
-            <a:off x="10608958" y="5870575"/>
+            <a:off x="227829" y="6243918"/>
             <a:ext cx="551167" cy="377825"/>
           </a:xfrm>
         </p:spPr>
@@ -787,6 +1019,13 @@
   <p:clrMapOvr>
     <a:overrideClrMapping bg1="dk1" tx1="lt1" bg2="dk2" tx2="lt2" accent1="accent1" accent2="accent2" accent3="accent3" accent4="accent4" accent5="accent5" accent6="accent6" hlink="hlink" folHlink="folHlink"/>
   </p:clrMapOvr>
+  <p:timing>
+    <p:tnLst>
+      <p:par>
+        <p:cTn id="1" dur="indefinite" restart="never" nodeType="tmRoot"/>
+      </p:par>
+    </p:tnLst>
+  </p:timing>
 </p:sldLayout>
 </file>
 
@@ -1038,44 +1277,28 @@
       </p:sp>
       <p:sp>
         <p:nvSpPr>
-          <p:cNvPr id="5" name="Date Placeholder 4"/>
-          <p:cNvSpPr>
-            <a:spLocks noGrp="1"/>
-          </p:cNvSpPr>
-          <p:nvPr>
-            <p:ph type="dt" sz="half" idx="10"/>
-          </p:nvPr>
-        </p:nvSpPr>
-        <p:spPr/>
+          <p:cNvPr id="6" name="Footer Placeholder 5"/>
+          <p:cNvSpPr>
+            <a:spLocks noGrp="1"/>
+          </p:cNvSpPr>
+          <p:nvPr>
+            <p:ph type="ftr" sz="quarter" idx="11"/>
+          </p:nvPr>
+        </p:nvSpPr>
+        <p:spPr>
+          <a:xfrm>
+            <a:off x="1344706" y="5868707"/>
+            <a:ext cx="9472520" cy="377825"/>
+          </a:xfrm>
+          <a:prstGeom prst="rect">
+            <a:avLst/>
+          </a:prstGeom>
+        </p:spPr>
         <p:txBody>
           <a:bodyPr/>
           <a:lstStyle/>
           <a:p>
-            <a:fld id="{B61BEF0D-F0BB-DE4B-95CE-6DB70DBA9567}" type="datetimeFigureOut">
-              <a:rPr lang="en-US" dirty="0"/>
-              <a:pPr/>
-              <a:t>8/24/18</a:t>
-            </a:fld>
-            <a:endParaRPr lang="en-US" dirty="0"/>
-          </a:p>
-        </p:txBody>
-      </p:sp>
-      <p:sp>
-        <p:nvSpPr>
-          <p:cNvPr id="6" name="Footer Placeholder 5"/>
-          <p:cNvSpPr>
-            <a:spLocks noGrp="1"/>
-          </p:cNvSpPr>
-          <p:nvPr>
-            <p:ph type="ftr" sz="quarter" idx="11"/>
-          </p:nvPr>
-        </p:nvSpPr>
-        <p:spPr/>
-        <p:txBody>
-          <a:bodyPr/>
-          <a:lstStyle/>
-          <a:p>
-            <a:endParaRPr lang="en-US" dirty="0"/>
+            <a:endParaRPr lang="en-US" dirty="0" smtClean="0"/>
           </a:p>
         </p:txBody>
       </p:sp>
@@ -1108,6 +1331,13 @@
   <p:clrMapOvr>
     <a:masterClrMapping/>
   </p:clrMapOvr>
+  <p:timing>
+    <p:tnLst>
+      <p:par>
+        <p:cTn id="1" dur="indefinite" restart="never" nodeType="tmRoot"/>
+      </p:par>
+    </p:tnLst>
+  </p:timing>
 </p:sldLayout>
 </file>
 
@@ -1313,44 +1543,28 @@
       </p:sp>
       <p:sp>
         <p:nvSpPr>
-          <p:cNvPr id="4" name="Date Placeholder 3"/>
-          <p:cNvSpPr>
-            <a:spLocks noGrp="1"/>
-          </p:cNvSpPr>
-          <p:nvPr>
-            <p:ph type="dt" sz="half" idx="10"/>
-          </p:nvPr>
-        </p:nvSpPr>
-        <p:spPr/>
+          <p:cNvPr id="5" name="Footer Placeholder 4"/>
+          <p:cNvSpPr>
+            <a:spLocks noGrp="1"/>
+          </p:cNvSpPr>
+          <p:nvPr>
+            <p:ph type="ftr" sz="quarter" idx="11"/>
+          </p:nvPr>
+        </p:nvSpPr>
+        <p:spPr>
+          <a:xfrm>
+            <a:off x="1344706" y="5868707"/>
+            <a:ext cx="9472520" cy="377825"/>
+          </a:xfrm>
+          <a:prstGeom prst="rect">
+            <a:avLst/>
+          </a:prstGeom>
+        </p:spPr>
         <p:txBody>
           <a:bodyPr/>
           <a:lstStyle/>
           <a:p>
-            <a:fld id="{B61BEF0D-F0BB-DE4B-95CE-6DB70DBA9567}" type="datetimeFigureOut">
-              <a:rPr lang="en-US" dirty="0"/>
-              <a:pPr/>
-              <a:t>8/24/18</a:t>
-            </a:fld>
-            <a:endParaRPr lang="en-US" dirty="0"/>
-          </a:p>
-        </p:txBody>
-      </p:sp>
-      <p:sp>
-        <p:nvSpPr>
-          <p:cNvPr id="5" name="Footer Placeholder 4"/>
-          <p:cNvSpPr>
-            <a:spLocks noGrp="1"/>
-          </p:cNvSpPr>
-          <p:nvPr>
-            <p:ph type="ftr" sz="quarter" idx="11"/>
-          </p:nvPr>
-        </p:nvSpPr>
-        <p:spPr/>
-        <p:txBody>
-          <a:bodyPr/>
-          <a:lstStyle/>
-          <a:p>
-            <a:endParaRPr lang="en-US" dirty="0"/>
+            <a:endParaRPr lang="en-US" dirty="0" smtClean="0"/>
           </a:p>
         </p:txBody>
       </p:sp>
@@ -1383,6 +1597,13 @@
   <p:clrMapOvr>
     <a:masterClrMapping/>
   </p:clrMapOvr>
+  <p:timing>
+    <p:tnLst>
+      <p:par>
+        <p:cTn id="1" dur="indefinite" restart="never" nodeType="tmRoot"/>
+      </p:par>
+    </p:tnLst>
+  </p:timing>
 </p:sldLayout>
 </file>
 
@@ -1878,44 +2099,28 @@
       </p:sp>
       <p:sp>
         <p:nvSpPr>
-          <p:cNvPr id="4" name="Date Placeholder 3"/>
-          <p:cNvSpPr>
-            <a:spLocks noGrp="1"/>
-          </p:cNvSpPr>
-          <p:nvPr>
-            <p:ph type="dt" sz="half" idx="10"/>
-          </p:nvPr>
-        </p:nvSpPr>
-        <p:spPr/>
+          <p:cNvPr id="5" name="Footer Placeholder 4"/>
+          <p:cNvSpPr>
+            <a:spLocks noGrp="1"/>
+          </p:cNvSpPr>
+          <p:nvPr>
+            <p:ph type="ftr" sz="quarter" idx="11"/>
+          </p:nvPr>
+        </p:nvSpPr>
+        <p:spPr>
+          <a:xfrm>
+            <a:off x="1344706" y="5868707"/>
+            <a:ext cx="9472520" cy="377825"/>
+          </a:xfrm>
+          <a:prstGeom prst="rect">
+            <a:avLst/>
+          </a:prstGeom>
+        </p:spPr>
         <p:txBody>
           <a:bodyPr/>
           <a:lstStyle/>
           <a:p>
-            <a:fld id="{B61BEF0D-F0BB-DE4B-95CE-6DB70DBA9567}" type="datetimeFigureOut">
-              <a:rPr lang="en-US" dirty="0"/>
-              <a:pPr/>
-              <a:t>8/24/18</a:t>
-            </a:fld>
-            <a:endParaRPr lang="en-US" dirty="0"/>
-          </a:p>
-        </p:txBody>
-      </p:sp>
-      <p:sp>
-        <p:nvSpPr>
-          <p:cNvPr id="5" name="Footer Placeholder 4"/>
-          <p:cNvSpPr>
-            <a:spLocks noGrp="1"/>
-          </p:cNvSpPr>
-          <p:nvPr>
-            <p:ph type="ftr" sz="quarter" idx="11"/>
-          </p:nvPr>
-        </p:nvSpPr>
-        <p:spPr/>
-        <p:txBody>
-          <a:bodyPr/>
-          <a:lstStyle/>
-          <a:p>
-            <a:endParaRPr lang="en-US" dirty="0"/>
+            <a:endParaRPr lang="en-US" dirty="0" smtClean="0"/>
           </a:p>
         </p:txBody>
       </p:sp>
@@ -1948,6 +2153,13 @@
   <p:clrMapOvr>
     <a:masterClrMapping/>
   </p:clrMapOvr>
+  <p:timing>
+    <p:tnLst>
+      <p:par>
+        <p:cTn id="1" dur="indefinite" restart="never" nodeType="tmRoot"/>
+      </p:par>
+    </p:tnLst>
+  </p:timing>
 </p:sldLayout>
 </file>
 
@@ -2153,44 +2365,28 @@
       </p:sp>
       <p:sp>
         <p:nvSpPr>
-          <p:cNvPr id="4" name="Date Placeholder 3"/>
-          <p:cNvSpPr>
-            <a:spLocks noGrp="1"/>
-          </p:cNvSpPr>
-          <p:nvPr>
-            <p:ph type="dt" sz="half" idx="10"/>
-          </p:nvPr>
-        </p:nvSpPr>
-        <p:spPr/>
+          <p:cNvPr id="5" name="Footer Placeholder 4"/>
+          <p:cNvSpPr>
+            <a:spLocks noGrp="1"/>
+          </p:cNvSpPr>
+          <p:nvPr>
+            <p:ph type="ftr" sz="quarter" idx="11"/>
+          </p:nvPr>
+        </p:nvSpPr>
+        <p:spPr>
+          <a:xfrm>
+            <a:off x="1344706" y="5868707"/>
+            <a:ext cx="9472520" cy="377825"/>
+          </a:xfrm>
+          <a:prstGeom prst="rect">
+            <a:avLst/>
+          </a:prstGeom>
+        </p:spPr>
         <p:txBody>
           <a:bodyPr/>
           <a:lstStyle/>
           <a:p>
-            <a:fld id="{B61BEF0D-F0BB-DE4B-95CE-6DB70DBA9567}" type="datetimeFigureOut">
-              <a:rPr lang="en-US" dirty="0"/>
-              <a:pPr/>
-              <a:t>8/24/18</a:t>
-            </a:fld>
-            <a:endParaRPr lang="en-US" dirty="0"/>
-          </a:p>
-        </p:txBody>
-      </p:sp>
-      <p:sp>
-        <p:nvSpPr>
-          <p:cNvPr id="5" name="Footer Placeholder 4"/>
-          <p:cNvSpPr>
-            <a:spLocks noGrp="1"/>
-          </p:cNvSpPr>
-          <p:nvPr>
-            <p:ph type="ftr" sz="quarter" idx="11"/>
-          </p:nvPr>
-        </p:nvSpPr>
-        <p:spPr/>
-        <p:txBody>
-          <a:bodyPr/>
-          <a:lstStyle/>
-          <a:p>
-            <a:endParaRPr lang="en-US" dirty="0"/>
+            <a:endParaRPr lang="en-US" dirty="0" smtClean="0"/>
           </a:p>
         </p:txBody>
       </p:sp>
@@ -2223,6 +2419,13 @@
   <p:clrMapOvr>
     <a:masterClrMapping/>
   </p:clrMapOvr>
+  <p:timing>
+    <p:tnLst>
+      <p:par>
+        <p:cTn id="1" dur="indefinite" restart="never" nodeType="tmRoot"/>
+      </p:par>
+    </p:tnLst>
+  </p:timing>
 </p:sldLayout>
 </file>
 
@@ -2712,44 +2915,28 @@
       </p:sp>
       <p:sp>
         <p:nvSpPr>
-          <p:cNvPr id="4" name="Date Placeholder 3"/>
-          <p:cNvSpPr>
-            <a:spLocks noGrp="1"/>
-          </p:cNvSpPr>
-          <p:nvPr>
-            <p:ph type="dt" sz="half" idx="10"/>
-          </p:nvPr>
-        </p:nvSpPr>
-        <p:spPr/>
+          <p:cNvPr id="5" name="Footer Placeholder 4"/>
+          <p:cNvSpPr>
+            <a:spLocks noGrp="1"/>
+          </p:cNvSpPr>
+          <p:nvPr>
+            <p:ph type="ftr" sz="quarter" idx="11"/>
+          </p:nvPr>
+        </p:nvSpPr>
+        <p:spPr>
+          <a:xfrm>
+            <a:off x="1344706" y="5868707"/>
+            <a:ext cx="9472520" cy="377825"/>
+          </a:xfrm>
+          <a:prstGeom prst="rect">
+            <a:avLst/>
+          </a:prstGeom>
+        </p:spPr>
         <p:txBody>
           <a:bodyPr/>
           <a:lstStyle/>
           <a:p>
-            <a:fld id="{B61BEF0D-F0BB-DE4B-95CE-6DB70DBA9567}" type="datetimeFigureOut">
-              <a:rPr lang="en-US" dirty="0"/>
-              <a:pPr/>
-              <a:t>8/24/18</a:t>
-            </a:fld>
-            <a:endParaRPr lang="en-US" dirty="0"/>
-          </a:p>
-        </p:txBody>
-      </p:sp>
-      <p:sp>
-        <p:nvSpPr>
-          <p:cNvPr id="5" name="Footer Placeholder 4"/>
-          <p:cNvSpPr>
-            <a:spLocks noGrp="1"/>
-          </p:cNvSpPr>
-          <p:nvPr>
-            <p:ph type="ftr" sz="quarter" idx="11"/>
-          </p:nvPr>
-        </p:nvSpPr>
-        <p:spPr/>
-        <p:txBody>
-          <a:bodyPr/>
-          <a:lstStyle/>
-          <a:p>
-            <a:endParaRPr lang="en-US" dirty="0"/>
+            <a:endParaRPr lang="en-US" dirty="0" smtClean="0"/>
           </a:p>
         </p:txBody>
       </p:sp>
@@ -2782,6 +2969,13 @@
   <p:clrMapOvr>
     <a:masterClrMapping/>
   </p:clrMapOvr>
+  <p:timing>
+    <p:tnLst>
+      <p:par>
+        <p:cTn id="1" dur="indefinite" restart="never" nodeType="tmRoot"/>
+      </p:par>
+    </p:tnLst>
+  </p:timing>
 </p:sldLayout>
 </file>
 
@@ -3036,44 +3230,28 @@
       </p:sp>
       <p:sp>
         <p:nvSpPr>
-          <p:cNvPr id="4" name="Date Placeholder 3"/>
-          <p:cNvSpPr>
-            <a:spLocks noGrp="1"/>
-          </p:cNvSpPr>
-          <p:nvPr>
-            <p:ph type="dt" sz="half" idx="10"/>
-          </p:nvPr>
-        </p:nvSpPr>
-        <p:spPr/>
+          <p:cNvPr id="5" name="Footer Placeholder 4"/>
+          <p:cNvSpPr>
+            <a:spLocks noGrp="1"/>
+          </p:cNvSpPr>
+          <p:nvPr>
+            <p:ph type="ftr" sz="quarter" idx="11"/>
+          </p:nvPr>
+        </p:nvSpPr>
+        <p:spPr>
+          <a:xfrm>
+            <a:off x="1344706" y="5868707"/>
+            <a:ext cx="9472520" cy="377825"/>
+          </a:xfrm>
+          <a:prstGeom prst="rect">
+            <a:avLst/>
+          </a:prstGeom>
+        </p:spPr>
         <p:txBody>
           <a:bodyPr/>
           <a:lstStyle/>
           <a:p>
-            <a:fld id="{B61BEF0D-F0BB-DE4B-95CE-6DB70DBA9567}" type="datetimeFigureOut">
-              <a:rPr lang="en-US" dirty="0"/>
-              <a:pPr/>
-              <a:t>8/24/18</a:t>
-            </a:fld>
-            <a:endParaRPr lang="en-US" dirty="0"/>
-          </a:p>
-        </p:txBody>
-      </p:sp>
-      <p:sp>
-        <p:nvSpPr>
-          <p:cNvPr id="5" name="Footer Placeholder 4"/>
-          <p:cNvSpPr>
-            <a:spLocks noGrp="1"/>
-          </p:cNvSpPr>
-          <p:nvPr>
-            <p:ph type="ftr" sz="quarter" idx="11"/>
-          </p:nvPr>
-        </p:nvSpPr>
-        <p:spPr/>
-        <p:txBody>
-          <a:bodyPr/>
-          <a:lstStyle/>
-          <a:p>
-            <a:endParaRPr lang="en-US" dirty="0"/>
+            <a:endParaRPr lang="en-US" dirty="0" smtClean="0"/>
           </a:p>
         </p:txBody>
       </p:sp>
@@ -3106,6 +3284,13 @@
   <p:clrMapOvr>
     <a:masterClrMapping/>
   </p:clrMapOvr>
+  <p:timing>
+    <p:tnLst>
+      <p:par>
+        <p:cTn id="1" dur="indefinite" restart="never" nodeType="tmRoot"/>
+      </p:par>
+    </p:tnLst>
+  </p:timing>
 </p:sldLayout>
 </file>
 
@@ -3210,44 +3395,28 @@
       </p:sp>
       <p:sp>
         <p:nvSpPr>
-          <p:cNvPr id="4" name="Date Placeholder 3"/>
-          <p:cNvSpPr>
-            <a:spLocks noGrp="1"/>
-          </p:cNvSpPr>
-          <p:nvPr>
-            <p:ph type="dt" sz="half" idx="10"/>
-          </p:nvPr>
-        </p:nvSpPr>
-        <p:spPr/>
+          <p:cNvPr id="5" name="Footer Placeholder 4"/>
+          <p:cNvSpPr>
+            <a:spLocks noGrp="1"/>
+          </p:cNvSpPr>
+          <p:nvPr>
+            <p:ph type="ftr" sz="quarter" idx="11"/>
+          </p:nvPr>
+        </p:nvSpPr>
+        <p:spPr>
+          <a:xfrm>
+            <a:off x="1344706" y="5868707"/>
+            <a:ext cx="9472520" cy="377825"/>
+          </a:xfrm>
+          <a:prstGeom prst="rect">
+            <a:avLst/>
+          </a:prstGeom>
+        </p:spPr>
         <p:txBody>
           <a:bodyPr/>
           <a:lstStyle/>
           <a:p>
-            <a:fld id="{B61BEF0D-F0BB-DE4B-95CE-6DB70DBA9567}" type="datetimeFigureOut">
-              <a:rPr lang="en-US" dirty="0"/>
-              <a:pPr/>
-              <a:t>8/24/18</a:t>
-            </a:fld>
-            <a:endParaRPr lang="en-US" dirty="0"/>
-          </a:p>
-        </p:txBody>
-      </p:sp>
-      <p:sp>
-        <p:nvSpPr>
-          <p:cNvPr id="5" name="Footer Placeholder 4"/>
-          <p:cNvSpPr>
-            <a:spLocks noGrp="1"/>
-          </p:cNvSpPr>
-          <p:nvPr>
-            <p:ph type="ftr" sz="quarter" idx="11"/>
-          </p:nvPr>
-        </p:nvSpPr>
-        <p:spPr/>
-        <p:txBody>
-          <a:bodyPr/>
-          <a:lstStyle/>
-          <a:p>
-            <a:endParaRPr lang="en-US" dirty="0"/>
+            <a:endParaRPr lang="en-US" dirty="0" smtClean="0"/>
           </a:p>
         </p:txBody>
       </p:sp>
@@ -3308,6 +3477,13 @@
   <p:clrMapOvr>
     <a:masterClrMapping/>
   </p:clrMapOvr>
+  <p:timing>
+    <p:tnLst>
+      <p:par>
+        <p:cTn id="1" dur="indefinite" restart="never" nodeType="tmRoot"/>
+      </p:par>
+    </p:tnLst>
+  </p:timing>
 </p:sldLayout>
 </file>
 
@@ -3445,44 +3621,28 @@
       </p:sp>
       <p:sp>
         <p:nvSpPr>
-          <p:cNvPr id="4" name="Date Placeholder 3"/>
-          <p:cNvSpPr>
-            <a:spLocks noGrp="1"/>
-          </p:cNvSpPr>
-          <p:nvPr>
-            <p:ph type="dt" sz="half" idx="10"/>
-          </p:nvPr>
-        </p:nvSpPr>
-        <p:spPr/>
+          <p:cNvPr id="5" name="Footer Placeholder 4"/>
+          <p:cNvSpPr>
+            <a:spLocks noGrp="1"/>
+          </p:cNvSpPr>
+          <p:nvPr>
+            <p:ph type="ftr" sz="quarter" idx="11"/>
+          </p:nvPr>
+        </p:nvSpPr>
+        <p:spPr>
+          <a:xfrm>
+            <a:off x="1344706" y="5868707"/>
+            <a:ext cx="9472520" cy="377825"/>
+          </a:xfrm>
+          <a:prstGeom prst="rect">
+            <a:avLst/>
+          </a:prstGeom>
+        </p:spPr>
         <p:txBody>
           <a:bodyPr/>
           <a:lstStyle/>
           <a:p>
-            <a:fld id="{B61BEF0D-F0BB-DE4B-95CE-6DB70DBA9567}" type="datetimeFigureOut">
-              <a:rPr lang="en-US" dirty="0"/>
-              <a:pPr/>
-              <a:t>8/24/18</a:t>
-            </a:fld>
-            <a:endParaRPr lang="en-US" dirty="0"/>
-          </a:p>
-        </p:txBody>
-      </p:sp>
-      <p:sp>
-        <p:nvSpPr>
-          <p:cNvPr id="5" name="Footer Placeholder 4"/>
-          <p:cNvSpPr>
-            <a:spLocks noGrp="1"/>
-          </p:cNvSpPr>
-          <p:nvPr>
-            <p:ph type="ftr" sz="quarter" idx="11"/>
-          </p:nvPr>
-        </p:nvSpPr>
-        <p:spPr/>
-        <p:txBody>
-          <a:bodyPr/>
-          <a:lstStyle/>
-          <a:p>
-            <a:endParaRPr lang="en-US" dirty="0"/>
+            <a:endParaRPr lang="en-US" dirty="0" smtClean="0"/>
           </a:p>
         </p:txBody>
       </p:sp>
@@ -3511,6 +3671,312 @@
         </p:txBody>
       </p:sp>
     </p:spTree>
+  </p:cSld>
+  <p:clrMapOvr>
+    <a:masterClrMapping/>
+  </p:clrMapOvr>
+  <p:timing>
+    <p:tnLst>
+      <p:par>
+        <p:cTn id="1" dur="indefinite" restart="never" nodeType="tmRoot"/>
+      </p:par>
+    </p:tnLst>
+  </p:timing>
+</p:sldLayout>
+</file>
+
+<file path=ppt/slideLayouts/slideLayout18.xml><?xml version="1.0" encoding="utf-8"?>
+<p:sldLayout xmlns:a="http://schemas.openxmlformats.org/drawingml/2006/main" xmlns:r="http://schemas.openxmlformats.org/officeDocument/2006/relationships" xmlns:p="http://schemas.openxmlformats.org/presentationml/2006/main" preserve="1" userDrawn="1">
+  <p:cSld name="Custom Layout">
+    <p:spTree>
+      <p:nvGrpSpPr>
+        <p:cNvPr id="1" name=""/>
+        <p:cNvGrpSpPr/>
+        <p:nvPr/>
+      </p:nvGrpSpPr>
+      <p:grpSpPr>
+        <a:xfrm>
+          <a:off x="0" y="0"/>
+          <a:ext cx="0" cy="0"/>
+          <a:chOff x="0" y="0"/>
+          <a:chExt cx="0" cy="0"/>
+        </a:xfrm>
+      </p:grpSpPr>
+      <p:sp>
+        <p:nvSpPr>
+          <p:cNvPr id="2" name="Title 1"/>
+          <p:cNvSpPr>
+            <a:spLocks noGrp="1"/>
+          </p:cNvSpPr>
+          <p:nvPr>
+            <p:ph type="title"/>
+          </p:nvPr>
+        </p:nvSpPr>
+        <p:spPr/>
+        <p:txBody>
+          <a:bodyPr/>
+          <a:lstStyle/>
+          <a:p>
+            <a:r>
+              <a:rPr lang="en-US" smtClean="0"/>
+              <a:t>Click to edit Master title style</a:t>
+            </a:r>
+            <a:endParaRPr lang="en-US"/>
+          </a:p>
+        </p:txBody>
+      </p:sp>
+      <p:sp>
+        <p:nvSpPr>
+          <p:cNvPr id="4" name="Footer Placeholder 3"/>
+          <p:cNvSpPr>
+            <a:spLocks noGrp="1"/>
+          </p:cNvSpPr>
+          <p:nvPr>
+            <p:ph type="ftr" sz="quarter" idx="11"/>
+          </p:nvPr>
+        </p:nvSpPr>
+        <p:spPr>
+          <a:xfrm>
+            <a:off x="1344706" y="5868707"/>
+            <a:ext cx="9472520" cy="377825"/>
+          </a:xfrm>
+          <a:prstGeom prst="rect">
+            <a:avLst/>
+          </a:prstGeom>
+        </p:spPr>
+        <p:txBody>
+          <a:bodyPr/>
+          <a:lstStyle/>
+          <a:p>
+            <a:endParaRPr lang="en-US" dirty="0" smtClean="0"/>
+          </a:p>
+        </p:txBody>
+      </p:sp>
+      <p:sp>
+        <p:nvSpPr>
+          <p:cNvPr id="5" name="Slide Number Placeholder 4"/>
+          <p:cNvSpPr>
+            <a:spLocks noGrp="1"/>
+          </p:cNvSpPr>
+          <p:nvPr>
+            <p:ph type="sldNum" sz="quarter" idx="12"/>
+          </p:nvPr>
+        </p:nvSpPr>
+        <p:spPr/>
+        <p:txBody>
+          <a:bodyPr/>
+          <a:lstStyle/>
+          <a:p>
+            <a:fld id="{D57F1E4F-1CFF-5643-939E-217C01CDF565}" type="slidenum">
+              <a:rPr lang="en-US" smtClean="0"/>
+              <a:pPr/>
+              <a:t>‹#›</a:t>
+            </a:fld>
+            <a:endParaRPr lang="en-US" dirty="0"/>
+          </a:p>
+        </p:txBody>
+      </p:sp>
+    </p:spTree>
+    <p:extLst>
+      <p:ext uri="{BB962C8B-B14F-4D97-AF65-F5344CB8AC3E}">
+        <p14:creationId xmlns:p14="http://schemas.microsoft.com/office/powerpoint/2010/main" val="1279532508"/>
+      </p:ext>
+    </p:extLst>
+  </p:cSld>
+  <p:clrMapOvr>
+    <a:masterClrMapping/>
+  </p:clrMapOvr>
+  <p:timing>
+    <p:tnLst>
+      <p:par>
+        <p:cTn id="1" dur="indefinite" restart="never" nodeType="tmRoot"/>
+      </p:par>
+    </p:tnLst>
+  </p:timing>
+</p:sldLayout>
+</file>
+
+<file path=ppt/slideLayouts/slideLayout19.xml><?xml version="1.0" encoding="utf-8"?>
+<p:sldLayout xmlns:a="http://schemas.openxmlformats.org/drawingml/2006/main" xmlns:r="http://schemas.openxmlformats.org/officeDocument/2006/relationships" xmlns:p="http://schemas.openxmlformats.org/presentationml/2006/main" type="title" preserve="1">
+  <p:cSld name="Title Slide">
+    <p:spTree>
+      <p:nvGrpSpPr>
+        <p:cNvPr id="1" name=""/>
+        <p:cNvGrpSpPr/>
+        <p:nvPr/>
+      </p:nvGrpSpPr>
+      <p:grpSpPr>
+        <a:xfrm>
+          <a:off x="0" y="0"/>
+          <a:ext cx="0" cy="0"/>
+          <a:chOff x="0" y="0"/>
+          <a:chExt cx="0" cy="0"/>
+        </a:xfrm>
+      </p:grpSpPr>
+      <p:sp>
+        <p:nvSpPr>
+          <p:cNvPr id="2" name="Title 1"/>
+          <p:cNvSpPr>
+            <a:spLocks noGrp="1"/>
+          </p:cNvSpPr>
+          <p:nvPr>
+            <p:ph type="ctrTitle"/>
+          </p:nvPr>
+        </p:nvSpPr>
+        <p:spPr>
+          <a:xfrm>
+            <a:off x="1524000" y="1122363"/>
+            <a:ext cx="9144000" cy="2387600"/>
+          </a:xfrm>
+        </p:spPr>
+        <p:txBody>
+          <a:bodyPr anchor="b"/>
+          <a:lstStyle>
+            <a:lvl1pPr algn="ctr">
+              <a:defRPr sz="6000"/>
+            </a:lvl1pPr>
+          </a:lstStyle>
+          <a:p>
+            <a:r>
+              <a:rPr lang="en-US" smtClean="0"/>
+              <a:t>Click to edit Master title style</a:t>
+            </a:r>
+            <a:endParaRPr lang="en-US"/>
+          </a:p>
+        </p:txBody>
+      </p:sp>
+      <p:sp>
+        <p:nvSpPr>
+          <p:cNvPr id="3" name="Subtitle 2"/>
+          <p:cNvSpPr>
+            <a:spLocks noGrp="1"/>
+          </p:cNvSpPr>
+          <p:nvPr>
+            <p:ph type="subTitle" idx="1"/>
+          </p:nvPr>
+        </p:nvSpPr>
+        <p:spPr>
+          <a:xfrm>
+            <a:off x="1524000" y="3602038"/>
+            <a:ext cx="9144000" cy="1655762"/>
+          </a:xfrm>
+        </p:spPr>
+        <p:txBody>
+          <a:bodyPr/>
+          <a:lstStyle>
+            <a:lvl1pPr marL="0" indent="0" algn="ctr">
+              <a:buNone/>
+              <a:defRPr sz="2400"/>
+            </a:lvl1pPr>
+            <a:lvl2pPr marL="457200" indent="0" algn="ctr">
+              <a:buNone/>
+              <a:defRPr sz="2000"/>
+            </a:lvl2pPr>
+            <a:lvl3pPr marL="914400" indent="0" algn="ctr">
+              <a:buNone/>
+              <a:defRPr sz="1800"/>
+            </a:lvl3pPr>
+            <a:lvl4pPr marL="1371600" indent="0" algn="ctr">
+              <a:buNone/>
+              <a:defRPr sz="1600"/>
+            </a:lvl4pPr>
+            <a:lvl5pPr marL="1828800" indent="0" algn="ctr">
+              <a:buNone/>
+              <a:defRPr sz="1600"/>
+            </a:lvl5pPr>
+            <a:lvl6pPr marL="2286000" indent="0" algn="ctr">
+              <a:buNone/>
+              <a:defRPr sz="1600"/>
+            </a:lvl6pPr>
+            <a:lvl7pPr marL="2743200" indent="0" algn="ctr">
+              <a:buNone/>
+              <a:defRPr sz="1600"/>
+            </a:lvl7pPr>
+            <a:lvl8pPr marL="3200400" indent="0" algn="ctr">
+              <a:buNone/>
+              <a:defRPr sz="1600"/>
+            </a:lvl8pPr>
+            <a:lvl9pPr marL="3657600" indent="0" algn="ctr">
+              <a:buNone/>
+              <a:defRPr sz="1600"/>
+            </a:lvl9pPr>
+          </a:lstStyle>
+          <a:p>
+            <a:r>
+              <a:rPr lang="en-US" smtClean="0"/>
+              <a:t>Click to edit Master subtitle style</a:t>
+            </a:r>
+            <a:endParaRPr lang="en-US"/>
+          </a:p>
+        </p:txBody>
+      </p:sp>
+      <p:sp>
+        <p:nvSpPr>
+          <p:cNvPr id="4" name="Date Placeholder 3"/>
+          <p:cNvSpPr>
+            <a:spLocks noGrp="1"/>
+          </p:cNvSpPr>
+          <p:nvPr>
+            <p:ph type="dt" sz="half" idx="10"/>
+          </p:nvPr>
+        </p:nvSpPr>
+        <p:spPr/>
+        <p:txBody>
+          <a:bodyPr/>
+          <a:lstStyle/>
+          <a:p>
+            <a:endParaRPr lang="en-US"/>
+          </a:p>
+        </p:txBody>
+      </p:sp>
+      <p:sp>
+        <p:nvSpPr>
+          <p:cNvPr id="5" name="Footer Placeholder 4"/>
+          <p:cNvSpPr>
+            <a:spLocks noGrp="1"/>
+          </p:cNvSpPr>
+          <p:nvPr>
+            <p:ph type="ftr" sz="quarter" idx="11"/>
+          </p:nvPr>
+        </p:nvSpPr>
+        <p:spPr/>
+        <p:txBody>
+          <a:bodyPr/>
+          <a:lstStyle/>
+          <a:p>
+            <a:endParaRPr lang="en-US"/>
+          </a:p>
+        </p:txBody>
+      </p:sp>
+      <p:sp>
+        <p:nvSpPr>
+          <p:cNvPr id="6" name="Slide Number Placeholder 5"/>
+          <p:cNvSpPr>
+            <a:spLocks noGrp="1"/>
+          </p:cNvSpPr>
+          <p:nvPr>
+            <p:ph type="sldNum" sz="quarter" idx="12"/>
+          </p:nvPr>
+        </p:nvSpPr>
+        <p:spPr/>
+        <p:txBody>
+          <a:bodyPr/>
+          <a:lstStyle/>
+          <a:p>
+            <a:fld id="{48889DE6-3F1A-0A41-B28F-22E9F29FB933}" type="slidenum">
+              <a:rPr lang="en-US" smtClean="0"/>
+              <a:t>‹#›</a:t>
+            </a:fld>
+            <a:endParaRPr lang="en-US"/>
+          </a:p>
+        </p:txBody>
+      </p:sp>
+    </p:spTree>
+    <p:extLst>
+      <p:ext uri="{BB962C8B-B14F-4D97-AF65-F5344CB8AC3E}">
+        <p14:creationId xmlns:p14="http://schemas.microsoft.com/office/powerpoint/2010/main" val="2060721367"/>
+      </p:ext>
+    </p:extLst>
   </p:cSld>
   <p:clrMapOvr>
     <a:masterClrMapping/>
@@ -3557,7 +4023,7 @@
         </p:blipFill>
         <p:spPr>
           <a:xfrm>
-            <a:off x="0" y="0"/>
+            <a:off x="0" y="1786"/>
             <a:ext cx="12188825" cy="6856214"/>
           </a:xfrm>
           <a:prstGeom prst="rect">
@@ -3642,49 +4108,6 @@
       </p:sp>
       <p:sp>
         <p:nvSpPr>
-          <p:cNvPr id="4" name="Date Placeholder 3"/>
-          <p:cNvSpPr>
-            <a:spLocks noGrp="1"/>
-          </p:cNvSpPr>
-          <p:nvPr>
-            <p:ph type="dt" sz="half" idx="10"/>
-          </p:nvPr>
-        </p:nvSpPr>
-        <p:spPr/>
-        <p:txBody>
-          <a:bodyPr/>
-          <a:lstStyle/>
-          <a:p>
-            <a:fld id="{B61BEF0D-F0BB-DE4B-95CE-6DB70DBA9567}" type="datetimeFigureOut">
-              <a:rPr lang="en-US" dirty="0"/>
-              <a:pPr/>
-              <a:t>8/24/18</a:t>
-            </a:fld>
-            <a:endParaRPr lang="en-US" dirty="0"/>
-          </a:p>
-        </p:txBody>
-      </p:sp>
-      <p:sp>
-        <p:nvSpPr>
-          <p:cNvPr id="5" name="Footer Placeholder 4"/>
-          <p:cNvSpPr>
-            <a:spLocks noGrp="1"/>
-          </p:cNvSpPr>
-          <p:nvPr>
-            <p:ph type="ftr" sz="quarter" idx="11"/>
-          </p:nvPr>
-        </p:nvSpPr>
-        <p:spPr/>
-        <p:txBody>
-          <a:bodyPr/>
-          <a:lstStyle/>
-          <a:p>
-            <a:endParaRPr lang="en-US" dirty="0"/>
-          </a:p>
-        </p:txBody>
-      </p:sp>
-      <p:sp>
-        <p:nvSpPr>
           <p:cNvPr id="6" name="Slide Number Placeholder 5"/>
           <p:cNvSpPr>
             <a:spLocks noGrp="1"/>
@@ -3693,7 +4116,12 @@
             <p:ph type="sldNum" sz="quarter" idx="12"/>
           </p:nvPr>
         </p:nvSpPr>
-        <p:spPr/>
+        <p:spPr>
+          <a:xfrm>
+            <a:off x="134634" y="6329363"/>
+            <a:ext cx="551167" cy="377825"/>
+          </a:xfrm>
+        </p:spPr>
         <p:txBody>
           <a:bodyPr/>
           <a:lstStyle/>
@@ -3708,6 +4136,2081 @@
         </p:txBody>
       </p:sp>
     </p:spTree>
+  </p:cSld>
+  <p:clrMapOvr>
+    <a:masterClrMapping/>
+  </p:clrMapOvr>
+  <p:timing>
+    <p:tnLst>
+      <p:par>
+        <p:cTn id="1" dur="indefinite" restart="never" nodeType="tmRoot"/>
+      </p:par>
+    </p:tnLst>
+  </p:timing>
+</p:sldLayout>
+</file>
+
+<file path=ppt/slideLayouts/slideLayout20.xml><?xml version="1.0" encoding="utf-8"?>
+<p:sldLayout xmlns:a="http://schemas.openxmlformats.org/drawingml/2006/main" xmlns:r="http://schemas.openxmlformats.org/officeDocument/2006/relationships" xmlns:p="http://schemas.openxmlformats.org/presentationml/2006/main" type="obj" preserve="1">
+  <p:cSld name="Title and Content">
+    <p:spTree>
+      <p:nvGrpSpPr>
+        <p:cNvPr id="1" name=""/>
+        <p:cNvGrpSpPr/>
+        <p:nvPr/>
+      </p:nvGrpSpPr>
+      <p:grpSpPr>
+        <a:xfrm>
+          <a:off x="0" y="0"/>
+          <a:ext cx="0" cy="0"/>
+          <a:chOff x="0" y="0"/>
+          <a:chExt cx="0" cy="0"/>
+        </a:xfrm>
+      </p:grpSpPr>
+      <p:sp>
+        <p:nvSpPr>
+          <p:cNvPr id="2" name="Title 1"/>
+          <p:cNvSpPr>
+            <a:spLocks noGrp="1"/>
+          </p:cNvSpPr>
+          <p:nvPr>
+            <p:ph type="title"/>
+          </p:nvPr>
+        </p:nvSpPr>
+        <p:spPr/>
+        <p:txBody>
+          <a:bodyPr/>
+          <a:lstStyle/>
+          <a:p>
+            <a:r>
+              <a:rPr lang="en-US" smtClean="0"/>
+              <a:t>Click to edit Master title style</a:t>
+            </a:r>
+            <a:endParaRPr lang="en-US"/>
+          </a:p>
+        </p:txBody>
+      </p:sp>
+      <p:sp>
+        <p:nvSpPr>
+          <p:cNvPr id="3" name="Content Placeholder 2"/>
+          <p:cNvSpPr>
+            <a:spLocks noGrp="1"/>
+          </p:cNvSpPr>
+          <p:nvPr>
+            <p:ph idx="1"/>
+          </p:nvPr>
+        </p:nvSpPr>
+        <p:spPr/>
+        <p:txBody>
+          <a:bodyPr/>
+          <a:lstStyle/>
+          <a:p>
+            <a:pPr lvl="0"/>
+            <a:r>
+              <a:rPr lang="en-US" smtClean="0"/>
+              <a:t>Click to edit Master text styles</a:t>
+            </a:r>
+          </a:p>
+          <a:p>
+            <a:pPr lvl="1"/>
+            <a:r>
+              <a:rPr lang="en-US" smtClean="0"/>
+              <a:t>Second level</a:t>
+            </a:r>
+          </a:p>
+          <a:p>
+            <a:pPr lvl="2"/>
+            <a:r>
+              <a:rPr lang="en-US" smtClean="0"/>
+              <a:t>Third level</a:t>
+            </a:r>
+          </a:p>
+          <a:p>
+            <a:pPr lvl="3"/>
+            <a:r>
+              <a:rPr lang="en-US" smtClean="0"/>
+              <a:t>Fourth level</a:t>
+            </a:r>
+          </a:p>
+          <a:p>
+            <a:pPr lvl="4"/>
+            <a:r>
+              <a:rPr lang="en-US" smtClean="0"/>
+              <a:t>Fifth level</a:t>
+            </a:r>
+            <a:endParaRPr lang="en-US"/>
+          </a:p>
+        </p:txBody>
+      </p:sp>
+      <p:sp>
+        <p:nvSpPr>
+          <p:cNvPr id="4" name="Date Placeholder 3"/>
+          <p:cNvSpPr>
+            <a:spLocks noGrp="1"/>
+          </p:cNvSpPr>
+          <p:nvPr>
+            <p:ph type="dt" sz="half" idx="10"/>
+          </p:nvPr>
+        </p:nvSpPr>
+        <p:spPr/>
+        <p:txBody>
+          <a:bodyPr/>
+          <a:lstStyle/>
+          <a:p>
+            <a:endParaRPr lang="en-US"/>
+          </a:p>
+        </p:txBody>
+      </p:sp>
+      <p:sp>
+        <p:nvSpPr>
+          <p:cNvPr id="5" name="Footer Placeholder 4"/>
+          <p:cNvSpPr>
+            <a:spLocks noGrp="1"/>
+          </p:cNvSpPr>
+          <p:nvPr>
+            <p:ph type="ftr" sz="quarter" idx="11"/>
+          </p:nvPr>
+        </p:nvSpPr>
+        <p:spPr/>
+        <p:txBody>
+          <a:bodyPr/>
+          <a:lstStyle/>
+          <a:p>
+            <a:endParaRPr lang="en-US"/>
+          </a:p>
+        </p:txBody>
+      </p:sp>
+      <p:sp>
+        <p:nvSpPr>
+          <p:cNvPr id="6" name="Slide Number Placeholder 5"/>
+          <p:cNvSpPr>
+            <a:spLocks noGrp="1"/>
+          </p:cNvSpPr>
+          <p:nvPr>
+            <p:ph type="sldNum" sz="quarter" idx="12"/>
+          </p:nvPr>
+        </p:nvSpPr>
+        <p:spPr/>
+        <p:txBody>
+          <a:bodyPr/>
+          <a:lstStyle/>
+          <a:p>
+            <a:fld id="{48889DE6-3F1A-0A41-B28F-22E9F29FB933}" type="slidenum">
+              <a:rPr lang="en-US" smtClean="0"/>
+              <a:t>‹#›</a:t>
+            </a:fld>
+            <a:endParaRPr lang="en-US"/>
+          </a:p>
+        </p:txBody>
+      </p:sp>
+    </p:spTree>
+    <p:extLst>
+      <p:ext uri="{BB962C8B-B14F-4D97-AF65-F5344CB8AC3E}">
+        <p14:creationId xmlns:p14="http://schemas.microsoft.com/office/powerpoint/2010/main" val="2075240000"/>
+      </p:ext>
+    </p:extLst>
+  </p:cSld>
+  <p:clrMapOvr>
+    <a:masterClrMapping/>
+  </p:clrMapOvr>
+</p:sldLayout>
+</file>
+
+<file path=ppt/slideLayouts/slideLayout21.xml><?xml version="1.0" encoding="utf-8"?>
+<p:sldLayout xmlns:a="http://schemas.openxmlformats.org/drawingml/2006/main" xmlns:r="http://schemas.openxmlformats.org/officeDocument/2006/relationships" xmlns:p="http://schemas.openxmlformats.org/presentationml/2006/main" type="secHead" preserve="1">
+  <p:cSld name="Section Header">
+    <p:spTree>
+      <p:nvGrpSpPr>
+        <p:cNvPr id="1" name=""/>
+        <p:cNvGrpSpPr/>
+        <p:nvPr/>
+      </p:nvGrpSpPr>
+      <p:grpSpPr>
+        <a:xfrm>
+          <a:off x="0" y="0"/>
+          <a:ext cx="0" cy="0"/>
+          <a:chOff x="0" y="0"/>
+          <a:chExt cx="0" cy="0"/>
+        </a:xfrm>
+      </p:grpSpPr>
+      <p:sp>
+        <p:nvSpPr>
+          <p:cNvPr id="2" name="Title 1"/>
+          <p:cNvSpPr>
+            <a:spLocks noGrp="1"/>
+          </p:cNvSpPr>
+          <p:nvPr>
+            <p:ph type="title"/>
+          </p:nvPr>
+        </p:nvSpPr>
+        <p:spPr>
+          <a:xfrm>
+            <a:off x="831850" y="1709738"/>
+            <a:ext cx="10515600" cy="2852737"/>
+          </a:xfrm>
+        </p:spPr>
+        <p:txBody>
+          <a:bodyPr anchor="b"/>
+          <a:lstStyle>
+            <a:lvl1pPr>
+              <a:defRPr sz="6000"/>
+            </a:lvl1pPr>
+          </a:lstStyle>
+          <a:p>
+            <a:r>
+              <a:rPr lang="en-US" smtClean="0"/>
+              <a:t>Click to edit Master title style</a:t>
+            </a:r>
+            <a:endParaRPr lang="en-US"/>
+          </a:p>
+        </p:txBody>
+      </p:sp>
+      <p:sp>
+        <p:nvSpPr>
+          <p:cNvPr id="3" name="Text Placeholder 2"/>
+          <p:cNvSpPr>
+            <a:spLocks noGrp="1"/>
+          </p:cNvSpPr>
+          <p:nvPr>
+            <p:ph type="body" idx="1"/>
+          </p:nvPr>
+        </p:nvSpPr>
+        <p:spPr>
+          <a:xfrm>
+            <a:off x="831850" y="4589463"/>
+            <a:ext cx="10515600" cy="1500187"/>
+          </a:xfrm>
+        </p:spPr>
+        <p:txBody>
+          <a:bodyPr/>
+          <a:lstStyle>
+            <a:lvl1pPr marL="0" indent="0">
+              <a:buNone/>
+              <a:defRPr sz="2400">
+                <a:solidFill>
+                  <a:schemeClr val="tx1">
+                    <a:tint val="75000"/>
+                  </a:schemeClr>
+                </a:solidFill>
+              </a:defRPr>
+            </a:lvl1pPr>
+            <a:lvl2pPr marL="457200" indent="0">
+              <a:buNone/>
+              <a:defRPr sz="2000">
+                <a:solidFill>
+                  <a:schemeClr val="tx1">
+                    <a:tint val="75000"/>
+                  </a:schemeClr>
+                </a:solidFill>
+              </a:defRPr>
+            </a:lvl2pPr>
+            <a:lvl3pPr marL="914400" indent="0">
+              <a:buNone/>
+              <a:defRPr sz="1800">
+                <a:solidFill>
+                  <a:schemeClr val="tx1">
+                    <a:tint val="75000"/>
+                  </a:schemeClr>
+                </a:solidFill>
+              </a:defRPr>
+            </a:lvl3pPr>
+            <a:lvl4pPr marL="1371600" indent="0">
+              <a:buNone/>
+              <a:defRPr sz="1600">
+                <a:solidFill>
+                  <a:schemeClr val="tx1">
+                    <a:tint val="75000"/>
+                  </a:schemeClr>
+                </a:solidFill>
+              </a:defRPr>
+            </a:lvl4pPr>
+            <a:lvl5pPr marL="1828800" indent="0">
+              <a:buNone/>
+              <a:defRPr sz="1600">
+                <a:solidFill>
+                  <a:schemeClr val="tx1">
+                    <a:tint val="75000"/>
+                  </a:schemeClr>
+                </a:solidFill>
+              </a:defRPr>
+            </a:lvl5pPr>
+            <a:lvl6pPr marL="2286000" indent="0">
+              <a:buNone/>
+              <a:defRPr sz="1600">
+                <a:solidFill>
+                  <a:schemeClr val="tx1">
+                    <a:tint val="75000"/>
+                  </a:schemeClr>
+                </a:solidFill>
+              </a:defRPr>
+            </a:lvl6pPr>
+            <a:lvl7pPr marL="2743200" indent="0">
+              <a:buNone/>
+              <a:defRPr sz="1600">
+                <a:solidFill>
+                  <a:schemeClr val="tx1">
+                    <a:tint val="75000"/>
+                  </a:schemeClr>
+                </a:solidFill>
+              </a:defRPr>
+            </a:lvl7pPr>
+            <a:lvl8pPr marL="3200400" indent="0">
+              <a:buNone/>
+              <a:defRPr sz="1600">
+                <a:solidFill>
+                  <a:schemeClr val="tx1">
+                    <a:tint val="75000"/>
+                  </a:schemeClr>
+                </a:solidFill>
+              </a:defRPr>
+            </a:lvl8pPr>
+            <a:lvl9pPr marL="3657600" indent="0">
+              <a:buNone/>
+              <a:defRPr sz="1600">
+                <a:solidFill>
+                  <a:schemeClr val="tx1">
+                    <a:tint val="75000"/>
+                  </a:schemeClr>
+                </a:solidFill>
+              </a:defRPr>
+            </a:lvl9pPr>
+          </a:lstStyle>
+          <a:p>
+            <a:pPr lvl="0"/>
+            <a:r>
+              <a:rPr lang="en-US" smtClean="0"/>
+              <a:t>Click to edit Master text styles</a:t>
+            </a:r>
+          </a:p>
+        </p:txBody>
+      </p:sp>
+      <p:sp>
+        <p:nvSpPr>
+          <p:cNvPr id="4" name="Date Placeholder 3"/>
+          <p:cNvSpPr>
+            <a:spLocks noGrp="1"/>
+          </p:cNvSpPr>
+          <p:nvPr>
+            <p:ph type="dt" sz="half" idx="10"/>
+          </p:nvPr>
+        </p:nvSpPr>
+        <p:spPr/>
+        <p:txBody>
+          <a:bodyPr/>
+          <a:lstStyle/>
+          <a:p>
+            <a:endParaRPr lang="en-US"/>
+          </a:p>
+        </p:txBody>
+      </p:sp>
+      <p:sp>
+        <p:nvSpPr>
+          <p:cNvPr id="5" name="Footer Placeholder 4"/>
+          <p:cNvSpPr>
+            <a:spLocks noGrp="1"/>
+          </p:cNvSpPr>
+          <p:nvPr>
+            <p:ph type="ftr" sz="quarter" idx="11"/>
+          </p:nvPr>
+        </p:nvSpPr>
+        <p:spPr/>
+        <p:txBody>
+          <a:bodyPr/>
+          <a:lstStyle/>
+          <a:p>
+            <a:endParaRPr lang="en-US"/>
+          </a:p>
+        </p:txBody>
+      </p:sp>
+      <p:sp>
+        <p:nvSpPr>
+          <p:cNvPr id="6" name="Slide Number Placeholder 5"/>
+          <p:cNvSpPr>
+            <a:spLocks noGrp="1"/>
+          </p:cNvSpPr>
+          <p:nvPr>
+            <p:ph type="sldNum" sz="quarter" idx="12"/>
+          </p:nvPr>
+        </p:nvSpPr>
+        <p:spPr/>
+        <p:txBody>
+          <a:bodyPr/>
+          <a:lstStyle/>
+          <a:p>
+            <a:fld id="{48889DE6-3F1A-0A41-B28F-22E9F29FB933}" type="slidenum">
+              <a:rPr lang="en-US" smtClean="0"/>
+              <a:t>‹#›</a:t>
+            </a:fld>
+            <a:endParaRPr lang="en-US"/>
+          </a:p>
+        </p:txBody>
+      </p:sp>
+    </p:spTree>
+    <p:extLst>
+      <p:ext uri="{BB962C8B-B14F-4D97-AF65-F5344CB8AC3E}">
+        <p14:creationId xmlns:p14="http://schemas.microsoft.com/office/powerpoint/2010/main" val="1276769073"/>
+      </p:ext>
+    </p:extLst>
+  </p:cSld>
+  <p:clrMapOvr>
+    <a:masterClrMapping/>
+  </p:clrMapOvr>
+</p:sldLayout>
+</file>
+
+<file path=ppt/slideLayouts/slideLayout22.xml><?xml version="1.0" encoding="utf-8"?>
+<p:sldLayout xmlns:a="http://schemas.openxmlformats.org/drawingml/2006/main" xmlns:r="http://schemas.openxmlformats.org/officeDocument/2006/relationships" xmlns:p="http://schemas.openxmlformats.org/presentationml/2006/main" type="twoObj" preserve="1">
+  <p:cSld name="Two Content">
+    <p:spTree>
+      <p:nvGrpSpPr>
+        <p:cNvPr id="1" name=""/>
+        <p:cNvGrpSpPr/>
+        <p:nvPr/>
+      </p:nvGrpSpPr>
+      <p:grpSpPr>
+        <a:xfrm>
+          <a:off x="0" y="0"/>
+          <a:ext cx="0" cy="0"/>
+          <a:chOff x="0" y="0"/>
+          <a:chExt cx="0" cy="0"/>
+        </a:xfrm>
+      </p:grpSpPr>
+      <p:sp>
+        <p:nvSpPr>
+          <p:cNvPr id="2" name="Title 1"/>
+          <p:cNvSpPr>
+            <a:spLocks noGrp="1"/>
+          </p:cNvSpPr>
+          <p:nvPr>
+            <p:ph type="title"/>
+          </p:nvPr>
+        </p:nvSpPr>
+        <p:spPr/>
+        <p:txBody>
+          <a:bodyPr/>
+          <a:lstStyle/>
+          <a:p>
+            <a:r>
+              <a:rPr lang="en-US" smtClean="0"/>
+              <a:t>Click to edit Master title style</a:t>
+            </a:r>
+            <a:endParaRPr lang="en-US"/>
+          </a:p>
+        </p:txBody>
+      </p:sp>
+      <p:sp>
+        <p:nvSpPr>
+          <p:cNvPr id="3" name="Content Placeholder 2"/>
+          <p:cNvSpPr>
+            <a:spLocks noGrp="1"/>
+          </p:cNvSpPr>
+          <p:nvPr>
+            <p:ph sz="half" idx="1"/>
+          </p:nvPr>
+        </p:nvSpPr>
+        <p:spPr>
+          <a:xfrm>
+            <a:off x="838200" y="1825625"/>
+            <a:ext cx="5181600" cy="4351338"/>
+          </a:xfrm>
+        </p:spPr>
+        <p:txBody>
+          <a:bodyPr/>
+          <a:lstStyle/>
+          <a:p>
+            <a:pPr lvl="0"/>
+            <a:r>
+              <a:rPr lang="en-US" smtClean="0"/>
+              <a:t>Click to edit Master text styles</a:t>
+            </a:r>
+          </a:p>
+          <a:p>
+            <a:pPr lvl="1"/>
+            <a:r>
+              <a:rPr lang="en-US" smtClean="0"/>
+              <a:t>Second level</a:t>
+            </a:r>
+          </a:p>
+          <a:p>
+            <a:pPr lvl="2"/>
+            <a:r>
+              <a:rPr lang="en-US" smtClean="0"/>
+              <a:t>Third level</a:t>
+            </a:r>
+          </a:p>
+          <a:p>
+            <a:pPr lvl="3"/>
+            <a:r>
+              <a:rPr lang="en-US" smtClean="0"/>
+              <a:t>Fourth level</a:t>
+            </a:r>
+          </a:p>
+          <a:p>
+            <a:pPr lvl="4"/>
+            <a:r>
+              <a:rPr lang="en-US" smtClean="0"/>
+              <a:t>Fifth level</a:t>
+            </a:r>
+            <a:endParaRPr lang="en-US"/>
+          </a:p>
+        </p:txBody>
+      </p:sp>
+      <p:sp>
+        <p:nvSpPr>
+          <p:cNvPr id="4" name="Content Placeholder 3"/>
+          <p:cNvSpPr>
+            <a:spLocks noGrp="1"/>
+          </p:cNvSpPr>
+          <p:nvPr>
+            <p:ph sz="half" idx="2"/>
+          </p:nvPr>
+        </p:nvSpPr>
+        <p:spPr>
+          <a:xfrm>
+            <a:off x="6172200" y="1825625"/>
+            <a:ext cx="5181600" cy="4351338"/>
+          </a:xfrm>
+        </p:spPr>
+        <p:txBody>
+          <a:bodyPr/>
+          <a:lstStyle/>
+          <a:p>
+            <a:pPr lvl="0"/>
+            <a:r>
+              <a:rPr lang="en-US" smtClean="0"/>
+              <a:t>Click to edit Master text styles</a:t>
+            </a:r>
+          </a:p>
+          <a:p>
+            <a:pPr lvl="1"/>
+            <a:r>
+              <a:rPr lang="en-US" smtClean="0"/>
+              <a:t>Second level</a:t>
+            </a:r>
+          </a:p>
+          <a:p>
+            <a:pPr lvl="2"/>
+            <a:r>
+              <a:rPr lang="en-US" smtClean="0"/>
+              <a:t>Third level</a:t>
+            </a:r>
+          </a:p>
+          <a:p>
+            <a:pPr lvl="3"/>
+            <a:r>
+              <a:rPr lang="en-US" smtClean="0"/>
+              <a:t>Fourth level</a:t>
+            </a:r>
+          </a:p>
+          <a:p>
+            <a:pPr lvl="4"/>
+            <a:r>
+              <a:rPr lang="en-US" smtClean="0"/>
+              <a:t>Fifth level</a:t>
+            </a:r>
+            <a:endParaRPr lang="en-US"/>
+          </a:p>
+        </p:txBody>
+      </p:sp>
+      <p:sp>
+        <p:nvSpPr>
+          <p:cNvPr id="5" name="Date Placeholder 4"/>
+          <p:cNvSpPr>
+            <a:spLocks noGrp="1"/>
+          </p:cNvSpPr>
+          <p:nvPr>
+            <p:ph type="dt" sz="half" idx="10"/>
+          </p:nvPr>
+        </p:nvSpPr>
+        <p:spPr/>
+        <p:txBody>
+          <a:bodyPr/>
+          <a:lstStyle/>
+          <a:p>
+            <a:endParaRPr lang="en-US"/>
+          </a:p>
+        </p:txBody>
+      </p:sp>
+      <p:sp>
+        <p:nvSpPr>
+          <p:cNvPr id="6" name="Footer Placeholder 5"/>
+          <p:cNvSpPr>
+            <a:spLocks noGrp="1"/>
+          </p:cNvSpPr>
+          <p:nvPr>
+            <p:ph type="ftr" sz="quarter" idx="11"/>
+          </p:nvPr>
+        </p:nvSpPr>
+        <p:spPr/>
+        <p:txBody>
+          <a:bodyPr/>
+          <a:lstStyle/>
+          <a:p>
+            <a:endParaRPr lang="en-US"/>
+          </a:p>
+        </p:txBody>
+      </p:sp>
+      <p:sp>
+        <p:nvSpPr>
+          <p:cNvPr id="7" name="Slide Number Placeholder 6"/>
+          <p:cNvSpPr>
+            <a:spLocks noGrp="1"/>
+          </p:cNvSpPr>
+          <p:nvPr>
+            <p:ph type="sldNum" sz="quarter" idx="12"/>
+          </p:nvPr>
+        </p:nvSpPr>
+        <p:spPr/>
+        <p:txBody>
+          <a:bodyPr/>
+          <a:lstStyle/>
+          <a:p>
+            <a:fld id="{48889DE6-3F1A-0A41-B28F-22E9F29FB933}" type="slidenum">
+              <a:rPr lang="en-US" smtClean="0"/>
+              <a:t>‹#›</a:t>
+            </a:fld>
+            <a:endParaRPr lang="en-US"/>
+          </a:p>
+        </p:txBody>
+      </p:sp>
+    </p:spTree>
+    <p:extLst>
+      <p:ext uri="{BB962C8B-B14F-4D97-AF65-F5344CB8AC3E}">
+        <p14:creationId xmlns:p14="http://schemas.microsoft.com/office/powerpoint/2010/main" val="1001209087"/>
+      </p:ext>
+    </p:extLst>
+  </p:cSld>
+  <p:clrMapOvr>
+    <a:masterClrMapping/>
+  </p:clrMapOvr>
+</p:sldLayout>
+</file>
+
+<file path=ppt/slideLayouts/slideLayout23.xml><?xml version="1.0" encoding="utf-8"?>
+<p:sldLayout xmlns:a="http://schemas.openxmlformats.org/drawingml/2006/main" xmlns:r="http://schemas.openxmlformats.org/officeDocument/2006/relationships" xmlns:p="http://schemas.openxmlformats.org/presentationml/2006/main" type="twoTxTwoObj" preserve="1">
+  <p:cSld name="Comparison">
+    <p:spTree>
+      <p:nvGrpSpPr>
+        <p:cNvPr id="1" name=""/>
+        <p:cNvGrpSpPr/>
+        <p:nvPr/>
+      </p:nvGrpSpPr>
+      <p:grpSpPr>
+        <a:xfrm>
+          <a:off x="0" y="0"/>
+          <a:ext cx="0" cy="0"/>
+          <a:chOff x="0" y="0"/>
+          <a:chExt cx="0" cy="0"/>
+        </a:xfrm>
+      </p:grpSpPr>
+      <p:sp>
+        <p:nvSpPr>
+          <p:cNvPr id="2" name="Title 1"/>
+          <p:cNvSpPr>
+            <a:spLocks noGrp="1"/>
+          </p:cNvSpPr>
+          <p:nvPr>
+            <p:ph type="title"/>
+          </p:nvPr>
+        </p:nvSpPr>
+        <p:spPr>
+          <a:xfrm>
+            <a:off x="839788" y="365125"/>
+            <a:ext cx="10515600" cy="1325563"/>
+          </a:xfrm>
+        </p:spPr>
+        <p:txBody>
+          <a:bodyPr/>
+          <a:lstStyle/>
+          <a:p>
+            <a:r>
+              <a:rPr lang="en-US" smtClean="0"/>
+              <a:t>Click to edit Master title style</a:t>
+            </a:r>
+            <a:endParaRPr lang="en-US"/>
+          </a:p>
+        </p:txBody>
+      </p:sp>
+      <p:sp>
+        <p:nvSpPr>
+          <p:cNvPr id="3" name="Text Placeholder 2"/>
+          <p:cNvSpPr>
+            <a:spLocks noGrp="1"/>
+          </p:cNvSpPr>
+          <p:nvPr>
+            <p:ph type="body" idx="1"/>
+          </p:nvPr>
+        </p:nvSpPr>
+        <p:spPr>
+          <a:xfrm>
+            <a:off x="839788" y="1681163"/>
+            <a:ext cx="5157787" cy="823912"/>
+          </a:xfrm>
+        </p:spPr>
+        <p:txBody>
+          <a:bodyPr anchor="b"/>
+          <a:lstStyle>
+            <a:lvl1pPr marL="0" indent="0">
+              <a:buNone/>
+              <a:defRPr sz="2400" b="1"/>
+            </a:lvl1pPr>
+            <a:lvl2pPr marL="457200" indent="0">
+              <a:buNone/>
+              <a:defRPr sz="2000" b="1"/>
+            </a:lvl2pPr>
+            <a:lvl3pPr marL="914400" indent="0">
+              <a:buNone/>
+              <a:defRPr sz="1800" b="1"/>
+            </a:lvl3pPr>
+            <a:lvl4pPr marL="1371600" indent="0">
+              <a:buNone/>
+              <a:defRPr sz="1600" b="1"/>
+            </a:lvl4pPr>
+            <a:lvl5pPr marL="1828800" indent="0">
+              <a:buNone/>
+              <a:defRPr sz="1600" b="1"/>
+            </a:lvl5pPr>
+            <a:lvl6pPr marL="2286000" indent="0">
+              <a:buNone/>
+              <a:defRPr sz="1600" b="1"/>
+            </a:lvl6pPr>
+            <a:lvl7pPr marL="2743200" indent="0">
+              <a:buNone/>
+              <a:defRPr sz="1600" b="1"/>
+            </a:lvl7pPr>
+            <a:lvl8pPr marL="3200400" indent="0">
+              <a:buNone/>
+              <a:defRPr sz="1600" b="1"/>
+            </a:lvl8pPr>
+            <a:lvl9pPr marL="3657600" indent="0">
+              <a:buNone/>
+              <a:defRPr sz="1600" b="1"/>
+            </a:lvl9pPr>
+          </a:lstStyle>
+          <a:p>
+            <a:pPr lvl="0"/>
+            <a:r>
+              <a:rPr lang="en-US" smtClean="0"/>
+              <a:t>Click to edit Master text styles</a:t>
+            </a:r>
+          </a:p>
+        </p:txBody>
+      </p:sp>
+      <p:sp>
+        <p:nvSpPr>
+          <p:cNvPr id="4" name="Content Placeholder 3"/>
+          <p:cNvSpPr>
+            <a:spLocks noGrp="1"/>
+          </p:cNvSpPr>
+          <p:nvPr>
+            <p:ph sz="half" idx="2"/>
+          </p:nvPr>
+        </p:nvSpPr>
+        <p:spPr>
+          <a:xfrm>
+            <a:off x="839788" y="2505075"/>
+            <a:ext cx="5157787" cy="3684588"/>
+          </a:xfrm>
+        </p:spPr>
+        <p:txBody>
+          <a:bodyPr/>
+          <a:lstStyle/>
+          <a:p>
+            <a:pPr lvl="0"/>
+            <a:r>
+              <a:rPr lang="en-US" smtClean="0"/>
+              <a:t>Click to edit Master text styles</a:t>
+            </a:r>
+          </a:p>
+          <a:p>
+            <a:pPr lvl="1"/>
+            <a:r>
+              <a:rPr lang="en-US" smtClean="0"/>
+              <a:t>Second level</a:t>
+            </a:r>
+          </a:p>
+          <a:p>
+            <a:pPr lvl="2"/>
+            <a:r>
+              <a:rPr lang="en-US" smtClean="0"/>
+              <a:t>Third level</a:t>
+            </a:r>
+          </a:p>
+          <a:p>
+            <a:pPr lvl="3"/>
+            <a:r>
+              <a:rPr lang="en-US" smtClean="0"/>
+              <a:t>Fourth level</a:t>
+            </a:r>
+          </a:p>
+          <a:p>
+            <a:pPr lvl="4"/>
+            <a:r>
+              <a:rPr lang="en-US" smtClean="0"/>
+              <a:t>Fifth level</a:t>
+            </a:r>
+            <a:endParaRPr lang="en-US"/>
+          </a:p>
+        </p:txBody>
+      </p:sp>
+      <p:sp>
+        <p:nvSpPr>
+          <p:cNvPr id="5" name="Text Placeholder 4"/>
+          <p:cNvSpPr>
+            <a:spLocks noGrp="1"/>
+          </p:cNvSpPr>
+          <p:nvPr>
+            <p:ph type="body" sz="quarter" idx="3"/>
+          </p:nvPr>
+        </p:nvSpPr>
+        <p:spPr>
+          <a:xfrm>
+            <a:off x="6172200" y="1681163"/>
+            <a:ext cx="5183188" cy="823912"/>
+          </a:xfrm>
+        </p:spPr>
+        <p:txBody>
+          <a:bodyPr anchor="b"/>
+          <a:lstStyle>
+            <a:lvl1pPr marL="0" indent="0">
+              <a:buNone/>
+              <a:defRPr sz="2400" b="1"/>
+            </a:lvl1pPr>
+            <a:lvl2pPr marL="457200" indent="0">
+              <a:buNone/>
+              <a:defRPr sz="2000" b="1"/>
+            </a:lvl2pPr>
+            <a:lvl3pPr marL="914400" indent="0">
+              <a:buNone/>
+              <a:defRPr sz="1800" b="1"/>
+            </a:lvl3pPr>
+            <a:lvl4pPr marL="1371600" indent="0">
+              <a:buNone/>
+              <a:defRPr sz="1600" b="1"/>
+            </a:lvl4pPr>
+            <a:lvl5pPr marL="1828800" indent="0">
+              <a:buNone/>
+              <a:defRPr sz="1600" b="1"/>
+            </a:lvl5pPr>
+            <a:lvl6pPr marL="2286000" indent="0">
+              <a:buNone/>
+              <a:defRPr sz="1600" b="1"/>
+            </a:lvl6pPr>
+            <a:lvl7pPr marL="2743200" indent="0">
+              <a:buNone/>
+              <a:defRPr sz="1600" b="1"/>
+            </a:lvl7pPr>
+            <a:lvl8pPr marL="3200400" indent="0">
+              <a:buNone/>
+              <a:defRPr sz="1600" b="1"/>
+            </a:lvl8pPr>
+            <a:lvl9pPr marL="3657600" indent="0">
+              <a:buNone/>
+              <a:defRPr sz="1600" b="1"/>
+            </a:lvl9pPr>
+          </a:lstStyle>
+          <a:p>
+            <a:pPr lvl="0"/>
+            <a:r>
+              <a:rPr lang="en-US" smtClean="0"/>
+              <a:t>Click to edit Master text styles</a:t>
+            </a:r>
+          </a:p>
+        </p:txBody>
+      </p:sp>
+      <p:sp>
+        <p:nvSpPr>
+          <p:cNvPr id="6" name="Content Placeholder 5"/>
+          <p:cNvSpPr>
+            <a:spLocks noGrp="1"/>
+          </p:cNvSpPr>
+          <p:nvPr>
+            <p:ph sz="quarter" idx="4"/>
+          </p:nvPr>
+        </p:nvSpPr>
+        <p:spPr>
+          <a:xfrm>
+            <a:off x="6172200" y="2505075"/>
+            <a:ext cx="5183188" cy="3684588"/>
+          </a:xfrm>
+        </p:spPr>
+        <p:txBody>
+          <a:bodyPr/>
+          <a:lstStyle/>
+          <a:p>
+            <a:pPr lvl="0"/>
+            <a:r>
+              <a:rPr lang="en-US" smtClean="0"/>
+              <a:t>Click to edit Master text styles</a:t>
+            </a:r>
+          </a:p>
+          <a:p>
+            <a:pPr lvl="1"/>
+            <a:r>
+              <a:rPr lang="en-US" smtClean="0"/>
+              <a:t>Second level</a:t>
+            </a:r>
+          </a:p>
+          <a:p>
+            <a:pPr lvl="2"/>
+            <a:r>
+              <a:rPr lang="en-US" smtClean="0"/>
+              <a:t>Third level</a:t>
+            </a:r>
+          </a:p>
+          <a:p>
+            <a:pPr lvl="3"/>
+            <a:r>
+              <a:rPr lang="en-US" smtClean="0"/>
+              <a:t>Fourth level</a:t>
+            </a:r>
+          </a:p>
+          <a:p>
+            <a:pPr lvl="4"/>
+            <a:r>
+              <a:rPr lang="en-US" smtClean="0"/>
+              <a:t>Fifth level</a:t>
+            </a:r>
+            <a:endParaRPr lang="en-US"/>
+          </a:p>
+        </p:txBody>
+      </p:sp>
+      <p:sp>
+        <p:nvSpPr>
+          <p:cNvPr id="7" name="Date Placeholder 6"/>
+          <p:cNvSpPr>
+            <a:spLocks noGrp="1"/>
+          </p:cNvSpPr>
+          <p:nvPr>
+            <p:ph type="dt" sz="half" idx="10"/>
+          </p:nvPr>
+        </p:nvSpPr>
+        <p:spPr/>
+        <p:txBody>
+          <a:bodyPr/>
+          <a:lstStyle/>
+          <a:p>
+            <a:endParaRPr lang="en-US"/>
+          </a:p>
+        </p:txBody>
+      </p:sp>
+      <p:sp>
+        <p:nvSpPr>
+          <p:cNvPr id="8" name="Footer Placeholder 7"/>
+          <p:cNvSpPr>
+            <a:spLocks noGrp="1"/>
+          </p:cNvSpPr>
+          <p:nvPr>
+            <p:ph type="ftr" sz="quarter" idx="11"/>
+          </p:nvPr>
+        </p:nvSpPr>
+        <p:spPr/>
+        <p:txBody>
+          <a:bodyPr/>
+          <a:lstStyle/>
+          <a:p>
+            <a:endParaRPr lang="en-US"/>
+          </a:p>
+        </p:txBody>
+      </p:sp>
+      <p:sp>
+        <p:nvSpPr>
+          <p:cNvPr id="9" name="Slide Number Placeholder 8"/>
+          <p:cNvSpPr>
+            <a:spLocks noGrp="1"/>
+          </p:cNvSpPr>
+          <p:nvPr>
+            <p:ph type="sldNum" sz="quarter" idx="12"/>
+          </p:nvPr>
+        </p:nvSpPr>
+        <p:spPr/>
+        <p:txBody>
+          <a:bodyPr/>
+          <a:lstStyle/>
+          <a:p>
+            <a:fld id="{48889DE6-3F1A-0A41-B28F-22E9F29FB933}" type="slidenum">
+              <a:rPr lang="en-US" smtClean="0"/>
+              <a:t>‹#›</a:t>
+            </a:fld>
+            <a:endParaRPr lang="en-US"/>
+          </a:p>
+        </p:txBody>
+      </p:sp>
+    </p:spTree>
+    <p:extLst>
+      <p:ext uri="{BB962C8B-B14F-4D97-AF65-F5344CB8AC3E}">
+        <p14:creationId xmlns:p14="http://schemas.microsoft.com/office/powerpoint/2010/main" val="1786750964"/>
+      </p:ext>
+    </p:extLst>
+  </p:cSld>
+  <p:clrMapOvr>
+    <a:masterClrMapping/>
+  </p:clrMapOvr>
+</p:sldLayout>
+</file>
+
+<file path=ppt/slideLayouts/slideLayout24.xml><?xml version="1.0" encoding="utf-8"?>
+<p:sldLayout xmlns:a="http://schemas.openxmlformats.org/drawingml/2006/main" xmlns:r="http://schemas.openxmlformats.org/officeDocument/2006/relationships" xmlns:p="http://schemas.openxmlformats.org/presentationml/2006/main" type="titleOnly" preserve="1">
+  <p:cSld name="Title Only">
+    <p:spTree>
+      <p:nvGrpSpPr>
+        <p:cNvPr id="1" name=""/>
+        <p:cNvGrpSpPr/>
+        <p:nvPr/>
+      </p:nvGrpSpPr>
+      <p:grpSpPr>
+        <a:xfrm>
+          <a:off x="0" y="0"/>
+          <a:ext cx="0" cy="0"/>
+          <a:chOff x="0" y="0"/>
+          <a:chExt cx="0" cy="0"/>
+        </a:xfrm>
+      </p:grpSpPr>
+      <p:sp>
+        <p:nvSpPr>
+          <p:cNvPr id="2" name="Title 1"/>
+          <p:cNvSpPr>
+            <a:spLocks noGrp="1"/>
+          </p:cNvSpPr>
+          <p:nvPr>
+            <p:ph type="title"/>
+          </p:nvPr>
+        </p:nvSpPr>
+        <p:spPr/>
+        <p:txBody>
+          <a:bodyPr/>
+          <a:lstStyle/>
+          <a:p>
+            <a:r>
+              <a:rPr lang="en-US" smtClean="0"/>
+              <a:t>Click to edit Master title style</a:t>
+            </a:r>
+            <a:endParaRPr lang="en-US"/>
+          </a:p>
+        </p:txBody>
+      </p:sp>
+      <p:sp>
+        <p:nvSpPr>
+          <p:cNvPr id="3" name="Date Placeholder 2"/>
+          <p:cNvSpPr>
+            <a:spLocks noGrp="1"/>
+          </p:cNvSpPr>
+          <p:nvPr>
+            <p:ph type="dt" sz="half" idx="10"/>
+          </p:nvPr>
+        </p:nvSpPr>
+        <p:spPr/>
+        <p:txBody>
+          <a:bodyPr/>
+          <a:lstStyle/>
+          <a:p>
+            <a:endParaRPr lang="en-US"/>
+          </a:p>
+        </p:txBody>
+      </p:sp>
+      <p:sp>
+        <p:nvSpPr>
+          <p:cNvPr id="4" name="Footer Placeholder 3"/>
+          <p:cNvSpPr>
+            <a:spLocks noGrp="1"/>
+          </p:cNvSpPr>
+          <p:nvPr>
+            <p:ph type="ftr" sz="quarter" idx="11"/>
+          </p:nvPr>
+        </p:nvSpPr>
+        <p:spPr/>
+        <p:txBody>
+          <a:bodyPr/>
+          <a:lstStyle/>
+          <a:p>
+            <a:endParaRPr lang="en-US"/>
+          </a:p>
+        </p:txBody>
+      </p:sp>
+      <p:sp>
+        <p:nvSpPr>
+          <p:cNvPr id="5" name="Slide Number Placeholder 4"/>
+          <p:cNvSpPr>
+            <a:spLocks noGrp="1"/>
+          </p:cNvSpPr>
+          <p:nvPr>
+            <p:ph type="sldNum" sz="quarter" idx="12"/>
+          </p:nvPr>
+        </p:nvSpPr>
+        <p:spPr/>
+        <p:txBody>
+          <a:bodyPr/>
+          <a:lstStyle/>
+          <a:p>
+            <a:fld id="{48889DE6-3F1A-0A41-B28F-22E9F29FB933}" type="slidenum">
+              <a:rPr lang="en-US" smtClean="0"/>
+              <a:t>‹#›</a:t>
+            </a:fld>
+            <a:endParaRPr lang="en-US"/>
+          </a:p>
+        </p:txBody>
+      </p:sp>
+    </p:spTree>
+    <p:extLst>
+      <p:ext uri="{BB962C8B-B14F-4D97-AF65-F5344CB8AC3E}">
+        <p14:creationId xmlns:p14="http://schemas.microsoft.com/office/powerpoint/2010/main" val="1659615947"/>
+      </p:ext>
+    </p:extLst>
+  </p:cSld>
+  <p:clrMapOvr>
+    <a:masterClrMapping/>
+  </p:clrMapOvr>
+</p:sldLayout>
+</file>
+
+<file path=ppt/slideLayouts/slideLayout25.xml><?xml version="1.0" encoding="utf-8"?>
+<p:sldLayout xmlns:a="http://schemas.openxmlformats.org/drawingml/2006/main" xmlns:r="http://schemas.openxmlformats.org/officeDocument/2006/relationships" xmlns:p="http://schemas.openxmlformats.org/presentationml/2006/main" type="blank" preserve="1">
+  <p:cSld name="Blank">
+    <p:spTree>
+      <p:nvGrpSpPr>
+        <p:cNvPr id="1" name=""/>
+        <p:cNvGrpSpPr/>
+        <p:nvPr/>
+      </p:nvGrpSpPr>
+      <p:grpSpPr>
+        <a:xfrm>
+          <a:off x="0" y="0"/>
+          <a:ext cx="0" cy="0"/>
+          <a:chOff x="0" y="0"/>
+          <a:chExt cx="0" cy="0"/>
+        </a:xfrm>
+      </p:grpSpPr>
+      <p:sp>
+        <p:nvSpPr>
+          <p:cNvPr id="2" name="Date Placeholder 1"/>
+          <p:cNvSpPr>
+            <a:spLocks noGrp="1"/>
+          </p:cNvSpPr>
+          <p:nvPr>
+            <p:ph type="dt" sz="half" idx="10"/>
+          </p:nvPr>
+        </p:nvSpPr>
+        <p:spPr/>
+        <p:txBody>
+          <a:bodyPr/>
+          <a:lstStyle/>
+          <a:p>
+            <a:endParaRPr lang="en-US"/>
+          </a:p>
+        </p:txBody>
+      </p:sp>
+      <p:sp>
+        <p:nvSpPr>
+          <p:cNvPr id="3" name="Footer Placeholder 2"/>
+          <p:cNvSpPr>
+            <a:spLocks noGrp="1"/>
+          </p:cNvSpPr>
+          <p:nvPr>
+            <p:ph type="ftr" sz="quarter" idx="11"/>
+          </p:nvPr>
+        </p:nvSpPr>
+        <p:spPr/>
+        <p:txBody>
+          <a:bodyPr/>
+          <a:lstStyle/>
+          <a:p>
+            <a:endParaRPr lang="en-US"/>
+          </a:p>
+        </p:txBody>
+      </p:sp>
+      <p:sp>
+        <p:nvSpPr>
+          <p:cNvPr id="4" name="Slide Number Placeholder 3"/>
+          <p:cNvSpPr>
+            <a:spLocks noGrp="1"/>
+          </p:cNvSpPr>
+          <p:nvPr>
+            <p:ph type="sldNum" sz="quarter" idx="12"/>
+          </p:nvPr>
+        </p:nvSpPr>
+        <p:spPr/>
+        <p:txBody>
+          <a:bodyPr/>
+          <a:lstStyle/>
+          <a:p>
+            <a:fld id="{48889DE6-3F1A-0A41-B28F-22E9F29FB933}" type="slidenum">
+              <a:rPr lang="en-US" smtClean="0"/>
+              <a:t>‹#›</a:t>
+            </a:fld>
+            <a:endParaRPr lang="en-US"/>
+          </a:p>
+        </p:txBody>
+      </p:sp>
+    </p:spTree>
+    <p:extLst>
+      <p:ext uri="{BB962C8B-B14F-4D97-AF65-F5344CB8AC3E}">
+        <p14:creationId xmlns:p14="http://schemas.microsoft.com/office/powerpoint/2010/main" val="1647613993"/>
+      </p:ext>
+    </p:extLst>
+  </p:cSld>
+  <p:clrMapOvr>
+    <a:masterClrMapping/>
+  </p:clrMapOvr>
+</p:sldLayout>
+</file>
+
+<file path=ppt/slideLayouts/slideLayout26.xml><?xml version="1.0" encoding="utf-8"?>
+<p:sldLayout xmlns:a="http://schemas.openxmlformats.org/drawingml/2006/main" xmlns:r="http://schemas.openxmlformats.org/officeDocument/2006/relationships" xmlns:p="http://schemas.openxmlformats.org/presentationml/2006/main" type="objTx" preserve="1">
+  <p:cSld name="Content with Caption">
+    <p:spTree>
+      <p:nvGrpSpPr>
+        <p:cNvPr id="1" name=""/>
+        <p:cNvGrpSpPr/>
+        <p:nvPr/>
+      </p:nvGrpSpPr>
+      <p:grpSpPr>
+        <a:xfrm>
+          <a:off x="0" y="0"/>
+          <a:ext cx="0" cy="0"/>
+          <a:chOff x="0" y="0"/>
+          <a:chExt cx="0" cy="0"/>
+        </a:xfrm>
+      </p:grpSpPr>
+      <p:sp>
+        <p:nvSpPr>
+          <p:cNvPr id="2" name="Title 1"/>
+          <p:cNvSpPr>
+            <a:spLocks noGrp="1"/>
+          </p:cNvSpPr>
+          <p:nvPr>
+            <p:ph type="title"/>
+          </p:nvPr>
+        </p:nvSpPr>
+        <p:spPr>
+          <a:xfrm>
+            <a:off x="839788" y="457200"/>
+            <a:ext cx="3932237" cy="1600200"/>
+          </a:xfrm>
+        </p:spPr>
+        <p:txBody>
+          <a:bodyPr anchor="b"/>
+          <a:lstStyle>
+            <a:lvl1pPr>
+              <a:defRPr sz="3200"/>
+            </a:lvl1pPr>
+          </a:lstStyle>
+          <a:p>
+            <a:r>
+              <a:rPr lang="en-US" smtClean="0"/>
+              <a:t>Click to edit Master title style</a:t>
+            </a:r>
+            <a:endParaRPr lang="en-US"/>
+          </a:p>
+        </p:txBody>
+      </p:sp>
+      <p:sp>
+        <p:nvSpPr>
+          <p:cNvPr id="3" name="Content Placeholder 2"/>
+          <p:cNvSpPr>
+            <a:spLocks noGrp="1"/>
+          </p:cNvSpPr>
+          <p:nvPr>
+            <p:ph idx="1"/>
+          </p:nvPr>
+        </p:nvSpPr>
+        <p:spPr>
+          <a:xfrm>
+            <a:off x="5183188" y="987425"/>
+            <a:ext cx="6172200" cy="4873625"/>
+          </a:xfrm>
+        </p:spPr>
+        <p:txBody>
+          <a:bodyPr/>
+          <a:lstStyle>
+            <a:lvl1pPr>
+              <a:defRPr sz="3200"/>
+            </a:lvl1pPr>
+            <a:lvl2pPr>
+              <a:defRPr sz="2800"/>
+            </a:lvl2pPr>
+            <a:lvl3pPr>
+              <a:defRPr sz="2400"/>
+            </a:lvl3pPr>
+            <a:lvl4pPr>
+              <a:defRPr sz="2000"/>
+            </a:lvl4pPr>
+            <a:lvl5pPr>
+              <a:defRPr sz="2000"/>
+            </a:lvl5pPr>
+            <a:lvl6pPr>
+              <a:defRPr sz="2000"/>
+            </a:lvl6pPr>
+            <a:lvl7pPr>
+              <a:defRPr sz="2000"/>
+            </a:lvl7pPr>
+            <a:lvl8pPr>
+              <a:defRPr sz="2000"/>
+            </a:lvl8pPr>
+            <a:lvl9pPr>
+              <a:defRPr sz="2000"/>
+            </a:lvl9pPr>
+          </a:lstStyle>
+          <a:p>
+            <a:pPr lvl="0"/>
+            <a:r>
+              <a:rPr lang="en-US" smtClean="0"/>
+              <a:t>Click to edit Master text styles</a:t>
+            </a:r>
+          </a:p>
+          <a:p>
+            <a:pPr lvl="1"/>
+            <a:r>
+              <a:rPr lang="en-US" smtClean="0"/>
+              <a:t>Second level</a:t>
+            </a:r>
+          </a:p>
+          <a:p>
+            <a:pPr lvl="2"/>
+            <a:r>
+              <a:rPr lang="en-US" smtClean="0"/>
+              <a:t>Third level</a:t>
+            </a:r>
+          </a:p>
+          <a:p>
+            <a:pPr lvl="3"/>
+            <a:r>
+              <a:rPr lang="en-US" smtClean="0"/>
+              <a:t>Fourth level</a:t>
+            </a:r>
+          </a:p>
+          <a:p>
+            <a:pPr lvl="4"/>
+            <a:r>
+              <a:rPr lang="en-US" smtClean="0"/>
+              <a:t>Fifth level</a:t>
+            </a:r>
+            <a:endParaRPr lang="en-US"/>
+          </a:p>
+        </p:txBody>
+      </p:sp>
+      <p:sp>
+        <p:nvSpPr>
+          <p:cNvPr id="4" name="Text Placeholder 3"/>
+          <p:cNvSpPr>
+            <a:spLocks noGrp="1"/>
+          </p:cNvSpPr>
+          <p:nvPr>
+            <p:ph type="body" sz="half" idx="2"/>
+          </p:nvPr>
+        </p:nvSpPr>
+        <p:spPr>
+          <a:xfrm>
+            <a:off x="839788" y="2057400"/>
+            <a:ext cx="3932237" cy="3811588"/>
+          </a:xfrm>
+        </p:spPr>
+        <p:txBody>
+          <a:bodyPr/>
+          <a:lstStyle>
+            <a:lvl1pPr marL="0" indent="0">
+              <a:buNone/>
+              <a:defRPr sz="1600"/>
+            </a:lvl1pPr>
+            <a:lvl2pPr marL="457200" indent="0">
+              <a:buNone/>
+              <a:defRPr sz="1400"/>
+            </a:lvl2pPr>
+            <a:lvl3pPr marL="914400" indent="0">
+              <a:buNone/>
+              <a:defRPr sz="1200"/>
+            </a:lvl3pPr>
+            <a:lvl4pPr marL="1371600" indent="0">
+              <a:buNone/>
+              <a:defRPr sz="1000"/>
+            </a:lvl4pPr>
+            <a:lvl5pPr marL="1828800" indent="0">
+              <a:buNone/>
+              <a:defRPr sz="1000"/>
+            </a:lvl5pPr>
+            <a:lvl6pPr marL="2286000" indent="0">
+              <a:buNone/>
+              <a:defRPr sz="1000"/>
+            </a:lvl6pPr>
+            <a:lvl7pPr marL="2743200" indent="0">
+              <a:buNone/>
+              <a:defRPr sz="1000"/>
+            </a:lvl7pPr>
+            <a:lvl8pPr marL="3200400" indent="0">
+              <a:buNone/>
+              <a:defRPr sz="1000"/>
+            </a:lvl8pPr>
+            <a:lvl9pPr marL="3657600" indent="0">
+              <a:buNone/>
+              <a:defRPr sz="1000"/>
+            </a:lvl9pPr>
+          </a:lstStyle>
+          <a:p>
+            <a:pPr lvl="0"/>
+            <a:r>
+              <a:rPr lang="en-US" smtClean="0"/>
+              <a:t>Click to edit Master text styles</a:t>
+            </a:r>
+          </a:p>
+        </p:txBody>
+      </p:sp>
+      <p:sp>
+        <p:nvSpPr>
+          <p:cNvPr id="5" name="Date Placeholder 4"/>
+          <p:cNvSpPr>
+            <a:spLocks noGrp="1"/>
+          </p:cNvSpPr>
+          <p:nvPr>
+            <p:ph type="dt" sz="half" idx="10"/>
+          </p:nvPr>
+        </p:nvSpPr>
+        <p:spPr/>
+        <p:txBody>
+          <a:bodyPr/>
+          <a:lstStyle/>
+          <a:p>
+            <a:endParaRPr lang="en-US"/>
+          </a:p>
+        </p:txBody>
+      </p:sp>
+      <p:sp>
+        <p:nvSpPr>
+          <p:cNvPr id="6" name="Footer Placeholder 5"/>
+          <p:cNvSpPr>
+            <a:spLocks noGrp="1"/>
+          </p:cNvSpPr>
+          <p:nvPr>
+            <p:ph type="ftr" sz="quarter" idx="11"/>
+          </p:nvPr>
+        </p:nvSpPr>
+        <p:spPr/>
+        <p:txBody>
+          <a:bodyPr/>
+          <a:lstStyle/>
+          <a:p>
+            <a:endParaRPr lang="en-US"/>
+          </a:p>
+        </p:txBody>
+      </p:sp>
+      <p:sp>
+        <p:nvSpPr>
+          <p:cNvPr id="7" name="Slide Number Placeholder 6"/>
+          <p:cNvSpPr>
+            <a:spLocks noGrp="1"/>
+          </p:cNvSpPr>
+          <p:nvPr>
+            <p:ph type="sldNum" sz="quarter" idx="12"/>
+          </p:nvPr>
+        </p:nvSpPr>
+        <p:spPr/>
+        <p:txBody>
+          <a:bodyPr/>
+          <a:lstStyle/>
+          <a:p>
+            <a:fld id="{48889DE6-3F1A-0A41-B28F-22E9F29FB933}" type="slidenum">
+              <a:rPr lang="en-US" smtClean="0"/>
+              <a:t>‹#›</a:t>
+            </a:fld>
+            <a:endParaRPr lang="en-US"/>
+          </a:p>
+        </p:txBody>
+      </p:sp>
+    </p:spTree>
+    <p:extLst>
+      <p:ext uri="{BB962C8B-B14F-4D97-AF65-F5344CB8AC3E}">
+        <p14:creationId xmlns:p14="http://schemas.microsoft.com/office/powerpoint/2010/main" val="1794235933"/>
+      </p:ext>
+    </p:extLst>
+  </p:cSld>
+  <p:clrMapOvr>
+    <a:masterClrMapping/>
+  </p:clrMapOvr>
+</p:sldLayout>
+</file>
+
+<file path=ppt/slideLayouts/slideLayout27.xml><?xml version="1.0" encoding="utf-8"?>
+<p:sldLayout xmlns:a="http://schemas.openxmlformats.org/drawingml/2006/main" xmlns:r="http://schemas.openxmlformats.org/officeDocument/2006/relationships" xmlns:p="http://schemas.openxmlformats.org/presentationml/2006/main" type="picTx" preserve="1">
+  <p:cSld name="Picture with Caption">
+    <p:spTree>
+      <p:nvGrpSpPr>
+        <p:cNvPr id="1" name=""/>
+        <p:cNvGrpSpPr/>
+        <p:nvPr/>
+      </p:nvGrpSpPr>
+      <p:grpSpPr>
+        <a:xfrm>
+          <a:off x="0" y="0"/>
+          <a:ext cx="0" cy="0"/>
+          <a:chOff x="0" y="0"/>
+          <a:chExt cx="0" cy="0"/>
+        </a:xfrm>
+      </p:grpSpPr>
+      <p:sp>
+        <p:nvSpPr>
+          <p:cNvPr id="2" name="Title 1"/>
+          <p:cNvSpPr>
+            <a:spLocks noGrp="1"/>
+          </p:cNvSpPr>
+          <p:nvPr>
+            <p:ph type="title"/>
+          </p:nvPr>
+        </p:nvSpPr>
+        <p:spPr>
+          <a:xfrm>
+            <a:off x="839788" y="457200"/>
+            <a:ext cx="3932237" cy="1600200"/>
+          </a:xfrm>
+        </p:spPr>
+        <p:txBody>
+          <a:bodyPr anchor="b"/>
+          <a:lstStyle>
+            <a:lvl1pPr>
+              <a:defRPr sz="3200"/>
+            </a:lvl1pPr>
+          </a:lstStyle>
+          <a:p>
+            <a:r>
+              <a:rPr lang="en-US" smtClean="0"/>
+              <a:t>Click to edit Master title style</a:t>
+            </a:r>
+            <a:endParaRPr lang="en-US"/>
+          </a:p>
+        </p:txBody>
+      </p:sp>
+      <p:sp>
+        <p:nvSpPr>
+          <p:cNvPr id="3" name="Picture Placeholder 2"/>
+          <p:cNvSpPr>
+            <a:spLocks noGrp="1"/>
+          </p:cNvSpPr>
+          <p:nvPr>
+            <p:ph type="pic" idx="1"/>
+          </p:nvPr>
+        </p:nvSpPr>
+        <p:spPr>
+          <a:xfrm>
+            <a:off x="5183188" y="987425"/>
+            <a:ext cx="6172200" cy="4873625"/>
+          </a:xfrm>
+        </p:spPr>
+        <p:txBody>
+          <a:bodyPr/>
+          <a:lstStyle>
+            <a:lvl1pPr marL="0" indent="0">
+              <a:buNone/>
+              <a:defRPr sz="3200"/>
+            </a:lvl1pPr>
+            <a:lvl2pPr marL="457200" indent="0">
+              <a:buNone/>
+              <a:defRPr sz="2800"/>
+            </a:lvl2pPr>
+            <a:lvl3pPr marL="914400" indent="0">
+              <a:buNone/>
+              <a:defRPr sz="2400"/>
+            </a:lvl3pPr>
+            <a:lvl4pPr marL="1371600" indent="0">
+              <a:buNone/>
+              <a:defRPr sz="2000"/>
+            </a:lvl4pPr>
+            <a:lvl5pPr marL="1828800" indent="0">
+              <a:buNone/>
+              <a:defRPr sz="2000"/>
+            </a:lvl5pPr>
+            <a:lvl6pPr marL="2286000" indent="0">
+              <a:buNone/>
+              <a:defRPr sz="2000"/>
+            </a:lvl6pPr>
+            <a:lvl7pPr marL="2743200" indent="0">
+              <a:buNone/>
+              <a:defRPr sz="2000"/>
+            </a:lvl7pPr>
+            <a:lvl8pPr marL="3200400" indent="0">
+              <a:buNone/>
+              <a:defRPr sz="2000"/>
+            </a:lvl8pPr>
+            <a:lvl9pPr marL="3657600" indent="0">
+              <a:buNone/>
+              <a:defRPr sz="2000"/>
+            </a:lvl9pPr>
+          </a:lstStyle>
+          <a:p>
+            <a:endParaRPr lang="en-US"/>
+          </a:p>
+        </p:txBody>
+      </p:sp>
+      <p:sp>
+        <p:nvSpPr>
+          <p:cNvPr id="4" name="Text Placeholder 3"/>
+          <p:cNvSpPr>
+            <a:spLocks noGrp="1"/>
+          </p:cNvSpPr>
+          <p:nvPr>
+            <p:ph type="body" sz="half" idx="2"/>
+          </p:nvPr>
+        </p:nvSpPr>
+        <p:spPr>
+          <a:xfrm>
+            <a:off x="839788" y="2057400"/>
+            <a:ext cx="3932237" cy="3811588"/>
+          </a:xfrm>
+        </p:spPr>
+        <p:txBody>
+          <a:bodyPr/>
+          <a:lstStyle>
+            <a:lvl1pPr marL="0" indent="0">
+              <a:buNone/>
+              <a:defRPr sz="1600"/>
+            </a:lvl1pPr>
+            <a:lvl2pPr marL="457200" indent="0">
+              <a:buNone/>
+              <a:defRPr sz="1400"/>
+            </a:lvl2pPr>
+            <a:lvl3pPr marL="914400" indent="0">
+              <a:buNone/>
+              <a:defRPr sz="1200"/>
+            </a:lvl3pPr>
+            <a:lvl4pPr marL="1371600" indent="0">
+              <a:buNone/>
+              <a:defRPr sz="1000"/>
+            </a:lvl4pPr>
+            <a:lvl5pPr marL="1828800" indent="0">
+              <a:buNone/>
+              <a:defRPr sz="1000"/>
+            </a:lvl5pPr>
+            <a:lvl6pPr marL="2286000" indent="0">
+              <a:buNone/>
+              <a:defRPr sz="1000"/>
+            </a:lvl6pPr>
+            <a:lvl7pPr marL="2743200" indent="0">
+              <a:buNone/>
+              <a:defRPr sz="1000"/>
+            </a:lvl7pPr>
+            <a:lvl8pPr marL="3200400" indent="0">
+              <a:buNone/>
+              <a:defRPr sz="1000"/>
+            </a:lvl8pPr>
+            <a:lvl9pPr marL="3657600" indent="0">
+              <a:buNone/>
+              <a:defRPr sz="1000"/>
+            </a:lvl9pPr>
+          </a:lstStyle>
+          <a:p>
+            <a:pPr lvl="0"/>
+            <a:r>
+              <a:rPr lang="en-US" smtClean="0"/>
+              <a:t>Click to edit Master text styles</a:t>
+            </a:r>
+          </a:p>
+        </p:txBody>
+      </p:sp>
+      <p:sp>
+        <p:nvSpPr>
+          <p:cNvPr id="5" name="Date Placeholder 4"/>
+          <p:cNvSpPr>
+            <a:spLocks noGrp="1"/>
+          </p:cNvSpPr>
+          <p:nvPr>
+            <p:ph type="dt" sz="half" idx="10"/>
+          </p:nvPr>
+        </p:nvSpPr>
+        <p:spPr/>
+        <p:txBody>
+          <a:bodyPr/>
+          <a:lstStyle/>
+          <a:p>
+            <a:endParaRPr lang="en-US"/>
+          </a:p>
+        </p:txBody>
+      </p:sp>
+      <p:sp>
+        <p:nvSpPr>
+          <p:cNvPr id="6" name="Footer Placeholder 5"/>
+          <p:cNvSpPr>
+            <a:spLocks noGrp="1"/>
+          </p:cNvSpPr>
+          <p:nvPr>
+            <p:ph type="ftr" sz="quarter" idx="11"/>
+          </p:nvPr>
+        </p:nvSpPr>
+        <p:spPr/>
+        <p:txBody>
+          <a:bodyPr/>
+          <a:lstStyle/>
+          <a:p>
+            <a:endParaRPr lang="en-US"/>
+          </a:p>
+        </p:txBody>
+      </p:sp>
+      <p:sp>
+        <p:nvSpPr>
+          <p:cNvPr id="7" name="Slide Number Placeholder 6"/>
+          <p:cNvSpPr>
+            <a:spLocks noGrp="1"/>
+          </p:cNvSpPr>
+          <p:nvPr>
+            <p:ph type="sldNum" sz="quarter" idx="12"/>
+          </p:nvPr>
+        </p:nvSpPr>
+        <p:spPr/>
+        <p:txBody>
+          <a:bodyPr/>
+          <a:lstStyle/>
+          <a:p>
+            <a:fld id="{48889DE6-3F1A-0A41-B28F-22E9F29FB933}" type="slidenum">
+              <a:rPr lang="en-US" smtClean="0"/>
+              <a:t>‹#›</a:t>
+            </a:fld>
+            <a:endParaRPr lang="en-US"/>
+          </a:p>
+        </p:txBody>
+      </p:sp>
+    </p:spTree>
+    <p:extLst>
+      <p:ext uri="{BB962C8B-B14F-4D97-AF65-F5344CB8AC3E}">
+        <p14:creationId xmlns:p14="http://schemas.microsoft.com/office/powerpoint/2010/main" val="757954757"/>
+      </p:ext>
+    </p:extLst>
+  </p:cSld>
+  <p:clrMapOvr>
+    <a:masterClrMapping/>
+  </p:clrMapOvr>
+</p:sldLayout>
+</file>
+
+<file path=ppt/slideLayouts/slideLayout28.xml><?xml version="1.0" encoding="utf-8"?>
+<p:sldLayout xmlns:a="http://schemas.openxmlformats.org/drawingml/2006/main" xmlns:r="http://schemas.openxmlformats.org/officeDocument/2006/relationships" xmlns:p="http://schemas.openxmlformats.org/presentationml/2006/main" type="vertTx" preserve="1">
+  <p:cSld name="Title and Vertical Text">
+    <p:spTree>
+      <p:nvGrpSpPr>
+        <p:cNvPr id="1" name=""/>
+        <p:cNvGrpSpPr/>
+        <p:nvPr/>
+      </p:nvGrpSpPr>
+      <p:grpSpPr>
+        <a:xfrm>
+          <a:off x="0" y="0"/>
+          <a:ext cx="0" cy="0"/>
+          <a:chOff x="0" y="0"/>
+          <a:chExt cx="0" cy="0"/>
+        </a:xfrm>
+      </p:grpSpPr>
+      <p:sp>
+        <p:nvSpPr>
+          <p:cNvPr id="2" name="Title 1"/>
+          <p:cNvSpPr>
+            <a:spLocks noGrp="1"/>
+          </p:cNvSpPr>
+          <p:nvPr>
+            <p:ph type="title"/>
+          </p:nvPr>
+        </p:nvSpPr>
+        <p:spPr/>
+        <p:txBody>
+          <a:bodyPr/>
+          <a:lstStyle/>
+          <a:p>
+            <a:r>
+              <a:rPr lang="en-US" smtClean="0"/>
+              <a:t>Click to edit Master title style</a:t>
+            </a:r>
+            <a:endParaRPr lang="en-US"/>
+          </a:p>
+        </p:txBody>
+      </p:sp>
+      <p:sp>
+        <p:nvSpPr>
+          <p:cNvPr id="3" name="Vertical Text Placeholder 2"/>
+          <p:cNvSpPr>
+            <a:spLocks noGrp="1"/>
+          </p:cNvSpPr>
+          <p:nvPr>
+            <p:ph type="body" orient="vert" idx="1"/>
+          </p:nvPr>
+        </p:nvSpPr>
+        <p:spPr/>
+        <p:txBody>
+          <a:bodyPr vert="eaVert"/>
+          <a:lstStyle/>
+          <a:p>
+            <a:pPr lvl="0"/>
+            <a:r>
+              <a:rPr lang="en-US" smtClean="0"/>
+              <a:t>Click to edit Master text styles</a:t>
+            </a:r>
+          </a:p>
+          <a:p>
+            <a:pPr lvl="1"/>
+            <a:r>
+              <a:rPr lang="en-US" smtClean="0"/>
+              <a:t>Second level</a:t>
+            </a:r>
+          </a:p>
+          <a:p>
+            <a:pPr lvl="2"/>
+            <a:r>
+              <a:rPr lang="en-US" smtClean="0"/>
+              <a:t>Third level</a:t>
+            </a:r>
+          </a:p>
+          <a:p>
+            <a:pPr lvl="3"/>
+            <a:r>
+              <a:rPr lang="en-US" smtClean="0"/>
+              <a:t>Fourth level</a:t>
+            </a:r>
+          </a:p>
+          <a:p>
+            <a:pPr lvl="4"/>
+            <a:r>
+              <a:rPr lang="en-US" smtClean="0"/>
+              <a:t>Fifth level</a:t>
+            </a:r>
+            <a:endParaRPr lang="en-US"/>
+          </a:p>
+        </p:txBody>
+      </p:sp>
+      <p:sp>
+        <p:nvSpPr>
+          <p:cNvPr id="4" name="Date Placeholder 3"/>
+          <p:cNvSpPr>
+            <a:spLocks noGrp="1"/>
+          </p:cNvSpPr>
+          <p:nvPr>
+            <p:ph type="dt" sz="half" idx="10"/>
+          </p:nvPr>
+        </p:nvSpPr>
+        <p:spPr/>
+        <p:txBody>
+          <a:bodyPr/>
+          <a:lstStyle/>
+          <a:p>
+            <a:endParaRPr lang="en-US"/>
+          </a:p>
+        </p:txBody>
+      </p:sp>
+      <p:sp>
+        <p:nvSpPr>
+          <p:cNvPr id="5" name="Footer Placeholder 4"/>
+          <p:cNvSpPr>
+            <a:spLocks noGrp="1"/>
+          </p:cNvSpPr>
+          <p:nvPr>
+            <p:ph type="ftr" sz="quarter" idx="11"/>
+          </p:nvPr>
+        </p:nvSpPr>
+        <p:spPr/>
+        <p:txBody>
+          <a:bodyPr/>
+          <a:lstStyle/>
+          <a:p>
+            <a:endParaRPr lang="en-US"/>
+          </a:p>
+        </p:txBody>
+      </p:sp>
+      <p:sp>
+        <p:nvSpPr>
+          <p:cNvPr id="6" name="Slide Number Placeholder 5"/>
+          <p:cNvSpPr>
+            <a:spLocks noGrp="1"/>
+          </p:cNvSpPr>
+          <p:nvPr>
+            <p:ph type="sldNum" sz="quarter" idx="12"/>
+          </p:nvPr>
+        </p:nvSpPr>
+        <p:spPr/>
+        <p:txBody>
+          <a:bodyPr/>
+          <a:lstStyle/>
+          <a:p>
+            <a:fld id="{48889DE6-3F1A-0A41-B28F-22E9F29FB933}" type="slidenum">
+              <a:rPr lang="en-US" smtClean="0"/>
+              <a:t>‹#›</a:t>
+            </a:fld>
+            <a:endParaRPr lang="en-US"/>
+          </a:p>
+        </p:txBody>
+      </p:sp>
+    </p:spTree>
+    <p:extLst>
+      <p:ext uri="{BB962C8B-B14F-4D97-AF65-F5344CB8AC3E}">
+        <p14:creationId xmlns:p14="http://schemas.microsoft.com/office/powerpoint/2010/main" val="72606895"/>
+      </p:ext>
+    </p:extLst>
+  </p:cSld>
+  <p:clrMapOvr>
+    <a:masterClrMapping/>
+  </p:clrMapOvr>
+</p:sldLayout>
+</file>
+
+<file path=ppt/slideLayouts/slideLayout29.xml><?xml version="1.0" encoding="utf-8"?>
+<p:sldLayout xmlns:a="http://schemas.openxmlformats.org/drawingml/2006/main" xmlns:r="http://schemas.openxmlformats.org/officeDocument/2006/relationships" xmlns:p="http://schemas.openxmlformats.org/presentationml/2006/main" type="vertTitleAndTx" preserve="1">
+  <p:cSld name="Vertical Title and Text">
+    <p:spTree>
+      <p:nvGrpSpPr>
+        <p:cNvPr id="1" name=""/>
+        <p:cNvGrpSpPr/>
+        <p:nvPr/>
+      </p:nvGrpSpPr>
+      <p:grpSpPr>
+        <a:xfrm>
+          <a:off x="0" y="0"/>
+          <a:ext cx="0" cy="0"/>
+          <a:chOff x="0" y="0"/>
+          <a:chExt cx="0" cy="0"/>
+        </a:xfrm>
+      </p:grpSpPr>
+      <p:sp>
+        <p:nvSpPr>
+          <p:cNvPr id="2" name="Vertical Title 1"/>
+          <p:cNvSpPr>
+            <a:spLocks noGrp="1"/>
+          </p:cNvSpPr>
+          <p:nvPr>
+            <p:ph type="title" orient="vert"/>
+          </p:nvPr>
+        </p:nvSpPr>
+        <p:spPr>
+          <a:xfrm>
+            <a:off x="8724900" y="365125"/>
+            <a:ext cx="2628900" cy="5811838"/>
+          </a:xfrm>
+        </p:spPr>
+        <p:txBody>
+          <a:bodyPr vert="eaVert"/>
+          <a:lstStyle/>
+          <a:p>
+            <a:r>
+              <a:rPr lang="en-US" smtClean="0"/>
+              <a:t>Click to edit Master title style</a:t>
+            </a:r>
+            <a:endParaRPr lang="en-US"/>
+          </a:p>
+        </p:txBody>
+      </p:sp>
+      <p:sp>
+        <p:nvSpPr>
+          <p:cNvPr id="3" name="Vertical Text Placeholder 2"/>
+          <p:cNvSpPr>
+            <a:spLocks noGrp="1"/>
+          </p:cNvSpPr>
+          <p:nvPr>
+            <p:ph type="body" orient="vert" idx="1"/>
+          </p:nvPr>
+        </p:nvSpPr>
+        <p:spPr>
+          <a:xfrm>
+            <a:off x="838200" y="365125"/>
+            <a:ext cx="7734300" cy="5811838"/>
+          </a:xfrm>
+        </p:spPr>
+        <p:txBody>
+          <a:bodyPr vert="eaVert"/>
+          <a:lstStyle/>
+          <a:p>
+            <a:pPr lvl="0"/>
+            <a:r>
+              <a:rPr lang="en-US" smtClean="0"/>
+              <a:t>Click to edit Master text styles</a:t>
+            </a:r>
+          </a:p>
+          <a:p>
+            <a:pPr lvl="1"/>
+            <a:r>
+              <a:rPr lang="en-US" smtClean="0"/>
+              <a:t>Second level</a:t>
+            </a:r>
+          </a:p>
+          <a:p>
+            <a:pPr lvl="2"/>
+            <a:r>
+              <a:rPr lang="en-US" smtClean="0"/>
+              <a:t>Third level</a:t>
+            </a:r>
+          </a:p>
+          <a:p>
+            <a:pPr lvl="3"/>
+            <a:r>
+              <a:rPr lang="en-US" smtClean="0"/>
+              <a:t>Fourth level</a:t>
+            </a:r>
+          </a:p>
+          <a:p>
+            <a:pPr lvl="4"/>
+            <a:r>
+              <a:rPr lang="en-US" smtClean="0"/>
+              <a:t>Fifth level</a:t>
+            </a:r>
+            <a:endParaRPr lang="en-US"/>
+          </a:p>
+        </p:txBody>
+      </p:sp>
+      <p:sp>
+        <p:nvSpPr>
+          <p:cNvPr id="4" name="Date Placeholder 3"/>
+          <p:cNvSpPr>
+            <a:spLocks noGrp="1"/>
+          </p:cNvSpPr>
+          <p:nvPr>
+            <p:ph type="dt" sz="half" idx="10"/>
+          </p:nvPr>
+        </p:nvSpPr>
+        <p:spPr/>
+        <p:txBody>
+          <a:bodyPr/>
+          <a:lstStyle/>
+          <a:p>
+            <a:endParaRPr lang="en-US"/>
+          </a:p>
+        </p:txBody>
+      </p:sp>
+      <p:sp>
+        <p:nvSpPr>
+          <p:cNvPr id="5" name="Footer Placeholder 4"/>
+          <p:cNvSpPr>
+            <a:spLocks noGrp="1"/>
+          </p:cNvSpPr>
+          <p:nvPr>
+            <p:ph type="ftr" sz="quarter" idx="11"/>
+          </p:nvPr>
+        </p:nvSpPr>
+        <p:spPr/>
+        <p:txBody>
+          <a:bodyPr/>
+          <a:lstStyle/>
+          <a:p>
+            <a:endParaRPr lang="en-US"/>
+          </a:p>
+        </p:txBody>
+      </p:sp>
+      <p:sp>
+        <p:nvSpPr>
+          <p:cNvPr id="6" name="Slide Number Placeholder 5"/>
+          <p:cNvSpPr>
+            <a:spLocks noGrp="1"/>
+          </p:cNvSpPr>
+          <p:nvPr>
+            <p:ph type="sldNum" sz="quarter" idx="12"/>
+          </p:nvPr>
+        </p:nvSpPr>
+        <p:spPr/>
+        <p:txBody>
+          <a:bodyPr/>
+          <a:lstStyle/>
+          <a:p>
+            <a:fld id="{48889DE6-3F1A-0A41-B28F-22E9F29FB933}" type="slidenum">
+              <a:rPr lang="en-US" smtClean="0"/>
+              <a:t>‹#›</a:t>
+            </a:fld>
+            <a:endParaRPr lang="en-US"/>
+          </a:p>
+        </p:txBody>
+      </p:sp>
+    </p:spTree>
+    <p:extLst>
+      <p:ext uri="{BB962C8B-B14F-4D97-AF65-F5344CB8AC3E}">
+        <p14:creationId xmlns:p14="http://schemas.microsoft.com/office/powerpoint/2010/main" val="533372769"/>
+      </p:ext>
+    </p:extLst>
   </p:cSld>
   <p:clrMapOvr>
     <a:masterClrMapping/>
@@ -3915,64 +6418,57 @@
       </p:sp>
       <p:sp>
         <p:nvSpPr>
-          <p:cNvPr id="4" name="Date Placeholder 3"/>
-          <p:cNvSpPr>
-            <a:spLocks noGrp="1"/>
-          </p:cNvSpPr>
-          <p:nvPr>
-            <p:ph type="dt" sz="half" idx="10"/>
-          </p:nvPr>
-        </p:nvSpPr>
-        <p:spPr/>
+          <p:cNvPr id="9" name="Footer Placeholder 8"/>
+          <p:cNvSpPr>
+            <a:spLocks noGrp="1"/>
+          </p:cNvSpPr>
+          <p:nvPr>
+            <p:ph type="ftr" sz="quarter" idx="11"/>
+          </p:nvPr>
+        </p:nvSpPr>
+        <p:spPr>
+          <a:xfrm>
+            <a:off x="1344706" y="5868707"/>
+            <a:ext cx="9472520" cy="377825"/>
+          </a:xfrm>
+          <a:prstGeom prst="rect">
+            <a:avLst/>
+          </a:prstGeom>
+        </p:spPr>
         <p:txBody>
           <a:bodyPr/>
-          <a:lstStyle/>
-          <a:p>
-            <a:fld id="{B61BEF0D-F0BB-DE4B-95CE-6DB70DBA9567}" type="datetimeFigureOut">
-              <a:rPr lang="en-US" dirty="0"/>
-              <a:pPr/>
-              <a:t>8/24/18</a:t>
-            </a:fld>
-            <a:endParaRPr lang="en-US" dirty="0"/>
-          </a:p>
-        </p:txBody>
-      </p:sp>
-      <p:sp>
-        <p:nvSpPr>
-          <p:cNvPr id="5" name="Footer Placeholder 4"/>
-          <p:cNvSpPr>
-            <a:spLocks noGrp="1"/>
-          </p:cNvSpPr>
-          <p:nvPr>
-            <p:ph type="ftr" sz="quarter" idx="11"/>
-          </p:nvPr>
-        </p:nvSpPr>
-        <p:spPr/>
+          <a:lstStyle>
+            <a:lvl1pPr algn="r">
+              <a:defRPr sz="1400"/>
+            </a:lvl1pPr>
+          </a:lstStyle>
+          <a:p>
+            <a:endParaRPr lang="en-US" dirty="0" smtClean="0"/>
+          </a:p>
+        </p:txBody>
+      </p:sp>
+      <p:sp>
+        <p:nvSpPr>
+          <p:cNvPr id="10" name="Slide Number Placeholder 9"/>
+          <p:cNvSpPr>
+            <a:spLocks noGrp="1"/>
+          </p:cNvSpPr>
+          <p:nvPr>
+            <p:ph type="sldNum" sz="quarter" idx="12"/>
+          </p:nvPr>
+        </p:nvSpPr>
+        <p:spPr>
+          <a:xfrm>
+            <a:off x="134632" y="6378046"/>
+            <a:ext cx="551167" cy="377825"/>
+          </a:xfrm>
+        </p:spPr>
         <p:txBody>
           <a:bodyPr/>
           <a:lstStyle/>
           <a:p>
-            <a:endParaRPr lang="en-US" dirty="0"/>
-          </a:p>
-        </p:txBody>
-      </p:sp>
-      <p:sp>
-        <p:nvSpPr>
-          <p:cNvPr id="6" name="Slide Number Placeholder 5"/>
-          <p:cNvSpPr>
-            <a:spLocks noGrp="1"/>
-          </p:cNvSpPr>
-          <p:nvPr>
-            <p:ph type="sldNum" sz="quarter" idx="12"/>
-          </p:nvPr>
-        </p:nvSpPr>
-        <p:spPr/>
-        <p:txBody>
-          <a:bodyPr/>
-          <a:lstStyle/>
-          <a:p>
             <a:fld id="{D57F1E4F-1CFF-5643-939E-217C01CDF565}" type="slidenum">
-              <a:rPr lang="en-US" dirty="0"/>
+              <a:rPr lang="en-US" smtClean="0"/>
               <a:pPr/>
               <a:t>‹#›</a:t>
             </a:fld>
@@ -3985,6 +6481,13 @@
   <p:clrMapOvr>
     <a:masterClrMapping/>
   </p:clrMapOvr>
+  <p:timing>
+    <p:tnLst>
+      <p:par>
+        <p:cTn id="1" dur="indefinite" restart="never" nodeType="tmRoot"/>
+      </p:par>
+    </p:tnLst>
+  </p:timing>
 </p:sldLayout>
 </file>
 
@@ -4178,44 +6681,28 @@
       </p:sp>
       <p:sp>
         <p:nvSpPr>
-          <p:cNvPr id="5" name="Date Placeholder 4"/>
-          <p:cNvSpPr>
-            <a:spLocks noGrp="1"/>
-          </p:cNvSpPr>
-          <p:nvPr>
-            <p:ph type="dt" sz="half" idx="10"/>
-          </p:nvPr>
-        </p:nvSpPr>
-        <p:spPr/>
+          <p:cNvPr id="6" name="Footer Placeholder 5"/>
+          <p:cNvSpPr>
+            <a:spLocks noGrp="1"/>
+          </p:cNvSpPr>
+          <p:nvPr>
+            <p:ph type="ftr" sz="quarter" idx="11"/>
+          </p:nvPr>
+        </p:nvSpPr>
+        <p:spPr>
+          <a:xfrm>
+            <a:off x="1344706" y="5868707"/>
+            <a:ext cx="9472520" cy="377825"/>
+          </a:xfrm>
+          <a:prstGeom prst="rect">
+            <a:avLst/>
+          </a:prstGeom>
+        </p:spPr>
         <p:txBody>
           <a:bodyPr/>
           <a:lstStyle/>
           <a:p>
-            <a:fld id="{B61BEF0D-F0BB-DE4B-95CE-6DB70DBA9567}" type="datetimeFigureOut">
-              <a:rPr lang="en-US" dirty="0"/>
-              <a:pPr/>
-              <a:t>8/24/18</a:t>
-            </a:fld>
-            <a:endParaRPr lang="en-US" dirty="0"/>
-          </a:p>
-        </p:txBody>
-      </p:sp>
-      <p:sp>
-        <p:nvSpPr>
-          <p:cNvPr id="6" name="Footer Placeholder 5"/>
-          <p:cNvSpPr>
-            <a:spLocks noGrp="1"/>
-          </p:cNvSpPr>
-          <p:nvPr>
-            <p:ph type="ftr" sz="quarter" idx="11"/>
-          </p:nvPr>
-        </p:nvSpPr>
-        <p:spPr/>
-        <p:txBody>
-          <a:bodyPr/>
-          <a:lstStyle/>
-          <a:p>
-            <a:endParaRPr lang="en-US" dirty="0"/>
+            <a:endParaRPr lang="en-US" dirty="0" smtClean="0"/>
           </a:p>
         </p:txBody>
       </p:sp>
@@ -4248,6 +6735,13 @@
   <p:clrMapOvr>
     <a:masterClrMapping/>
   </p:clrMapOvr>
+  <p:timing>
+    <p:tnLst>
+      <p:par>
+        <p:cTn id="1" dur="indefinite" restart="never" nodeType="tmRoot"/>
+      </p:par>
+    </p:tnLst>
+  </p:timing>
 </p:sldLayout>
 </file>
 
@@ -4549,44 +7043,28 @@
       </p:sp>
       <p:sp>
         <p:nvSpPr>
-          <p:cNvPr id="7" name="Date Placeholder 6"/>
-          <p:cNvSpPr>
-            <a:spLocks noGrp="1"/>
-          </p:cNvSpPr>
-          <p:nvPr>
-            <p:ph type="dt" sz="half" idx="10"/>
-          </p:nvPr>
-        </p:nvSpPr>
-        <p:spPr/>
+          <p:cNvPr id="8" name="Footer Placeholder 7"/>
+          <p:cNvSpPr>
+            <a:spLocks noGrp="1"/>
+          </p:cNvSpPr>
+          <p:nvPr>
+            <p:ph type="ftr" sz="quarter" idx="11"/>
+          </p:nvPr>
+        </p:nvSpPr>
+        <p:spPr>
+          <a:xfrm>
+            <a:off x="1344706" y="5868707"/>
+            <a:ext cx="9472520" cy="377825"/>
+          </a:xfrm>
+          <a:prstGeom prst="rect">
+            <a:avLst/>
+          </a:prstGeom>
+        </p:spPr>
         <p:txBody>
           <a:bodyPr/>
           <a:lstStyle/>
           <a:p>
-            <a:fld id="{B61BEF0D-F0BB-DE4B-95CE-6DB70DBA9567}" type="datetimeFigureOut">
-              <a:rPr lang="en-US" dirty="0"/>
-              <a:pPr/>
-              <a:t>8/24/18</a:t>
-            </a:fld>
-            <a:endParaRPr lang="en-US" dirty="0"/>
-          </a:p>
-        </p:txBody>
-      </p:sp>
-      <p:sp>
-        <p:nvSpPr>
-          <p:cNvPr id="8" name="Footer Placeholder 7"/>
-          <p:cNvSpPr>
-            <a:spLocks noGrp="1"/>
-          </p:cNvSpPr>
-          <p:nvPr>
-            <p:ph type="ftr" sz="quarter" idx="11"/>
-          </p:nvPr>
-        </p:nvSpPr>
-        <p:spPr/>
-        <p:txBody>
-          <a:bodyPr/>
-          <a:lstStyle/>
-          <a:p>
-            <a:endParaRPr lang="en-US" dirty="0"/>
+            <a:endParaRPr lang="en-US" dirty="0" smtClean="0"/>
           </a:p>
         </p:txBody>
       </p:sp>
@@ -4619,6 +7097,13 @@
   <p:clrMapOvr>
     <a:masterClrMapping/>
   </p:clrMapOvr>
+  <p:timing>
+    <p:tnLst>
+      <p:par>
+        <p:cTn id="1" dur="indefinite" restart="never" nodeType="tmRoot"/>
+      </p:par>
+    </p:tnLst>
+  </p:timing>
 </p:sldLayout>
 </file>
 
@@ -4694,44 +7179,46 @@
       </p:sp>
       <p:sp>
         <p:nvSpPr>
-          <p:cNvPr id="3" name="Date Placeholder 2"/>
-          <p:cNvSpPr>
-            <a:spLocks noGrp="1"/>
-          </p:cNvSpPr>
-          <p:nvPr>
-            <p:ph type="dt" sz="half" idx="10"/>
-          </p:nvPr>
-        </p:nvSpPr>
-        <p:spPr/>
+          <p:cNvPr id="4" name="Footer Placeholder 3"/>
+          <p:cNvSpPr>
+            <a:spLocks noGrp="1"/>
+          </p:cNvSpPr>
+          <p:nvPr>
+            <p:ph type="ftr" sz="quarter" idx="11"/>
+          </p:nvPr>
+        </p:nvSpPr>
+        <p:spPr>
+          <a:xfrm>
+            <a:off x="1344706" y="5868707"/>
+            <a:ext cx="9472520" cy="377825"/>
+          </a:xfrm>
+          <a:prstGeom prst="rect">
+            <a:avLst/>
+          </a:prstGeom>
+        </p:spPr>
         <p:txBody>
           <a:bodyPr/>
-          <a:lstStyle/>
-          <a:p>
-            <a:fld id="{B61BEF0D-F0BB-DE4B-95CE-6DB70DBA9567}" type="datetimeFigureOut">
-              <a:rPr lang="en-US" dirty="0"/>
-              <a:pPr/>
-              <a:t>8/24/18</a:t>
-            </a:fld>
-            <a:endParaRPr lang="en-US" dirty="0"/>
-          </a:p>
-        </p:txBody>
-      </p:sp>
-      <p:sp>
-        <p:nvSpPr>
-          <p:cNvPr id="4" name="Footer Placeholder 3"/>
-          <p:cNvSpPr>
-            <a:spLocks noGrp="1"/>
-          </p:cNvSpPr>
-          <p:nvPr>
-            <p:ph type="ftr" sz="quarter" idx="11"/>
-          </p:nvPr>
-        </p:nvSpPr>
-        <p:spPr/>
-        <p:txBody>
-          <a:bodyPr/>
-          <a:lstStyle/>
-          <a:p>
-            <a:endParaRPr lang="en-US" dirty="0"/>
+          <a:lstStyle>
+            <a:lvl1pPr marL="0" marR="0" indent="0" algn="r" defTabSz="457200" rtl="0" eaLnBrk="1" fontAlgn="auto" latinLnBrk="0" hangingPunct="1">
+              <a:lnSpc>
+                <a:spcPct val="100000"/>
+              </a:lnSpc>
+              <a:spcBef>
+                <a:spcPts val="0"/>
+              </a:spcBef>
+              <a:spcAft>
+                <a:spcPts val="0"/>
+              </a:spcAft>
+              <a:buClrTx/>
+              <a:buSzTx/>
+              <a:buFontTx/>
+              <a:buNone/>
+              <a:tabLst/>
+              <a:defRPr/>
+            </a:lvl1pPr>
+          </a:lstStyle>
+          <a:p>
+            <a:endParaRPr lang="en-US" dirty="0" smtClean="0"/>
           </a:p>
         </p:txBody>
       </p:sp>
@@ -4764,6 +7251,13 @@
   <p:clrMapOvr>
     <a:masterClrMapping/>
   </p:clrMapOvr>
+  <p:timing>
+    <p:tnLst>
+      <p:par>
+        <p:cTn id="1" dur="indefinite" restart="never" nodeType="tmRoot"/>
+      </p:par>
+    </p:tnLst>
+  </p:timing>
 </p:sldLayout>
 </file>
 
@@ -4816,44 +7310,28 @@
       </p:pic>
       <p:sp>
         <p:nvSpPr>
-          <p:cNvPr id="2" name="Date Placeholder 1"/>
-          <p:cNvSpPr>
-            <a:spLocks noGrp="1"/>
-          </p:cNvSpPr>
-          <p:nvPr>
-            <p:ph type="dt" sz="half" idx="10"/>
-          </p:nvPr>
-        </p:nvSpPr>
-        <p:spPr/>
+          <p:cNvPr id="3" name="Footer Placeholder 2"/>
+          <p:cNvSpPr>
+            <a:spLocks noGrp="1"/>
+          </p:cNvSpPr>
+          <p:nvPr>
+            <p:ph type="ftr" sz="quarter" idx="11"/>
+          </p:nvPr>
+        </p:nvSpPr>
+        <p:spPr>
+          <a:xfrm>
+            <a:off x="1344706" y="5868707"/>
+            <a:ext cx="9472520" cy="377825"/>
+          </a:xfrm>
+          <a:prstGeom prst="rect">
+            <a:avLst/>
+          </a:prstGeom>
+        </p:spPr>
         <p:txBody>
           <a:bodyPr/>
           <a:lstStyle/>
           <a:p>
-            <a:fld id="{B61BEF0D-F0BB-DE4B-95CE-6DB70DBA9567}" type="datetimeFigureOut">
-              <a:rPr lang="en-US" dirty="0"/>
-              <a:pPr/>
-              <a:t>8/24/18</a:t>
-            </a:fld>
-            <a:endParaRPr lang="en-US" dirty="0"/>
-          </a:p>
-        </p:txBody>
-      </p:sp>
-      <p:sp>
-        <p:nvSpPr>
-          <p:cNvPr id="3" name="Footer Placeholder 2"/>
-          <p:cNvSpPr>
-            <a:spLocks noGrp="1"/>
-          </p:cNvSpPr>
-          <p:nvPr>
-            <p:ph type="ftr" sz="quarter" idx="11"/>
-          </p:nvPr>
-        </p:nvSpPr>
-        <p:spPr/>
-        <p:txBody>
-          <a:bodyPr/>
-          <a:lstStyle/>
-          <a:p>
-            <a:endParaRPr lang="en-US" dirty="0"/>
+            <a:endParaRPr lang="en-US" dirty="0" smtClean="0"/>
           </a:p>
         </p:txBody>
       </p:sp>
@@ -4886,6 +7364,13 @@
   <p:clrMapOvr>
     <a:masterClrMapping/>
   </p:clrMapOvr>
+  <p:timing>
+    <p:tnLst>
+      <p:par>
+        <p:cTn id="1" dur="indefinite" restart="never" nodeType="tmRoot"/>
+      </p:par>
+    </p:tnLst>
+  </p:timing>
 </p:sldLayout>
 </file>
 
@@ -5098,44 +7583,28 @@
       </p:sp>
       <p:sp>
         <p:nvSpPr>
-          <p:cNvPr id="5" name="Date Placeholder 4"/>
-          <p:cNvSpPr>
-            <a:spLocks noGrp="1"/>
-          </p:cNvSpPr>
-          <p:nvPr>
-            <p:ph type="dt" sz="half" idx="10"/>
-          </p:nvPr>
-        </p:nvSpPr>
-        <p:spPr/>
+          <p:cNvPr id="6" name="Footer Placeholder 5"/>
+          <p:cNvSpPr>
+            <a:spLocks noGrp="1"/>
+          </p:cNvSpPr>
+          <p:nvPr>
+            <p:ph type="ftr" sz="quarter" idx="11"/>
+          </p:nvPr>
+        </p:nvSpPr>
+        <p:spPr>
+          <a:xfrm>
+            <a:off x="1344706" y="5868707"/>
+            <a:ext cx="9472520" cy="377825"/>
+          </a:xfrm>
+          <a:prstGeom prst="rect">
+            <a:avLst/>
+          </a:prstGeom>
+        </p:spPr>
         <p:txBody>
           <a:bodyPr/>
           <a:lstStyle/>
           <a:p>
-            <a:fld id="{B61BEF0D-F0BB-DE4B-95CE-6DB70DBA9567}" type="datetimeFigureOut">
-              <a:rPr lang="en-US" dirty="0"/>
-              <a:pPr/>
-              <a:t>8/24/18</a:t>
-            </a:fld>
-            <a:endParaRPr lang="en-US" dirty="0"/>
-          </a:p>
-        </p:txBody>
-      </p:sp>
-      <p:sp>
-        <p:nvSpPr>
-          <p:cNvPr id="6" name="Footer Placeholder 5"/>
-          <p:cNvSpPr>
-            <a:spLocks noGrp="1"/>
-          </p:cNvSpPr>
-          <p:nvPr>
-            <p:ph type="ftr" sz="quarter" idx="11"/>
-          </p:nvPr>
-        </p:nvSpPr>
-        <p:spPr/>
-        <p:txBody>
-          <a:bodyPr/>
-          <a:lstStyle/>
-          <a:p>
-            <a:endParaRPr lang="en-US" dirty="0"/>
+            <a:endParaRPr lang="en-US" dirty="0" smtClean="0"/>
           </a:p>
         </p:txBody>
       </p:sp>
@@ -5168,6 +7637,13 @@
   <p:clrMapOvr>
     <a:masterClrMapping/>
   </p:clrMapOvr>
+  <p:timing>
+    <p:tnLst>
+      <p:par>
+        <p:cTn id="1" dur="indefinite" restart="never" nodeType="tmRoot"/>
+      </p:par>
+    </p:tnLst>
+  </p:timing>
 </p:sldLayout>
 </file>
 
@@ -5419,44 +7895,28 @@
       </p:sp>
       <p:sp>
         <p:nvSpPr>
-          <p:cNvPr id="5" name="Date Placeholder 4"/>
-          <p:cNvSpPr>
-            <a:spLocks noGrp="1"/>
-          </p:cNvSpPr>
-          <p:nvPr>
-            <p:ph type="dt" sz="half" idx="10"/>
-          </p:nvPr>
-        </p:nvSpPr>
-        <p:spPr/>
+          <p:cNvPr id="6" name="Footer Placeholder 5"/>
+          <p:cNvSpPr>
+            <a:spLocks noGrp="1"/>
+          </p:cNvSpPr>
+          <p:nvPr>
+            <p:ph type="ftr" sz="quarter" idx="11"/>
+          </p:nvPr>
+        </p:nvSpPr>
+        <p:spPr>
+          <a:xfrm>
+            <a:off x="1344706" y="5868707"/>
+            <a:ext cx="9472520" cy="377825"/>
+          </a:xfrm>
+          <a:prstGeom prst="rect">
+            <a:avLst/>
+          </a:prstGeom>
+        </p:spPr>
         <p:txBody>
           <a:bodyPr/>
           <a:lstStyle/>
           <a:p>
-            <a:fld id="{B61BEF0D-F0BB-DE4B-95CE-6DB70DBA9567}" type="datetimeFigureOut">
-              <a:rPr lang="en-US" dirty="0"/>
-              <a:pPr/>
-              <a:t>8/24/18</a:t>
-            </a:fld>
-            <a:endParaRPr lang="en-US" dirty="0"/>
-          </a:p>
-        </p:txBody>
-      </p:sp>
-      <p:sp>
-        <p:nvSpPr>
-          <p:cNvPr id="6" name="Footer Placeholder 5"/>
-          <p:cNvSpPr>
-            <a:spLocks noGrp="1"/>
-          </p:cNvSpPr>
-          <p:nvPr>
-            <p:ph type="ftr" sz="quarter" idx="11"/>
-          </p:nvPr>
-        </p:nvSpPr>
-        <p:spPr/>
-        <p:txBody>
-          <a:bodyPr/>
-          <a:lstStyle/>
-          <a:p>
-            <a:endParaRPr lang="en-US" dirty="0"/>
+            <a:endParaRPr lang="en-US" dirty="0" smtClean="0"/>
           </a:p>
         </p:txBody>
       </p:sp>
@@ -5489,6 +7949,13 @@
   <p:clrMapOvr>
     <a:masterClrMapping/>
   </p:clrMapOvr>
+  <p:timing>
+    <p:tnLst>
+      <p:par>
+        <p:cTn id="1" dur="indefinite" restart="never" nodeType="tmRoot"/>
+      </p:par>
+    </p:tnLst>
+  </p:timing>
 </p:sldLayout>
 </file>
 
@@ -5612,18 +8079,18 @@
       </p:sp>
       <p:sp>
         <p:nvSpPr>
-          <p:cNvPr id="4" name="Date Placeholder 3"/>
-          <p:cNvSpPr>
-            <a:spLocks noGrp="1"/>
-          </p:cNvSpPr>
-          <p:nvPr>
-            <p:ph type="dt" sz="half" idx="2"/>
+          <p:cNvPr id="6" name="Slide Number Placeholder 5"/>
+          <p:cNvSpPr>
+            <a:spLocks noGrp="1"/>
+          </p:cNvSpPr>
+          <p:nvPr>
+            <p:ph type="sldNum" sz="quarter" idx="4"/>
           </p:nvPr>
         </p:nvSpPr>
         <p:spPr>
           <a:xfrm>
-            <a:off x="8589660" y="5870575"/>
-            <a:ext cx="1600200" cy="377825"/>
+            <a:off x="134634" y="6315273"/>
+            <a:ext cx="551167" cy="377825"/>
           </a:xfrm>
           <a:prstGeom prst="rect">
             <a:avLst/>
@@ -5643,91 +8110,63 @@
             </a:lvl1pPr>
           </a:lstStyle>
           <a:p>
-            <a:fld id="{B61BEF0D-F0BB-DE4B-95CE-6DB70DBA9567}" type="datetimeFigureOut">
-              <a:rPr lang="en-US" dirty="0"/>
-              <a:pPr/>
-              <a:t>8/24/18</a:t>
-            </a:fld>
-            <a:endParaRPr lang="en-US" dirty="0"/>
-          </a:p>
-        </p:txBody>
-      </p:sp>
-      <p:sp>
-        <p:nvSpPr>
-          <p:cNvPr id="5" name="Footer Placeholder 4"/>
-          <p:cNvSpPr>
-            <a:spLocks noGrp="1"/>
-          </p:cNvSpPr>
-          <p:nvPr>
-            <p:ph type="ftr" sz="quarter" idx="3"/>
-          </p:nvPr>
-        </p:nvSpPr>
-        <p:spPr>
-          <a:xfrm>
-            <a:off x="685800" y="5870575"/>
-            <a:ext cx="7827659" cy="377825"/>
-          </a:xfrm>
-          <a:prstGeom prst="rect">
-            <a:avLst/>
-          </a:prstGeom>
-        </p:spPr>
-        <p:txBody>
-          <a:bodyPr vert="horz" lIns="91440" tIns="45720" rIns="91440" bIns="45720" rtlCol="0" anchor="ctr"/>
-          <a:lstStyle>
-            <a:lvl1pPr algn="l">
-              <a:defRPr sz="1000" b="0" i="0">
-                <a:solidFill>
-                  <a:schemeClr val="tx1"/>
-                </a:solidFill>
-                <a:effectLst/>
-                <a:latin typeface="+mn-lt"/>
-              </a:defRPr>
-            </a:lvl1pPr>
-          </a:lstStyle>
-          <a:p>
-            <a:endParaRPr lang="en-US" dirty="0"/>
-          </a:p>
-        </p:txBody>
-      </p:sp>
-      <p:sp>
-        <p:nvSpPr>
-          <p:cNvPr id="6" name="Slide Number Placeholder 5"/>
-          <p:cNvSpPr>
-            <a:spLocks noGrp="1"/>
-          </p:cNvSpPr>
-          <p:nvPr>
-            <p:ph type="sldNum" sz="quarter" idx="4"/>
-          </p:nvPr>
-        </p:nvSpPr>
-        <p:spPr>
-          <a:xfrm>
-            <a:off x="10266060" y="5870575"/>
-            <a:ext cx="551167" cy="377825"/>
-          </a:xfrm>
-          <a:prstGeom prst="rect">
-            <a:avLst/>
-          </a:prstGeom>
-        </p:spPr>
-        <p:txBody>
-          <a:bodyPr vert="horz" lIns="91440" tIns="45720" rIns="91440" bIns="45720" rtlCol="0" anchor="ctr"/>
-          <a:lstStyle>
-            <a:lvl1pPr algn="r">
-              <a:defRPr sz="1000" b="0" i="0">
-                <a:solidFill>
-                  <a:schemeClr val="tx1"/>
-                </a:solidFill>
-                <a:effectLst/>
-                <a:latin typeface="+mn-lt"/>
-              </a:defRPr>
-            </a:lvl1pPr>
-          </a:lstStyle>
-          <a:p>
             <a:fld id="{D57F1E4F-1CFF-5643-939E-217C01CDF565}" type="slidenum">
               <a:rPr lang="en-US" dirty="0"/>
               <a:pPr/>
               <a:t>‹#›</a:t>
             </a:fld>
             <a:endParaRPr lang="en-US" dirty="0"/>
+          </a:p>
+        </p:txBody>
+      </p:sp>
+      <p:sp>
+        <p:nvSpPr>
+          <p:cNvPr id="7" name="TextBox 6"/>
+          <p:cNvSpPr txBox="1"/>
+          <p:nvPr userDrawn="1"/>
+        </p:nvSpPr>
+        <p:spPr>
+          <a:xfrm>
+            <a:off x="10817226" y="6315273"/>
+            <a:ext cx="1169894" cy="307777"/>
+          </a:xfrm>
+          <a:prstGeom prst="rect">
+            <a:avLst/>
+          </a:prstGeom>
+          <a:noFill/>
+        </p:spPr>
+        <p:txBody>
+          <a:bodyPr wrap="square" rtlCol="0">
+            <a:spAutoFit/>
+          </a:bodyPr>
+          <a:lstStyle/>
+          <a:p>
+            <a:pPr marL="0" marR="0" indent="0" algn="l" defTabSz="457200" rtl="0" eaLnBrk="1" fontAlgn="auto" latinLnBrk="0" hangingPunct="1">
+              <a:lnSpc>
+                <a:spcPct val="100000"/>
+              </a:lnSpc>
+              <a:spcBef>
+                <a:spcPts val="0"/>
+              </a:spcBef>
+              <a:spcAft>
+                <a:spcPts val="0"/>
+              </a:spcAft>
+              <a:buClrTx/>
+              <a:buSzTx/>
+              <a:buFontTx/>
+              <a:buNone/>
+              <a:tabLst/>
+              <a:defRPr/>
+            </a:pPr>
+            <a:r>
+              <a:rPr lang="en-US" sz="1400" baseline="0" dirty="0" smtClean="0">
+                <a:latin typeface="Monaco" charset="0"/>
+                <a:ea typeface="Monaco" charset="0"/>
+                <a:cs typeface="Monaco" charset="0"/>
+              </a:rPr>
+              <a:t>Bloomberg</a:t>
+            </a:r>
+            <a:endParaRPr lang="en-US" sz="1400" baseline="0" dirty="0" smtClean="0"/>
           </a:p>
         </p:txBody>
       </p:sp>
@@ -5752,7 +8191,16 @@
     <p:sldLayoutId id="2147483667" r:id="rId15"/>
     <p:sldLayoutId id="2147483658" r:id="rId16"/>
     <p:sldLayoutId id="2147483659" r:id="rId17"/>
+    <p:sldLayoutId id="2147483669" r:id="rId18"/>
   </p:sldLayoutIdLst>
+  <p:timing>
+    <p:tnLst>
+      <p:par>
+        <p:cTn id="1" dur="indefinite" restart="never" nodeType="tmRoot"/>
+      </p:par>
+    </p:tnLst>
+  </p:timing>
+  <p:hf hdr="0" ftr="0" dt="0"/>
   <p:txStyles>
     <p:titleStyle>
       <a:lvl1pPr algn="l" defTabSz="457200" rtl="0" eaLnBrk="1" latinLnBrk="0" hangingPunct="1">
@@ -6138,6 +8586,550 @@
 </p:sldMaster>
 </file>
 
+<file path=ppt/slideMasters/slideMaster2.xml><?xml version="1.0" encoding="utf-8"?>
+<p:sldMaster xmlns:a="http://schemas.openxmlformats.org/drawingml/2006/main" xmlns:r="http://schemas.openxmlformats.org/officeDocument/2006/relationships" xmlns:p="http://schemas.openxmlformats.org/presentationml/2006/main" preserve="1">
+  <p:cSld>
+    <p:bg>
+      <p:bgRef idx="1001">
+        <a:schemeClr val="bg1"/>
+      </p:bgRef>
+    </p:bg>
+    <p:spTree>
+      <p:nvGrpSpPr>
+        <p:cNvPr id="1" name=""/>
+        <p:cNvGrpSpPr/>
+        <p:nvPr/>
+      </p:nvGrpSpPr>
+      <p:grpSpPr>
+        <a:xfrm>
+          <a:off x="0" y="0"/>
+          <a:ext cx="0" cy="0"/>
+          <a:chOff x="0" y="0"/>
+          <a:chExt cx="0" cy="0"/>
+        </a:xfrm>
+      </p:grpSpPr>
+      <p:sp>
+        <p:nvSpPr>
+          <p:cNvPr id="2" name="Title Placeholder 1"/>
+          <p:cNvSpPr>
+            <a:spLocks noGrp="1"/>
+          </p:cNvSpPr>
+          <p:nvPr>
+            <p:ph type="title"/>
+          </p:nvPr>
+        </p:nvSpPr>
+        <p:spPr>
+          <a:xfrm>
+            <a:off x="838200" y="365125"/>
+            <a:ext cx="10515600" cy="1325563"/>
+          </a:xfrm>
+          <a:prstGeom prst="rect">
+            <a:avLst/>
+          </a:prstGeom>
+        </p:spPr>
+        <p:txBody>
+          <a:bodyPr vert="horz" lIns="91440" tIns="45720" rIns="91440" bIns="45720" rtlCol="0" anchor="ctr">
+            <a:normAutofit/>
+          </a:bodyPr>
+          <a:lstStyle/>
+          <a:p>
+            <a:r>
+              <a:rPr lang="en-US" smtClean="0"/>
+              <a:t>Click to edit Master title style</a:t>
+            </a:r>
+            <a:endParaRPr lang="en-US"/>
+          </a:p>
+        </p:txBody>
+      </p:sp>
+      <p:sp>
+        <p:nvSpPr>
+          <p:cNvPr id="3" name="Text Placeholder 2"/>
+          <p:cNvSpPr>
+            <a:spLocks noGrp="1"/>
+          </p:cNvSpPr>
+          <p:nvPr>
+            <p:ph type="body" idx="1"/>
+          </p:nvPr>
+        </p:nvSpPr>
+        <p:spPr>
+          <a:xfrm>
+            <a:off x="838200" y="1825625"/>
+            <a:ext cx="10515600" cy="4351338"/>
+          </a:xfrm>
+          <a:prstGeom prst="rect">
+            <a:avLst/>
+          </a:prstGeom>
+        </p:spPr>
+        <p:txBody>
+          <a:bodyPr vert="horz" lIns="91440" tIns="45720" rIns="91440" bIns="45720" rtlCol="0">
+            <a:normAutofit/>
+          </a:bodyPr>
+          <a:lstStyle/>
+          <a:p>
+            <a:pPr lvl="0"/>
+            <a:r>
+              <a:rPr lang="en-US" smtClean="0"/>
+              <a:t>Click to edit Master text styles</a:t>
+            </a:r>
+          </a:p>
+          <a:p>
+            <a:pPr lvl="1"/>
+            <a:r>
+              <a:rPr lang="en-US" smtClean="0"/>
+              <a:t>Second level</a:t>
+            </a:r>
+          </a:p>
+          <a:p>
+            <a:pPr lvl="2"/>
+            <a:r>
+              <a:rPr lang="en-US" smtClean="0"/>
+              <a:t>Third level</a:t>
+            </a:r>
+          </a:p>
+          <a:p>
+            <a:pPr lvl="3"/>
+            <a:r>
+              <a:rPr lang="en-US" smtClean="0"/>
+              <a:t>Fourth level</a:t>
+            </a:r>
+          </a:p>
+          <a:p>
+            <a:pPr lvl="4"/>
+            <a:r>
+              <a:rPr lang="en-US" smtClean="0"/>
+              <a:t>Fifth level</a:t>
+            </a:r>
+            <a:endParaRPr lang="en-US"/>
+          </a:p>
+        </p:txBody>
+      </p:sp>
+      <p:sp>
+        <p:nvSpPr>
+          <p:cNvPr id="4" name="Date Placeholder 3"/>
+          <p:cNvSpPr>
+            <a:spLocks noGrp="1"/>
+          </p:cNvSpPr>
+          <p:nvPr>
+            <p:ph type="dt" sz="half" idx="2"/>
+          </p:nvPr>
+        </p:nvSpPr>
+        <p:spPr>
+          <a:xfrm>
+            <a:off x="838200" y="6356350"/>
+            <a:ext cx="2743200" cy="365125"/>
+          </a:xfrm>
+          <a:prstGeom prst="rect">
+            <a:avLst/>
+          </a:prstGeom>
+        </p:spPr>
+        <p:txBody>
+          <a:bodyPr vert="horz" lIns="91440" tIns="45720" rIns="91440" bIns="45720" rtlCol="0" anchor="ctr"/>
+          <a:lstStyle>
+            <a:lvl1pPr algn="l">
+              <a:defRPr sz="1200">
+                <a:solidFill>
+                  <a:schemeClr val="tx1">
+                    <a:tint val="75000"/>
+                  </a:schemeClr>
+                </a:solidFill>
+              </a:defRPr>
+            </a:lvl1pPr>
+          </a:lstStyle>
+          <a:p>
+            <a:endParaRPr lang="en-US"/>
+          </a:p>
+        </p:txBody>
+      </p:sp>
+      <p:sp>
+        <p:nvSpPr>
+          <p:cNvPr id="5" name="Footer Placeholder 4"/>
+          <p:cNvSpPr>
+            <a:spLocks noGrp="1"/>
+          </p:cNvSpPr>
+          <p:nvPr>
+            <p:ph type="ftr" sz="quarter" idx="3"/>
+          </p:nvPr>
+        </p:nvSpPr>
+        <p:spPr>
+          <a:xfrm>
+            <a:off x="4038600" y="6356350"/>
+            <a:ext cx="4114800" cy="365125"/>
+          </a:xfrm>
+          <a:prstGeom prst="rect">
+            <a:avLst/>
+          </a:prstGeom>
+        </p:spPr>
+        <p:txBody>
+          <a:bodyPr vert="horz" lIns="91440" tIns="45720" rIns="91440" bIns="45720" rtlCol="0" anchor="ctr"/>
+          <a:lstStyle>
+            <a:lvl1pPr algn="ctr">
+              <a:defRPr sz="1200">
+                <a:solidFill>
+                  <a:schemeClr val="tx1">
+                    <a:tint val="75000"/>
+                  </a:schemeClr>
+                </a:solidFill>
+              </a:defRPr>
+            </a:lvl1pPr>
+          </a:lstStyle>
+          <a:p>
+            <a:endParaRPr lang="en-US"/>
+          </a:p>
+        </p:txBody>
+      </p:sp>
+      <p:sp>
+        <p:nvSpPr>
+          <p:cNvPr id="6" name="Slide Number Placeholder 5"/>
+          <p:cNvSpPr>
+            <a:spLocks noGrp="1"/>
+          </p:cNvSpPr>
+          <p:nvPr>
+            <p:ph type="sldNum" sz="quarter" idx="4"/>
+          </p:nvPr>
+        </p:nvSpPr>
+        <p:spPr>
+          <a:xfrm>
+            <a:off x="8610600" y="6356350"/>
+            <a:ext cx="2743200" cy="365125"/>
+          </a:xfrm>
+          <a:prstGeom prst="rect">
+            <a:avLst/>
+          </a:prstGeom>
+        </p:spPr>
+        <p:txBody>
+          <a:bodyPr vert="horz" lIns="91440" tIns="45720" rIns="91440" bIns="45720" rtlCol="0" anchor="ctr"/>
+          <a:lstStyle>
+            <a:lvl1pPr algn="r">
+              <a:defRPr sz="1200">
+                <a:solidFill>
+                  <a:schemeClr val="tx1">
+                    <a:tint val="75000"/>
+                  </a:schemeClr>
+                </a:solidFill>
+              </a:defRPr>
+            </a:lvl1pPr>
+          </a:lstStyle>
+          <a:p>
+            <a:fld id="{48889DE6-3F1A-0A41-B28F-22E9F29FB933}" type="slidenum">
+              <a:rPr lang="en-US" smtClean="0"/>
+              <a:t>‹#›</a:t>
+            </a:fld>
+            <a:endParaRPr lang="en-US"/>
+          </a:p>
+        </p:txBody>
+      </p:sp>
+    </p:spTree>
+    <p:extLst>
+      <p:ext uri="{BB962C8B-B14F-4D97-AF65-F5344CB8AC3E}">
+        <p14:creationId xmlns:p14="http://schemas.microsoft.com/office/powerpoint/2010/main" val="201620898"/>
+      </p:ext>
+    </p:extLst>
+  </p:cSld>
+  <p:clrMap bg1="lt1" tx1="dk1" bg2="lt2" tx2="dk2" accent1="accent1" accent2="accent2" accent3="accent3" accent4="accent4" accent5="accent5" accent6="accent6" hlink="hlink" folHlink="folHlink"/>
+  <p:sldLayoutIdLst>
+    <p:sldLayoutId id="2147483671" r:id="rId1"/>
+    <p:sldLayoutId id="2147483672" r:id="rId2"/>
+    <p:sldLayoutId id="2147483673" r:id="rId3"/>
+    <p:sldLayoutId id="2147483674" r:id="rId4"/>
+    <p:sldLayoutId id="2147483675" r:id="rId5"/>
+    <p:sldLayoutId id="2147483676" r:id="rId6"/>
+    <p:sldLayoutId id="2147483677" r:id="rId7"/>
+    <p:sldLayoutId id="2147483678" r:id="rId8"/>
+    <p:sldLayoutId id="2147483679" r:id="rId9"/>
+    <p:sldLayoutId id="2147483680" r:id="rId10"/>
+    <p:sldLayoutId id="2147483681" r:id="rId11"/>
+  </p:sldLayoutIdLst>
+  <p:timing>
+    <p:tnLst>
+      <p:par>
+        <p:cTn id="1" dur="indefinite" restart="never" nodeType="tmRoot"/>
+      </p:par>
+    </p:tnLst>
+  </p:timing>
+  <p:hf hdr="0" ftr="0" dt="0"/>
+  <p:txStyles>
+    <p:titleStyle>
+      <a:lvl1pPr algn="l" defTabSz="914400" rtl="0" eaLnBrk="1" latinLnBrk="0" hangingPunct="1">
+        <a:lnSpc>
+          <a:spcPct val="90000"/>
+        </a:lnSpc>
+        <a:spcBef>
+          <a:spcPct val="0"/>
+        </a:spcBef>
+        <a:buNone/>
+        <a:defRPr sz="4400" kern="1200">
+          <a:solidFill>
+            <a:schemeClr val="tx1"/>
+          </a:solidFill>
+          <a:latin typeface="+mj-lt"/>
+          <a:ea typeface="+mj-ea"/>
+          <a:cs typeface="+mj-cs"/>
+        </a:defRPr>
+      </a:lvl1pPr>
+    </p:titleStyle>
+    <p:bodyStyle>
+      <a:lvl1pPr marL="228600" indent="-228600" algn="l" defTabSz="914400" rtl="0" eaLnBrk="1" latinLnBrk="0" hangingPunct="1">
+        <a:lnSpc>
+          <a:spcPct val="90000"/>
+        </a:lnSpc>
+        <a:spcBef>
+          <a:spcPts val="1000"/>
+        </a:spcBef>
+        <a:buFont typeface="Arial"/>
+        <a:buChar char="•"/>
+        <a:defRPr sz="2800" kern="1200">
+          <a:solidFill>
+            <a:schemeClr val="tx1"/>
+          </a:solidFill>
+          <a:latin typeface="+mn-lt"/>
+          <a:ea typeface="+mn-ea"/>
+          <a:cs typeface="+mn-cs"/>
+        </a:defRPr>
+      </a:lvl1pPr>
+      <a:lvl2pPr marL="685800" indent="-228600" algn="l" defTabSz="914400" rtl="0" eaLnBrk="1" latinLnBrk="0" hangingPunct="1">
+        <a:lnSpc>
+          <a:spcPct val="90000"/>
+        </a:lnSpc>
+        <a:spcBef>
+          <a:spcPts val="500"/>
+        </a:spcBef>
+        <a:buFont typeface="Arial"/>
+        <a:buChar char="•"/>
+        <a:defRPr sz="2400" kern="1200">
+          <a:solidFill>
+            <a:schemeClr val="tx1"/>
+          </a:solidFill>
+          <a:latin typeface="+mn-lt"/>
+          <a:ea typeface="+mn-ea"/>
+          <a:cs typeface="+mn-cs"/>
+        </a:defRPr>
+      </a:lvl2pPr>
+      <a:lvl3pPr marL="1143000" indent="-228600" algn="l" defTabSz="914400" rtl="0" eaLnBrk="1" latinLnBrk="0" hangingPunct="1">
+        <a:lnSpc>
+          <a:spcPct val="90000"/>
+        </a:lnSpc>
+        <a:spcBef>
+          <a:spcPts val="500"/>
+        </a:spcBef>
+        <a:buFont typeface="Arial"/>
+        <a:buChar char="•"/>
+        <a:defRPr sz="2000" kern="1200">
+          <a:solidFill>
+            <a:schemeClr val="tx1"/>
+          </a:solidFill>
+          <a:latin typeface="+mn-lt"/>
+          <a:ea typeface="+mn-ea"/>
+          <a:cs typeface="+mn-cs"/>
+        </a:defRPr>
+      </a:lvl3pPr>
+      <a:lvl4pPr marL="1600200" indent="-228600" algn="l" defTabSz="914400" rtl="0" eaLnBrk="1" latinLnBrk="0" hangingPunct="1">
+        <a:lnSpc>
+          <a:spcPct val="90000"/>
+        </a:lnSpc>
+        <a:spcBef>
+          <a:spcPts val="500"/>
+        </a:spcBef>
+        <a:buFont typeface="Arial"/>
+        <a:buChar char="•"/>
+        <a:defRPr sz="1800" kern="1200">
+          <a:solidFill>
+            <a:schemeClr val="tx1"/>
+          </a:solidFill>
+          <a:latin typeface="+mn-lt"/>
+          <a:ea typeface="+mn-ea"/>
+          <a:cs typeface="+mn-cs"/>
+        </a:defRPr>
+      </a:lvl4pPr>
+      <a:lvl5pPr marL="2057400" indent="-228600" algn="l" defTabSz="914400" rtl="0" eaLnBrk="1" latinLnBrk="0" hangingPunct="1">
+        <a:lnSpc>
+          <a:spcPct val="90000"/>
+        </a:lnSpc>
+        <a:spcBef>
+          <a:spcPts val="500"/>
+        </a:spcBef>
+        <a:buFont typeface="Arial"/>
+        <a:buChar char="•"/>
+        <a:defRPr sz="1800" kern="1200">
+          <a:solidFill>
+            <a:schemeClr val="tx1"/>
+          </a:solidFill>
+          <a:latin typeface="+mn-lt"/>
+          <a:ea typeface="+mn-ea"/>
+          <a:cs typeface="+mn-cs"/>
+        </a:defRPr>
+      </a:lvl5pPr>
+      <a:lvl6pPr marL="2514600" indent="-228600" algn="l" defTabSz="914400" rtl="0" eaLnBrk="1" latinLnBrk="0" hangingPunct="1">
+        <a:lnSpc>
+          <a:spcPct val="90000"/>
+        </a:lnSpc>
+        <a:spcBef>
+          <a:spcPts val="500"/>
+        </a:spcBef>
+        <a:buFont typeface="Arial"/>
+        <a:buChar char="•"/>
+        <a:defRPr sz="1800" kern="1200">
+          <a:solidFill>
+            <a:schemeClr val="tx1"/>
+          </a:solidFill>
+          <a:latin typeface="+mn-lt"/>
+          <a:ea typeface="+mn-ea"/>
+          <a:cs typeface="+mn-cs"/>
+        </a:defRPr>
+      </a:lvl6pPr>
+      <a:lvl7pPr marL="2971800" indent="-228600" algn="l" defTabSz="914400" rtl="0" eaLnBrk="1" latinLnBrk="0" hangingPunct="1">
+        <a:lnSpc>
+          <a:spcPct val="90000"/>
+        </a:lnSpc>
+        <a:spcBef>
+          <a:spcPts val="500"/>
+        </a:spcBef>
+        <a:buFont typeface="Arial"/>
+        <a:buChar char="•"/>
+        <a:defRPr sz="1800" kern="1200">
+          <a:solidFill>
+            <a:schemeClr val="tx1"/>
+          </a:solidFill>
+          <a:latin typeface="+mn-lt"/>
+          <a:ea typeface="+mn-ea"/>
+          <a:cs typeface="+mn-cs"/>
+        </a:defRPr>
+      </a:lvl7pPr>
+      <a:lvl8pPr marL="3429000" indent="-228600" algn="l" defTabSz="914400" rtl="0" eaLnBrk="1" latinLnBrk="0" hangingPunct="1">
+        <a:lnSpc>
+          <a:spcPct val="90000"/>
+        </a:lnSpc>
+        <a:spcBef>
+          <a:spcPts val="500"/>
+        </a:spcBef>
+        <a:buFont typeface="Arial"/>
+        <a:buChar char="•"/>
+        <a:defRPr sz="1800" kern="1200">
+          <a:solidFill>
+            <a:schemeClr val="tx1"/>
+          </a:solidFill>
+          <a:latin typeface="+mn-lt"/>
+          <a:ea typeface="+mn-ea"/>
+          <a:cs typeface="+mn-cs"/>
+        </a:defRPr>
+      </a:lvl8pPr>
+      <a:lvl9pPr marL="3886200" indent="-228600" algn="l" defTabSz="914400" rtl="0" eaLnBrk="1" latinLnBrk="0" hangingPunct="1">
+        <a:lnSpc>
+          <a:spcPct val="90000"/>
+        </a:lnSpc>
+        <a:spcBef>
+          <a:spcPts val="500"/>
+        </a:spcBef>
+        <a:buFont typeface="Arial"/>
+        <a:buChar char="•"/>
+        <a:defRPr sz="1800" kern="1200">
+          <a:solidFill>
+            <a:schemeClr val="tx1"/>
+          </a:solidFill>
+          <a:latin typeface="+mn-lt"/>
+          <a:ea typeface="+mn-ea"/>
+          <a:cs typeface="+mn-cs"/>
+        </a:defRPr>
+      </a:lvl9pPr>
+    </p:bodyStyle>
+    <p:otherStyle>
+      <a:defPPr>
+        <a:defRPr lang="en-US"/>
+      </a:defPPr>
+      <a:lvl1pPr marL="0" algn="l" defTabSz="914400" rtl="0" eaLnBrk="1" latinLnBrk="0" hangingPunct="1">
+        <a:defRPr sz="1800" kern="1200">
+          <a:solidFill>
+            <a:schemeClr val="tx1"/>
+          </a:solidFill>
+          <a:latin typeface="+mn-lt"/>
+          <a:ea typeface="+mn-ea"/>
+          <a:cs typeface="+mn-cs"/>
+        </a:defRPr>
+      </a:lvl1pPr>
+      <a:lvl2pPr marL="457200" algn="l" defTabSz="914400" rtl="0" eaLnBrk="1" latinLnBrk="0" hangingPunct="1">
+        <a:defRPr sz="1800" kern="1200">
+          <a:solidFill>
+            <a:schemeClr val="tx1"/>
+          </a:solidFill>
+          <a:latin typeface="+mn-lt"/>
+          <a:ea typeface="+mn-ea"/>
+          <a:cs typeface="+mn-cs"/>
+        </a:defRPr>
+      </a:lvl2pPr>
+      <a:lvl3pPr marL="914400" algn="l" defTabSz="914400" rtl="0" eaLnBrk="1" latinLnBrk="0" hangingPunct="1">
+        <a:defRPr sz="1800" kern="1200">
+          <a:solidFill>
+            <a:schemeClr val="tx1"/>
+          </a:solidFill>
+          <a:latin typeface="+mn-lt"/>
+          <a:ea typeface="+mn-ea"/>
+          <a:cs typeface="+mn-cs"/>
+        </a:defRPr>
+      </a:lvl3pPr>
+      <a:lvl4pPr marL="1371600" algn="l" defTabSz="914400" rtl="0" eaLnBrk="1" latinLnBrk="0" hangingPunct="1">
+        <a:defRPr sz="1800" kern="1200">
+          <a:solidFill>
+            <a:schemeClr val="tx1"/>
+          </a:solidFill>
+          <a:latin typeface="+mn-lt"/>
+          <a:ea typeface="+mn-ea"/>
+          <a:cs typeface="+mn-cs"/>
+        </a:defRPr>
+      </a:lvl4pPr>
+      <a:lvl5pPr marL="1828800" algn="l" defTabSz="914400" rtl="0" eaLnBrk="1" latinLnBrk="0" hangingPunct="1">
+        <a:defRPr sz="1800" kern="1200">
+          <a:solidFill>
+            <a:schemeClr val="tx1"/>
+          </a:solidFill>
+          <a:latin typeface="+mn-lt"/>
+          <a:ea typeface="+mn-ea"/>
+          <a:cs typeface="+mn-cs"/>
+        </a:defRPr>
+      </a:lvl5pPr>
+      <a:lvl6pPr marL="2286000" algn="l" defTabSz="914400" rtl="0" eaLnBrk="1" latinLnBrk="0" hangingPunct="1">
+        <a:defRPr sz="1800" kern="1200">
+          <a:solidFill>
+            <a:schemeClr val="tx1"/>
+          </a:solidFill>
+          <a:latin typeface="+mn-lt"/>
+          <a:ea typeface="+mn-ea"/>
+          <a:cs typeface="+mn-cs"/>
+        </a:defRPr>
+      </a:lvl6pPr>
+      <a:lvl7pPr marL="2743200" algn="l" defTabSz="914400" rtl="0" eaLnBrk="1" latinLnBrk="0" hangingPunct="1">
+        <a:defRPr sz="1800" kern="1200">
+          <a:solidFill>
+            <a:schemeClr val="tx1"/>
+          </a:solidFill>
+          <a:latin typeface="+mn-lt"/>
+          <a:ea typeface="+mn-ea"/>
+          <a:cs typeface="+mn-cs"/>
+        </a:defRPr>
+      </a:lvl7pPr>
+      <a:lvl8pPr marL="3200400" algn="l" defTabSz="914400" rtl="0" eaLnBrk="1" latinLnBrk="0" hangingPunct="1">
+        <a:defRPr sz="1800" kern="1200">
+          <a:solidFill>
+            <a:schemeClr val="tx1"/>
+          </a:solidFill>
+          <a:latin typeface="+mn-lt"/>
+          <a:ea typeface="+mn-ea"/>
+          <a:cs typeface="+mn-cs"/>
+        </a:defRPr>
+      </a:lvl8pPr>
+      <a:lvl9pPr marL="3657600" algn="l" defTabSz="914400" rtl="0" eaLnBrk="1" latinLnBrk="0" hangingPunct="1">
+        <a:defRPr sz="1800" kern="1200">
+          <a:solidFill>
+            <a:schemeClr val="tx1"/>
+          </a:solidFill>
+          <a:latin typeface="+mn-lt"/>
+          <a:ea typeface="+mn-ea"/>
+          <a:cs typeface="+mn-cs"/>
+        </a:defRPr>
+      </a:lvl9pPr>
+    </p:otherStyle>
+  </p:txStyles>
+</p:sldMaster>
+</file>
+
 <file path=ppt/slides/slide1.xml><?xml version="1.0" encoding="utf-8"?>
 <p:sld xmlns:a="http://schemas.openxmlformats.org/drawingml/2006/main" xmlns:r="http://schemas.openxmlformats.org/officeDocument/2006/relationships" xmlns:p="http://schemas.openxmlformats.org/presentationml/2006/main">
   <p:cSld>
@@ -6171,12 +9163,8 @@
           <a:lstStyle/>
           <a:p>
             <a:r>
-              <a:rPr lang="en-US" dirty="0" err="1" smtClean="0"/>
-              <a:t>CryptoCurrency</a:t>
-            </a:r>
-            <a:r>
-              <a:rPr lang="en-US" dirty="0" smtClean="0"/>
-              <a:t> price prediction workshop</a:t>
+              <a:rPr lang="en-US" dirty="0" smtClean="0"/>
+              <a:t>Cryptocurrency price prediction workshop</a:t>
             </a:r>
             <a:endParaRPr lang="en-US" dirty="0"/>
           </a:p>
@@ -6214,6 +9202,13 @@
   <p:clrMapOvr>
     <a:masterClrMapping/>
   </p:clrMapOvr>
+  <p:timing>
+    <p:tnLst>
+      <p:par>
+        <p:cTn id="1" dur="indefinite" restart="never" nodeType="tmRoot"/>
+      </p:par>
+    </p:tnLst>
+  </p:timing>
 </p:sld>
 </file>
 
@@ -6251,7 +9246,7 @@
           <a:p>
             <a:r>
               <a:rPr lang="en-US" dirty="0" smtClean="0"/>
-              <a:t>Objective</a:t>
+              <a:t>TODAYS Objective</a:t>
             </a:r>
             <a:endParaRPr lang="en-US" dirty="0"/>
           </a:p>
@@ -6281,15 +9276,7 @@
             <a:pPr lvl="1"/>
             <a:r>
               <a:rPr lang="en-US" dirty="0" smtClean="0"/>
-              <a:t>This is a </a:t>
-            </a:r>
-            <a:r>
-              <a:rPr lang="en-US" dirty="0" smtClean="0"/>
-              <a:t>workshop </a:t>
-            </a:r>
-            <a:r>
-              <a:rPr lang="en-US" dirty="0" smtClean="0"/>
-              <a:t>so we want to focus on practical application of existing ML techniques</a:t>
+              <a:t>This is a workshop so we want to focus on practical application of existing ML techniques</a:t>
             </a:r>
           </a:p>
           <a:p>
@@ -6318,11 +9305,7 @@
             <a:pPr lvl="1"/>
             <a:r>
               <a:rPr lang="en-US" dirty="0" smtClean="0"/>
-              <a:t>Feel </a:t>
-            </a:r>
-            <a:r>
-              <a:rPr lang="en-US" dirty="0" smtClean="0"/>
-              <a:t>free to work in teams, I would suggest we use a scrum method to get the work done</a:t>
+              <a:t>Feel free to work in teams, I would suggest we use a scrum method to get the work done</a:t>
             </a:r>
           </a:p>
           <a:p>
@@ -6353,8 +9336,32 @@
             </a:r>
             <a:r>
               <a:rPr lang="en-US" dirty="0" smtClean="0"/>
-              <a:t>help. They are also here to expand their skills not to tutor you.</a:t>
-            </a:r>
+              <a:t>help. They are also here to expand their skills not to tutor. If you need help please approach me directly.</a:t>
+            </a:r>
+          </a:p>
+        </p:txBody>
+      </p:sp>
+      <p:sp>
+        <p:nvSpPr>
+          <p:cNvPr id="7" name="Slide Number Placeholder 6"/>
+          <p:cNvSpPr>
+            <a:spLocks noGrp="1"/>
+          </p:cNvSpPr>
+          <p:nvPr>
+            <p:ph type="sldNum" sz="quarter" idx="12"/>
+          </p:nvPr>
+        </p:nvSpPr>
+        <p:spPr/>
+        <p:txBody>
+          <a:bodyPr/>
+          <a:lstStyle/>
+          <a:p>
+            <a:fld id="{D57F1E4F-1CFF-5643-939E-217C01CDF565}" type="slidenum">
+              <a:rPr lang="en-US" smtClean="0"/>
+              <a:pPr/>
+              <a:t>10</a:t>
+            </a:fld>
+            <a:endParaRPr lang="en-US" dirty="0"/>
           </a:p>
         </p:txBody>
       </p:sp>
@@ -6471,25 +9478,20 @@
             </a:r>
             <a:r>
               <a:rPr lang="en-US" dirty="0" smtClean="0"/>
-              <a:t> </a:t>
-            </a:r>
-            <a:r>
-              <a:rPr lang="en-US" dirty="0" smtClean="0"/>
-              <a:t>as its one of the most widely used systems, and is quite simple to learn and use</a:t>
-            </a:r>
-          </a:p>
-          <a:p>
-            <a:r>
-              <a:rPr lang="en-US" dirty="0" smtClean="0"/>
-              <a:t>I would suggest you create a simple single layer model to read in say 20 prior traded values and output a prediction for the next value</a:t>
-            </a:r>
-          </a:p>
-          <a:p>
-            <a:r>
-              <a:rPr lang="en-US" dirty="0" smtClean="0"/>
-              <a:t>I would suggest you use synthetic data to train this model as it can be adjusted to explore bugs and design flaws in your model </a:t>
-            </a:r>
-            <a:endParaRPr lang="en-US" dirty="0" smtClean="0"/>
+              <a:t> as its one of the most widely used systems, and is quite simple to learn and use</a:t>
+            </a:r>
+          </a:p>
+          <a:p>
+            <a:r>
+              <a:rPr lang="en-US" dirty="0" smtClean="0"/>
+              <a:t>I would suggest you create a simple single layer model to read in say 20 prior traded values and output a prediction for the next value (see the example below)</a:t>
+            </a:r>
+          </a:p>
+          <a:p>
+            <a:r>
+              <a:rPr lang="en-US" dirty="0" smtClean="0"/>
+              <a:t>I would suggest you prefer synthetic data to train this model as it can be adjusted to explore bugs and design flaws in a model where as real data cant be.</a:t>
+            </a:r>
           </a:p>
           <a:p>
             <a:r>
@@ -6512,6 +9514,30 @@
               <a:t>github.com/ashleysmart/mlgym/blob/master/stock_price/Direct_SyntheticData.ipynb</a:t>
             </a:r>
             <a:endParaRPr lang="en-US" dirty="0" smtClean="0"/>
+          </a:p>
+        </p:txBody>
+      </p:sp>
+      <p:sp>
+        <p:nvSpPr>
+          <p:cNvPr id="7" name="Slide Number Placeholder 6"/>
+          <p:cNvSpPr>
+            <a:spLocks noGrp="1"/>
+          </p:cNvSpPr>
+          <p:nvPr>
+            <p:ph type="sldNum" sz="quarter" idx="12"/>
+          </p:nvPr>
+        </p:nvSpPr>
+        <p:spPr/>
+        <p:txBody>
+          <a:bodyPr/>
+          <a:lstStyle/>
+          <a:p>
+            <a:fld id="{D57F1E4F-1CFF-5643-939E-217C01CDF565}" type="slidenum">
+              <a:rPr lang="en-US" smtClean="0"/>
+              <a:pPr/>
+              <a:t>11</a:t>
+            </a:fld>
+            <a:endParaRPr lang="en-US" dirty="0"/>
           </a:p>
         </p:txBody>
       </p:sp>
@@ -6851,6 +9877,30 @@
           </a:fontRef>
         </p:style>
       </p:cxnSp>
+      <p:sp>
+        <p:nvSpPr>
+          <p:cNvPr id="7" name="Slide Number Placeholder 6"/>
+          <p:cNvSpPr>
+            <a:spLocks noGrp="1"/>
+          </p:cNvSpPr>
+          <p:nvPr>
+            <p:ph type="sldNum" sz="quarter" idx="12"/>
+          </p:nvPr>
+        </p:nvSpPr>
+        <p:spPr/>
+        <p:txBody>
+          <a:bodyPr/>
+          <a:lstStyle/>
+          <a:p>
+            <a:fld id="{D57F1E4F-1CFF-5643-939E-217C01CDF565}" type="slidenum">
+              <a:rPr lang="en-US" smtClean="0"/>
+              <a:pPr/>
+              <a:t>12</a:t>
+            </a:fld>
+            <a:endParaRPr lang="en-US" dirty="0"/>
+          </a:p>
+        </p:txBody>
+      </p:sp>
     </p:spTree>
     <p:extLst>
       <p:ext uri="{BB962C8B-B14F-4D97-AF65-F5344CB8AC3E}">
@@ -6910,15 +9960,7 @@
           <a:p>
             <a:r>
               <a:rPr lang="en-US" dirty="0" smtClean="0"/>
-              <a:t>A overview of an </a:t>
-            </a:r>
-            <a:r>
-              <a:rPr lang="en-US" dirty="0" smtClean="0"/>
-              <a:t>LSTM price </a:t>
-            </a:r>
-            <a:r>
-              <a:rPr lang="en-US" dirty="0" smtClean="0"/>
-              <a:t>prediction model</a:t>
+              <a:t>A overview of an LSTM price prediction model</a:t>
             </a:r>
             <a:endParaRPr lang="en-US" dirty="0"/>
           </a:p>
@@ -7350,6 +10392,30 @@
           </a:fontRef>
         </p:style>
       </p:cxnSp>
+      <p:sp>
+        <p:nvSpPr>
+          <p:cNvPr id="6" name="Slide Number Placeholder 5"/>
+          <p:cNvSpPr>
+            <a:spLocks noGrp="1"/>
+          </p:cNvSpPr>
+          <p:nvPr>
+            <p:ph type="sldNum" sz="quarter" idx="12"/>
+          </p:nvPr>
+        </p:nvSpPr>
+        <p:spPr/>
+        <p:txBody>
+          <a:bodyPr/>
+          <a:lstStyle/>
+          <a:p>
+            <a:fld id="{D57F1E4F-1CFF-5643-939E-217C01CDF565}" type="slidenum">
+              <a:rPr lang="en-US" smtClean="0"/>
+              <a:pPr/>
+              <a:t>13</a:t>
+            </a:fld>
+            <a:endParaRPr lang="en-US" dirty="0"/>
+          </a:p>
+        </p:txBody>
+      </p:sp>
     </p:spTree>
     <p:extLst>
       <p:ext uri="{BB962C8B-B14F-4D97-AF65-F5344CB8AC3E}">
@@ -7837,6 +10903,30 @@
           </a:p>
         </p:txBody>
       </p:sp>
+      <p:sp>
+        <p:nvSpPr>
+          <p:cNvPr id="11" name="Slide Number Placeholder 10"/>
+          <p:cNvSpPr>
+            <a:spLocks noGrp="1"/>
+          </p:cNvSpPr>
+          <p:nvPr>
+            <p:ph type="sldNum" sz="quarter" idx="12"/>
+          </p:nvPr>
+        </p:nvSpPr>
+        <p:spPr/>
+        <p:txBody>
+          <a:bodyPr/>
+          <a:lstStyle/>
+          <a:p>
+            <a:fld id="{D57F1E4F-1CFF-5643-939E-217C01CDF565}" type="slidenum">
+              <a:rPr lang="en-US" smtClean="0"/>
+              <a:pPr/>
+              <a:t>14</a:t>
+            </a:fld>
+            <a:endParaRPr lang="en-US" dirty="0"/>
+          </a:p>
+        </p:txBody>
+      </p:sp>
     </p:spTree>
     <p:extLst>
       <p:ext uri="{BB962C8B-B14F-4D97-AF65-F5344CB8AC3E}">
@@ -7896,7 +10986,7 @@
           <a:p>
             <a:r>
               <a:rPr lang="en-US" dirty="0" smtClean="0"/>
-              <a:t>A overview of a Trend price prediction model</a:t>
+              <a:t>A overview of a Trend/Event price prediction model</a:t>
             </a:r>
             <a:endParaRPr lang="en-US" dirty="0"/>
           </a:p>
@@ -8388,6 +11478,30 @@
               <a:rPr lang="en-US" dirty="0" smtClean="0"/>
               <a:t>embedding</a:t>
             </a:r>
+            <a:endParaRPr lang="en-US" dirty="0"/>
+          </a:p>
+        </p:txBody>
+      </p:sp>
+      <p:sp>
+        <p:nvSpPr>
+          <p:cNvPr id="12" name="Slide Number Placeholder 11"/>
+          <p:cNvSpPr>
+            <a:spLocks noGrp="1"/>
+          </p:cNvSpPr>
+          <p:nvPr>
+            <p:ph type="sldNum" sz="quarter" idx="12"/>
+          </p:nvPr>
+        </p:nvSpPr>
+        <p:spPr/>
+        <p:txBody>
+          <a:bodyPr/>
+          <a:lstStyle/>
+          <a:p>
+            <a:fld id="{D57F1E4F-1CFF-5643-939E-217C01CDF565}" type="slidenum">
+              <a:rPr lang="en-US" smtClean="0"/>
+              <a:pPr/>
+              <a:t>15</a:t>
+            </a:fld>
             <a:endParaRPr lang="en-US" dirty="0"/>
           </a:p>
         </p:txBody>
@@ -9296,6 +12410,30 @@
           </a:p>
         </p:txBody>
       </p:sp>
+      <p:sp>
+        <p:nvSpPr>
+          <p:cNvPr id="14" name="Slide Number Placeholder 13"/>
+          <p:cNvSpPr>
+            <a:spLocks noGrp="1"/>
+          </p:cNvSpPr>
+          <p:nvPr>
+            <p:ph type="sldNum" sz="quarter" idx="12"/>
+          </p:nvPr>
+        </p:nvSpPr>
+        <p:spPr/>
+        <p:txBody>
+          <a:bodyPr/>
+          <a:lstStyle/>
+          <a:p>
+            <a:fld id="{D57F1E4F-1CFF-5643-939E-217C01CDF565}" type="slidenum">
+              <a:rPr lang="en-US" smtClean="0"/>
+              <a:pPr/>
+              <a:t>16</a:t>
+            </a:fld>
+            <a:endParaRPr lang="en-US" dirty="0"/>
+          </a:p>
+        </p:txBody>
+      </p:sp>
     </p:spTree>
     <p:extLst>
       <p:ext uri="{BB962C8B-B14F-4D97-AF65-F5344CB8AC3E}">
@@ -9428,6 +12566,30 @@
           </a:prstGeom>
         </p:spPr>
       </p:pic>
+      <p:sp>
+        <p:nvSpPr>
+          <p:cNvPr id="8" name="Slide Number Placeholder 7"/>
+          <p:cNvSpPr>
+            <a:spLocks noGrp="1"/>
+          </p:cNvSpPr>
+          <p:nvPr>
+            <p:ph type="sldNum" sz="quarter" idx="12"/>
+          </p:nvPr>
+        </p:nvSpPr>
+        <p:spPr/>
+        <p:txBody>
+          <a:bodyPr/>
+          <a:lstStyle/>
+          <a:p>
+            <a:fld id="{D57F1E4F-1CFF-5643-939E-217C01CDF565}" type="slidenum">
+              <a:rPr lang="en-US" smtClean="0"/>
+              <a:pPr/>
+              <a:t>17</a:t>
+            </a:fld>
+            <a:endParaRPr lang="en-US" dirty="0"/>
+          </a:p>
+        </p:txBody>
+      </p:sp>
     </p:spTree>
     <p:extLst>
       <p:ext uri="{BB962C8B-B14F-4D97-AF65-F5344CB8AC3E}">
@@ -9495,6 +12657,30 @@
           </a:prstGeom>
         </p:spPr>
       </p:pic>
+      <p:sp>
+        <p:nvSpPr>
+          <p:cNvPr id="6" name="Slide Number Placeholder 5"/>
+          <p:cNvSpPr>
+            <a:spLocks noGrp="1"/>
+          </p:cNvSpPr>
+          <p:nvPr>
+            <p:ph type="sldNum" sz="quarter" idx="12"/>
+          </p:nvPr>
+        </p:nvSpPr>
+        <p:spPr/>
+        <p:txBody>
+          <a:bodyPr/>
+          <a:lstStyle/>
+          <a:p>
+            <a:fld id="{D57F1E4F-1CFF-5643-939E-217C01CDF565}" type="slidenum">
+              <a:rPr lang="en-US" smtClean="0"/>
+              <a:pPr/>
+              <a:t>18</a:t>
+            </a:fld>
+            <a:endParaRPr lang="en-US" dirty="0"/>
+          </a:p>
+        </p:txBody>
+      </p:sp>
     </p:spTree>
     <p:extLst>
       <p:ext uri="{BB962C8B-B14F-4D97-AF65-F5344CB8AC3E}">
@@ -9568,54 +12754,33 @@
         <p:spPr/>
         <p:txBody>
           <a:bodyPr>
-            <a:normAutofit/>
+            <a:normAutofit fontScale="92500" lnSpcReduction="10000"/>
           </a:bodyPr>
           <a:lstStyle/>
           <a:p>
             <a:r>
-              <a:rPr lang="en-US" dirty="0" smtClean="0"/>
-              <a:t>NYSE FA data set: </a:t>
-            </a:r>
-            <a:endParaRPr lang="en-US" dirty="0" smtClean="0"/>
+              <a:rPr lang="en-US" dirty="0"/>
+              <a:t>Synthetic data:</a:t>
+            </a:r>
           </a:p>
           <a:p>
             <a:pPr lvl="1"/>
+            <a:r>
+              <a:rPr lang="en-US" dirty="0">
+                <a:hlinkClick r:id="rId2"/>
+              </a:rPr>
+              <a:t>https://</a:t>
+            </a:r>
             <a:r>
               <a:rPr lang="en-US" dirty="0" smtClean="0">
                 <a:hlinkClick r:id="rId2"/>
               </a:rPr>
-              <a:t>https</a:t>
-            </a:r>
-            <a:r>
-              <a:rPr lang="en-US" dirty="0">
-                <a:hlinkClick r:id="rId2"/>
-              </a:rPr>
-              <a:t>://</a:t>
-            </a:r>
-            <a:r>
-              <a:rPr lang="en-US" dirty="0" smtClean="0">
-                <a:hlinkClick r:id="rId2"/>
-              </a:rPr>
-              <a:t>www.kaggle.com/dgawlik/nyse</a:t>
+              <a:t>github.com/ashleysmart/mlgym/blob/master/stock_price/SyneticTradeData.ipynb</a:t>
             </a:r>
             <a:endParaRPr lang="en-US" dirty="0" smtClean="0"/>
           </a:p>
           <a:p>
-            <a:r>
-              <a:rPr lang="en-US" dirty="0"/>
-              <a:t>Crypto data set</a:t>
-            </a:r>
-            <a:r>
-              <a:rPr lang="en-US" dirty="0" smtClean="0"/>
-              <a:t>:</a:t>
-            </a:r>
-          </a:p>
-          <a:p>
             <a:pPr lvl="1"/>
-            <a:r>
-              <a:rPr lang="en-US" dirty="0" smtClean="0"/>
-              <a:t> </a:t>
-            </a:r>
             <a:r>
               <a:rPr lang="en-US" dirty="0">
                 <a:hlinkClick r:id="rId3"/>
@@ -9626,50 +12791,38 @@
               <a:rPr lang="en-US" dirty="0" smtClean="0">
                 <a:hlinkClick r:id="rId3"/>
               </a:rPr>
-              <a:t>www.kaggle.com/mczielinski/bitcoin-historical-data</a:t>
-            </a:r>
-            <a:endParaRPr lang="en-US" dirty="0" smtClean="0"/>
-          </a:p>
-          <a:p>
-            <a:r>
-              <a:rPr lang="en-US" dirty="0" smtClean="0"/>
-              <a:t>Synthetic </a:t>
-            </a:r>
-            <a:r>
-              <a:rPr lang="en-US" dirty="0" smtClean="0"/>
-              <a:t>data:</a:t>
+              <a:t>github.com/ashleysmart/mlgym/blob/master/stock_price/VirtualExchange.ipynb</a:t>
+            </a:r>
+            <a:endParaRPr lang="en-US" dirty="0"/>
+          </a:p>
+          <a:p>
+            <a:r>
+              <a:rPr lang="en-US" dirty="0" err="1"/>
+              <a:t>Kaggle</a:t>
+            </a:r>
+            <a:r>
+              <a:rPr lang="en-US" dirty="0"/>
+              <a:t> Crypto data set:</a:t>
             </a:r>
           </a:p>
           <a:p>
             <a:pPr lvl="1"/>
             <a:r>
-              <a:rPr lang="en-US" dirty="0" smtClean="0">
-                <a:hlinkClick r:id="rId4"/>
-              </a:rPr>
-              <a:t>https</a:t>
+              <a:rPr lang="en-US" dirty="0"/>
+              <a:t> </a:t>
             </a:r>
             <a:r>
               <a:rPr lang="en-US" dirty="0">
                 <a:hlinkClick r:id="rId4"/>
               </a:rPr>
-              <a:t>://</a:t>
-            </a:r>
-            <a:r>
-              <a:rPr lang="en-US" dirty="0" smtClean="0">
-                <a:hlinkClick r:id="rId4"/>
-              </a:rPr>
-              <a:t>github.com/ashleysmart/mlgym/blob/master/stock_price/SyneticTradeData.ipynb</a:t>
-            </a:r>
-            <a:endParaRPr lang="en-US" dirty="0" smtClean="0"/>
-          </a:p>
-          <a:p>
-            <a:r>
-              <a:rPr lang="en-US" dirty="0" err="1" smtClean="0"/>
-              <a:t>Binance</a:t>
-            </a:r>
-            <a:r>
-              <a:rPr lang="en-US" dirty="0" smtClean="0"/>
-              <a:t> </a:t>
+              <a:t>https://www.kaggle.com/mczielinski/bitcoin-historical-data</a:t>
+            </a:r>
+            <a:endParaRPr lang="en-US" dirty="0"/>
+          </a:p>
+          <a:p>
+            <a:r>
+              <a:rPr lang="en-US" dirty="0" smtClean="0"/>
+              <a:t>NYSE FA data set: </a:t>
             </a:r>
           </a:p>
           <a:p>
@@ -9684,36 +12837,69 @@
               <a:rPr lang="en-US" dirty="0">
                 <a:hlinkClick r:id="rId5"/>
               </a:rPr>
-              <a:t>://www.binance.com/?</a:t>
+              <a:t>://</a:t>
             </a:r>
             <a:r>
               <a:rPr lang="en-US" dirty="0" smtClean="0">
                 <a:hlinkClick r:id="rId5"/>
               </a:rPr>
-              <a:t>ref=10099792</a:t>
-            </a:r>
-            <a:r>
-              <a:rPr lang="en-US" dirty="0" smtClean="0"/>
-              <a:t> - but on idea how to get the data yet</a:t>
-            </a:r>
-            <a:r>
-              <a:rPr lang="mr-IN" dirty="0" smtClean="0"/>
-              <a:t>…</a:t>
+              <a:t>www.kaggle.com/dgawlik/nyse</a:t>
             </a:r>
             <a:endParaRPr lang="en-US" dirty="0" smtClean="0"/>
           </a:p>
           <a:p>
+            <a:r>
+              <a:rPr lang="en-US" dirty="0" err="1" smtClean="0"/>
+              <a:t>Binance</a:t>
+            </a:r>
+            <a:r>
+              <a:rPr lang="en-US" dirty="0" smtClean="0"/>
+              <a:t> </a:t>
+            </a:r>
+          </a:p>
+          <a:p>
             <a:pPr lvl="1"/>
+            <a:r>
+              <a:rPr lang="en-US" dirty="0" smtClean="0">
+                <a:hlinkClick r:id="rId6"/>
+              </a:rPr>
+              <a:t>https</a:t>
+            </a:r>
             <a:r>
               <a:rPr lang="en-US" dirty="0">
                 <a:hlinkClick r:id="rId6"/>
               </a:rPr>
-              <a:t>https://medium.com/@</a:t>
+              <a:t>://www.binance.com/?</a:t>
             </a:r>
             <a:r>
               <a:rPr lang="en-US" dirty="0" smtClean="0">
                 <a:hlinkClick r:id="rId6"/>
               </a:rPr>
+              <a:t>ref=10099792</a:t>
+            </a:r>
+            <a:r>
+              <a:rPr lang="en-US" dirty="0" smtClean="0"/>
+              <a:t> </a:t>
+            </a:r>
+          </a:p>
+          <a:p>
+            <a:pPr lvl="1"/>
+            <a:r>
+              <a:rPr lang="en-US" dirty="0" smtClean="0">
+                <a:hlinkClick r:id="rId7"/>
+              </a:rPr>
+              <a:t>https</a:t>
+            </a:r>
+            <a:r>
+              <a:rPr lang="en-US" dirty="0">
+                <a:hlinkClick r:id="rId7"/>
+              </a:rPr>
+              <a:t>://medium.com/@</a:t>
+            </a:r>
+            <a:r>
+              <a:rPr lang="en-US" dirty="0" smtClean="0">
+                <a:hlinkClick r:id="rId7"/>
+              </a:rPr>
               <a:t>samuelson78x/binance-get-historical-data-api-1bc8c758fa85</a:t>
             </a:r>
             <a:endParaRPr lang="en-US" dirty="0"/>
@@ -9726,6 +12912,30 @@
             <a:endParaRPr lang="en-US" dirty="0" smtClean="0"/>
           </a:p>
           <a:p>
+            <a:endParaRPr lang="en-US" dirty="0"/>
+          </a:p>
+        </p:txBody>
+      </p:sp>
+      <p:sp>
+        <p:nvSpPr>
+          <p:cNvPr id="7" name="Slide Number Placeholder 6"/>
+          <p:cNvSpPr>
+            <a:spLocks noGrp="1"/>
+          </p:cNvSpPr>
+          <p:nvPr>
+            <p:ph type="sldNum" sz="quarter" idx="12"/>
+          </p:nvPr>
+        </p:nvSpPr>
+        <p:spPr/>
+        <p:txBody>
+          <a:bodyPr/>
+          <a:lstStyle/>
+          <a:p>
+            <a:fld id="{D57F1E4F-1CFF-5643-939E-217C01CDF565}" type="slidenum">
+              <a:rPr lang="en-US" smtClean="0"/>
+              <a:pPr/>
+              <a:t>19</a:t>
+            </a:fld>
             <a:endParaRPr lang="en-US" dirty="0"/>
           </a:p>
         </p:txBody>
@@ -9803,7 +13013,7 @@
         <p:spPr/>
         <p:txBody>
           <a:bodyPr>
-            <a:normAutofit/>
+            <a:normAutofit fontScale="92500" lnSpcReduction="20000"/>
           </a:bodyPr>
           <a:lstStyle/>
           <a:p>
@@ -9819,115 +13029,184 @@
           </a:p>
           <a:p>
             <a:r>
-              <a:rPr lang="en-US" dirty="0" smtClean="0"/>
-              <a:t>10:00am gather and networking at </a:t>
-            </a:r>
-            <a:r>
               <a:rPr lang="en-US" dirty="0"/>
-              <a:t>1st </a:t>
-            </a:r>
-            <a:r>
-              <a:rPr lang="en-US" dirty="0" smtClean="0"/>
-              <a:t>floor</a:t>
-            </a:r>
-          </a:p>
-          <a:p>
-            <a:r>
-              <a:rPr lang="en-US" dirty="0" smtClean="0"/>
-              <a:t>10:30am </a:t>
+              <a:t>10:00 am: Meet </a:t>
+            </a:r>
+            <a:r>
+              <a:rPr lang="en-US" dirty="0" smtClean="0"/>
+              <a:t>and networking at Bloomberg 1</a:t>
+            </a:r>
+            <a:r>
+              <a:rPr lang="en-US" baseline="30000" dirty="0" smtClean="0"/>
+              <a:t>st</a:t>
+            </a:r>
+            <a:r>
+              <a:rPr lang="en-US" dirty="0" smtClean="0"/>
+              <a:t> Floor</a:t>
+            </a:r>
+          </a:p>
+          <a:p>
+            <a:r>
+              <a:rPr lang="en-US" dirty="0" smtClean="0"/>
+              <a:t>10:30 </a:t>
             </a:r>
             <a:r>
               <a:rPr lang="en-US" dirty="0"/>
-              <a:t>enter building and welcome </a:t>
-            </a:r>
-            <a:r>
-              <a:rPr lang="en-US" dirty="0" smtClean="0"/>
-              <a:t>talk</a:t>
-            </a:r>
-          </a:p>
-          <a:p>
-            <a:r>
-              <a:rPr lang="en-US" dirty="0" smtClean="0"/>
-              <a:t>11:00am </a:t>
+              <a:t>am: Welcome, </a:t>
+            </a:r>
+            <a:r>
+              <a:rPr lang="en-US" dirty="0" err="1"/>
+              <a:t>Suzana</a:t>
             </a:r>
             <a:r>
               <a:rPr lang="en-US" dirty="0"/>
-              <a:t>initial round talk discussion on </a:t>
-            </a:r>
-            <a:r>
-              <a:rPr lang="en-US" dirty="0" smtClean="0"/>
-              <a:t>basic price </a:t>
+              <a:t> </a:t>
+            </a:r>
+            <a:r>
+              <a:rPr lang="en-US" dirty="0" err="1"/>
+              <a:t>Ilic</a:t>
             </a:r>
             <a:r>
               <a:rPr lang="en-US" dirty="0"/>
-              <a:t>prediction </a:t>
-            </a:r>
-            <a:r>
-              <a:rPr lang="en-US" dirty="0" smtClean="0"/>
-              <a:t>models </a:t>
-            </a:r>
-          </a:p>
-          <a:p>
-            <a:r>
-              <a:rPr lang="en-US" dirty="0" smtClean="0"/>
-              <a:t>12:00am </a:t>
+              <a:t>, </a:t>
+            </a:r>
+            <a:r>
+              <a:rPr lang="en-US" dirty="0" smtClean="0"/>
+              <a:t>MLT</a:t>
+            </a:r>
+          </a:p>
+          <a:p>
+            <a:r>
+              <a:rPr lang="en-US" dirty="0" smtClean="0"/>
+              <a:t>10:35 </a:t>
             </a:r>
             <a:r>
               <a:rPr lang="en-US" dirty="0"/>
-              <a:t>initial </a:t>
-            </a:r>
-            <a:r>
-              <a:rPr lang="en-US" dirty="0" smtClean="0"/>
-              <a:t>hackathon </a:t>
+              <a:t>am: Intro - Ashley Smart, </a:t>
+            </a:r>
+            <a:r>
+              <a:rPr lang="en-US" dirty="0" smtClean="0"/>
+              <a:t>Bloomberg</a:t>
+            </a:r>
+          </a:p>
+          <a:p>
+            <a:r>
+              <a:rPr lang="en-US" dirty="0" smtClean="0"/>
+              <a:t>11:00 </a:t>
             </a:r>
             <a:r>
               <a:rPr lang="en-US" dirty="0"/>
-              <a:t>session 1pm </a:t>
-            </a:r>
-            <a:r>
-              <a:rPr lang="en-US" dirty="0" smtClean="0"/>
-              <a:t>lunch</a:t>
-            </a:r>
-          </a:p>
-          <a:p>
-            <a:r>
-              <a:rPr lang="en-US" dirty="0" smtClean="0"/>
-              <a:t>2:00pm </a:t>
+              <a:t>am: Discussion and team </a:t>
+            </a:r>
+            <a:r>
+              <a:rPr lang="en-US" dirty="0" smtClean="0"/>
+              <a:t>building</a:t>
+            </a:r>
+          </a:p>
+          <a:p>
+            <a:r>
+              <a:rPr lang="en-US" dirty="0" smtClean="0"/>
+              <a:t>12:00 </a:t>
             </a:r>
             <a:r>
               <a:rPr lang="en-US" dirty="0"/>
-              <a:t>round table </a:t>
-            </a:r>
-            <a:r>
-              <a:rPr lang="en-US" dirty="0" smtClean="0"/>
-              <a:t>discussion 2 and demos</a:t>
-            </a:r>
-          </a:p>
-          <a:p>
-            <a:r>
-              <a:rPr lang="en-US" dirty="0" smtClean="0"/>
-              <a:t>2:30am hackathon session 2</a:t>
-            </a:r>
-          </a:p>
-          <a:p>
-            <a:r>
-              <a:rPr lang="en-US" dirty="0" smtClean="0"/>
-              <a:t>4:30pm </a:t>
+              <a:t>am: Start working on </a:t>
+            </a:r>
+            <a:r>
+              <a:rPr lang="en-US" dirty="0" smtClean="0"/>
+              <a:t>projects</a:t>
+            </a:r>
+          </a:p>
+          <a:p>
+            <a:r>
+              <a:rPr lang="en-US" dirty="0" smtClean="0"/>
+              <a:t>12:30 </a:t>
             </a:r>
             <a:r>
               <a:rPr lang="en-US" dirty="0"/>
-              <a:t>round table discussion </a:t>
-            </a:r>
-            <a:r>
-              <a:rPr lang="en-US" dirty="0" smtClean="0"/>
-              <a:t>3, demos and wrap up</a:t>
-            </a:r>
-          </a:p>
-          <a:p>
-            <a:r>
-              <a:rPr lang="en-US" dirty="0" smtClean="0"/>
-              <a:t>5:00pm finish + beer</a:t>
-            </a:r>
+              <a:t>am: </a:t>
+            </a:r>
+            <a:r>
+              <a:rPr lang="en-US" dirty="0" smtClean="0"/>
+              <a:t>Lunch</a:t>
+            </a:r>
+          </a:p>
+          <a:p>
+            <a:r>
+              <a:rPr lang="en-US" dirty="0" smtClean="0"/>
+              <a:t>3:00 </a:t>
+            </a:r>
+            <a:r>
+              <a:rPr lang="en-US" dirty="0"/>
+              <a:t>pm: Open discussion, </a:t>
+            </a:r>
+            <a:r>
+              <a:rPr lang="en-US" dirty="0" smtClean="0"/>
+              <a:t>Q&amp;A</a:t>
+            </a:r>
+          </a:p>
+          <a:p>
+            <a:r>
+              <a:rPr lang="en-US" dirty="0" smtClean="0"/>
+              <a:t>4:30 </a:t>
+            </a:r>
+            <a:r>
+              <a:rPr lang="en-US" dirty="0"/>
+              <a:t>pm: Project </a:t>
+            </a:r>
+            <a:r>
+              <a:rPr lang="en-US" dirty="0" smtClean="0"/>
+              <a:t>Presentations</a:t>
+            </a:r>
+          </a:p>
+          <a:p>
+            <a:r>
+              <a:rPr lang="en-US" dirty="0" smtClean="0"/>
+              <a:t>5:00 </a:t>
+            </a:r>
+            <a:r>
+              <a:rPr lang="en-US" dirty="0"/>
+              <a:t>pm: </a:t>
+            </a:r>
+            <a:r>
+              <a:rPr lang="en-US" dirty="0" smtClean="0"/>
+              <a:t>Closing, building exit, </a:t>
+            </a:r>
+            <a:r>
+              <a:rPr lang="en-US" dirty="0"/>
+              <a:t>after event networking and beer @Stand T</a:t>
+            </a:r>
+            <a:r>
+              <a:rPr lang="en-US" dirty="0"/>
+              <a:t/>
+            </a:r>
+            <a:br>
+              <a:rPr lang="en-US" dirty="0"/>
+            </a:br>
+            <a:endParaRPr lang="en-US" dirty="0"/>
+          </a:p>
+        </p:txBody>
+      </p:sp>
+      <p:sp>
+        <p:nvSpPr>
+          <p:cNvPr id="7" name="Slide Number Placeholder 6"/>
+          <p:cNvSpPr>
+            <a:spLocks noGrp="1"/>
+          </p:cNvSpPr>
+          <p:nvPr>
+            <p:ph type="sldNum" sz="quarter" idx="12"/>
+          </p:nvPr>
+        </p:nvSpPr>
+        <p:spPr/>
+        <p:txBody>
+          <a:bodyPr/>
+          <a:lstStyle/>
+          <a:p>
+            <a:fld id="{D57F1E4F-1CFF-5643-939E-217C01CDF565}" type="slidenum">
+              <a:rPr lang="en-US" smtClean="0"/>
+              <a:pPr/>
+              <a:t>2</a:t>
+            </a:fld>
             <a:endParaRPr lang="en-US" dirty="0"/>
           </a:p>
         </p:txBody>
@@ -9942,6 +13221,13 @@
   <p:clrMapOvr>
     <a:masterClrMapping/>
   </p:clrMapOvr>
+  <p:timing>
+    <p:tnLst>
+      <p:par>
+        <p:cTn id="1" dur="indefinite" restart="never" nodeType="tmRoot"/>
+      </p:par>
+    </p:tnLst>
+  </p:timing>
 </p:sld>
 </file>
 
@@ -9969,7 +13255,7 @@
             <a:spLocks noGrp="1"/>
           </p:cNvSpPr>
           <p:nvPr>
-            <p:ph type="ctrTitle"/>
+            <p:ph type="title"/>
           </p:nvPr>
         </p:nvSpPr>
         <p:spPr/>
@@ -9979,7 +13265,7 @@
           <a:p>
             <a:r>
               <a:rPr lang="en-US" dirty="0" smtClean="0"/>
-              <a:t>Now lets move to a Open discussion format</a:t>
+              <a:t>Blogs and other references</a:t>
             </a:r>
             <a:endParaRPr lang="en-US" dirty="0"/>
           </a:p>
@@ -9987,12 +13273,12 @@
       </p:sp>
       <p:sp>
         <p:nvSpPr>
-          <p:cNvPr id="3" name="Subtitle 2"/>
-          <p:cNvSpPr>
-            <a:spLocks noGrp="1"/>
-          </p:cNvSpPr>
-          <p:nvPr>
-            <p:ph type="subTitle" idx="1"/>
+          <p:cNvPr id="3" name="Content Placeholder 2"/>
+          <p:cNvSpPr>
+            <a:spLocks noGrp="1"/>
+          </p:cNvSpPr>
+          <p:nvPr>
+            <p:ph idx="1"/>
           </p:nvPr>
         </p:nvSpPr>
         <p:spPr/>
@@ -10001,11 +13287,61 @@
           <a:lstStyle/>
           <a:p>
             <a:r>
-              <a:rPr lang="en-US" dirty="0" smtClean="0"/>
-              <a:t>  </a:t>
-            </a:r>
-          </a:p>
-          <a:p>
+              <a:rPr lang="en-US" dirty="0">
+                <a:hlinkClick r:id="rId2"/>
+              </a:rPr>
+              <a:t>https://blockgeeks.com/guides/what-is-cryptocurrency</a:t>
+            </a:r>
+            <a:r>
+              <a:rPr lang="en-US" dirty="0" smtClean="0">
+                <a:hlinkClick r:id="rId2"/>
+              </a:rPr>
+              <a:t>/</a:t>
+            </a:r>
+          </a:p>
+          <a:p>
+            <a:r>
+              <a:rPr lang="en-US" dirty="0" smtClean="0">
+                <a:hlinkClick r:id="rId2"/>
+              </a:rPr>
+              <a:t>http</a:t>
+            </a:r>
+            <a:r>
+              <a:rPr lang="en-US" dirty="0">
+                <a:hlinkClick r:id="rId2"/>
+              </a:rPr>
+              <a:t>://www.wildml.com/2018/02/introduction-to-learning-to-trade-with-reinforcement-learning</a:t>
+            </a:r>
+            <a:r>
+              <a:rPr lang="en-US" dirty="0" smtClean="0">
+                <a:hlinkClick r:id="rId2"/>
+              </a:rPr>
+              <a:t>/</a:t>
+            </a:r>
+            <a:endParaRPr lang="en-US" dirty="0" smtClean="0"/>
+          </a:p>
+        </p:txBody>
+      </p:sp>
+      <p:sp>
+        <p:nvSpPr>
+          <p:cNvPr id="4" name="Slide Number Placeholder 3"/>
+          <p:cNvSpPr>
+            <a:spLocks noGrp="1"/>
+          </p:cNvSpPr>
+          <p:nvPr>
+            <p:ph type="sldNum" sz="quarter" idx="12"/>
+          </p:nvPr>
+        </p:nvSpPr>
+        <p:spPr/>
+        <p:txBody>
+          <a:bodyPr/>
+          <a:lstStyle/>
+          <a:p>
+            <a:fld id="{D57F1E4F-1CFF-5643-939E-217C01CDF565}" type="slidenum">
+              <a:rPr lang="en-US" smtClean="0"/>
+              <a:pPr/>
+              <a:t>20</a:t>
+            </a:fld>
             <a:endParaRPr lang="en-US" dirty="0"/>
           </a:p>
         </p:txBody>
@@ -10013,7 +13349,7 @@
     </p:spTree>
     <p:extLst>
       <p:ext uri="{BB962C8B-B14F-4D97-AF65-F5344CB8AC3E}">
-        <p14:creationId xmlns:p14="http://schemas.microsoft.com/office/powerpoint/2010/main" val="2064898430"/>
+        <p14:creationId xmlns:p14="http://schemas.microsoft.com/office/powerpoint/2010/main" val="252445960"/>
       </p:ext>
     </p:extLst>
   </p:cSld>
@@ -10047,10 +13383,58 @@
           <a:chExt cx="0" cy="0"/>
         </a:xfrm>
       </p:grpSpPr>
+      <p:sp>
+        <p:nvSpPr>
+          <p:cNvPr id="2" name="Title 1"/>
+          <p:cNvSpPr>
+            <a:spLocks noGrp="1"/>
+          </p:cNvSpPr>
+          <p:nvPr>
+            <p:ph type="ctrTitle"/>
+          </p:nvPr>
+        </p:nvSpPr>
+        <p:spPr/>
+        <p:txBody>
+          <a:bodyPr/>
+          <a:lstStyle/>
+          <a:p>
+            <a:r>
+              <a:rPr lang="en-US" dirty="0" smtClean="0"/>
+              <a:t>Now lets move to a Open discussion format</a:t>
+            </a:r>
+            <a:endParaRPr lang="en-US" dirty="0"/>
+          </a:p>
+        </p:txBody>
+      </p:sp>
+      <p:sp>
+        <p:nvSpPr>
+          <p:cNvPr id="3" name="Subtitle 2"/>
+          <p:cNvSpPr>
+            <a:spLocks noGrp="1"/>
+          </p:cNvSpPr>
+          <p:nvPr>
+            <p:ph type="subTitle" idx="1"/>
+          </p:nvPr>
+        </p:nvSpPr>
+        <p:spPr/>
+        <p:txBody>
+          <a:bodyPr/>
+          <a:lstStyle/>
+          <a:p>
+            <a:r>
+              <a:rPr lang="en-US" dirty="0" smtClean="0"/>
+              <a:t>  </a:t>
+            </a:r>
+          </a:p>
+          <a:p>
+            <a:endParaRPr lang="en-US" dirty="0"/>
+          </a:p>
+        </p:txBody>
+      </p:sp>
     </p:spTree>
     <p:extLst>
       <p:ext uri="{BB962C8B-B14F-4D97-AF65-F5344CB8AC3E}">
-        <p14:creationId xmlns:p14="http://schemas.microsoft.com/office/powerpoint/2010/main" val="1651168696"/>
+        <p14:creationId xmlns:p14="http://schemas.microsoft.com/office/powerpoint/2010/main" val="2064898430"/>
       </p:ext>
     </p:extLst>
   </p:cSld>
@@ -10084,10 +13468,34 @@
           <a:chExt cx="0" cy="0"/>
         </a:xfrm>
       </p:grpSpPr>
+      <p:sp>
+        <p:nvSpPr>
+          <p:cNvPr id="5" name="Slide Number Placeholder 4"/>
+          <p:cNvSpPr>
+            <a:spLocks noGrp="1"/>
+          </p:cNvSpPr>
+          <p:nvPr>
+            <p:ph type="sldNum" sz="quarter" idx="12"/>
+          </p:nvPr>
+        </p:nvSpPr>
+        <p:spPr/>
+        <p:txBody>
+          <a:bodyPr/>
+          <a:lstStyle/>
+          <a:p>
+            <a:fld id="{D57F1E4F-1CFF-5643-939E-217C01CDF565}" type="slidenum">
+              <a:rPr lang="en-US" smtClean="0"/>
+              <a:pPr/>
+              <a:t>22</a:t>
+            </a:fld>
+            <a:endParaRPr lang="en-US" dirty="0"/>
+          </a:p>
+        </p:txBody>
+      </p:sp>
     </p:spTree>
     <p:extLst>
       <p:ext uri="{BB962C8B-B14F-4D97-AF65-F5344CB8AC3E}">
-        <p14:creationId xmlns:p14="http://schemas.microsoft.com/office/powerpoint/2010/main" val="1658695768"/>
+        <p14:creationId xmlns:p14="http://schemas.microsoft.com/office/powerpoint/2010/main" val="1651168696"/>
       </p:ext>
     </p:extLst>
   </p:cSld>
@@ -10123,12 +13531,12 @@
       </p:grpSpPr>
       <p:sp>
         <p:nvSpPr>
-          <p:cNvPr id="2" name="Title 1"/>
-          <p:cNvSpPr>
-            <a:spLocks noGrp="1"/>
-          </p:cNvSpPr>
-          <p:nvPr>
-            <p:ph type="title"/>
+          <p:cNvPr id="5" name="Slide Number Placeholder 4"/>
+          <p:cNvSpPr>
+            <a:spLocks noGrp="1"/>
+          </p:cNvSpPr>
+          <p:nvPr>
+            <p:ph type="sldNum" sz="quarter" idx="12"/>
           </p:nvPr>
         </p:nvSpPr>
         <p:spPr/>
@@ -10136,62 +13544,11 @@
           <a:bodyPr/>
           <a:lstStyle/>
           <a:p>
-            <a:r>
-              <a:rPr lang="en-US" dirty="0" smtClean="0"/>
-              <a:t>Zeroth discussion point	</a:t>
-            </a:r>
-            <a:endParaRPr lang="en-US" dirty="0"/>
-          </a:p>
-        </p:txBody>
-      </p:sp>
-      <p:sp>
-        <p:nvSpPr>
-          <p:cNvPr id="3" name="Content Placeholder 2"/>
-          <p:cNvSpPr>
-            <a:spLocks noGrp="1"/>
-          </p:cNvSpPr>
-          <p:nvPr>
-            <p:ph idx="1"/>
-          </p:nvPr>
-        </p:nvSpPr>
-        <p:spPr/>
-        <p:txBody>
-          <a:bodyPr/>
-          <a:lstStyle/>
-          <a:p>
-            <a:r>
-              <a:rPr lang="en-US" dirty="0" smtClean="0"/>
-              <a:t>Done outside the building while we wait for people to gather</a:t>
-            </a:r>
-          </a:p>
-          <a:p>
-            <a:pPr marL="285750" lvl="1"/>
-            <a:r>
-              <a:rPr lang="en-US" dirty="0" smtClean="0"/>
-              <a:t>Introductions</a:t>
-            </a:r>
-          </a:p>
-          <a:p>
-            <a:pPr marL="285750" lvl="1"/>
-            <a:r>
-              <a:rPr lang="en-US" dirty="0" smtClean="0"/>
-              <a:t>First </a:t>
-            </a:r>
-            <a:r>
-              <a:rPr lang="en-US" dirty="0"/>
-              <a:t>off who has tried to build a model to predict prices</a:t>
-            </a:r>
-            <a:r>
-              <a:rPr lang="en-US" dirty="0" smtClean="0"/>
-              <a:t>?</a:t>
-            </a:r>
-          </a:p>
-          <a:p>
-            <a:pPr marL="285750" lvl="1"/>
-            <a:r>
-              <a:rPr lang="en-US" dirty="0" smtClean="0"/>
-              <a:t>What kind of models did they try and what worked out</a:t>
-            </a:r>
+            <a:fld id="{D57F1E4F-1CFF-5643-939E-217C01CDF565}" type="slidenum">
+              <a:rPr lang="en-US" smtClean="0"/>
+              <a:pPr/>
+              <a:t>23</a:t>
+            </a:fld>
             <a:endParaRPr lang="en-US" dirty="0"/>
           </a:p>
         </p:txBody>
@@ -10199,7 +13556,7 @@
     </p:spTree>
     <p:extLst>
       <p:ext uri="{BB962C8B-B14F-4D97-AF65-F5344CB8AC3E}">
-        <p14:creationId xmlns:p14="http://schemas.microsoft.com/office/powerpoint/2010/main" val="183346381"/>
+        <p14:creationId xmlns:p14="http://schemas.microsoft.com/office/powerpoint/2010/main" val="1658695768"/>
       </p:ext>
     </p:extLst>
   </p:cSld>
@@ -10250,7 +13607,7 @@
           <a:p>
             <a:r>
               <a:rPr lang="en-US" dirty="0" smtClean="0"/>
-              <a:t>General training materials </a:t>
+              <a:t>Zeroth discussion point	</a:t>
             </a:r>
             <a:endParaRPr lang="en-US" dirty="0"/>
           </a:p>
@@ -10272,86 +13629,62 @@
           <a:lstStyle/>
           <a:p>
             <a:r>
+              <a:rPr lang="en-US" dirty="0" smtClean="0"/>
+              <a:t>Done outside the building while we wait for people to gather</a:t>
+            </a:r>
+          </a:p>
+          <a:p>
+            <a:pPr marL="285750" lvl="1"/>
+            <a:r>
+              <a:rPr lang="en-US" dirty="0" smtClean="0"/>
+              <a:t>Introductions</a:t>
+            </a:r>
+          </a:p>
+          <a:p>
+            <a:pPr marL="285750" lvl="1"/>
+            <a:r>
+              <a:rPr lang="en-US" dirty="0" smtClean="0"/>
+              <a:t>First </a:t>
+            </a:r>
+            <a:r>
               <a:rPr lang="en-US" dirty="0"/>
-              <a:t>David </a:t>
-            </a:r>
-            <a:r>
-              <a:rPr lang="en-US" dirty="0" err="1" smtClean="0"/>
-              <a:t>Rosenbergs</a:t>
-            </a:r>
-            <a:r>
-              <a:rPr lang="en-US" dirty="0" smtClean="0"/>
-              <a:t> the mathematical discussion on ML</a:t>
-            </a:r>
-          </a:p>
-          <a:p>
-            <a:pPr lvl="1"/>
-            <a:r>
-              <a:rPr lang="en-US" dirty="0" smtClean="0"/>
-              <a:t>https</a:t>
-            </a:r>
-            <a:r>
-              <a:rPr lang="en-US" dirty="0"/>
-              <a:t>://</a:t>
-            </a:r>
-            <a:r>
-              <a:rPr lang="en-US" dirty="0" err="1"/>
-              <a:t>bloomberg.github.io</a:t>
-            </a:r>
-            <a:r>
-              <a:rPr lang="en-US" dirty="0"/>
-              <a:t>/</a:t>
-            </a:r>
-            <a:r>
-              <a:rPr lang="en-US" dirty="0" err="1"/>
-              <a:t>foml</a:t>
-            </a:r>
-            <a:r>
-              <a:rPr lang="en-US" dirty="0"/>
-              <a:t>/#lectures</a:t>
-            </a:r>
-          </a:p>
-          <a:p>
-            <a:r>
-              <a:rPr lang="en-US" dirty="0" smtClean="0"/>
-              <a:t>Andrew NGs learning </a:t>
-            </a:r>
-            <a:r>
-              <a:rPr lang="en-US" dirty="0"/>
-              <a:t>curve method </a:t>
-            </a:r>
-            <a:endParaRPr lang="en-US" dirty="0" smtClean="0"/>
-          </a:p>
-          <a:p>
-            <a:pPr lvl="1"/>
-            <a:r>
-              <a:rPr lang="en-US" dirty="0" smtClean="0"/>
-              <a:t>https</a:t>
-            </a:r>
-            <a:r>
-              <a:rPr lang="en-US" dirty="0"/>
-              <a:t>://</a:t>
-            </a:r>
-            <a:r>
-              <a:rPr lang="en-US" dirty="0" err="1"/>
-              <a:t>www.youtube.com</a:t>
-            </a:r>
-            <a:r>
-              <a:rPr lang="en-US" dirty="0"/>
-              <a:t>/</a:t>
-            </a:r>
-            <a:r>
-              <a:rPr lang="en-US" dirty="0" err="1"/>
-              <a:t>watch?v</a:t>
-            </a:r>
-            <a:r>
-              <a:rPr lang="en-US" dirty="0"/>
-              <a:t>=ISBGFY-</a:t>
-            </a:r>
-            <a:r>
-              <a:rPr lang="en-US" dirty="0" err="1"/>
-              <a:t>gBug</a:t>
-            </a:r>
+              <a:t>off who has tried to build a model to predict prices</a:t>
+            </a:r>
+            <a:r>
+              <a:rPr lang="en-US" dirty="0" smtClean="0"/>
+              <a:t>?</a:t>
+            </a:r>
+          </a:p>
+          <a:p>
+            <a:pPr marL="285750" lvl="1"/>
+            <a:r>
+              <a:rPr lang="en-US" dirty="0" smtClean="0"/>
+              <a:t>What kind of models did they try and what worked out</a:t>
+            </a:r>
+            <a:endParaRPr lang="en-US" dirty="0"/>
+          </a:p>
+        </p:txBody>
+      </p:sp>
+      <p:sp>
+        <p:nvSpPr>
+          <p:cNvPr id="7" name="Slide Number Placeholder 6"/>
+          <p:cNvSpPr>
+            <a:spLocks noGrp="1"/>
+          </p:cNvSpPr>
+          <p:nvPr>
+            <p:ph type="sldNum" sz="quarter" idx="12"/>
+          </p:nvPr>
+        </p:nvSpPr>
+        <p:spPr/>
+        <p:txBody>
+          <a:bodyPr/>
+          <a:lstStyle/>
+          <a:p>
+            <a:fld id="{D57F1E4F-1CFF-5643-939E-217C01CDF565}" type="slidenum">
+              <a:rPr lang="en-US" smtClean="0"/>
+              <a:pPr/>
+              <a:t>24</a:t>
+            </a:fld>
             <a:endParaRPr lang="en-US" dirty="0"/>
           </a:p>
         </p:txBody>
@@ -10359,7 +13692,7 @@
     </p:spTree>
     <p:extLst>
       <p:ext uri="{BB962C8B-B14F-4D97-AF65-F5344CB8AC3E}">
-        <p14:creationId xmlns:p14="http://schemas.microsoft.com/office/powerpoint/2010/main" val="199861436"/>
+        <p14:creationId xmlns:p14="http://schemas.microsoft.com/office/powerpoint/2010/main" val="183346381"/>
       </p:ext>
     </p:extLst>
   </p:cSld>
@@ -10526,6 +13859,30 @@
               <a:t>hackernoon.com/depth-chart-and-its-significance-in-trading-bdbfbbd23d33</a:t>
             </a:r>
             <a:endParaRPr lang="en-US" dirty="0" smtClean="0"/>
+          </a:p>
+        </p:txBody>
+      </p:sp>
+      <p:sp>
+        <p:nvSpPr>
+          <p:cNvPr id="7" name="Slide Number Placeholder 6"/>
+          <p:cNvSpPr>
+            <a:spLocks noGrp="1"/>
+          </p:cNvSpPr>
+          <p:nvPr>
+            <p:ph type="sldNum" sz="quarter" idx="12"/>
+          </p:nvPr>
+        </p:nvSpPr>
+        <p:spPr/>
+        <p:txBody>
+          <a:bodyPr/>
+          <a:lstStyle/>
+          <a:p>
+            <a:fld id="{D57F1E4F-1CFF-5643-939E-217C01CDF565}" type="slidenum">
+              <a:rPr lang="en-US" smtClean="0"/>
+              <a:pPr/>
+              <a:t>25</a:t>
+            </a:fld>
+            <a:endParaRPr lang="en-US" dirty="0"/>
           </a:p>
         </p:txBody>
       </p:sp>
@@ -10680,6 +14037,30 @@
           </a:p>
         </p:txBody>
       </p:sp>
+      <p:sp>
+        <p:nvSpPr>
+          <p:cNvPr id="7" name="Slide Number Placeholder 6"/>
+          <p:cNvSpPr>
+            <a:spLocks noGrp="1"/>
+          </p:cNvSpPr>
+          <p:nvPr>
+            <p:ph type="sldNum" sz="quarter" idx="12"/>
+          </p:nvPr>
+        </p:nvSpPr>
+        <p:spPr/>
+        <p:txBody>
+          <a:bodyPr/>
+          <a:lstStyle/>
+          <a:p>
+            <a:fld id="{D57F1E4F-1CFF-5643-939E-217C01CDF565}" type="slidenum">
+              <a:rPr lang="en-US" smtClean="0"/>
+              <a:pPr/>
+              <a:t>26</a:t>
+            </a:fld>
+            <a:endParaRPr lang="en-US" dirty="0"/>
+          </a:p>
+        </p:txBody>
+      </p:sp>
     </p:spTree>
     <p:extLst>
       <p:ext uri="{BB962C8B-B14F-4D97-AF65-F5344CB8AC3E}">
@@ -10860,7 +14241,7 @@
           <a:p>
             <a:r>
               <a:rPr lang="en-US" dirty="0" smtClean="0"/>
-              <a:t>The Gaussian mixture model</a:t>
+              <a:t>The Gaussian mixture model better/worst? How? Why? </a:t>
             </a:r>
           </a:p>
           <a:p>
@@ -10905,6 +14286,30 @@
               <a:rPr lang="en-US" dirty="0" err="1"/>
               <a:t>GuassianMixture-SynthTrade.ipynb</a:t>
             </a:r>
+            <a:endParaRPr lang="en-US" dirty="0"/>
+          </a:p>
+        </p:txBody>
+      </p:sp>
+      <p:sp>
+        <p:nvSpPr>
+          <p:cNvPr id="7" name="Slide Number Placeholder 6"/>
+          <p:cNvSpPr>
+            <a:spLocks noGrp="1"/>
+          </p:cNvSpPr>
+          <p:nvPr>
+            <p:ph type="sldNum" sz="quarter" idx="12"/>
+          </p:nvPr>
+        </p:nvSpPr>
+        <p:spPr/>
+        <p:txBody>
+          <a:bodyPr/>
+          <a:lstStyle/>
+          <a:p>
+            <a:fld id="{D57F1E4F-1CFF-5643-939E-217C01CDF565}" type="slidenum">
+              <a:rPr lang="en-US" smtClean="0"/>
+              <a:pPr/>
+              <a:t>27</a:t>
+            </a:fld>
             <a:endParaRPr lang="en-US" dirty="0"/>
           </a:p>
         </p:txBody>
@@ -11024,6 +14429,30 @@
           </a:p>
         </p:txBody>
       </p:sp>
+      <p:sp>
+        <p:nvSpPr>
+          <p:cNvPr id="7" name="Slide Number Placeholder 6"/>
+          <p:cNvSpPr>
+            <a:spLocks noGrp="1"/>
+          </p:cNvSpPr>
+          <p:nvPr>
+            <p:ph type="sldNum" sz="quarter" idx="12"/>
+          </p:nvPr>
+        </p:nvSpPr>
+        <p:spPr/>
+        <p:txBody>
+          <a:bodyPr/>
+          <a:lstStyle/>
+          <a:p>
+            <a:fld id="{D57F1E4F-1CFF-5643-939E-217C01CDF565}" type="slidenum">
+              <a:rPr lang="en-US" smtClean="0"/>
+              <a:pPr/>
+              <a:t>28</a:t>
+            </a:fld>
+            <a:endParaRPr lang="en-US" dirty="0"/>
+          </a:p>
+        </p:txBody>
+      </p:sp>
     </p:spTree>
     <p:extLst>
       <p:ext uri="{BB962C8B-B14F-4D97-AF65-F5344CB8AC3E}">
@@ -11188,6 +14617,30 @@
           </a:p>
         </p:txBody>
       </p:sp>
+      <p:sp>
+        <p:nvSpPr>
+          <p:cNvPr id="7" name="Slide Number Placeholder 6"/>
+          <p:cNvSpPr>
+            <a:spLocks noGrp="1"/>
+          </p:cNvSpPr>
+          <p:nvPr>
+            <p:ph type="sldNum" sz="quarter" idx="12"/>
+          </p:nvPr>
+        </p:nvSpPr>
+        <p:spPr/>
+        <p:txBody>
+          <a:bodyPr/>
+          <a:lstStyle/>
+          <a:p>
+            <a:fld id="{D57F1E4F-1CFF-5643-939E-217C01CDF565}" type="slidenum">
+              <a:rPr lang="en-US" smtClean="0"/>
+              <a:pPr/>
+              <a:t>29</a:t>
+            </a:fld>
+            <a:endParaRPr lang="en-US" dirty="0"/>
+          </a:p>
+        </p:txBody>
+      </p:sp>
     </p:spTree>
     <p:extLst>
       <p:ext uri="{BB962C8B-B14F-4D97-AF65-F5344CB8AC3E}">
@@ -11289,7 +14742,7 @@
             </a:r>
             <a:r>
               <a:rPr lang="en-US" dirty="0" err="1" smtClean="0"/>
-              <a:t>illic</a:t>
+              <a:t>Illic</a:t>
             </a:r>
             <a:endParaRPr lang="en-US" dirty="0" smtClean="0"/>
           </a:p>
@@ -11425,6 +14878,30 @@
               <a:rPr lang="en-US" dirty="0" smtClean="0"/>
               <a:t> </a:t>
             </a:r>
+          </a:p>
+        </p:txBody>
+      </p:sp>
+      <p:sp>
+        <p:nvSpPr>
+          <p:cNvPr id="8" name="Slide Number Placeholder 7"/>
+          <p:cNvSpPr>
+            <a:spLocks noGrp="1"/>
+          </p:cNvSpPr>
+          <p:nvPr>
+            <p:ph type="sldNum" sz="quarter" idx="12"/>
+          </p:nvPr>
+        </p:nvSpPr>
+        <p:spPr/>
+        <p:txBody>
+          <a:bodyPr/>
+          <a:lstStyle/>
+          <a:p>
+            <a:fld id="{D57F1E4F-1CFF-5643-939E-217C01CDF565}" type="slidenum">
+              <a:rPr lang="en-US" smtClean="0"/>
+              <a:pPr/>
+              <a:t>3</a:t>
+            </a:fld>
+            <a:endParaRPr lang="en-US" dirty="0"/>
           </a:p>
         </p:txBody>
       </p:sp>
@@ -11438,6 +14915,197 @@
   <p:clrMapOvr>
     <a:masterClrMapping/>
   </p:clrMapOvr>
+  <p:timing>
+    <p:tnLst>
+      <p:par>
+        <p:cTn id="1" dur="indefinite" restart="never" nodeType="tmRoot"/>
+      </p:par>
+    </p:tnLst>
+  </p:timing>
+</p:sld>
+</file>
+
+<file path=ppt/slides/slide30.xml><?xml version="1.0" encoding="utf-8"?>
+<p:sld xmlns:a="http://schemas.openxmlformats.org/drawingml/2006/main" xmlns:r="http://schemas.openxmlformats.org/officeDocument/2006/relationships" xmlns:p="http://schemas.openxmlformats.org/presentationml/2006/main">
+  <p:cSld>
+    <p:spTree>
+      <p:nvGrpSpPr>
+        <p:cNvPr id="1" name=""/>
+        <p:cNvGrpSpPr/>
+        <p:nvPr/>
+      </p:nvGrpSpPr>
+      <p:grpSpPr>
+        <a:xfrm>
+          <a:off x="0" y="0"/>
+          <a:ext cx="0" cy="0"/>
+          <a:chOff x="0" y="0"/>
+          <a:chExt cx="0" cy="0"/>
+        </a:xfrm>
+      </p:grpSpPr>
+      <p:sp>
+        <p:nvSpPr>
+          <p:cNvPr id="2" name="Title 1"/>
+          <p:cNvSpPr>
+            <a:spLocks noGrp="1"/>
+          </p:cNvSpPr>
+          <p:nvPr>
+            <p:ph type="title"/>
+          </p:nvPr>
+        </p:nvSpPr>
+        <p:spPr/>
+        <p:txBody>
+          <a:bodyPr/>
+          <a:lstStyle/>
+          <a:p>
+            <a:r>
+              <a:rPr lang="en-US" dirty="0" smtClean="0"/>
+              <a:t>General training materials </a:t>
+            </a:r>
+            <a:endParaRPr lang="en-US" dirty="0"/>
+          </a:p>
+        </p:txBody>
+      </p:sp>
+      <p:sp>
+        <p:nvSpPr>
+          <p:cNvPr id="3" name="Content Placeholder 2"/>
+          <p:cNvSpPr>
+            <a:spLocks noGrp="1"/>
+          </p:cNvSpPr>
+          <p:nvPr>
+            <p:ph idx="1"/>
+          </p:nvPr>
+        </p:nvSpPr>
+        <p:spPr/>
+        <p:txBody>
+          <a:bodyPr/>
+          <a:lstStyle/>
+          <a:p>
+            <a:r>
+              <a:rPr lang="en-US" dirty="0"/>
+              <a:t>David </a:t>
+            </a:r>
+            <a:r>
+              <a:rPr lang="en-US" dirty="0" err="1" smtClean="0"/>
+              <a:t>Rosenbergs</a:t>
+            </a:r>
+            <a:r>
+              <a:rPr lang="en-US" dirty="0" smtClean="0"/>
+              <a:t> the mathematical discussion on ML</a:t>
+            </a:r>
+          </a:p>
+          <a:p>
+            <a:pPr lvl="1"/>
+            <a:r>
+              <a:rPr lang="en-US" dirty="0" smtClean="0"/>
+              <a:t>https</a:t>
+            </a:r>
+            <a:r>
+              <a:rPr lang="en-US" dirty="0"/>
+              <a:t>://</a:t>
+            </a:r>
+            <a:r>
+              <a:rPr lang="en-US" dirty="0" err="1"/>
+              <a:t>bloomberg.github.io</a:t>
+            </a:r>
+            <a:r>
+              <a:rPr lang="en-US" dirty="0"/>
+              <a:t>/</a:t>
+            </a:r>
+            <a:r>
+              <a:rPr lang="en-US" dirty="0" err="1"/>
+              <a:t>foml</a:t>
+            </a:r>
+            <a:r>
+              <a:rPr lang="en-US" dirty="0"/>
+              <a:t>/#lectures</a:t>
+            </a:r>
+          </a:p>
+          <a:p>
+            <a:r>
+              <a:rPr lang="en-US" dirty="0" smtClean="0"/>
+              <a:t>Andrew NGs learning </a:t>
+            </a:r>
+            <a:r>
+              <a:rPr lang="en-US" dirty="0"/>
+              <a:t>curve method </a:t>
+            </a:r>
+            <a:endParaRPr lang="en-US" dirty="0" smtClean="0"/>
+          </a:p>
+          <a:p>
+            <a:pPr lvl="1"/>
+            <a:r>
+              <a:rPr lang="en-US" dirty="0" smtClean="0"/>
+              <a:t>https</a:t>
+            </a:r>
+            <a:r>
+              <a:rPr lang="en-US" dirty="0"/>
+              <a:t>://</a:t>
+            </a:r>
+            <a:r>
+              <a:rPr lang="en-US" dirty="0" err="1"/>
+              <a:t>www.youtube.com</a:t>
+            </a:r>
+            <a:r>
+              <a:rPr lang="en-US" dirty="0"/>
+              <a:t>/</a:t>
+            </a:r>
+            <a:r>
+              <a:rPr lang="en-US" dirty="0" err="1"/>
+              <a:t>watch?v</a:t>
+            </a:r>
+            <a:r>
+              <a:rPr lang="en-US" dirty="0"/>
+              <a:t>=ISBGFY-</a:t>
+            </a:r>
+            <a:r>
+              <a:rPr lang="en-US" dirty="0" err="1"/>
+              <a:t>gBug</a:t>
+            </a:r>
+            <a:endParaRPr lang="en-US" dirty="0"/>
+          </a:p>
+        </p:txBody>
+      </p:sp>
+      <p:sp>
+        <p:nvSpPr>
+          <p:cNvPr id="7" name="Slide Number Placeholder 6"/>
+          <p:cNvSpPr>
+            <a:spLocks noGrp="1"/>
+          </p:cNvSpPr>
+          <p:nvPr>
+            <p:ph type="sldNum" sz="quarter" idx="12"/>
+          </p:nvPr>
+        </p:nvSpPr>
+        <p:spPr/>
+        <p:txBody>
+          <a:bodyPr/>
+          <a:lstStyle/>
+          <a:p>
+            <a:fld id="{D57F1E4F-1CFF-5643-939E-217C01CDF565}" type="slidenum">
+              <a:rPr lang="en-US" smtClean="0"/>
+              <a:pPr/>
+              <a:t>30</a:t>
+            </a:fld>
+            <a:endParaRPr lang="en-US" dirty="0"/>
+          </a:p>
+        </p:txBody>
+      </p:sp>
+    </p:spTree>
+    <p:extLst>
+      <p:ext uri="{BB962C8B-B14F-4D97-AF65-F5344CB8AC3E}">
+        <p14:creationId xmlns:p14="http://schemas.microsoft.com/office/powerpoint/2010/main" val="199861436"/>
+      </p:ext>
+    </p:extLst>
+  </p:cSld>
+  <p:clrMapOvr>
+    <a:masterClrMapping/>
+  </p:clrMapOvr>
+  <p:timing>
+    <p:tnLst>
+      <p:par>
+        <p:cTn id="1" dur="indefinite" restart="never" nodeType="tmRoot"/>
+      </p:par>
+    </p:tnLst>
+  </p:timing>
 </p:sld>
 </file>
 
@@ -11491,10 +15159,15 @@
             <p:ph idx="1"/>
           </p:nvPr>
         </p:nvSpPr>
-        <p:spPr/>
+        <p:spPr>
+          <a:xfrm>
+            <a:off x="685801" y="1694329"/>
+            <a:ext cx="10690411" cy="4840942"/>
+          </a:xfrm>
+        </p:spPr>
         <p:txBody>
           <a:bodyPr>
-            <a:normAutofit fontScale="85000" lnSpcReduction="20000"/>
+            <a:normAutofit/>
           </a:bodyPr>
           <a:lstStyle/>
           <a:p>
@@ -11507,11 +15180,7 @@
             <a:pPr lvl="1"/>
             <a:r>
               <a:rPr lang="en-US" dirty="0" smtClean="0"/>
-              <a:t>Be aware there </a:t>
-            </a:r>
-            <a:r>
-              <a:rPr lang="en-US" dirty="0" smtClean="0"/>
-              <a:t>are security cameras everywhere and the badge lets security know the range of your access</a:t>
+              <a:t>Be aware there are security cameras everywhere and the badge lets security know the range of your access</a:t>
             </a:r>
           </a:p>
           <a:p>
@@ -11570,7 +15239,15 @@
             </a:r>
             <a:r>
               <a:rPr lang="en-US" dirty="0" smtClean="0"/>
-              <a:t> station end of the office panty, then proceed to the north side of the building</a:t>
+              <a:t> station end of the office </a:t>
+            </a:r>
+            <a:r>
+              <a:rPr lang="en-US" dirty="0" smtClean="0"/>
+              <a:t>pantry, </a:t>
+            </a:r>
+            <a:r>
+              <a:rPr lang="en-US" dirty="0" smtClean="0"/>
+              <a:t>then proceed to the north side of the building</a:t>
             </a:r>
           </a:p>
           <a:p>
@@ -11606,15 +15283,59 @@
             <a:pPr lvl="1"/>
             <a:r>
               <a:rPr lang="en-US" dirty="0" smtClean="0"/>
-              <a:t>Please avoid leading the guests out of the allowed ranges, </a:t>
+              <a:t>Please avoid leading the guests out of the allowed </a:t>
+            </a:r>
+            <a:r>
+              <a:rPr lang="en-US" dirty="0" smtClean="0"/>
+              <a:t>areas </a:t>
             </a:r>
           </a:p>
           <a:p>
             <a:pPr lvl="1"/>
             <a:r>
               <a:rPr lang="en-US" dirty="0" smtClean="0"/>
-              <a:t>Please offer any assistance if you see they need some or wander into the out of bounds areas </a:t>
-            </a:r>
+              <a:t>Please </a:t>
+            </a:r>
+            <a:r>
+              <a:rPr lang="en-US" dirty="0" smtClean="0"/>
+              <a:t>offer any assistance if you see they need some or </a:t>
+            </a:r>
+            <a:r>
+              <a:rPr lang="en-US" dirty="0" smtClean="0"/>
+              <a:t>wandering </a:t>
+            </a:r>
+            <a:r>
+              <a:rPr lang="en-US" dirty="0" smtClean="0"/>
+              <a:t>into the out of bounds </a:t>
+            </a:r>
+            <a:r>
+              <a:rPr lang="en-US" dirty="0" smtClean="0"/>
+              <a:t>areas</a:t>
+            </a:r>
+          </a:p>
+        </p:txBody>
+      </p:sp>
+      <p:sp>
+        <p:nvSpPr>
+          <p:cNvPr id="7" name="Slide Number Placeholder 6"/>
+          <p:cNvSpPr>
+            <a:spLocks noGrp="1"/>
+          </p:cNvSpPr>
+          <p:nvPr>
+            <p:ph type="sldNum" sz="quarter" idx="12"/>
+          </p:nvPr>
+        </p:nvSpPr>
+        <p:spPr/>
+        <p:txBody>
+          <a:bodyPr/>
+          <a:lstStyle/>
+          <a:p>
+            <a:fld id="{D57F1E4F-1CFF-5643-939E-217C01CDF565}" type="slidenum">
+              <a:rPr lang="en-US" smtClean="0"/>
+              <a:pPr/>
+              <a:t>4</a:t>
+            </a:fld>
+            <a:endParaRPr lang="en-US" dirty="0"/>
           </a:p>
         </p:txBody>
       </p:sp>
@@ -11628,6 +15349,13 @@
   <p:clrMapOvr>
     <a:masterClrMapping/>
   </p:clrMapOvr>
+  <p:timing>
+    <p:tnLst>
+      <p:par>
+        <p:cTn id="1" dur="indefinite" restart="never" nodeType="tmRoot"/>
+      </p:par>
+    </p:tnLst>
+  </p:timing>
 </p:sld>
 </file>
 
@@ -11712,23 +15440,7 @@
             </a:r>
             <a:r>
               <a:rPr lang="en-US" dirty="0" smtClean="0"/>
-              <a:t>t photograph anything that looks like </a:t>
-            </a:r>
-            <a:r>
-              <a:rPr lang="en-US" dirty="0" err="1" smtClean="0"/>
-              <a:t>bloomberg</a:t>
-            </a:r>
-            <a:r>
-              <a:rPr lang="en-US" dirty="0" smtClean="0"/>
-              <a:t> </a:t>
-            </a:r>
-            <a:r>
-              <a:rPr lang="en-US" dirty="0" smtClean="0"/>
-              <a:t>internal </a:t>
-            </a:r>
-            <a:r>
-              <a:rPr lang="en-US" dirty="0" smtClean="0"/>
-              <a:t>information </a:t>
+              <a:t>t photograph anything that looks like Bloomberg internal information </a:t>
             </a:r>
           </a:p>
           <a:p>
@@ -11756,20 +15468,9 @@
           <a:p>
             <a:r>
               <a:rPr lang="en-US" dirty="0" smtClean="0"/>
-              <a:t>There will be one of </a:t>
-            </a:r>
-            <a:r>
-              <a:rPr lang="en-US" dirty="0" err="1"/>
-              <a:t>B</a:t>
-            </a:r>
-            <a:r>
-              <a:rPr lang="en-US" dirty="0" err="1" smtClean="0"/>
-              <a:t>loombergs</a:t>
-            </a:r>
-            <a:r>
-              <a:rPr lang="en-US" dirty="0" smtClean="0"/>
-              <a:t> photographers around at some point </a:t>
-            </a:r>
+              <a:t>I will  likely take some pictures during the event </a:t>
+            </a:r>
+            <a:endParaRPr lang="en-US" dirty="0" smtClean="0"/>
           </a:p>
           <a:p>
             <a:pPr lvl="1"/>
@@ -11783,7 +15484,15 @@
             </a:r>
             <a:r>
               <a:rPr lang="en-US" dirty="0" smtClean="0"/>
-              <a:t>t mind your picture taken and used for Bloomberg publications (likely internal only)</a:t>
+              <a:t>t mind your picture taken and used for Bloomberg publications (likely internal </a:t>
+            </a:r>
+            <a:r>
+              <a:rPr lang="en-US" dirty="0" smtClean="0"/>
+              <a:t> and for meetup only</a:t>
+            </a:r>
+            <a:r>
+              <a:rPr lang="en-US" dirty="0" smtClean="0"/>
+              <a:t>)</a:t>
             </a:r>
           </a:p>
           <a:p>
@@ -11798,8 +15507,44 @@
             </a:r>
             <a:r>
               <a:rPr lang="en-US" dirty="0" smtClean="0"/>
-              <a:t>t want to sign the consent let me know and I will inform the photographer to avoid taking your picture</a:t>
-            </a:r>
+              <a:t>t want to sign the consent let me know and </a:t>
+            </a:r>
+            <a:r>
+              <a:rPr lang="en-US" dirty="0" smtClean="0"/>
+              <a:t>I will </a:t>
+            </a:r>
+            <a:r>
+              <a:rPr lang="en-US" dirty="0" smtClean="0"/>
+              <a:t>avoid </a:t>
+            </a:r>
+            <a:r>
+              <a:rPr lang="en-US" dirty="0" smtClean="0"/>
+              <a:t>taking your picture</a:t>
+            </a:r>
+          </a:p>
+        </p:txBody>
+      </p:sp>
+      <p:sp>
+        <p:nvSpPr>
+          <p:cNvPr id="7" name="Slide Number Placeholder 6"/>
+          <p:cNvSpPr>
+            <a:spLocks noGrp="1"/>
+          </p:cNvSpPr>
+          <p:nvPr>
+            <p:ph type="sldNum" sz="quarter" idx="12"/>
+          </p:nvPr>
+        </p:nvSpPr>
+        <p:spPr/>
+        <p:txBody>
+          <a:bodyPr/>
+          <a:lstStyle/>
+          <a:p>
+            <a:fld id="{D57F1E4F-1CFF-5643-939E-217C01CDF565}" type="slidenum">
+              <a:rPr lang="en-US" smtClean="0"/>
+              <a:pPr/>
+              <a:t>5</a:t>
+            </a:fld>
+            <a:endParaRPr lang="en-US" dirty="0"/>
           </a:p>
         </p:txBody>
       </p:sp>
@@ -11813,6 +15558,13 @@
   <p:clrMapOvr>
     <a:masterClrMapping/>
   </p:clrMapOvr>
+  <p:timing>
+    <p:tnLst>
+      <p:par>
+        <p:cTn id="1" dur="indefinite" restart="never" nodeType="tmRoot"/>
+      </p:par>
+    </p:tnLst>
+  </p:timing>
 </p:sld>
 </file>
 
@@ -11873,11 +15625,7 @@
           <a:p>
             <a:r>
               <a:rPr lang="en-US" dirty="0" smtClean="0"/>
-              <a:t>The </a:t>
-            </a:r>
-            <a:r>
-              <a:rPr lang="en-US" dirty="0" smtClean="0"/>
-              <a:t>security staff are all trained first aiders, if anything medical problem occurs report it to them immediately </a:t>
+              <a:t>The security staff are all trained first aiders, if anything medical problem occurs report it to them immediately </a:t>
             </a:r>
           </a:p>
           <a:p>
@@ -11908,15 +15656,7 @@
             </a:r>
             <a:r>
               <a:rPr lang="en-US" dirty="0" smtClean="0"/>
-              <a:t> </a:t>
-            </a:r>
-            <a:r>
-              <a:rPr lang="en-US" dirty="0" smtClean="0"/>
-              <a:t>closer </a:t>
-            </a:r>
-            <a:r>
-              <a:rPr lang="en-US" dirty="0" smtClean="0"/>
-              <a:t>and then proceed to get the security staff</a:t>
+              <a:t> closer and then proceed to get the security staff</a:t>
             </a:r>
           </a:p>
           <a:p>
@@ -11956,9 +15696,10 @@
               <a:t>security </a:t>
             </a:r>
             <a:r>
-              <a:rPr lang="en-US" dirty="0"/>
-              <a:t>staff</a:t>
-            </a:r>
+              <a:rPr lang="en-US" dirty="0" smtClean="0"/>
+              <a:t>staff, they will likely do a head count at some staging point</a:t>
+            </a:r>
+            <a:endParaRPr lang="en-US" dirty="0"/>
           </a:p>
           <a:p>
             <a:pPr lvl="1"/>
@@ -11966,6 +15707,30 @@
               <a:rPr lang="en-US" dirty="0" smtClean="0"/>
               <a:t>The elevators and fire doors can lock down automatically, if you find yourself locked into an area move to the emergency exits or locate the intercom to call the security to your location</a:t>
             </a:r>
+          </a:p>
+        </p:txBody>
+      </p:sp>
+      <p:sp>
+        <p:nvSpPr>
+          <p:cNvPr id="7" name="Slide Number Placeholder 6"/>
+          <p:cNvSpPr>
+            <a:spLocks noGrp="1"/>
+          </p:cNvSpPr>
+          <p:nvPr>
+            <p:ph type="sldNum" sz="quarter" idx="12"/>
+          </p:nvPr>
+        </p:nvSpPr>
+        <p:spPr/>
+        <p:txBody>
+          <a:bodyPr/>
+          <a:lstStyle/>
+          <a:p>
+            <a:fld id="{D57F1E4F-1CFF-5643-939E-217C01CDF565}" type="slidenum">
+              <a:rPr lang="en-US" smtClean="0"/>
+              <a:pPr/>
+              <a:t>6</a:t>
+            </a:fld>
+            <a:endParaRPr lang="en-US" dirty="0"/>
           </a:p>
         </p:txBody>
       </p:sp>
@@ -11979,6 +15744,13 @@
   <p:clrMapOvr>
     <a:masterClrMapping/>
   </p:clrMapOvr>
+  <p:timing>
+    <p:tnLst>
+      <p:par>
+        <p:cTn id="1" dur="indefinite" restart="never" nodeType="tmRoot"/>
+      </p:par>
+    </p:tnLst>
+  </p:timing>
 </p:sld>
 </file>
 
@@ -12051,7 +15823,30 @@
               <a:rPr lang="en-US" sz="2800" dirty="0"/>
               <a:t>/careers/</a:t>
             </a:r>
-            <a:endParaRPr lang="en-US" sz="2800" dirty="0"/>
+          </a:p>
+        </p:txBody>
+      </p:sp>
+      <p:sp>
+        <p:nvSpPr>
+          <p:cNvPr id="7" name="Slide Number Placeholder 6"/>
+          <p:cNvSpPr>
+            <a:spLocks noGrp="1"/>
+          </p:cNvSpPr>
+          <p:nvPr>
+            <p:ph type="sldNum" sz="quarter" idx="12"/>
+          </p:nvPr>
+        </p:nvSpPr>
+        <p:spPr/>
+        <p:txBody>
+          <a:bodyPr/>
+          <a:lstStyle/>
+          <a:p>
+            <a:fld id="{D57F1E4F-1CFF-5643-939E-217C01CDF565}" type="slidenum">
+              <a:rPr lang="en-US" smtClean="0"/>
+              <a:pPr/>
+              <a:t>7</a:t>
+            </a:fld>
+            <a:endParaRPr lang="en-US" dirty="0"/>
           </a:p>
         </p:txBody>
       </p:sp>
@@ -12065,6 +15860,13 @@
   <p:clrMapOvr>
     <a:masterClrMapping/>
   </p:clrMapOvr>
+  <p:timing>
+    <p:tnLst>
+      <p:par>
+        <p:cTn id="1" dur="indefinite" restart="never" nodeType="tmRoot"/>
+      </p:par>
+    </p:tnLst>
+  </p:timing>
 </p:sld>
 </file>
 
@@ -12125,7 +15927,15 @@
           <a:p>
             <a:r>
               <a:rPr lang="en-US" dirty="0" smtClean="0"/>
-              <a:t>Bloomberg, the organizers or other attendees of this event are not responsible for any trading losses you incur if you take the models build or </a:t>
+              <a:t>Bloomberg, the organizers or other attendees of this event are not responsible for any trading losses you incur if you take the models </a:t>
+            </a:r>
+            <a:r>
+              <a:rPr lang="en-US" dirty="0" smtClean="0"/>
+              <a:t>built here today </a:t>
+            </a:r>
+            <a:r>
+              <a:rPr lang="en-US" dirty="0" smtClean="0"/>
+              <a:t>or </a:t>
             </a:r>
             <a:r>
               <a:rPr lang="en-US" dirty="0"/>
@@ -12133,8 +15943,40 @@
             </a:r>
             <a:r>
               <a:rPr lang="en-US" dirty="0" smtClean="0"/>
-              <a:t>nformation discussed here and apply it in a real market</a:t>
-            </a:r>
+              <a:t>nformation discussed </a:t>
+            </a:r>
+            <a:r>
+              <a:rPr lang="en-US" dirty="0" smtClean="0"/>
+              <a:t>and </a:t>
+            </a:r>
+            <a:r>
+              <a:rPr lang="en-US" dirty="0" smtClean="0"/>
+              <a:t>apply it in a real market</a:t>
+            </a:r>
+            <a:endParaRPr lang="en-US" dirty="0"/>
+          </a:p>
+        </p:txBody>
+      </p:sp>
+      <p:sp>
+        <p:nvSpPr>
+          <p:cNvPr id="7" name="Slide Number Placeholder 6"/>
+          <p:cNvSpPr>
+            <a:spLocks noGrp="1"/>
+          </p:cNvSpPr>
+          <p:nvPr>
+            <p:ph type="sldNum" sz="quarter" idx="12"/>
+          </p:nvPr>
+        </p:nvSpPr>
+        <p:spPr/>
+        <p:txBody>
+          <a:bodyPr/>
+          <a:lstStyle/>
+          <a:p>
+            <a:fld id="{D57F1E4F-1CFF-5643-939E-217C01CDF565}" type="slidenum">
+              <a:rPr lang="en-US" smtClean="0"/>
+              <a:pPr/>
+              <a:t>8</a:t>
+            </a:fld>
             <a:endParaRPr lang="en-US" dirty="0"/>
           </a:p>
         </p:txBody>
@@ -12149,6 +15991,13 @@
   <p:clrMapOvr>
     <a:masterClrMapping/>
   </p:clrMapOvr>
+  <p:timing>
+    <p:tnLst>
+      <p:par>
+        <p:cTn id="1" dur="indefinite" restart="never" nodeType="tmRoot"/>
+      </p:par>
+    </p:tnLst>
+  </p:timing>
 </p:sld>
 </file>
 
@@ -12276,13 +16125,48 @@
         <a:srgbClr val="CCAEE8"/>
       </a:folHlink>
     </a:clrScheme>
-    <a:fontScheme name="Celestial">
+    <a:fontScheme name="Arial-Times New Roman">
       <a:majorFont>
-        <a:latin typeface="Calibri Light" panose="020F0302020204030204"/>
+        <a:latin typeface="Arial" panose="020B0604020202020204"/>
         <a:ea typeface=""/>
         <a:cs typeface=""/>
         <a:font script="Jpan" typeface="ＭＳ Ｐゴシック"/>
-        <a:font script="Hang" typeface="맑은 고딕"/>
+        <a:font script="Hang" typeface="굴림"/>
+        <a:font script="Hans" typeface="黑体"/>
+        <a:font script="Hant" typeface="微軟正黑體"/>
+        <a:font script="Arab" typeface="Arial"/>
+        <a:font script="Hebr" typeface="Arial"/>
+        <a:font script="Thai" typeface="Cordia New"/>
+        <a:font script="Ethi" typeface="Nyala"/>
+        <a:font script="Beng" typeface="Vrinda"/>
+        <a:font script="Gujr" typeface="Shruti"/>
+        <a:font script="Khmr" typeface="DaunPenh"/>
+        <a:font script="Knda" typeface="Tunga"/>
+        <a:font script="Guru" typeface="Raavi"/>
+        <a:font script="Cans" typeface="Euphemia"/>
+        <a:font script="Cher" typeface="Plantagenet Cherokee"/>
+        <a:font script="Yiii" typeface="Microsoft Yi Baiti"/>
+        <a:font script="Tibt" typeface="Microsoft Himalaya"/>
+        <a:font script="Thaa" typeface="MV Boli"/>
+        <a:font script="Deva" typeface="Mangal"/>
+        <a:font script="Telu" typeface="Gautami"/>
+        <a:font script="Taml" typeface="Latha"/>
+        <a:font script="Syrc" typeface="Estrangelo Edessa"/>
+        <a:font script="Orya" typeface="Kalinga"/>
+        <a:font script="Mlym" typeface="Kartika"/>
+        <a:font script="Laoo" typeface="DokChampa"/>
+        <a:font script="Sinh" typeface="Iskoola Pota"/>
+        <a:font script="Mong" typeface="Mongolian Baiti"/>
+        <a:font script="Viet" typeface="Arial"/>
+        <a:font script="Uigh" typeface="Microsoft Uighur"/>
+        <a:font script="Geor" typeface="Sylfaen"/>
+      </a:majorFont>
+      <a:minorFont>
+        <a:latin typeface="Times New Roman" panose="02020603050405020304"/>
+        <a:ea typeface=""/>
+        <a:cs typeface=""/>
+        <a:font script="Jpan" typeface="ＭＳ Ｐ明朝"/>
+        <a:font script="Hang" typeface="바탕"/>
         <a:font script="Hans" typeface="宋体"/>
         <a:font script="Hant" typeface="新細明體"/>
         <a:font script="Arab" typeface="Times New Roman"/>
@@ -12309,41 +16193,6 @@
         <a:font script="Sinh" typeface="Iskoola Pota"/>
         <a:font script="Mong" typeface="Mongolian Baiti"/>
         <a:font script="Viet" typeface="Times New Roman"/>
-        <a:font script="Uigh" typeface="Microsoft Uighur"/>
-        <a:font script="Geor" typeface="Sylfaen"/>
-      </a:majorFont>
-      <a:minorFont>
-        <a:latin typeface="Calibri" panose="020F0502020204030204"/>
-        <a:ea typeface=""/>
-        <a:cs typeface=""/>
-        <a:font script="Jpan" typeface="ＭＳ Ｐゴシック"/>
-        <a:font script="Hang" typeface="맑은 고딕"/>
-        <a:font script="Hans" typeface="宋体"/>
-        <a:font script="Hant" typeface="新細明體"/>
-        <a:font script="Arab" typeface="Arial"/>
-        <a:font script="Hebr" typeface="Arial"/>
-        <a:font script="Thai" typeface="Cordia New"/>
-        <a:font script="Ethi" typeface="Nyala"/>
-        <a:font script="Beng" typeface="Vrinda"/>
-        <a:font script="Gujr" typeface="Shruti"/>
-        <a:font script="Khmr" typeface="DaunPenh"/>
-        <a:font script="Knda" typeface="Tunga"/>
-        <a:font script="Guru" typeface="Raavi"/>
-        <a:font script="Cans" typeface="Euphemia"/>
-        <a:font script="Cher" typeface="Plantagenet Cherokee"/>
-        <a:font script="Yiii" typeface="Microsoft Yi Baiti"/>
-        <a:font script="Tibt" typeface="Microsoft Himalaya"/>
-        <a:font script="Thaa" typeface="MV Boli"/>
-        <a:font script="Deva" typeface="Mangal"/>
-        <a:font script="Telu" typeface="Gautami"/>
-        <a:font script="Taml" typeface="Latha"/>
-        <a:font script="Syrc" typeface="Estrangelo Edessa"/>
-        <a:font script="Orya" typeface="Kalinga"/>
-        <a:font script="Mlym" typeface="Kartika"/>
-        <a:font script="Laoo" typeface="DokChampa"/>
-        <a:font script="Sinh" typeface="Iskoola Pota"/>
-        <a:font script="Mong" typeface="Mongolian Baiti"/>
-        <a:font script="Viet" typeface="Arial"/>
         <a:font script="Uigh" typeface="Microsoft Uighur"/>
         <a:font script="Geor" typeface="Sylfaen"/>
       </a:minorFont>
@@ -12485,6 +16334,267 @@
 </file>
 
 <file path=ppt/theme/theme2.xml><?xml version="1.0" encoding="utf-8"?>
+<a:theme xmlns:a="http://schemas.openxmlformats.org/drawingml/2006/main" name="Custom Design">
+  <a:themeElements>
+    <a:clrScheme name="Office">
+      <a:dk1>
+        <a:sysClr val="windowText" lastClr="000000"/>
+      </a:dk1>
+      <a:lt1>
+        <a:sysClr val="window" lastClr="FFFFFF"/>
+      </a:lt1>
+      <a:dk2>
+        <a:srgbClr val="44546A"/>
+      </a:dk2>
+      <a:lt2>
+        <a:srgbClr val="E7E6E6"/>
+      </a:lt2>
+      <a:accent1>
+        <a:srgbClr val="4472C4"/>
+      </a:accent1>
+      <a:accent2>
+        <a:srgbClr val="ED7D31"/>
+      </a:accent2>
+      <a:accent3>
+        <a:srgbClr val="A5A5A5"/>
+      </a:accent3>
+      <a:accent4>
+        <a:srgbClr val="FFC000"/>
+      </a:accent4>
+      <a:accent5>
+        <a:srgbClr val="5B9BD5"/>
+      </a:accent5>
+      <a:accent6>
+        <a:srgbClr val="70AD47"/>
+      </a:accent6>
+      <a:hlink>
+        <a:srgbClr val="0563C1"/>
+      </a:hlink>
+      <a:folHlink>
+        <a:srgbClr val="954F72"/>
+      </a:folHlink>
+    </a:clrScheme>
+    <a:fontScheme name="Office">
+      <a:majorFont>
+        <a:latin typeface="Calibri Light" panose="020F0302020204030204"/>
+        <a:ea typeface=""/>
+        <a:cs typeface=""/>
+        <a:font script="Jpan" typeface="Yu Gothic Light"/>
+        <a:font script="Hang" typeface="맑은 고딕"/>
+        <a:font script="Hans" typeface="DengXian Light"/>
+        <a:font script="Hant" typeface="新細明體"/>
+        <a:font script="Arab" typeface="Times New Roman"/>
+        <a:font script="Hebr" typeface="Times New Roman"/>
+        <a:font script="Thai" typeface="Angsana New"/>
+        <a:font script="Ethi" typeface="Nyala"/>
+        <a:font script="Beng" typeface="Vrinda"/>
+        <a:font script="Gujr" typeface="Shruti"/>
+        <a:font script="Khmr" typeface="MoolBoran"/>
+        <a:font script="Knda" typeface="Tunga"/>
+        <a:font script="Guru" typeface="Raavi"/>
+        <a:font script="Cans" typeface="Euphemia"/>
+        <a:font script="Cher" typeface="Plantagenet Cherokee"/>
+        <a:font script="Yiii" typeface="Microsoft Yi Baiti"/>
+        <a:font script="Tibt" typeface="Microsoft Himalaya"/>
+        <a:font script="Thaa" typeface="MV Boli"/>
+        <a:font script="Deva" typeface="Mangal"/>
+        <a:font script="Telu" typeface="Gautami"/>
+        <a:font script="Taml" typeface="Latha"/>
+        <a:font script="Syrc" typeface="Estrangelo Edessa"/>
+        <a:font script="Orya" typeface="Kalinga"/>
+        <a:font script="Mlym" typeface="Kartika"/>
+        <a:font script="Laoo" typeface="DokChampa"/>
+        <a:font script="Sinh" typeface="Iskoola Pota"/>
+        <a:font script="Mong" typeface="Mongolian Baiti"/>
+        <a:font script="Viet" typeface="Times New Roman"/>
+        <a:font script="Uigh" typeface="Microsoft Uighur"/>
+        <a:font script="Geor" typeface="Sylfaen"/>
+      </a:majorFont>
+      <a:minorFont>
+        <a:latin typeface="Calibri" panose="020F0502020204030204"/>
+        <a:ea typeface=""/>
+        <a:cs typeface=""/>
+        <a:font script="Jpan" typeface="Yu Gothic"/>
+        <a:font script="Hang" typeface="맑은 고딕"/>
+        <a:font script="Hans" typeface="DengXian"/>
+        <a:font script="Hant" typeface="新細明體"/>
+        <a:font script="Arab" typeface="Arial"/>
+        <a:font script="Hebr" typeface="Arial"/>
+        <a:font script="Thai" typeface="Cordia New"/>
+        <a:font script="Ethi" typeface="Nyala"/>
+        <a:font script="Beng" typeface="Vrinda"/>
+        <a:font script="Gujr" typeface="Shruti"/>
+        <a:font script="Khmr" typeface="DaunPenh"/>
+        <a:font script="Knda" typeface="Tunga"/>
+        <a:font script="Guru" typeface="Raavi"/>
+        <a:font script="Cans" typeface="Euphemia"/>
+        <a:font script="Cher" typeface="Plantagenet Cherokee"/>
+        <a:font script="Yiii" typeface="Microsoft Yi Baiti"/>
+        <a:font script="Tibt" typeface="Microsoft Himalaya"/>
+        <a:font script="Thaa" typeface="MV Boli"/>
+        <a:font script="Deva" typeface="Mangal"/>
+        <a:font script="Telu" typeface="Gautami"/>
+        <a:font script="Taml" typeface="Latha"/>
+        <a:font script="Syrc" typeface="Estrangelo Edessa"/>
+        <a:font script="Orya" typeface="Kalinga"/>
+        <a:font script="Mlym" typeface="Kartika"/>
+        <a:font script="Laoo" typeface="DokChampa"/>
+        <a:font script="Sinh" typeface="Iskoola Pota"/>
+        <a:font script="Mong" typeface="Mongolian Baiti"/>
+        <a:font script="Viet" typeface="Arial"/>
+        <a:font script="Uigh" typeface="Microsoft Uighur"/>
+        <a:font script="Geor" typeface="Sylfaen"/>
+      </a:minorFont>
+    </a:fontScheme>
+    <a:fmtScheme name="Office">
+      <a:fillStyleLst>
+        <a:solidFill>
+          <a:schemeClr val="phClr"/>
+        </a:solidFill>
+        <a:gradFill rotWithShape="1">
+          <a:gsLst>
+            <a:gs pos="0">
+              <a:schemeClr val="phClr">
+                <a:lumMod val="110000"/>
+                <a:satMod val="105000"/>
+                <a:tint val="67000"/>
+              </a:schemeClr>
+            </a:gs>
+            <a:gs pos="50000">
+              <a:schemeClr val="phClr">
+                <a:lumMod val="105000"/>
+                <a:satMod val="103000"/>
+                <a:tint val="73000"/>
+              </a:schemeClr>
+            </a:gs>
+            <a:gs pos="100000">
+              <a:schemeClr val="phClr">
+                <a:lumMod val="105000"/>
+                <a:satMod val="109000"/>
+                <a:tint val="81000"/>
+              </a:schemeClr>
+            </a:gs>
+          </a:gsLst>
+          <a:lin ang="5400000" scaled="0"/>
+        </a:gradFill>
+        <a:gradFill rotWithShape="1">
+          <a:gsLst>
+            <a:gs pos="0">
+              <a:schemeClr val="phClr">
+                <a:satMod val="103000"/>
+                <a:lumMod val="102000"/>
+                <a:tint val="94000"/>
+              </a:schemeClr>
+            </a:gs>
+            <a:gs pos="50000">
+              <a:schemeClr val="phClr">
+                <a:satMod val="110000"/>
+                <a:lumMod val="100000"/>
+                <a:shade val="100000"/>
+              </a:schemeClr>
+            </a:gs>
+            <a:gs pos="100000">
+              <a:schemeClr val="phClr">
+                <a:lumMod val="99000"/>
+                <a:satMod val="120000"/>
+                <a:shade val="78000"/>
+              </a:schemeClr>
+            </a:gs>
+          </a:gsLst>
+          <a:lin ang="5400000" scaled="0"/>
+        </a:gradFill>
+      </a:fillStyleLst>
+      <a:lnStyleLst>
+        <a:ln w="6350" cap="flat" cmpd="sng" algn="ctr">
+          <a:solidFill>
+            <a:schemeClr val="phClr"/>
+          </a:solidFill>
+          <a:prstDash val="solid"/>
+          <a:miter lim="800000"/>
+        </a:ln>
+        <a:ln w="12700" cap="flat" cmpd="sng" algn="ctr">
+          <a:solidFill>
+            <a:schemeClr val="phClr"/>
+          </a:solidFill>
+          <a:prstDash val="solid"/>
+          <a:miter lim="800000"/>
+        </a:ln>
+        <a:ln w="19050" cap="flat" cmpd="sng" algn="ctr">
+          <a:solidFill>
+            <a:schemeClr val="phClr"/>
+          </a:solidFill>
+          <a:prstDash val="solid"/>
+          <a:miter lim="800000"/>
+        </a:ln>
+      </a:lnStyleLst>
+      <a:effectStyleLst>
+        <a:effectStyle>
+          <a:effectLst/>
+        </a:effectStyle>
+        <a:effectStyle>
+          <a:effectLst/>
+        </a:effectStyle>
+        <a:effectStyle>
+          <a:effectLst>
+            <a:outerShdw blurRad="57150" dist="19050" dir="5400000" algn="ctr" rotWithShape="0">
+              <a:srgbClr val="000000">
+                <a:alpha val="63000"/>
+              </a:srgbClr>
+            </a:outerShdw>
+          </a:effectLst>
+        </a:effectStyle>
+      </a:effectStyleLst>
+      <a:bgFillStyleLst>
+        <a:solidFill>
+          <a:schemeClr val="phClr"/>
+        </a:solidFill>
+        <a:solidFill>
+          <a:schemeClr val="phClr">
+            <a:tint val="95000"/>
+            <a:satMod val="170000"/>
+          </a:schemeClr>
+        </a:solidFill>
+        <a:gradFill rotWithShape="1">
+          <a:gsLst>
+            <a:gs pos="0">
+              <a:schemeClr val="phClr">
+                <a:tint val="93000"/>
+                <a:satMod val="150000"/>
+                <a:shade val="98000"/>
+                <a:lumMod val="102000"/>
+              </a:schemeClr>
+            </a:gs>
+            <a:gs pos="50000">
+              <a:schemeClr val="phClr">
+                <a:tint val="98000"/>
+                <a:satMod val="130000"/>
+                <a:shade val="90000"/>
+                <a:lumMod val="103000"/>
+              </a:schemeClr>
+            </a:gs>
+            <a:gs pos="100000">
+              <a:schemeClr val="phClr">
+                <a:shade val="63000"/>
+                <a:satMod val="120000"/>
+              </a:schemeClr>
+            </a:gs>
+          </a:gsLst>
+          <a:lin ang="5400000" scaled="0"/>
+        </a:gradFill>
+      </a:bgFillStyleLst>
+    </a:fmtScheme>
+  </a:themeElements>
+  <a:objectDefaults/>
+  <a:extraClrSchemeLst/>
+  <a:extLst>
+    <a:ext uri="{05A4C25C-085E-4340-85A3-A5531E510DB2}">
+      <thm15:themeFamily xmlns:thm15="http://schemas.microsoft.com/office/thememl/2012/main" name="Office Theme" id="{62F939B6-93AF-4DB8-9C6B-D6C7DFDC589F}" vid="{4A3C46E8-61CC-4603-A589-7422A47A8E4A}"/>
+    </a:ext>
+  </a:extLst>
+</a:theme>
+</file>
+
+<file path=ppt/theme/theme3.xml><?xml version="1.0" encoding="utf-8"?>
 <a:theme xmlns:a="http://schemas.openxmlformats.org/drawingml/2006/main" name="Office Theme">
   <a:themeElements>
     <a:clrScheme name="Office">
